--- a/spring13/slides13/partial-fractions.pptx
+++ b/spring13/slides13/partial-fractions.pptx
@@ -5,10 +5,10 @@
     <p:sldMasterId id="2147483650" r:id="rId1"/>
   </p:sldMasterIdLst>
   <p:notesMasterIdLst>
-    <p:notesMasterId r:id="rId13"/>
+    <p:notesMasterId r:id="rId14"/>
   </p:notesMasterIdLst>
   <p:handoutMasterIdLst>
-    <p:handoutMasterId r:id="rId14"/>
+    <p:handoutMasterId r:id="rId15"/>
   </p:handoutMasterIdLst>
   <p:sldIdLst>
     <p:sldId id="474" r:id="rId2"/>
@@ -16,17 +16,18 @@
     <p:sldId id="575" r:id="rId4"/>
     <p:sldId id="564" r:id="rId5"/>
     <p:sldId id="565" r:id="rId6"/>
-    <p:sldId id="566" r:id="rId7"/>
-    <p:sldId id="567" r:id="rId8"/>
-    <p:sldId id="562" r:id="rId9"/>
-    <p:sldId id="563" r:id="rId10"/>
-    <p:sldId id="573" r:id="rId11"/>
-    <p:sldId id="574" r:id="rId12"/>
+    <p:sldId id="576" r:id="rId7"/>
+    <p:sldId id="566" r:id="rId8"/>
+    <p:sldId id="567" r:id="rId9"/>
+    <p:sldId id="562" r:id="rId10"/>
+    <p:sldId id="563" r:id="rId11"/>
+    <p:sldId id="573" r:id="rId12"/>
+    <p:sldId id="574" r:id="rId13"/>
   </p:sldIdLst>
   <p:sldSz cx="9144000" cy="6858000" type="screen4x3"/>
   <p:notesSz cx="9601200" cy="7315200"/>
   <p:custDataLst>
-    <p:tags r:id="rId16"/>
+    <p:tags r:id="rId17"/>
   </p:custDataLst>
   <p:defaultTextStyle>
     <a:defPPr>
@@ -1102,7 +1103,7 @@
               <a:pPr>
                 <a:defRPr/>
               </a:pPr>
-              <a:t>10</a:t>
+              <a:t>11</a:t>
             </a:fld>
             <a:endParaRPr lang="en-US"/>
           </a:p>
@@ -1189,7 +1190,7 @@
               <a:pPr>
                 <a:defRPr/>
               </a:pPr>
-              <a:t>11</a:t>
+              <a:t>12</a:t>
             </a:fld>
             <a:endParaRPr lang="en-US"/>
           </a:p>
@@ -2868,6 +2869,764 @@
           <a:p>
             <a:r>
               <a:rPr lang="en-US" dirty="0" smtClean="0"/>
+              <a:t>In General…</a:t>
+            </a:r>
+            <a:endParaRPr lang="en-US" dirty="0"/>
+          </a:p>
+        </p:txBody>
+      </p:sp>
+      <p:sp>
+        <p:nvSpPr>
+          <p:cNvPr id="12" name="TextBox 11"/>
+          <p:cNvSpPr txBox="1"/>
+          <p:nvPr/>
+        </p:nvSpPr>
+        <p:spPr>
+          <a:xfrm>
+            <a:off x="381000" y="1487269"/>
+            <a:ext cx="8381999" cy="1200329"/>
+          </a:xfrm>
+          <a:prstGeom prst="rect">
+            <a:avLst/>
+          </a:prstGeom>
+          <a:noFill/>
+        </p:spPr>
+        <p:txBody>
+          <a:bodyPr wrap="square" rtlCol="0">
+            <a:spAutoFit/>
+          </a:bodyPr>
+          <a:lstStyle/>
+          <a:p>
+            <a:r>
+              <a:rPr lang="en-US" sz="3600" dirty="0" smtClean="0"/>
+              <a:t>The partial fraction expansion of </a:t>
+            </a:r>
+            <a:r>
+              <a:rPr lang="en-US" sz="3600" dirty="0" smtClean="0">
+                <a:solidFill>
+                  <a:srgbClr val="0000FF"/>
+                </a:solidFill>
+              </a:rPr>
+              <a:t>P</a:t>
+            </a:r>
+            <a:r>
+              <a:rPr lang="en-US" sz="3600" dirty="0" smtClean="0"/>
+              <a:t>(x)/</a:t>
+            </a:r>
+            <a:r>
+              <a:rPr lang="en-US" sz="3600" dirty="0" smtClean="0">
+                <a:solidFill>
+                  <a:srgbClr val="0000FF"/>
+                </a:solidFill>
+              </a:rPr>
+              <a:t>Q</a:t>
+            </a:r>
+            <a:r>
+              <a:rPr lang="en-US" sz="3600" dirty="0" smtClean="0"/>
+              <a:t>(x) contains terms of the form</a:t>
+            </a:r>
+            <a:endParaRPr lang="en-US" sz="3600" dirty="0"/>
+          </a:p>
+        </p:txBody>
+      </p:sp>
+      <p:graphicFrame>
+        <p:nvGraphicFramePr>
+          <p:cNvPr id="8" name="Object 7"/>
+          <p:cNvGraphicFramePr>
+            <a:graphicFrameLocks noChangeAspect="1"/>
+          </p:cNvGraphicFramePr>
+          <p:nvPr/>
+        </p:nvGraphicFramePr>
+        <p:xfrm>
+          <a:off x="781050" y="3003550"/>
+          <a:ext cx="4241800" cy="1917700"/>
+        </p:xfrm>
+        <a:graphic>
+          <a:graphicData uri="http://schemas.openxmlformats.org/presentationml/2006/ole">
+            <mc:AlternateContent xmlns:mc="http://schemas.openxmlformats.org/markup-compatibility/2006">
+              <mc:Choice xmlns:v="urn:schemas-microsoft-com:vml" Requires="v">
+                <p:oleObj spid="_x0000_s258088" name="Equation" r:id="rId3" imgW="4241800" imgH="1917700" progId="Equation.DSMT4">
+                  <p:embed/>
+                </p:oleObj>
+              </mc:Choice>
+              <mc:Fallback>
+                <p:oleObj name="Equation" r:id="rId3" imgW="4241800" imgH="1917700" progId="Equation.DSMT4">
+                  <p:embed/>
+                  <p:pic>
+                    <p:nvPicPr>
+                      <p:cNvPr id="0" name="Picture 2"/>
+                      <p:cNvPicPr>
+                        <a:picLocks noChangeAspect="1" noChangeArrowheads="1"/>
+                      </p:cNvPicPr>
+                      <p:nvPr/>
+                    </p:nvPicPr>
+                    <p:blipFill>
+                      <a:blip r:embed="rId4">
+                        <a:extLst>
+                          <a:ext uri="{28A0092B-C50C-407E-A947-70E740481C1C}">
+                            <a14:useLocalDpi xmlns:a14="http://schemas.microsoft.com/office/drawing/2010/main" val="0"/>
+                          </a:ext>
+                        </a:extLst>
+                      </a:blip>
+                      <a:srcRect/>
+                      <a:stretch>
+                        <a:fillRect/>
+                      </a:stretch>
+                    </p:blipFill>
+                    <p:spPr bwMode="auto">
+                      <a:xfrm>
+                        <a:off x="781050" y="3003550"/>
+                        <a:ext cx="4241800" cy="1917700"/>
+                      </a:xfrm>
+                      <a:prstGeom prst="rect">
+                        <a:avLst/>
+                      </a:prstGeom>
+                      <a:noFill/>
+                      <a:extLst>
+                        <a:ext uri="{909E8E84-426E-40dd-AFC4-6F175D3DCCD1}">
+                          <a14:hiddenFill xmlns:a14="http://schemas.microsoft.com/office/drawing/2010/main">
+                            <a:solidFill>
+                              <a:srgbClr val="FFFFFF"/>
+                            </a:solidFill>
+                          </a14:hiddenFill>
+                        </a:ext>
+                      </a:extLst>
+                    </p:spPr>
+                  </p:pic>
+                </p:oleObj>
+              </mc:Fallback>
+            </mc:AlternateContent>
+          </a:graphicData>
+        </a:graphic>
+      </p:graphicFrame>
+      <p:sp>
+        <p:nvSpPr>
+          <p:cNvPr id="10" name="TextBox 9"/>
+          <p:cNvSpPr txBox="1"/>
+          <p:nvPr/>
+        </p:nvSpPr>
+        <p:spPr>
+          <a:xfrm>
+            <a:off x="381000" y="5257800"/>
+            <a:ext cx="6351318" cy="646331"/>
+          </a:xfrm>
+          <a:prstGeom prst="rect">
+            <a:avLst/>
+          </a:prstGeom>
+          <a:noFill/>
+        </p:spPr>
+        <p:txBody>
+          <a:bodyPr wrap="none" rtlCol="0">
+            <a:spAutoFit/>
+          </a:bodyPr>
+          <a:lstStyle/>
+          <a:p>
+            <a:r>
+              <a:rPr lang="en-US" sz="3600" dirty="0" smtClean="0"/>
+              <a:t>where 1/</a:t>
+            </a:r>
+            <a:r>
+              <a:rPr lang="en-US" sz="3600" b="1" dirty="0" smtClean="0">
+                <a:solidFill>
+                  <a:srgbClr val="008000"/>
+                </a:solidFill>
+                <a:latin typeface="Symbol" charset="2"/>
+                <a:cs typeface="Symbol" charset="2"/>
+                <a:sym typeface="Symbol"/>
+              </a:rPr>
+              <a:t>α</a:t>
+            </a:r>
+            <a:r>
+              <a:rPr lang="en-US" sz="3600" dirty="0" smtClean="0">
+                <a:solidFill>
+                  <a:srgbClr val="008000"/>
+                </a:solidFill>
+                <a:sym typeface="Symbol"/>
+              </a:rPr>
+              <a:t> </a:t>
+            </a:r>
+            <a:r>
+              <a:rPr lang="en-US" sz="3600" dirty="0" smtClean="0">
+                <a:sym typeface="Symbol"/>
+              </a:rPr>
+              <a:t>is a root of </a:t>
+            </a:r>
+            <a:r>
+              <a:rPr lang="en-US" sz="3600" dirty="0" smtClean="0">
+                <a:solidFill>
+                  <a:srgbClr val="0000FF"/>
+                </a:solidFill>
+                <a:sym typeface="Symbol"/>
+              </a:rPr>
+              <a:t>Q</a:t>
+            </a:r>
+            <a:r>
+              <a:rPr lang="en-US" sz="3600" dirty="0" smtClean="0">
+                <a:sym typeface="Symbol"/>
+              </a:rPr>
+              <a:t>(x).</a:t>
+            </a:r>
+            <a:endParaRPr lang="en-US" sz="3600" dirty="0"/>
+          </a:p>
+        </p:txBody>
+      </p:sp>
+      <p:grpSp>
+        <p:nvGrpSpPr>
+          <p:cNvPr id="4" name="Group 15"/>
+          <p:cNvGrpSpPr/>
+          <p:nvPr/>
+        </p:nvGrpSpPr>
+        <p:grpSpPr>
+          <a:xfrm>
+            <a:off x="3962400" y="2819400"/>
+            <a:ext cx="4952999" cy="1077218"/>
+            <a:chOff x="3812309" y="2819399"/>
+            <a:chExt cx="5103090" cy="895784"/>
+          </a:xfrm>
+        </p:grpSpPr>
+        <p:sp>
+          <p:nvSpPr>
+            <p:cNvPr id="11" name="TextBox 10"/>
+            <p:cNvSpPr txBox="1"/>
+            <p:nvPr/>
+          </p:nvSpPr>
+          <p:spPr>
+            <a:xfrm>
+              <a:off x="5029200" y="2819399"/>
+              <a:ext cx="3886199" cy="895784"/>
+            </a:xfrm>
+            <a:prstGeom prst="rect">
+              <a:avLst/>
+            </a:prstGeom>
+            <a:noFill/>
+          </p:spPr>
+          <p:txBody>
+            <a:bodyPr wrap="square" rtlCol="0">
+              <a:spAutoFit/>
+            </a:bodyPr>
+            <a:lstStyle/>
+            <a:p>
+              <a:r>
+                <a:rPr lang="en-US" sz="3200" dirty="0" smtClean="0">
+                  <a:solidFill>
+                    <a:srgbClr val="FF00FF"/>
+                  </a:solidFill>
+                </a:rPr>
+                <a:t>We know the </a:t>
+              </a:r>
+              <a:r>
+                <a:rPr lang="en-US" sz="3200" dirty="0" smtClean="0">
+                  <a:solidFill>
+                    <a:srgbClr val="0000FF"/>
+                  </a:solidFill>
+                </a:rPr>
+                <a:t>n</a:t>
+              </a:r>
+              <a:r>
+                <a:rPr lang="en-US" sz="3200" baseline="30000" dirty="0" smtClean="0">
+                  <a:solidFill>
+                    <a:srgbClr val="FF00FF"/>
+                  </a:solidFill>
+                </a:rPr>
+                <a:t>th</a:t>
+              </a:r>
+              <a:r>
+                <a:rPr lang="en-US" sz="3200" dirty="0" smtClean="0">
+                  <a:solidFill>
+                    <a:srgbClr val="FF00FF"/>
+                  </a:solidFill>
+                </a:rPr>
+                <a:t> </a:t>
+              </a:r>
+              <a:r>
+                <a:rPr lang="en-US" sz="3200" dirty="0" err="1" smtClean="0">
+                  <a:solidFill>
+                    <a:srgbClr val="FF00FF"/>
+                  </a:solidFill>
+                </a:rPr>
+                <a:t>coeff</a:t>
+              </a:r>
+              <a:r>
+                <a:rPr lang="en-US" sz="3200" dirty="0" smtClean="0">
+                  <a:solidFill>
+                    <a:srgbClr val="FF00FF"/>
+                  </a:solidFill>
+                </a:rPr>
+                <a:t> of this!</a:t>
+              </a:r>
+              <a:endParaRPr lang="en-US" sz="3200" dirty="0">
+                <a:solidFill>
+                  <a:srgbClr val="FF00FF"/>
+                </a:solidFill>
+              </a:endParaRPr>
+            </a:p>
+          </p:txBody>
+        </p:sp>
+        <p:cxnSp>
+          <p:nvCxnSpPr>
+            <p:cNvPr id="15" name="Straight Arrow Connector 14"/>
+            <p:cNvCxnSpPr>
+              <a:stCxn id="11" idx="1"/>
+            </p:cNvCxnSpPr>
+            <p:nvPr/>
+          </p:nvCxnSpPr>
+          <p:spPr bwMode="auto">
+            <a:xfrm rot="10800000" flipV="1">
+              <a:off x="3812309" y="3267289"/>
+              <a:ext cx="1216891" cy="249131"/>
+            </a:xfrm>
+            <a:prstGeom prst="straightConnector1">
+              <a:avLst/>
+            </a:prstGeom>
+            <a:solidFill>
+              <a:schemeClr val="accent1">
+                <a:alpha val="0"/>
+              </a:schemeClr>
+            </a:solidFill>
+            <a:ln w="28575" cap="flat" cmpd="sng" algn="ctr">
+              <a:solidFill>
+                <a:srgbClr val="FF00FF"/>
+              </a:solidFill>
+              <a:prstDash val="sysDot"/>
+              <a:round/>
+              <a:headEnd type="none" w="med" len="med"/>
+              <a:tailEnd type="arrow"/>
+            </a:ln>
+            <a:effectLst/>
+          </p:spPr>
+        </p:cxnSp>
+      </p:grpSp>
+      <p:sp>
+        <p:nvSpPr>
+          <p:cNvPr id="13" name="Slide Number Placeholder 2"/>
+          <p:cNvSpPr>
+            <a:spLocks noGrp="1"/>
+          </p:cNvSpPr>
+          <p:nvPr>
+            <p:ph type="sldNum" sz="quarter" idx="10"/>
+          </p:nvPr>
+        </p:nvSpPr>
+        <p:spPr>
+          <a:xfrm>
+            <a:off x="6400800" y="6613525"/>
+            <a:ext cx="2667000" cy="244475"/>
+          </a:xfrm>
+        </p:spPr>
+        <p:txBody>
+          <a:bodyPr/>
+          <a:lstStyle/>
+          <a:p>
+            <a:pPr>
+              <a:defRPr/>
+            </a:pPr>
+            <a:r>
+              <a:rPr lang="en-US" dirty="0" err="1" smtClean="0"/>
+              <a:t>lec</a:t>
+            </a:r>
+            <a:r>
+              <a:rPr lang="en-US" dirty="0" smtClean="0"/>
+              <a:t> 11M.</a:t>
+            </a:r>
+            <a:fld id="{A585D087-0720-40C8-BCB9-442D95888E3B}" type="slidenum">
+              <a:rPr lang="en-US" smtClean="0"/>
+              <a:pPr>
+                <a:defRPr/>
+              </a:pPr>
+              <a:t>10</a:t>
+            </a:fld>
+            <a:endParaRPr lang="en-US" dirty="0"/>
+          </a:p>
+        </p:txBody>
+      </p:sp>
+      <p:graphicFrame>
+        <p:nvGraphicFramePr>
+          <p:cNvPr id="14" name="Object 13"/>
+          <p:cNvGraphicFramePr>
+            <a:graphicFrameLocks noChangeAspect="1"/>
+          </p:cNvGraphicFramePr>
+          <p:nvPr/>
+        </p:nvGraphicFramePr>
+        <p:xfrm>
+          <a:off x="5668963" y="3810000"/>
+          <a:ext cx="3170237" cy="1752600"/>
+        </p:xfrm>
+        <a:graphic>
+          <a:graphicData uri="http://schemas.openxmlformats.org/presentationml/2006/ole">
+            <mc:AlternateContent xmlns:mc="http://schemas.openxmlformats.org/markup-compatibility/2006">
+              <mc:Choice xmlns:v="urn:schemas-microsoft-com:vml" Requires="v">
+                <p:oleObj spid="_x0000_s258089" name="Equation" r:id="rId5" imgW="965200" imgH="533400" progId="Equation.DSMT4">
+                  <p:embed/>
+                </p:oleObj>
+              </mc:Choice>
+              <mc:Fallback>
+                <p:oleObj name="Equation" r:id="rId5" imgW="965200" imgH="533400" progId="Equation.DSMT4">
+                  <p:embed/>
+                  <p:pic>
+                    <p:nvPicPr>
+                      <p:cNvPr id="0" name="Picture 5"/>
+                      <p:cNvPicPr>
+                        <a:picLocks noChangeAspect="1" noChangeArrowheads="1"/>
+                      </p:cNvPicPr>
+                      <p:nvPr/>
+                    </p:nvPicPr>
+                    <p:blipFill>
+                      <a:blip r:embed="rId6">
+                        <a:extLst>
+                          <a:ext uri="{28A0092B-C50C-407E-A947-70E740481C1C}">
+                            <a14:useLocalDpi xmlns:a14="http://schemas.microsoft.com/office/drawing/2010/main" val="0"/>
+                          </a:ext>
+                        </a:extLst>
+                      </a:blip>
+                      <a:srcRect/>
+                      <a:stretch>
+                        <a:fillRect/>
+                      </a:stretch>
+                    </p:blipFill>
+                    <p:spPr bwMode="auto">
+                      <a:xfrm>
+                        <a:off x="5668963" y="3810000"/>
+                        <a:ext cx="3170237" cy="1752600"/>
+                      </a:xfrm>
+                      <a:prstGeom prst="rect">
+                        <a:avLst/>
+                      </a:prstGeom>
+                      <a:noFill/>
+                      <a:extLst>
+                        <a:ext uri="{909E8E84-426E-40dd-AFC4-6F175D3DCCD1}">
+                          <a14:hiddenFill xmlns:a14="http://schemas.microsoft.com/office/drawing/2010/main">
+                            <a:solidFill>
+                              <a:srgbClr val="FFFFFF"/>
+                            </a:solidFill>
+                          </a14:hiddenFill>
+                        </a:ext>
+                      </a:extLst>
+                    </p:spPr>
+                  </p:pic>
+                </p:oleObj>
+              </mc:Fallback>
+            </mc:AlternateContent>
+          </a:graphicData>
+        </a:graphic>
+      </p:graphicFrame>
+    </p:spTree>
+  </p:cSld>
+  <p:clrMapOvr>
+    <a:masterClrMapping/>
+  </p:clrMapOvr>
+  <p:transition xmlns:p14="http://schemas.microsoft.com/office/powerpoint/2010/main" spd="slow">
+    <p:fade/>
+  </p:transition>
+  <p:timing>
+    <p:tnLst>
+      <p:par>
+        <p:cTn xmlns:p14="http://schemas.microsoft.com/office/powerpoint/2010/main" id="1" dur="indefinite" restart="never" nodeType="tmRoot">
+          <p:childTnLst>
+            <p:seq concurrent="1" nextAc="seek">
+              <p:cTn id="2" dur="indefinite" nodeType="mainSeq">
+                <p:childTnLst>
+                  <p:par>
+                    <p:cTn id="3" fill="hold">
+                      <p:stCondLst>
+                        <p:cond delay="indefinite"/>
+                      </p:stCondLst>
+                      <p:childTnLst>
+                        <p:par>
+                          <p:cTn id="4" fill="hold">
+                            <p:stCondLst>
+                              <p:cond delay="0"/>
+                            </p:stCondLst>
+                            <p:childTnLst>
+                              <p:par>
+                                <p:cTn id="5" presetID="22" presetClass="entr" presetSubtype="8" fill="hold" nodeType="clickEffect">
+                                  <p:stCondLst>
+                                    <p:cond delay="0"/>
+                                  </p:stCondLst>
+                                  <p:childTnLst>
+                                    <p:set>
+                                      <p:cBhvr>
+                                        <p:cTn id="6" dur="1" fill="hold">
+                                          <p:stCondLst>
+                                            <p:cond delay="0"/>
+                                          </p:stCondLst>
+                                        </p:cTn>
+                                        <p:tgtEl>
+                                          <p:spTgt spid="8"/>
+                                        </p:tgtEl>
+                                        <p:attrNameLst>
+                                          <p:attrName>style.visibility</p:attrName>
+                                        </p:attrNameLst>
+                                      </p:cBhvr>
+                                      <p:to>
+                                        <p:strVal val="visible"/>
+                                      </p:to>
+                                    </p:set>
+                                    <p:animEffect transition="in" filter="wipe(left)">
+                                      <p:cBhvr>
+                                        <p:cTn id="7" dur="500"/>
+                                        <p:tgtEl>
+                                          <p:spTgt spid="8"/>
+                                        </p:tgtEl>
+                                      </p:cBhvr>
+                                    </p:animEffect>
+                                  </p:childTnLst>
+                                </p:cTn>
+                              </p:par>
+                            </p:childTnLst>
+                          </p:cTn>
+                        </p:par>
+                        <p:par>
+                          <p:cTn id="8" fill="hold">
+                            <p:stCondLst>
+                              <p:cond delay="500"/>
+                            </p:stCondLst>
+                            <p:childTnLst>
+                              <p:par>
+                                <p:cTn id="9" presetID="22" presetClass="entr" presetSubtype="8" fill="hold" grpId="0" nodeType="afterEffect">
+                                  <p:stCondLst>
+                                    <p:cond delay="0"/>
+                                  </p:stCondLst>
+                                  <p:childTnLst>
+                                    <p:set>
+                                      <p:cBhvr>
+                                        <p:cTn id="10" dur="1" fill="hold">
+                                          <p:stCondLst>
+                                            <p:cond delay="0"/>
+                                          </p:stCondLst>
+                                        </p:cTn>
+                                        <p:tgtEl>
+                                          <p:spTgt spid="10"/>
+                                        </p:tgtEl>
+                                        <p:attrNameLst>
+                                          <p:attrName>style.visibility</p:attrName>
+                                        </p:attrNameLst>
+                                      </p:cBhvr>
+                                      <p:to>
+                                        <p:strVal val="visible"/>
+                                      </p:to>
+                                    </p:set>
+                                    <p:animEffect transition="in" filter="wipe(left)">
+                                      <p:cBhvr>
+                                        <p:cTn id="11" dur="500"/>
+                                        <p:tgtEl>
+                                          <p:spTgt spid="10"/>
+                                        </p:tgtEl>
+                                      </p:cBhvr>
+                                    </p:animEffect>
+                                  </p:childTnLst>
+                                </p:cTn>
+                              </p:par>
+                            </p:childTnLst>
+                          </p:cTn>
+                        </p:par>
+                      </p:childTnLst>
+                    </p:cTn>
+                  </p:par>
+                  <p:par>
+                    <p:cTn id="12" fill="hold">
+                      <p:stCondLst>
+                        <p:cond delay="indefinite"/>
+                      </p:stCondLst>
+                      <p:childTnLst>
+                        <p:par>
+                          <p:cTn id="13" fill="hold">
+                            <p:stCondLst>
+                              <p:cond delay="0"/>
+                            </p:stCondLst>
+                            <p:childTnLst>
+                              <p:par>
+                                <p:cTn id="14" presetID="9" presetClass="entr" presetSubtype="0" fill="hold" nodeType="clickEffect">
+                                  <p:stCondLst>
+                                    <p:cond delay="0"/>
+                                  </p:stCondLst>
+                                  <p:childTnLst>
+                                    <p:set>
+                                      <p:cBhvr>
+                                        <p:cTn id="15" dur="1" fill="hold">
+                                          <p:stCondLst>
+                                            <p:cond delay="0"/>
+                                          </p:stCondLst>
+                                        </p:cTn>
+                                        <p:tgtEl>
+                                          <p:spTgt spid="4"/>
+                                        </p:tgtEl>
+                                        <p:attrNameLst>
+                                          <p:attrName>style.visibility</p:attrName>
+                                        </p:attrNameLst>
+                                      </p:cBhvr>
+                                      <p:to>
+                                        <p:strVal val="visible"/>
+                                      </p:to>
+                                    </p:set>
+                                    <p:animEffect transition="in" filter="dissolve">
+                                      <p:cBhvr>
+                                        <p:cTn id="16" dur="500"/>
+                                        <p:tgtEl>
+                                          <p:spTgt spid="4"/>
+                                        </p:tgtEl>
+                                      </p:cBhvr>
+                                    </p:animEffect>
+                                  </p:childTnLst>
+                                </p:cTn>
+                              </p:par>
+                            </p:childTnLst>
+                          </p:cTn>
+                        </p:par>
+                      </p:childTnLst>
+                    </p:cTn>
+                  </p:par>
+                  <p:par>
+                    <p:cTn id="17" fill="hold">
+                      <p:stCondLst>
+                        <p:cond delay="indefinite"/>
+                      </p:stCondLst>
+                      <p:childTnLst>
+                        <p:par>
+                          <p:cTn id="18" fill="hold">
+                            <p:stCondLst>
+                              <p:cond delay="0"/>
+                            </p:stCondLst>
+                            <p:childTnLst>
+                              <p:par>
+                                <p:cTn id="19" presetID="2" presetClass="entr" presetSubtype="2" accel="50000" decel="50000" fill="hold" nodeType="clickEffect">
+                                  <p:stCondLst>
+                                    <p:cond delay="0"/>
+                                  </p:stCondLst>
+                                  <p:childTnLst>
+                                    <p:set>
+                                      <p:cBhvr>
+                                        <p:cTn id="20" dur="1" fill="hold">
+                                          <p:stCondLst>
+                                            <p:cond delay="0"/>
+                                          </p:stCondLst>
+                                        </p:cTn>
+                                        <p:tgtEl>
+                                          <p:spTgt spid="14"/>
+                                        </p:tgtEl>
+                                        <p:attrNameLst>
+                                          <p:attrName>style.visibility</p:attrName>
+                                        </p:attrNameLst>
+                                      </p:cBhvr>
+                                      <p:to>
+                                        <p:strVal val="visible"/>
+                                      </p:to>
+                                    </p:set>
+                                    <p:anim calcmode="lin" valueType="num">
+                                      <p:cBhvr additive="base">
+                                        <p:cTn id="21" dur="1000" fill="hold"/>
+                                        <p:tgtEl>
+                                          <p:spTgt spid="14"/>
+                                        </p:tgtEl>
+                                        <p:attrNameLst>
+                                          <p:attrName>ppt_x</p:attrName>
+                                        </p:attrNameLst>
+                                      </p:cBhvr>
+                                      <p:tavLst>
+                                        <p:tav tm="0">
+                                          <p:val>
+                                            <p:strVal val="1+#ppt_w/2"/>
+                                          </p:val>
+                                        </p:tav>
+                                        <p:tav tm="100000">
+                                          <p:val>
+                                            <p:strVal val="#ppt_x"/>
+                                          </p:val>
+                                        </p:tav>
+                                      </p:tavLst>
+                                    </p:anim>
+                                    <p:anim calcmode="lin" valueType="num">
+                                      <p:cBhvr additive="base">
+                                        <p:cTn id="22" dur="1000" fill="hold"/>
+                                        <p:tgtEl>
+                                          <p:spTgt spid="14"/>
+                                        </p:tgtEl>
+                                        <p:attrNameLst>
+                                          <p:attrName>ppt_y</p:attrName>
+                                        </p:attrNameLst>
+                                      </p:cBhvr>
+                                      <p:tavLst>
+                                        <p:tav tm="0">
+                                          <p:val>
+                                            <p:strVal val="#ppt_y"/>
+                                          </p:val>
+                                        </p:tav>
+                                        <p:tav tm="100000">
+                                          <p:val>
+                                            <p:strVal val="#ppt_y"/>
+                                          </p:val>
+                                        </p:tav>
+                                      </p:tavLst>
+                                    </p:anim>
+                                  </p:childTnLst>
+                                </p:cTn>
+                              </p:par>
+                            </p:childTnLst>
+                          </p:cTn>
+                        </p:par>
+                      </p:childTnLst>
+                    </p:cTn>
+                  </p:par>
+                </p:childTnLst>
+              </p:cTn>
+              <p:prevCondLst>
+                <p:cond evt="onPrev" delay="0">
+                  <p:tgtEl>
+                    <p:sldTgt/>
+                  </p:tgtEl>
+                </p:cond>
+              </p:prevCondLst>
+              <p:nextCondLst>
+                <p:cond evt="onNext" delay="0">
+                  <p:tgtEl>
+                    <p:sldTgt/>
+                  </p:tgtEl>
+                </p:cond>
+              </p:nextCondLst>
+            </p:seq>
+          </p:childTnLst>
+        </p:cTn>
+      </p:par>
+    </p:tnLst>
+    <p:bldLst>
+      <p:bldP spid="10" grpId="0"/>
+    </p:bldLst>
+  </p:timing>
+</p:sld>
+</file>
+
+<file path=ppt/slides/slide11.xml><?xml version="1.0" encoding="utf-8"?>
+<p:sld xmlns:a="http://schemas.openxmlformats.org/drawingml/2006/main" xmlns:r="http://schemas.openxmlformats.org/officeDocument/2006/relationships" xmlns:p="http://schemas.openxmlformats.org/presentationml/2006/main">
+  <p:cSld>
+    <p:spTree>
+      <p:nvGrpSpPr>
+        <p:cNvPr id="1" name=""/>
+        <p:cNvGrpSpPr/>
+        <p:nvPr/>
+      </p:nvGrpSpPr>
+      <p:grpSpPr>
+        <a:xfrm>
+          <a:off x="0" y="0"/>
+          <a:ext cx="0" cy="0"/>
+          <a:chOff x="0" y="0"/>
+          <a:chExt cx="0" cy="0"/>
+        </a:xfrm>
+      </p:grpSpPr>
+      <p:sp>
+        <p:nvSpPr>
+          <p:cNvPr id="2" name="Title 1"/>
+          <p:cNvSpPr>
+            <a:spLocks noGrp="1"/>
+          </p:cNvSpPr>
+          <p:nvPr>
+            <p:ph type="title"/>
+          </p:nvPr>
+        </p:nvSpPr>
+        <p:spPr/>
+        <p:txBody>
+          <a:bodyPr/>
+          <a:lstStyle/>
+          <a:p>
+            <a:r>
+              <a:rPr lang="en-US" dirty="0" smtClean="0"/>
               <a:t>Partial Fractions Caveat #1</a:t>
             </a:r>
             <a:endParaRPr lang="en-US" dirty="0"/>
@@ -2958,7 +3717,7 @@
           <a:graphicData uri="http://schemas.openxmlformats.org/presentationml/2006/ole">
             <mc:AlternateContent xmlns:mc="http://schemas.openxmlformats.org/markup-compatibility/2006">
               <mc:Choice xmlns:v="urn:schemas-microsoft-com:vml" Requires="v">
-                <p:oleObj spid="_x0000_s380961" name="Equation" r:id="rId4" imgW="2463800" imgH="1727200" progId="Equation.DSMT4">
+                <p:oleObj spid="_x0000_s380966" name="Equation" r:id="rId4" imgW="2463800" imgH="1727200" progId="Equation.DSMT4">
                   <p:embed/>
                 </p:oleObj>
               </mc:Choice>
@@ -3070,7 +3829,7 @@
           <a:graphicData uri="http://schemas.openxmlformats.org/presentationml/2006/ole">
             <mc:AlternateContent xmlns:mc="http://schemas.openxmlformats.org/markup-compatibility/2006">
               <mc:Choice xmlns:v="urn:schemas-microsoft-com:vml" Requires="v">
-                <p:oleObj spid="_x0000_s380962" name="Equation" r:id="rId6" imgW="7924800" imgH="1663700" progId="Equation.DSMT4">
+                <p:oleObj spid="_x0000_s380967" name="Equation" r:id="rId6" imgW="7924800" imgH="1663700" progId="Equation.DSMT4">
                   <p:embed/>
                 </p:oleObj>
               </mc:Choice>
@@ -3160,7 +3919,7 @@
               <a:pPr>
                 <a:defRPr/>
               </a:pPr>
-              <a:t>10</a:t>
+              <a:t>11</a:t>
             </a:fld>
             <a:endParaRPr lang="en-US" dirty="0"/>
           </a:p>
@@ -3316,7 +4075,7 @@
 </p:sld>
 </file>
 
-<file path=ppt/slides/slide11.xml><?xml version="1.0" encoding="utf-8"?>
+<file path=ppt/slides/slide12.xml><?xml version="1.0" encoding="utf-8"?>
 <p:sld xmlns:a="http://schemas.openxmlformats.org/drawingml/2006/main" xmlns:r="http://schemas.openxmlformats.org/officeDocument/2006/relationships" xmlns:p="http://schemas.openxmlformats.org/presentationml/2006/main">
   <p:cSld>
     <p:spTree>
@@ -3421,7 +4180,7 @@
           <a:graphicData uri="http://schemas.openxmlformats.org/presentationml/2006/ole">
             <mc:AlternateContent xmlns:mc="http://schemas.openxmlformats.org/markup-compatibility/2006">
               <mc:Choice xmlns:v="urn:schemas-microsoft-com:vml" Requires="v">
-                <p:oleObj spid="_x0000_s383009" name="Equation" r:id="rId4" imgW="6273720" imgH="571320" progId="Equation.DSMT4">
+                <p:oleObj spid="_x0000_s383014" name="Equation" r:id="rId4" imgW="6273720" imgH="571320" progId="Equation.DSMT4">
                   <p:embed/>
                 </p:oleObj>
               </mc:Choice>
@@ -3558,7 +4317,7 @@
           <a:graphicData uri="http://schemas.openxmlformats.org/presentationml/2006/ole">
             <mc:AlternateContent xmlns:mc="http://schemas.openxmlformats.org/markup-compatibility/2006">
               <mc:Choice xmlns:v="urn:schemas-microsoft-com:vml" Requires="v">
-                <p:oleObj spid="_x0000_s383010" name="Equation" r:id="rId6" imgW="5537160" imgH="571320" progId="Equation.DSMT4">
+                <p:oleObj spid="_x0000_s383015" name="Equation" r:id="rId6" imgW="5537160" imgH="571320" progId="Equation.DSMT4">
                   <p:embed/>
                 </p:oleObj>
               </mc:Choice>
@@ -3719,7 +4478,7 @@
               <a:pPr>
                 <a:defRPr/>
               </a:pPr>
-              <a:t>11</a:t>
+              <a:t>12</a:t>
             </a:fld>
             <a:endParaRPr lang="en-US" dirty="0"/>
           </a:p>
@@ -4120,31 +4879,35 @@
           <a:p>
             <a:r>
               <a:rPr lang="en-US" sz="4800" dirty="0" smtClean="0"/>
-              <a:t>If a generating function</a:t>
+              <a:t>If a generating </a:t>
+            </a:r>
+            <a:r>
+              <a:rPr lang="en-US" sz="4800" dirty="0" smtClean="0"/>
+              <a:t>function</a:t>
             </a:r>
           </a:p>
           <a:p>
             <a:r>
-              <a:rPr lang="en-US" sz="4800" dirty="0" err="1" smtClean="0">
+              <a:rPr lang="en-US" sz="4800" dirty="0" smtClean="0">
                 <a:solidFill>
                   <a:srgbClr val="0000FF"/>
                 </a:solidFill>
               </a:rPr>
-              <a:t>H</a:t>
-            </a:r>
-            <a:r>
-              <a:rPr lang="en-US" sz="4800" dirty="0" err="1" smtClean="0"/>
-              <a:t>(x</a:t>
+              <a:t>H(x)</a:t>
             </a:r>
             <a:r>
               <a:rPr lang="en-US" sz="4800" dirty="0" smtClean="0"/>
-              <a:t>) is a rational function</a:t>
+              <a:t> is a rational function</a:t>
             </a:r>
           </a:p>
           <a:p>
             <a:r>
               <a:rPr lang="en-US" sz="4800" dirty="0" smtClean="0"/>
-              <a:t>there is a simple way to find</a:t>
+              <a:t>there </a:t>
+            </a:r>
+            <a:r>
+              <a:rPr lang="en-US" sz="4800" dirty="0" smtClean="0"/>
+              <a:t>is a simple way to find</a:t>
             </a:r>
           </a:p>
           <a:p>
@@ -4162,19 +4925,11 @@
             </a:r>
             <a:r>
               <a:rPr lang="en-US" sz="4800" dirty="0" smtClean="0"/>
-              <a:t>th coefficient </a:t>
-            </a:r>
-            <a:r>
-              <a:rPr lang="en-US" sz="4800" dirty="0" err="1" smtClean="0"/>
-              <a:t>h</a:t>
-            </a:r>
-            <a:r>
-              <a:rPr lang="en-US" sz="4800" baseline="-25000" dirty="0" err="1" smtClean="0">
-                <a:solidFill>
-                  <a:srgbClr val="0000FF"/>
-                </a:solidFill>
-              </a:rPr>
-              <a:t>n</a:t>
+              <a:t>th </a:t>
+            </a:r>
+            <a:r>
+              <a:rPr lang="en-US" sz="4800" dirty="0" smtClean="0"/>
+              <a:t>coefficient</a:t>
             </a:r>
             <a:endParaRPr lang="en-US" sz="4800" dirty="0">
               <a:solidFill>
@@ -4221,6 +4976,63 @@
           </a:p>
         </p:txBody>
       </p:sp>
+      <p:graphicFrame>
+        <p:nvGraphicFramePr>
+          <p:cNvPr id="6" name="Object 5"/>
+          <p:cNvGraphicFramePr>
+            <a:graphicFrameLocks noChangeAspect="1"/>
+          </p:cNvGraphicFramePr>
+          <p:nvPr>
+            <p:extLst>
+              <p:ext uri="{D42A27DB-BD31-4B8C-83A1-F6EECF244321}">
+                <p14:modId xmlns:p14="http://schemas.microsoft.com/office/powerpoint/2010/main" val="2641279857"/>
+              </p:ext>
+            </p:extLst>
+          </p:nvPr>
+        </p:nvGraphicFramePr>
+        <p:xfrm>
+          <a:off x="2149231" y="4724400"/>
+          <a:ext cx="4708769" cy="1530350"/>
+        </p:xfrm>
+        <a:graphic>
+          <a:graphicData uri="http://schemas.openxmlformats.org/presentationml/2006/ole">
+            <mc:AlternateContent xmlns:mc="http://schemas.openxmlformats.org/markup-compatibility/2006">
+              <mc:Choice xmlns:v="urn:schemas-microsoft-com:vml" Requires="v">
+                <p:oleObj spid="_x0000_s386050" name="Equation" r:id="rId3" imgW="1016000" imgH="330200" progId="Equation.DSMT4">
+                  <p:embed/>
+                </p:oleObj>
+              </mc:Choice>
+              <mc:Fallback>
+                <p:oleObj name="Equation" r:id="rId3" imgW="1016000" imgH="330200" progId="Equation.DSMT4">
+                  <p:embed/>
+                  <p:pic>
+                    <p:nvPicPr>
+                      <p:cNvPr id="0" name=""/>
+                      <p:cNvPicPr/>
+                      <p:nvPr/>
+                    </p:nvPicPr>
+                    <p:blipFill>
+                      <a:blip r:embed="rId4"/>
+                      <a:stretch>
+                        <a:fillRect/>
+                      </a:stretch>
+                    </p:blipFill>
+                    <p:spPr>
+                      <a:xfrm>
+                        <a:off x="2149231" y="4724400"/>
+                        <a:ext cx="4708769" cy="1530350"/>
+                      </a:xfrm>
+                      <a:prstGeom prst="rect">
+                        <a:avLst/>
+                      </a:prstGeom>
+                    </p:spPr>
+                  </p:pic>
+                </p:oleObj>
+              </mc:Fallback>
+            </mc:AlternateContent>
+          </a:graphicData>
+        </a:graphic>
+      </p:graphicFrame>
     </p:spTree>
   </p:cSld>
   <p:clrMapOvr>
@@ -4259,7 +5071,7 @@
                             </p:stCondLst>
                             <p:childTnLst>
                               <p:par>
-                                <p:cTn id="5" presetID="1" presetClass="entr" presetSubtype="0" fill="hold" grpId="0" nodeType="clickEffect">
+                                <p:cTn id="5" presetID="10" presetClass="entr" presetSubtype="0" fill="hold" grpId="0" nodeType="clickEffect">
                                   <p:stCondLst>
                                     <p:cond delay="0"/>
                                   </p:stCondLst>
@@ -4286,18 +5098,30 @@
                                         <p:strVal val="visible"/>
                                       </p:to>
                                     </p:set>
+                                    <p:animEffect transition="in" filter="fade">
+                                      <p:cBhvr>
+                                        <p:cTn id="7" dur="500"/>
+                                        <p:tgtEl>
+                                          <p:spTgt spid="4">
+                                            <p:txEl>
+                                              <p:pRg st="0" end="0"/>
+                                            </p:txEl>
+                                          </p:spTgt>
+                                        </p:tgtEl>
+                                      </p:cBhvr>
+                                    </p:animEffect>
                                   </p:childTnLst>
                                 </p:cTn>
                               </p:par>
                               <p:par>
-                                <p:cTn id="7" presetID="1" presetClass="entr" presetSubtype="0" fill="hold" grpId="0" nodeType="withEffect">
+                                <p:cTn id="8" presetID="10" presetClass="entr" presetSubtype="0" fill="hold" grpId="0" nodeType="withEffect">
                                   <p:stCondLst>
                                     <p:cond delay="0"/>
                                   </p:stCondLst>
                                   <p:childTnLst>
                                     <p:set>
                                       <p:cBhvr>
-                                        <p:cTn id="8" dur="1" fill="hold">
+                                        <p:cTn id="9" dur="1" fill="hold">
                                           <p:stCondLst>
                                             <p:cond delay="0"/>
                                           </p:stCondLst>
@@ -4317,6 +5141,18 @@
                                         <p:strVal val="visible"/>
                                       </p:to>
                                     </p:set>
+                                    <p:animEffect transition="in" filter="fade">
+                                      <p:cBhvr>
+                                        <p:cTn id="10" dur="500"/>
+                                        <p:tgtEl>
+                                          <p:spTgt spid="4">
+                                            <p:txEl>
+                                              <p:pRg st="1" end="1"/>
+                                            </p:txEl>
+                                          </p:spTgt>
+                                        </p:tgtEl>
+                                      </p:cBhvr>
+                                    </p:animEffect>
                                   </p:childTnLst>
                                 </p:cTn>
                               </p:par>
@@ -4327,26 +5163,26 @@
                     </p:cTn>
                   </p:par>
                   <p:par>
-                    <p:cTn id="9" fill="hold">
+                    <p:cTn id="11" fill="hold">
                       <p:stCondLst>
                         <p:cond delay="indefinite"/>
                       </p:stCondLst>
                       <p:childTnLst>
                         <p:par>
-                          <p:cTn id="10" fill="hold">
+                          <p:cTn id="12" fill="hold">
                             <p:stCondLst>
                               <p:cond delay="0"/>
                             </p:stCondLst>
                             <p:childTnLst>
                               <p:par>
-                                <p:cTn id="11" presetID="10" presetClass="entr" presetSubtype="0" fill="hold" grpId="0" nodeType="clickEffect">
+                                <p:cTn id="13" presetID="10" presetClass="entr" presetSubtype="0" fill="hold" grpId="0" nodeType="clickEffect">
                                   <p:stCondLst>
                                     <p:cond delay="0"/>
                                   </p:stCondLst>
                                   <p:childTnLst>
                                     <p:set>
                                       <p:cBhvr>
-                                        <p:cTn id="12" dur="1" fill="hold">
+                                        <p:cTn id="14" dur="1" fill="hold">
                                           <p:stCondLst>
                                             <p:cond delay="0"/>
                                           </p:stCondLst>
@@ -4364,7 +5200,7 @@
                                     </p:set>
                                     <p:animEffect transition="in" filter="fade">
                                       <p:cBhvr>
-                                        <p:cTn id="13" dur="500"/>
+                                        <p:cTn id="15" dur="500"/>
                                         <p:tgtEl>
                                           <p:spTgt spid="5"/>
                                         </p:tgtEl>
@@ -4380,26 +5216,26 @@
                     </p:cTn>
                   </p:par>
                   <p:par>
-                    <p:cTn id="14" fill="hold">
+                    <p:cTn id="16" fill="hold">
                       <p:stCondLst>
                         <p:cond delay="indefinite"/>
                       </p:stCondLst>
                       <p:childTnLst>
                         <p:par>
-                          <p:cTn id="15" fill="hold">
+                          <p:cTn id="17" fill="hold">
                             <p:stCondLst>
                               <p:cond delay="0"/>
                             </p:stCondLst>
                             <p:childTnLst>
                               <p:par>
-                                <p:cTn id="16" presetID="1" presetClass="entr" presetSubtype="0" fill="hold" grpId="0" nodeType="clickEffect">
+                                <p:cTn id="18" presetID="10" presetClass="entr" presetSubtype="0" fill="hold" grpId="0" nodeType="clickEffect">
                                   <p:stCondLst>
                                     <p:cond delay="0"/>
                                   </p:stCondLst>
                                   <p:childTnLst>
                                     <p:set>
                                       <p:cBhvr>
-                                        <p:cTn id="17" dur="1" fill="hold">
+                                        <p:cTn id="19" dur="1" fill="hold">
                                           <p:stCondLst>
                                             <p:cond delay="0"/>
                                           </p:stCondLst>
@@ -4419,27 +5255,30 @@
                                         <p:strVal val="visible"/>
                                       </p:to>
                                     </p:set>
+                                    <p:animEffect transition="in" filter="fade">
+                                      <p:cBhvr>
+                                        <p:cTn id="20" dur="500"/>
+                                        <p:tgtEl>
+                                          <p:spTgt spid="4">
+                                            <p:txEl>
+                                              <p:pRg st="2" end="2"/>
+                                            </p:txEl>
+                                          </p:spTgt>
+                                        </p:tgtEl>
+                                      </p:cBhvr>
+                                    </p:animEffect>
                                   </p:childTnLst>
                                 </p:cTn>
                               </p:par>
-                            </p:childTnLst>
-                          </p:cTn>
-                        </p:par>
-                        <p:par>
-                          <p:cTn id="18" fill="hold">
-                            <p:stCondLst>
-                              <p:cond delay="0"/>
-                            </p:stCondLst>
-                            <p:childTnLst>
                               <p:par>
-                                <p:cTn id="19" presetID="1" presetClass="entr" presetSubtype="0" fill="hold" grpId="0" nodeType="afterEffect">
+                                <p:cTn id="21" presetID="10" presetClass="entr" presetSubtype="0" fill="hold" grpId="0" nodeType="withEffect">
                                   <p:stCondLst>
                                     <p:cond delay="0"/>
                                   </p:stCondLst>
                                   <p:childTnLst>
                                     <p:set>
                                       <p:cBhvr>
-                                        <p:cTn id="20" dur="1" fill="hold">
+                                        <p:cTn id="22" dur="1" fill="hold">
                                           <p:stCondLst>
                                             <p:cond delay="0"/>
                                           </p:stCondLst>
@@ -4459,6 +5298,71 @@
                                         <p:strVal val="visible"/>
                                       </p:to>
                                     </p:set>
+                                    <p:animEffect transition="in" filter="fade">
+                                      <p:cBhvr>
+                                        <p:cTn id="23" dur="500"/>
+                                        <p:tgtEl>
+                                          <p:spTgt spid="4">
+                                            <p:txEl>
+                                              <p:pRg st="3" end="3"/>
+                                            </p:txEl>
+                                          </p:spTgt>
+                                        </p:tgtEl>
+                                      </p:cBhvr>
+                                    </p:animEffect>
+                                  </p:childTnLst>
+                                </p:cTn>
+                              </p:par>
+                            </p:childTnLst>
+                          </p:cTn>
+                        </p:par>
+                      </p:childTnLst>
+                    </p:cTn>
+                  </p:par>
+                  <p:par>
+                    <p:cTn id="24" fill="hold">
+                      <p:stCondLst>
+                        <p:cond delay="indefinite"/>
+                      </p:stCondLst>
+                      <p:childTnLst>
+                        <p:par>
+                          <p:cTn id="25" fill="hold">
+                            <p:stCondLst>
+                              <p:cond delay="0"/>
+                            </p:stCondLst>
+                            <p:childTnLst>
+                              <p:par>
+                                <p:cTn id="26" presetID="10" presetClass="entr" presetSubtype="0" fill="hold" nodeType="clickEffect">
+                                  <p:stCondLst>
+                                    <p:cond delay="0"/>
+                                  </p:stCondLst>
+                                  <p:childTnLst>
+                                    <p:set>
+                                      <p:cBhvr>
+                                        <p:cTn id="27" dur="1" fill="hold">
+                                          <p:stCondLst>
+                                            <p:cond delay="0"/>
+                                          </p:stCondLst>
+                                        </p:cTn>
+                                        <p:tgtEl>
+                                          <p:spTgt spid="6"/>
+                                        </p:tgtEl>
+                                        <p:attrNameLst>
+                                          <p:attrName>style.visibility</p:attrName>
+                                        </p:attrNameLst>
+                                      </p:cBhvr>
+                                      <p:to>
+                                        <p:strVal val="visible"/>
+                                      </p:to>
+                                    </p:set>
+                                    <p:animEffect transition="in" filter="fade">
+                                      <p:cBhvr>
+                                        <p:cTn id="28" dur="500"/>
+                                        <p:tgtEl>
+                                          <p:spTgt spid="6"/>
+                                        </p:tgtEl>
+                                      </p:cBhvr>
+                                    </p:animEffect>
                                   </p:childTnLst>
                                 </p:cTn>
                               </p:par>
@@ -4551,7 +5455,7 @@
         <p:spPr>
           <a:xfrm>
             <a:off x="152400" y="1219200"/>
-            <a:ext cx="8724900" cy="2585323"/>
+            <a:ext cx="8724900" cy="1754327"/>
           </a:xfrm>
           <a:prstGeom prst="rect">
             <a:avLst/>
@@ -4601,27 +5505,7 @@
             </a:r>
             <a:r>
               <a:rPr lang="en-US" sz="5400" dirty="0" smtClean="0"/>
-              <a:t> of </a:t>
-            </a:r>
-            <a:r>
-              <a:rPr lang="en-US" sz="5400" dirty="0" err="1" smtClean="0">
-                <a:solidFill>
-                  <a:srgbClr val="0000FF"/>
-                </a:solidFill>
-              </a:rPr>
-              <a:t>x</a:t>
-            </a:r>
-            <a:r>
-              <a:rPr lang="en-US" sz="5400" baseline="30000" dirty="0" err="1" smtClean="0">
-                <a:solidFill>
-                  <a:srgbClr val="0000FF"/>
-                </a:solidFill>
-              </a:rPr>
-              <a:t>n</a:t>
-            </a:r>
-            <a:r>
-              <a:rPr lang="en-US" sz="5400" dirty="0" smtClean="0"/>
-              <a:t> in</a:t>
+              <a:t> </a:t>
             </a:r>
             <a:endParaRPr lang="en-US" sz="5400" dirty="0"/>
           </a:p>
@@ -4636,25 +5520,25 @@
           <p:nvPr>
             <p:extLst>
               <p:ext uri="{D42A27DB-BD31-4B8C-83A1-F6EECF244321}">
-                <p14:modId xmlns:p14="http://schemas.microsoft.com/office/powerpoint/2010/main" val="1853200295"/>
+                <p14:modId xmlns:p14="http://schemas.microsoft.com/office/powerpoint/2010/main" val="2345675580"/>
               </p:ext>
             </p:extLst>
           </p:nvPr>
         </p:nvGraphicFramePr>
         <p:xfrm>
-          <a:off x="2971800" y="2662237"/>
-          <a:ext cx="2001837" cy="2366963"/>
+          <a:off x="2865438" y="2662238"/>
+          <a:ext cx="3459162" cy="2366962"/>
         </p:xfrm>
         <a:graphic>
           <a:graphicData uri="http://schemas.openxmlformats.org/presentationml/2006/ole">
             <mc:AlternateContent xmlns:mc="http://schemas.openxmlformats.org/markup-compatibility/2006">
               <mc:Choice xmlns:v="urn:schemas-microsoft-com:vml" Requires="v">
-                <p:oleObj spid="_x0000_s385047" name="Equation" r:id="rId4" imgW="419100" imgH="495300" progId="Equation.DSMT4">
+                <p:oleObj spid="_x0000_s385051" name="Equation" r:id="rId4" imgW="723900" imgH="495300" progId="Equation.DSMT4">
                   <p:embed/>
                 </p:oleObj>
               </mc:Choice>
               <mc:Fallback>
-                <p:oleObj name="Equation" r:id="rId4" imgW="419100" imgH="495300" progId="Equation.DSMT4">
+                <p:oleObj name="Equation" r:id="rId4" imgW="723900" imgH="495300" progId="Equation.DSMT4">
                   <p:embed/>
                   <p:pic>
                     <p:nvPicPr>
@@ -4673,8 +5557,8 @@
                     </p:blipFill>
                     <p:spPr bwMode="auto">
                       <a:xfrm>
-                        <a:off x="2971800" y="2662237"/>
-                        <a:ext cx="2001837" cy="2366963"/>
+                        <a:off x="2865438" y="2662238"/>
+                        <a:ext cx="3459162" cy="2366962"/>
                       </a:xfrm>
                       <a:prstGeom prst="rect">
                         <a:avLst/>
@@ -4883,7 +5767,7 @@
                                     </p:set>
                                     <p:animEffect transition="in" filter="dissolve">
                                       <p:cBhvr>
-                                        <p:cTn id="11" dur="500"/>
+                                        <p:cTn id="11" dur="1000"/>
                                         <p:tgtEl>
                                           <p:spTgt spid="9"/>
                                         </p:tgtEl>
@@ -5026,22 +5910,28 @@
           <p:cNvGraphicFramePr>
             <a:graphicFrameLocks noChangeAspect="1"/>
           </p:cNvGraphicFramePr>
-          <p:nvPr/>
+          <p:nvPr>
+            <p:extLst>
+              <p:ext uri="{D42A27DB-BD31-4B8C-83A1-F6EECF244321}">
+                <p14:modId xmlns:p14="http://schemas.microsoft.com/office/powerpoint/2010/main" val="812089597"/>
+              </p:ext>
+            </p:extLst>
+          </p:nvPr>
         </p:nvGraphicFramePr>
         <p:xfrm>
-          <a:off x="800100" y="1454150"/>
-          <a:ext cx="4533900" cy="1435100"/>
+          <a:off x="812800" y="1460500"/>
+          <a:ext cx="4508500" cy="1422400"/>
         </p:xfrm>
         <a:graphic>
           <a:graphicData uri="http://schemas.openxmlformats.org/presentationml/2006/ole">
             <mc:AlternateContent xmlns:mc="http://schemas.openxmlformats.org/markup-compatibility/2006">
               <mc:Choice xmlns:v="urn:schemas-microsoft-com:vml" Requires="v">
-                <p:oleObj spid="_x0000_s259123" name="Equation" r:id="rId3" imgW="4533900" imgH="1435100" progId="Equation.DSMT4">
+                <p:oleObj spid="_x0000_s259133" name="Equation" r:id="rId3" imgW="4508500" imgH="1422400" progId="Equation.DSMT4">
                   <p:embed/>
                 </p:oleObj>
               </mc:Choice>
               <mc:Fallback>
-                <p:oleObj name="Equation" r:id="rId3" imgW="4533900" imgH="1435100" progId="Equation.DSMT4">
+                <p:oleObj name="Equation" r:id="rId3" imgW="4508500" imgH="1422400" progId="Equation.DSMT4">
                   <p:embed/>
                   <p:pic>
                     <p:nvPicPr>
@@ -5052,13 +5942,7 @@
                       <p:nvPr/>
                     </p:nvPicPr>
                     <p:blipFill>
-                      <a:blip r:embed="rId4">
-                        <a:extLst>
-                          <a:ext uri="{28A0092B-C50C-407E-A947-70E740481C1C}">
-                            <a14:useLocalDpi xmlns:a14="http://schemas.microsoft.com/office/drawing/2010/main" val="0"/>
-                          </a:ext>
-                        </a:extLst>
-                      </a:blip>
+                      <a:blip r:embed="rId4"/>
                       <a:srcRect/>
                       <a:stretch>
                         <a:fillRect/>
@@ -5066,8 +5950,8 @@
                     </p:blipFill>
                     <p:spPr bwMode="auto">
                       <a:xfrm>
-                        <a:off x="800100" y="1454150"/>
-                        <a:ext cx="4533900" cy="1435100"/>
+                        <a:off x="812800" y="1460500"/>
+                        <a:ext cx="4508500" cy="1422400"/>
                       </a:xfrm>
                       <a:prstGeom prst="rect">
                         <a:avLst/>
@@ -5096,22 +5980,28 @@
           <p:cNvGraphicFramePr>
             <a:graphicFrameLocks noChangeAspect="1"/>
           </p:cNvGraphicFramePr>
-          <p:nvPr/>
+          <p:nvPr>
+            <p:extLst>
+              <p:ext uri="{D42A27DB-BD31-4B8C-83A1-F6EECF244321}">
+                <p14:modId xmlns:p14="http://schemas.microsoft.com/office/powerpoint/2010/main" val="2578905438"/>
+              </p:ext>
+            </p:extLst>
+          </p:nvPr>
         </p:nvGraphicFramePr>
         <p:xfrm>
-          <a:off x="762000" y="3086100"/>
-          <a:ext cx="4800600" cy="1181100"/>
+          <a:off x="793750" y="2927350"/>
+          <a:ext cx="4737100" cy="1498600"/>
         </p:xfrm>
         <a:graphic>
           <a:graphicData uri="http://schemas.openxmlformats.org/presentationml/2006/ole">
             <mc:AlternateContent xmlns:mc="http://schemas.openxmlformats.org/markup-compatibility/2006">
               <mc:Choice xmlns:v="urn:schemas-microsoft-com:vml" Requires="v">
-                <p:oleObj spid="_x0000_s259124" name="Equation" r:id="rId5" imgW="4800600" imgH="1180800" progId="Equation.DSMT4">
+                <p:oleObj spid="_x0000_s259134" name="Equation" r:id="rId5" imgW="4737100" imgH="1498600" progId="Equation.DSMT4">
                   <p:embed/>
                 </p:oleObj>
               </mc:Choice>
               <mc:Fallback>
-                <p:oleObj name="Equation" r:id="rId5" imgW="4800600" imgH="1180800" progId="Equation.DSMT4">
+                <p:oleObj name="Equation" r:id="rId5" imgW="4737100" imgH="1498600" progId="Equation.DSMT4">
                   <p:embed/>
                   <p:pic>
                     <p:nvPicPr>
@@ -5122,13 +6012,7 @@
                       <p:nvPr/>
                     </p:nvPicPr>
                     <p:blipFill>
-                      <a:blip r:embed="rId6">
-                        <a:extLst>
-                          <a:ext uri="{28A0092B-C50C-407E-A947-70E740481C1C}">
-                            <a14:useLocalDpi xmlns:a14="http://schemas.microsoft.com/office/drawing/2010/main" val="0"/>
-                          </a:ext>
-                        </a:extLst>
-                      </a:blip>
+                      <a:blip r:embed="rId6"/>
                       <a:srcRect/>
                       <a:stretch>
                         <a:fillRect/>
@@ -5136,8 +6020,8 @@
                     </p:blipFill>
                     <p:spPr bwMode="auto">
                       <a:xfrm>
-                        <a:off x="762000" y="3086100"/>
-                        <a:ext cx="4800600" cy="1181100"/>
+                        <a:off x="793750" y="2927350"/>
+                        <a:ext cx="4737100" cy="1498600"/>
                       </a:xfrm>
                       <a:prstGeom prst="rect">
                         <a:avLst/>
@@ -5166,22 +6050,28 @@
           <p:cNvGraphicFramePr>
             <a:graphicFrameLocks noChangeAspect="1"/>
           </p:cNvGraphicFramePr>
-          <p:nvPr/>
+          <p:nvPr>
+            <p:extLst>
+              <p:ext uri="{D42A27DB-BD31-4B8C-83A1-F6EECF244321}">
+                <p14:modId xmlns:p14="http://schemas.microsoft.com/office/powerpoint/2010/main" val="147770481"/>
+              </p:ext>
+            </p:extLst>
+          </p:nvPr>
         </p:nvGraphicFramePr>
         <p:xfrm>
-          <a:off x="762000" y="4591050"/>
-          <a:ext cx="4521200" cy="1143000"/>
+          <a:off x="755650" y="4406900"/>
+          <a:ext cx="4533900" cy="1511300"/>
         </p:xfrm>
         <a:graphic>
           <a:graphicData uri="http://schemas.openxmlformats.org/presentationml/2006/ole">
             <mc:AlternateContent xmlns:mc="http://schemas.openxmlformats.org/markup-compatibility/2006">
               <mc:Choice xmlns:v="urn:schemas-microsoft-com:vml" Requires="v">
-                <p:oleObj spid="_x0000_s259125" name="Equation" r:id="rId7" imgW="4520880" imgH="1143000" progId="Equation.DSMT4">
+                <p:oleObj spid="_x0000_s259135" name="Equation" r:id="rId7" imgW="4533900" imgH="1511300" progId="Equation.DSMT4">
                   <p:embed/>
                 </p:oleObj>
               </mc:Choice>
               <mc:Fallback>
-                <p:oleObj name="Equation" r:id="rId7" imgW="4520880" imgH="1143000" progId="Equation.DSMT4">
+                <p:oleObj name="Equation" r:id="rId7" imgW="4533900" imgH="1511300" progId="Equation.DSMT4">
                   <p:embed/>
                   <p:pic>
                     <p:nvPicPr>
@@ -5192,13 +6082,7 @@
                       <p:nvPr/>
                     </p:nvPicPr>
                     <p:blipFill>
-                      <a:blip r:embed="rId8">
-                        <a:extLst>
-                          <a:ext uri="{28A0092B-C50C-407E-A947-70E740481C1C}">
-                            <a14:useLocalDpi xmlns:a14="http://schemas.microsoft.com/office/drawing/2010/main" val="0"/>
-                          </a:ext>
-                        </a:extLst>
-                      </a:blip>
+                      <a:blip r:embed="rId8"/>
                       <a:srcRect/>
                       <a:stretch>
                         <a:fillRect/>
@@ -5206,8 +6090,8 @@
                     </p:blipFill>
                     <p:spPr bwMode="auto">
                       <a:xfrm>
-                        <a:off x="762000" y="4591050"/>
-                        <a:ext cx="4521200" cy="1143000"/>
+                        <a:off x="755650" y="4406900"/>
+                        <a:ext cx="4533900" cy="1511300"/>
                       </a:xfrm>
                       <a:prstGeom prst="rect">
                         <a:avLst/>
@@ -5866,7 +6750,377 @@
           <p:nvPr>
             <p:extLst>
               <p:ext uri="{D42A27DB-BD31-4B8C-83A1-F6EECF244321}">
-                <p14:modId xmlns:p14="http://schemas.microsoft.com/office/powerpoint/2010/main" val="328671222"/>
+                <p14:modId xmlns:p14="http://schemas.microsoft.com/office/powerpoint/2010/main" val="3086481745"/>
+              </p:ext>
+            </p:extLst>
+          </p:nvPr>
+        </p:nvGraphicFramePr>
+        <p:xfrm>
+          <a:off x="2190750" y="990600"/>
+          <a:ext cx="4533900" cy="1511300"/>
+        </p:xfrm>
+        <a:graphic>
+          <a:graphicData uri="http://schemas.openxmlformats.org/presentationml/2006/ole">
+            <mc:AlternateContent xmlns:mc="http://schemas.openxmlformats.org/markup-compatibility/2006">
+              <mc:Choice xmlns:v="urn:schemas-microsoft-com:vml" Requires="v">
+                <p:oleObj spid="_x0000_s260141" name="Equation" r:id="rId3" imgW="4533900" imgH="1511300" progId="Equation.DSMT4">
+                  <p:embed/>
+                </p:oleObj>
+              </mc:Choice>
+              <mc:Fallback>
+                <p:oleObj name="Equation" r:id="rId3" imgW="4533900" imgH="1511300" progId="Equation.DSMT4">
+                  <p:embed/>
+                  <p:pic>
+                    <p:nvPicPr>
+                      <p:cNvPr id="0" name="Object 14"/>
+                      <p:cNvPicPr>
+                        <a:picLocks noChangeAspect="1" noChangeArrowheads="1"/>
+                      </p:cNvPicPr>
+                      <p:nvPr/>
+                    </p:nvPicPr>
+                    <p:blipFill>
+                      <a:blip r:embed="rId4"/>
+                      <a:srcRect/>
+                      <a:stretch>
+                        <a:fillRect/>
+                      </a:stretch>
+                    </p:blipFill>
+                    <p:spPr bwMode="auto">
+                      <a:xfrm>
+                        <a:off x="2190750" y="990600"/>
+                        <a:ext cx="4533900" cy="1511300"/>
+                      </a:xfrm>
+                      <a:prstGeom prst="rect">
+                        <a:avLst/>
+                      </a:prstGeom>
+                      <a:noFill/>
+                      <a:extLst>
+                        <a:ext uri="{909E8E84-426E-40dd-AFC4-6F175D3DCCD1}">
+                          <a14:hiddenFill xmlns:a14="http://schemas.microsoft.com/office/drawing/2010/main">
+                            <a:solidFill>
+                              <a:schemeClr val="accent1"/>
+                            </a:solidFill>
+                          </a14:hiddenFill>
+                        </a:ext>
+                      </a:extLst>
+                    </p:spPr>
+                  </p:pic>
+                </p:oleObj>
+              </mc:Fallback>
+            </mc:AlternateContent>
+          </a:graphicData>
+        </a:graphic>
+      </p:graphicFrame>
+      <p:sp>
+        <p:nvSpPr>
+          <p:cNvPr id="10" name="Slide Number Placeholder 2"/>
+          <p:cNvSpPr>
+            <a:spLocks noGrp="1"/>
+          </p:cNvSpPr>
+          <p:nvPr>
+            <p:ph type="sldNum" sz="quarter" idx="10"/>
+          </p:nvPr>
+        </p:nvSpPr>
+        <p:spPr>
+          <a:xfrm>
+            <a:off x="6400800" y="6613525"/>
+            <a:ext cx="2667000" cy="244475"/>
+          </a:xfrm>
+        </p:spPr>
+        <p:txBody>
+          <a:bodyPr/>
+          <a:lstStyle/>
+          <a:p>
+            <a:pPr>
+              <a:defRPr/>
+            </a:pPr>
+            <a:r>
+              <a:rPr lang="en-US" dirty="0" err="1" smtClean="0"/>
+              <a:t>lec</a:t>
+            </a:r>
+            <a:r>
+              <a:rPr lang="en-US" dirty="0" smtClean="0"/>
+              <a:t> 11M.</a:t>
+            </a:r>
+            <a:fld id="{A585D087-0720-40C8-BCB9-442D95888E3B}" type="slidenum">
+              <a:rPr lang="en-US" smtClean="0"/>
+              <a:pPr>
+                <a:defRPr/>
+              </a:pPr>
+              <a:t>5</a:t>
+            </a:fld>
+            <a:endParaRPr lang="en-US" dirty="0"/>
+          </a:p>
+        </p:txBody>
+      </p:sp>
+      <p:graphicFrame>
+        <p:nvGraphicFramePr>
+          <p:cNvPr id="12" name="Object 14"/>
+          <p:cNvGraphicFramePr>
+            <a:graphicFrameLocks noChangeAspect="1"/>
+          </p:cNvGraphicFramePr>
+          <p:nvPr>
+            <p:extLst>
+              <p:ext uri="{D42A27DB-BD31-4B8C-83A1-F6EECF244321}">
+                <p14:modId xmlns:p14="http://schemas.microsoft.com/office/powerpoint/2010/main" val="1161177796"/>
+              </p:ext>
+            </p:extLst>
+          </p:nvPr>
+        </p:nvGraphicFramePr>
+        <p:xfrm>
+          <a:off x="457200" y="2362200"/>
+          <a:ext cx="2603500" cy="965200"/>
+        </p:xfrm>
+        <a:graphic>
+          <a:graphicData uri="http://schemas.openxmlformats.org/presentationml/2006/ole">
+            <mc:AlternateContent xmlns:mc="http://schemas.openxmlformats.org/markup-compatibility/2006">
+              <mc:Choice xmlns:v="urn:schemas-microsoft-com:vml" Requires="v">
+                <p:oleObj spid="_x0000_s260142" name="Equation" r:id="rId5" imgW="2603500" imgH="965200" progId="Equation.DSMT4">
+                  <p:embed/>
+                </p:oleObj>
+              </mc:Choice>
+              <mc:Fallback>
+                <p:oleObj name="Equation" r:id="rId5" imgW="2603500" imgH="965200" progId="Equation.DSMT4">
+                  <p:embed/>
+                  <p:pic>
+                    <p:nvPicPr>
+                      <p:cNvPr id="0" name=""/>
+                      <p:cNvPicPr>
+                        <a:picLocks noChangeAspect="1" noChangeArrowheads="1"/>
+                      </p:cNvPicPr>
+                      <p:nvPr/>
+                    </p:nvPicPr>
+                    <p:blipFill>
+                      <a:blip r:embed="rId6"/>
+                      <a:srcRect/>
+                      <a:stretch>
+                        <a:fillRect/>
+                      </a:stretch>
+                    </p:blipFill>
+                    <p:spPr bwMode="auto">
+                      <a:xfrm>
+                        <a:off x="457200" y="2362200"/>
+                        <a:ext cx="2603500" cy="965200"/>
+                      </a:xfrm>
+                      <a:prstGeom prst="rect">
+                        <a:avLst/>
+                      </a:prstGeom>
+                      <a:noFill/>
+                      <a:extLst>
+                        <a:ext uri="{909E8E84-426E-40dd-AFC4-6F175D3DCCD1}">
+                          <a14:hiddenFill xmlns:a14="http://schemas.microsoft.com/office/drawing/2010/main">
+                            <a:solidFill>
+                              <a:schemeClr val="accent1"/>
+                            </a:solidFill>
+                          </a14:hiddenFill>
+                        </a:ext>
+                      </a:extLst>
+                    </p:spPr>
+                  </p:pic>
+                </p:oleObj>
+              </mc:Fallback>
+            </mc:AlternateContent>
+          </a:graphicData>
+        </a:graphic>
+      </p:graphicFrame>
+      <p:graphicFrame>
+        <p:nvGraphicFramePr>
+          <p:cNvPr id="3" name="Object 2"/>
+          <p:cNvGraphicFramePr>
+            <a:graphicFrameLocks noChangeAspect="1"/>
+          </p:cNvGraphicFramePr>
+          <p:nvPr>
+            <p:extLst>
+              <p:ext uri="{D42A27DB-BD31-4B8C-83A1-F6EECF244321}">
+                <p14:modId xmlns:p14="http://schemas.microsoft.com/office/powerpoint/2010/main" val="670572181"/>
+              </p:ext>
+            </p:extLst>
+          </p:nvPr>
+        </p:nvGraphicFramePr>
+        <p:xfrm>
+          <a:off x="1295400" y="3200400"/>
+          <a:ext cx="7277100" cy="1625600"/>
+        </p:xfrm>
+        <a:graphic>
+          <a:graphicData uri="http://schemas.openxmlformats.org/presentationml/2006/ole">
+            <mc:AlternateContent xmlns:mc="http://schemas.openxmlformats.org/markup-compatibility/2006">
+              <mc:Choice xmlns:v="urn:schemas-microsoft-com:vml" Requires="v">
+                <p:oleObj spid="_x0000_s260143" name="Equation" r:id="rId7" imgW="7277100" imgH="1625600" progId="Equation.DSMT4">
+                  <p:embed/>
+                </p:oleObj>
+              </mc:Choice>
+              <mc:Fallback>
+                <p:oleObj name="Equation" r:id="rId7" imgW="7277100" imgH="1625600" progId="Equation.DSMT4">
+                  <p:embed/>
+                  <p:pic>
+                    <p:nvPicPr>
+                      <p:cNvPr id="0" name=""/>
+                      <p:cNvPicPr/>
+                      <p:nvPr/>
+                    </p:nvPicPr>
+                    <p:blipFill>
+                      <a:blip r:embed="rId8"/>
+                      <a:stretch>
+                        <a:fillRect/>
+                      </a:stretch>
+                    </p:blipFill>
+                    <p:spPr>
+                      <a:xfrm>
+                        <a:off x="1295400" y="3200400"/>
+                        <a:ext cx="7277100" cy="1625600"/>
+                      </a:xfrm>
+                      <a:prstGeom prst="rect">
+                        <a:avLst/>
+                      </a:prstGeom>
+                    </p:spPr>
+                  </p:pic>
+                </p:oleObj>
+              </mc:Fallback>
+            </mc:AlternateContent>
+          </a:graphicData>
+        </a:graphic>
+      </p:graphicFrame>
+      <p:graphicFrame>
+        <p:nvGraphicFramePr>
+          <p:cNvPr id="5" name="Object 4"/>
+          <p:cNvGraphicFramePr>
+            <a:graphicFrameLocks noChangeAspect="1"/>
+          </p:cNvGraphicFramePr>
+          <p:nvPr>
+            <p:extLst>
+              <p:ext uri="{D42A27DB-BD31-4B8C-83A1-F6EECF244321}">
+                <p14:modId xmlns:p14="http://schemas.microsoft.com/office/powerpoint/2010/main" val="2420168894"/>
+              </p:ext>
+            </p:extLst>
+          </p:nvPr>
+        </p:nvGraphicFramePr>
+        <p:xfrm>
+          <a:off x="5676900" y="4610100"/>
+          <a:ext cx="139700" cy="215900"/>
+        </p:xfrm>
+        <a:graphic>
+          <a:graphicData uri="http://schemas.openxmlformats.org/presentationml/2006/ole">
+            <mc:AlternateContent xmlns:mc="http://schemas.openxmlformats.org/markup-compatibility/2006">
+              <mc:Choice xmlns:v="urn:schemas-microsoft-com:vml" Requires="v">
+                <p:oleObj spid="_x0000_s260144" name="Equation" r:id="rId9" imgW="139700" imgH="215900" progId="Equation.DSMT4">
+                  <p:embed/>
+                </p:oleObj>
+              </mc:Choice>
+              <mc:Fallback>
+                <p:oleObj name="Equation" r:id="rId9" imgW="139700" imgH="215900" progId="Equation.DSMT4">
+                  <p:embed/>
+                  <p:pic>
+                    <p:nvPicPr>
+                      <p:cNvPr id="0" name=""/>
+                      <p:cNvPicPr/>
+                      <p:nvPr/>
+                    </p:nvPicPr>
+                    <p:blipFill>
+                      <a:blip r:embed="rId10"/>
+                      <a:stretch>
+                        <a:fillRect/>
+                      </a:stretch>
+                    </p:blipFill>
+                    <p:spPr>
+                      <a:xfrm>
+                        <a:off x="5676900" y="4610100"/>
+                        <a:ext cx="139700" cy="215900"/>
+                      </a:xfrm>
+                      <a:prstGeom prst="rect">
+                        <a:avLst/>
+                      </a:prstGeom>
+                    </p:spPr>
+                  </p:pic>
+                </p:oleObj>
+              </mc:Fallback>
+            </mc:AlternateContent>
+          </a:graphicData>
+        </a:graphic>
+      </p:graphicFrame>
+    </p:spTree>
+  </p:cSld>
+  <p:clrMapOvr>
+    <a:masterClrMapping/>
+  </p:clrMapOvr>
+  <p:transition xmlns:p14="http://schemas.microsoft.com/office/powerpoint/2010/main">
+    <p:fade/>
+  </p:transition>
+  <p:timing>
+    <p:tnLst>
+      <p:par>
+        <p:cTn xmlns:p14="http://schemas.microsoft.com/office/powerpoint/2010/main" id="1" dur="indefinite" restart="never" nodeType="tmRoot"/>
+      </p:par>
+    </p:tnLst>
+  </p:timing>
+</p:sld>
+</file>
+
+<file path=ppt/slides/slide6.xml><?xml version="1.0" encoding="utf-8"?>
+<p:sld xmlns:a="http://schemas.openxmlformats.org/drawingml/2006/main" xmlns:r="http://schemas.openxmlformats.org/officeDocument/2006/relationships" xmlns:p="http://schemas.openxmlformats.org/presentationml/2006/main" show="0">
+  <p:cSld>
+    <p:spTree>
+      <p:nvGrpSpPr>
+        <p:cNvPr id="1" name=""/>
+        <p:cNvGrpSpPr/>
+        <p:nvPr/>
+      </p:nvGrpSpPr>
+      <p:grpSpPr>
+        <a:xfrm>
+          <a:off x="0" y="0"/>
+          <a:ext cx="0" cy="0"/>
+          <a:chOff x="0" y="0"/>
+          <a:chExt cx="0" cy="0"/>
+        </a:xfrm>
+      </p:grpSpPr>
+      <p:sp>
+        <p:nvSpPr>
+          <p:cNvPr id="2" name="Title 1"/>
+          <p:cNvSpPr>
+            <a:spLocks noGrp="1"/>
+          </p:cNvSpPr>
+          <p:nvPr>
+            <p:ph type="title"/>
+          </p:nvPr>
+        </p:nvSpPr>
+        <p:spPr/>
+        <p:txBody>
+          <a:bodyPr/>
+          <a:lstStyle/>
+          <a:p>
+            <a:r>
+              <a:rPr lang="en-US" smtClean="0"/>
+              <a:t>Partial Fractions </a:t>
+            </a:r>
+            <a:r>
+              <a:rPr lang="en-US" dirty="0" smtClean="0"/>
+              <a:t>for </a:t>
+            </a:r>
+            <a:r>
+              <a:rPr lang="en-US" dirty="0" smtClean="0">
+                <a:solidFill>
+                  <a:srgbClr val="0000FF"/>
+                </a:solidFill>
+              </a:rPr>
+              <a:t>H</a:t>
+            </a:r>
+            <a:r>
+              <a:rPr lang="en-US" dirty="0" smtClean="0"/>
+              <a:t>(x)</a:t>
+            </a:r>
+            <a:endParaRPr lang="en-US" dirty="0"/>
+          </a:p>
+        </p:txBody>
+      </p:sp>
+      <p:graphicFrame>
+        <p:nvGraphicFramePr>
+          <p:cNvPr id="101378" name="Object 14"/>
+          <p:cNvGraphicFramePr>
+            <a:graphicFrameLocks noChangeAspect="1"/>
+          </p:cNvGraphicFramePr>
+          <p:nvPr>
+            <p:extLst>
+              <p:ext uri="{D42A27DB-BD31-4B8C-83A1-F6EECF244321}">
+                <p14:modId xmlns:p14="http://schemas.microsoft.com/office/powerpoint/2010/main" val="4189658692"/>
               </p:ext>
             </p:extLst>
           </p:nvPr>
@@ -5879,7 +7133,7 @@
           <a:graphicData uri="http://schemas.openxmlformats.org/presentationml/2006/ole">
             <mc:AlternateContent xmlns:mc="http://schemas.openxmlformats.org/markup-compatibility/2006">
               <mc:Choice xmlns:v="urn:schemas-microsoft-com:vml" Requires="v">
-                <p:oleObj spid="_x0000_s260133" name="Equation" r:id="rId3" imgW="6705600" imgH="1625600" progId="Equation.DSMT4">
+                <p:oleObj spid="_x0000_s1027" name="Equation" r:id="rId3" imgW="6705600" imgH="1625600" progId="Equation.DSMT4">
                   <p:embed/>
                 </p:oleObj>
               </mc:Choice>
@@ -5888,7 +7142,7 @@
                   <p:embed/>
                   <p:pic>
                     <p:nvPicPr>
-                      <p:cNvPr id="0" name="Object 14"/>
+                      <p:cNvPr id="0" name=""/>
                       <p:cNvPicPr>
                         <a:picLocks noChangeAspect="1" noChangeArrowheads="1"/>
                       </p:cNvPicPr>
@@ -5936,7 +7190,7 @@
           <p:nvPr>
             <p:extLst>
               <p:ext uri="{D42A27DB-BD31-4B8C-83A1-F6EECF244321}">
-                <p14:modId xmlns:p14="http://schemas.microsoft.com/office/powerpoint/2010/main" val="2154557615"/>
+                <p14:modId xmlns:p14="http://schemas.microsoft.com/office/powerpoint/2010/main" val="3722383686"/>
               </p:ext>
             </p:extLst>
           </p:nvPr>
@@ -5949,7 +7203,7 @@
           <a:graphicData uri="http://schemas.openxmlformats.org/presentationml/2006/ole">
             <mc:AlternateContent xmlns:mc="http://schemas.openxmlformats.org/markup-compatibility/2006">
               <mc:Choice xmlns:v="urn:schemas-microsoft-com:vml" Requires="v">
-                <p:oleObj spid="_x0000_s260134" name="Equation" r:id="rId5" imgW="3898900" imgH="850900" progId="Equation.DSMT4">
+                <p:oleObj spid="_x0000_s1028" name="Equation" r:id="rId5" imgW="3898900" imgH="850900" progId="Equation.DSMT4">
                   <p:embed/>
                 </p:oleObj>
               </mc:Choice>
@@ -5958,7 +7212,7 @@
                   <p:embed/>
                   <p:pic>
                     <p:nvPicPr>
-                      <p:cNvPr id="0" name="Picture 3"/>
+                      <p:cNvPr id="0" name=""/>
                       <p:cNvPicPr>
                         <a:picLocks noChangeAspect="1" noChangeArrowheads="1"/>
                       </p:cNvPicPr>
@@ -6196,13 +7450,18 @@
               <a:pPr>
                 <a:defRPr/>
               </a:pPr>
-              <a:t>5</a:t>
+              <a:t>6</a:t>
             </a:fld>
             <a:endParaRPr lang="en-US" dirty="0"/>
           </a:p>
         </p:txBody>
       </p:sp>
     </p:spTree>
+    <p:extLst>
+      <p:ext uri="{BB962C8B-B14F-4D97-AF65-F5344CB8AC3E}">
+        <p14:creationId xmlns:p14="http://schemas.microsoft.com/office/powerpoint/2010/main" val="224281302"/>
+      </p:ext>
+    </p:extLst>
   </p:cSld>
   <p:clrMapOvr>
     <a:masterClrMapping/>
@@ -6396,7 +7655,7 @@
 </p:sld>
 </file>
 
-<file path=ppt/slides/slide6.xml><?xml version="1.0" encoding="utf-8"?>
+<file path=ppt/slides/slide7.xml><?xml version="1.0" encoding="utf-8"?>
 <p:sld xmlns:a="http://schemas.openxmlformats.org/drawingml/2006/main" xmlns:r="http://schemas.openxmlformats.org/officeDocument/2006/relationships" xmlns:p="http://schemas.openxmlformats.org/presentationml/2006/main">
   <p:cSld>
     <p:spTree>
@@ -6492,7 +7751,7 @@
           <a:graphicData uri="http://schemas.openxmlformats.org/presentationml/2006/ole">
             <mc:AlternateContent xmlns:mc="http://schemas.openxmlformats.org/markup-compatibility/2006">
               <mc:Choice xmlns:v="urn:schemas-microsoft-com:vml" Requires="v">
-                <p:oleObj spid="_x0000_s261153" name="Equation" r:id="rId3" imgW="7327800" imgH="1307880" progId="Equation.DSMT4">
+                <p:oleObj spid="_x0000_s261158" name="Equation" r:id="rId3" imgW="7327800" imgH="1307880" progId="Equation.DSMT4">
                   <p:embed/>
                 </p:oleObj>
               </mc:Choice>
@@ -6616,7 +7875,7 @@
           <a:graphicData uri="http://schemas.openxmlformats.org/presentationml/2006/ole">
             <mc:AlternateContent xmlns:mc="http://schemas.openxmlformats.org/markup-compatibility/2006">
               <mc:Choice xmlns:v="urn:schemas-microsoft-com:vml" Requires="v">
-                <p:oleObj spid="_x0000_s261154" name="Equation" r:id="rId5" imgW="6057720" imgH="660240" progId="Equation.DSMT4">
+                <p:oleObj spid="_x0000_s261159" name="Equation" r:id="rId5" imgW="6057720" imgH="660240" progId="Equation.DSMT4">
                   <p:embed/>
                 </p:oleObj>
               </mc:Choice>
@@ -6706,7 +7965,7 @@
               <a:pPr>
                 <a:defRPr/>
               </a:pPr>
-              <a:t>6</a:t>
+              <a:t>7</a:t>
             </a:fld>
             <a:endParaRPr lang="en-US" dirty="0"/>
           </a:p>
@@ -6853,7 +8112,7 @@
 </p:sld>
 </file>
 
-<file path=ppt/slides/slide7.xml><?xml version="1.0" encoding="utf-8"?>
+<file path=ppt/slides/slide8.xml><?xml version="1.0" encoding="utf-8"?>
 <p:sld xmlns:a="http://schemas.openxmlformats.org/drawingml/2006/main" xmlns:r="http://schemas.openxmlformats.org/officeDocument/2006/relationships" xmlns:p="http://schemas.openxmlformats.org/presentationml/2006/main">
   <p:cSld>
     <p:spTree>
@@ -6949,7 +8208,7 @@
           <a:graphicData uri="http://schemas.openxmlformats.org/presentationml/2006/ole">
             <mc:AlternateContent xmlns:mc="http://schemas.openxmlformats.org/markup-compatibility/2006">
               <mc:Choice xmlns:v="urn:schemas-microsoft-com:vml" Requires="v">
-                <p:oleObj spid="_x0000_s262237" name="Equation" r:id="rId3" imgW="6057720" imgH="660240" progId="Equation.DSMT4">
+                <p:oleObj spid="_x0000_s262252" name="Equation" r:id="rId3" imgW="6057720" imgH="660240" progId="Equation.DSMT4">
                   <p:embed/>
                 </p:oleObj>
               </mc:Choice>
@@ -7057,7 +8316,7 @@
           <a:graphicData uri="http://schemas.openxmlformats.org/presentationml/2006/ole">
             <mc:AlternateContent xmlns:mc="http://schemas.openxmlformats.org/markup-compatibility/2006">
               <mc:Choice xmlns:v="urn:schemas-microsoft-com:vml" Requires="v">
-                <p:oleObj spid="_x0000_s262238" name="Equation" r:id="rId5" imgW="1396800" imgH="482400" progId="Equation.DSMT4">
+                <p:oleObj spid="_x0000_s262253" name="Equation" r:id="rId5" imgW="1396800" imgH="482400" progId="Equation.DSMT4">
                   <p:embed/>
                 </p:oleObj>
               </mc:Choice>
@@ -7127,7 +8386,7 @@
           <a:graphicData uri="http://schemas.openxmlformats.org/presentationml/2006/ole">
             <mc:AlternateContent xmlns:mc="http://schemas.openxmlformats.org/markup-compatibility/2006">
               <mc:Choice xmlns:v="urn:schemas-microsoft-com:vml" Requires="v">
-                <p:oleObj spid="_x0000_s262239" name="Equation" r:id="rId7" imgW="2946240" imgH="660240" progId="Equation.DSMT4">
+                <p:oleObj spid="_x0000_s262254" name="Equation" r:id="rId7" imgW="2946240" imgH="660240" progId="Equation.DSMT4">
                   <p:embed/>
                 </p:oleObj>
               </mc:Choice>
@@ -7197,7 +8456,7 @@
           <a:graphicData uri="http://schemas.openxmlformats.org/presentationml/2006/ole">
             <mc:AlternateContent xmlns:mc="http://schemas.openxmlformats.org/markup-compatibility/2006">
               <mc:Choice xmlns:v="urn:schemas-microsoft-com:vml" Requires="v">
-                <p:oleObj spid="_x0000_s262240" name="Equation" r:id="rId9" imgW="1981080" imgH="863280" progId="Equation.DSMT4">
+                <p:oleObj spid="_x0000_s262255" name="Equation" r:id="rId9" imgW="1981080" imgH="863280" progId="Equation.DSMT4">
                   <p:embed/>
                 </p:oleObj>
               </mc:Choice>
@@ -7267,7 +8526,7 @@
           <a:graphicData uri="http://schemas.openxmlformats.org/presentationml/2006/ole">
             <mc:AlternateContent xmlns:mc="http://schemas.openxmlformats.org/markup-compatibility/2006">
               <mc:Choice xmlns:v="urn:schemas-microsoft-com:vml" Requires="v">
-                <p:oleObj spid="_x0000_s262241" name="Equation" r:id="rId11" imgW="2133360" imgH="545760" progId="Equation.DSMT4">
+                <p:oleObj spid="_x0000_s262256" name="Equation" r:id="rId11" imgW="2133360" imgH="545760" progId="Equation.DSMT4">
                   <p:embed/>
                 </p:oleObj>
               </mc:Choice>
@@ -7337,7 +8596,7 @@
           <a:graphicData uri="http://schemas.openxmlformats.org/presentationml/2006/ole">
             <mc:AlternateContent xmlns:mc="http://schemas.openxmlformats.org/markup-compatibility/2006">
               <mc:Choice xmlns:v="urn:schemas-microsoft-com:vml" Requires="v">
-                <p:oleObj spid="_x0000_s262242" name="Equation" r:id="rId13" imgW="4267080" imgH="685800" progId="Equation.DSMT4">
+                <p:oleObj spid="_x0000_s262257" name="Equation" r:id="rId13" imgW="4267080" imgH="685800" progId="Equation.DSMT4">
                   <p:embed/>
                 </p:oleObj>
               </mc:Choice>
@@ -7407,7 +8666,7 @@
           <a:graphicData uri="http://schemas.openxmlformats.org/presentationml/2006/ole">
             <mc:AlternateContent xmlns:mc="http://schemas.openxmlformats.org/markup-compatibility/2006">
               <mc:Choice xmlns:v="urn:schemas-microsoft-com:vml" Requires="v">
-                <p:oleObj spid="_x0000_s262243" name="Equation" r:id="rId15" imgW="1574640" imgH="863280" progId="Equation.DSMT4">
+                <p:oleObj spid="_x0000_s262258" name="Equation" r:id="rId15" imgW="1574640" imgH="863280" progId="Equation.DSMT4">
                   <p:embed/>
                 </p:oleObj>
               </mc:Choice>
@@ -7497,7 +8756,7 @@
               <a:pPr>
                 <a:defRPr/>
               </a:pPr>
-              <a:t>7</a:t>
+              <a:t>8</a:t>
             </a:fld>
             <a:endParaRPr lang="en-US" dirty="0"/>
           </a:p>
@@ -7846,7 +9105,7 @@
 </p:sld>
 </file>
 
-<file path=ppt/slides/slide8.xml><?xml version="1.0" encoding="utf-8"?>
+<file path=ppt/slides/slide9.xml><?xml version="1.0" encoding="utf-8"?>
 <p:sld xmlns:a="http://schemas.openxmlformats.org/drawingml/2006/main" xmlns:r="http://schemas.openxmlformats.org/officeDocument/2006/relationships" xmlns:p="http://schemas.openxmlformats.org/presentationml/2006/main">
   <p:cSld>
     <p:spTree>
@@ -7902,7 +9161,7 @@
           <a:graphicData uri="http://schemas.openxmlformats.org/presentationml/2006/ole">
             <mc:AlternateContent xmlns:mc="http://schemas.openxmlformats.org/markup-compatibility/2006">
               <mc:Choice xmlns:v="urn:schemas-microsoft-com:vml" Requires="v">
-                <p:oleObj spid="_x0000_s257071" name="Equation" r:id="rId3" imgW="4495680" imgH="1269720" progId="Equation.DSMT4">
+                <p:oleObj spid="_x0000_s257078" name="Equation" r:id="rId3" imgW="4495680" imgH="1269720" progId="Equation.DSMT4">
                   <p:embed/>
                 </p:oleObj>
               </mc:Choice>
@@ -8022,7 +9281,7 @@
               <a:pPr>
                 <a:defRPr/>
               </a:pPr>
-              <a:t>8</a:t>
+              <a:t>9</a:t>
             </a:fld>
             <a:endParaRPr lang="en-US" dirty="0"/>
           </a:p>
@@ -8044,7 +9303,7 @@
           <a:graphicData uri="http://schemas.openxmlformats.org/presentationml/2006/ole">
             <mc:AlternateContent xmlns:mc="http://schemas.openxmlformats.org/markup-compatibility/2006">
               <mc:Choice xmlns:v="urn:schemas-microsoft-com:vml" Requires="v">
-                <p:oleObj spid="_x0000_s257072" name="Equation" r:id="rId5" imgW="3848100" imgH="1447800" progId="Equation.DSMT4">
+                <p:oleObj spid="_x0000_s257079" name="Equation" r:id="rId5" imgW="3848100" imgH="1447800" progId="Equation.DSMT4">
                   <p:embed/>
                 </p:oleObj>
               </mc:Choice>
@@ -8107,7 +9366,7 @@
           <a:graphicData uri="http://schemas.openxmlformats.org/presentationml/2006/ole">
             <mc:AlternateContent xmlns:mc="http://schemas.openxmlformats.org/markup-compatibility/2006">
               <mc:Choice xmlns:v="urn:schemas-microsoft-com:vml" Requires="v">
-                <p:oleObj spid="_x0000_s257073" name="Equation" r:id="rId7" imgW="749300" imgH="304800" progId="Equation.DSMT4">
+                <p:oleObj spid="_x0000_s257080" name="Equation" r:id="rId7" imgW="749300" imgH="304800" progId="Equation.DSMT4">
                   <p:embed/>
                 </p:oleObj>
               </mc:Choice>
@@ -8350,764 +9609,6 @@
     </p:tnLst>
     <p:bldLst>
       <p:bldP spid="13" grpId="0"/>
-    </p:bldLst>
-  </p:timing>
-</p:sld>
-</file>
-
-<file path=ppt/slides/slide9.xml><?xml version="1.0" encoding="utf-8"?>
-<p:sld xmlns:a="http://schemas.openxmlformats.org/drawingml/2006/main" xmlns:r="http://schemas.openxmlformats.org/officeDocument/2006/relationships" xmlns:p="http://schemas.openxmlformats.org/presentationml/2006/main">
-  <p:cSld>
-    <p:spTree>
-      <p:nvGrpSpPr>
-        <p:cNvPr id="1" name=""/>
-        <p:cNvGrpSpPr/>
-        <p:nvPr/>
-      </p:nvGrpSpPr>
-      <p:grpSpPr>
-        <a:xfrm>
-          <a:off x="0" y="0"/>
-          <a:ext cx="0" cy="0"/>
-          <a:chOff x="0" y="0"/>
-          <a:chExt cx="0" cy="0"/>
-        </a:xfrm>
-      </p:grpSpPr>
-      <p:sp>
-        <p:nvSpPr>
-          <p:cNvPr id="2" name="Title 1"/>
-          <p:cNvSpPr>
-            <a:spLocks noGrp="1"/>
-          </p:cNvSpPr>
-          <p:nvPr>
-            <p:ph type="title"/>
-          </p:nvPr>
-        </p:nvSpPr>
-        <p:spPr/>
-        <p:txBody>
-          <a:bodyPr/>
-          <a:lstStyle/>
-          <a:p>
-            <a:r>
-              <a:rPr lang="en-US" dirty="0" smtClean="0"/>
-              <a:t>In General…</a:t>
-            </a:r>
-            <a:endParaRPr lang="en-US" dirty="0"/>
-          </a:p>
-        </p:txBody>
-      </p:sp>
-      <p:sp>
-        <p:nvSpPr>
-          <p:cNvPr id="12" name="TextBox 11"/>
-          <p:cNvSpPr txBox="1"/>
-          <p:nvPr/>
-        </p:nvSpPr>
-        <p:spPr>
-          <a:xfrm>
-            <a:off x="381000" y="1487269"/>
-            <a:ext cx="8381999" cy="1200329"/>
-          </a:xfrm>
-          <a:prstGeom prst="rect">
-            <a:avLst/>
-          </a:prstGeom>
-          <a:noFill/>
-        </p:spPr>
-        <p:txBody>
-          <a:bodyPr wrap="square" rtlCol="0">
-            <a:spAutoFit/>
-          </a:bodyPr>
-          <a:lstStyle/>
-          <a:p>
-            <a:r>
-              <a:rPr lang="en-US" sz="3600" dirty="0" smtClean="0"/>
-              <a:t>The partial fraction expansion of </a:t>
-            </a:r>
-            <a:r>
-              <a:rPr lang="en-US" sz="3600" dirty="0" smtClean="0">
-                <a:solidFill>
-                  <a:srgbClr val="0000FF"/>
-                </a:solidFill>
-              </a:rPr>
-              <a:t>P</a:t>
-            </a:r>
-            <a:r>
-              <a:rPr lang="en-US" sz="3600" dirty="0" smtClean="0"/>
-              <a:t>(x)/</a:t>
-            </a:r>
-            <a:r>
-              <a:rPr lang="en-US" sz="3600" dirty="0" smtClean="0">
-                <a:solidFill>
-                  <a:srgbClr val="0000FF"/>
-                </a:solidFill>
-              </a:rPr>
-              <a:t>Q</a:t>
-            </a:r>
-            <a:r>
-              <a:rPr lang="en-US" sz="3600" dirty="0" smtClean="0"/>
-              <a:t>(x) contains terms of the form</a:t>
-            </a:r>
-            <a:endParaRPr lang="en-US" sz="3600" dirty="0"/>
-          </a:p>
-        </p:txBody>
-      </p:sp>
-      <p:graphicFrame>
-        <p:nvGraphicFramePr>
-          <p:cNvPr id="8" name="Object 7"/>
-          <p:cNvGraphicFramePr>
-            <a:graphicFrameLocks noChangeAspect="1"/>
-          </p:cNvGraphicFramePr>
-          <p:nvPr/>
-        </p:nvGraphicFramePr>
-        <p:xfrm>
-          <a:off x="781050" y="3003550"/>
-          <a:ext cx="4241800" cy="1917700"/>
-        </p:xfrm>
-        <a:graphic>
-          <a:graphicData uri="http://schemas.openxmlformats.org/presentationml/2006/ole">
-            <mc:AlternateContent xmlns:mc="http://schemas.openxmlformats.org/markup-compatibility/2006">
-              <mc:Choice xmlns:v="urn:schemas-microsoft-com:vml" Requires="v">
-                <p:oleObj spid="_x0000_s258083" name="Equation" r:id="rId3" imgW="4241800" imgH="1917700" progId="Equation.DSMT4">
-                  <p:embed/>
-                </p:oleObj>
-              </mc:Choice>
-              <mc:Fallback>
-                <p:oleObj name="Equation" r:id="rId3" imgW="4241800" imgH="1917700" progId="Equation.DSMT4">
-                  <p:embed/>
-                  <p:pic>
-                    <p:nvPicPr>
-                      <p:cNvPr id="0" name="Picture 2"/>
-                      <p:cNvPicPr>
-                        <a:picLocks noChangeAspect="1" noChangeArrowheads="1"/>
-                      </p:cNvPicPr>
-                      <p:nvPr/>
-                    </p:nvPicPr>
-                    <p:blipFill>
-                      <a:blip r:embed="rId4">
-                        <a:extLst>
-                          <a:ext uri="{28A0092B-C50C-407E-A947-70E740481C1C}">
-                            <a14:useLocalDpi xmlns:a14="http://schemas.microsoft.com/office/drawing/2010/main" val="0"/>
-                          </a:ext>
-                        </a:extLst>
-                      </a:blip>
-                      <a:srcRect/>
-                      <a:stretch>
-                        <a:fillRect/>
-                      </a:stretch>
-                    </p:blipFill>
-                    <p:spPr bwMode="auto">
-                      <a:xfrm>
-                        <a:off x="781050" y="3003550"/>
-                        <a:ext cx="4241800" cy="1917700"/>
-                      </a:xfrm>
-                      <a:prstGeom prst="rect">
-                        <a:avLst/>
-                      </a:prstGeom>
-                      <a:noFill/>
-                      <a:extLst>
-                        <a:ext uri="{909E8E84-426E-40dd-AFC4-6F175D3DCCD1}">
-                          <a14:hiddenFill xmlns:a14="http://schemas.microsoft.com/office/drawing/2010/main">
-                            <a:solidFill>
-                              <a:srgbClr val="FFFFFF"/>
-                            </a:solidFill>
-                          </a14:hiddenFill>
-                        </a:ext>
-                      </a:extLst>
-                    </p:spPr>
-                  </p:pic>
-                </p:oleObj>
-              </mc:Fallback>
-            </mc:AlternateContent>
-          </a:graphicData>
-        </a:graphic>
-      </p:graphicFrame>
-      <p:sp>
-        <p:nvSpPr>
-          <p:cNvPr id="10" name="TextBox 9"/>
-          <p:cNvSpPr txBox="1"/>
-          <p:nvPr/>
-        </p:nvSpPr>
-        <p:spPr>
-          <a:xfrm>
-            <a:off x="381000" y="5257800"/>
-            <a:ext cx="6351318" cy="646331"/>
-          </a:xfrm>
-          <a:prstGeom prst="rect">
-            <a:avLst/>
-          </a:prstGeom>
-          <a:noFill/>
-        </p:spPr>
-        <p:txBody>
-          <a:bodyPr wrap="none" rtlCol="0">
-            <a:spAutoFit/>
-          </a:bodyPr>
-          <a:lstStyle/>
-          <a:p>
-            <a:r>
-              <a:rPr lang="en-US" sz="3600" dirty="0" smtClean="0"/>
-              <a:t>where 1/</a:t>
-            </a:r>
-            <a:r>
-              <a:rPr lang="en-US" sz="3600" b="1" dirty="0" smtClean="0">
-                <a:solidFill>
-                  <a:srgbClr val="008000"/>
-                </a:solidFill>
-                <a:latin typeface="Symbol" charset="2"/>
-                <a:cs typeface="Symbol" charset="2"/>
-                <a:sym typeface="Symbol"/>
-              </a:rPr>
-              <a:t>α</a:t>
-            </a:r>
-            <a:r>
-              <a:rPr lang="en-US" sz="3600" dirty="0" smtClean="0">
-                <a:solidFill>
-                  <a:srgbClr val="008000"/>
-                </a:solidFill>
-                <a:sym typeface="Symbol"/>
-              </a:rPr>
-              <a:t> </a:t>
-            </a:r>
-            <a:r>
-              <a:rPr lang="en-US" sz="3600" dirty="0" smtClean="0">
-                <a:sym typeface="Symbol"/>
-              </a:rPr>
-              <a:t>is a root of </a:t>
-            </a:r>
-            <a:r>
-              <a:rPr lang="en-US" sz="3600" dirty="0" smtClean="0">
-                <a:solidFill>
-                  <a:srgbClr val="0000FF"/>
-                </a:solidFill>
-                <a:sym typeface="Symbol"/>
-              </a:rPr>
-              <a:t>Q</a:t>
-            </a:r>
-            <a:r>
-              <a:rPr lang="en-US" sz="3600" dirty="0" smtClean="0">
-                <a:sym typeface="Symbol"/>
-              </a:rPr>
-              <a:t>(x).</a:t>
-            </a:r>
-            <a:endParaRPr lang="en-US" sz="3600" dirty="0"/>
-          </a:p>
-        </p:txBody>
-      </p:sp>
-      <p:grpSp>
-        <p:nvGrpSpPr>
-          <p:cNvPr id="4" name="Group 15"/>
-          <p:cNvGrpSpPr/>
-          <p:nvPr/>
-        </p:nvGrpSpPr>
-        <p:grpSpPr>
-          <a:xfrm>
-            <a:off x="3962400" y="2819400"/>
-            <a:ext cx="4952999" cy="1077218"/>
-            <a:chOff x="3812309" y="2819399"/>
-            <a:chExt cx="5103090" cy="895784"/>
-          </a:xfrm>
-        </p:grpSpPr>
-        <p:sp>
-          <p:nvSpPr>
-            <p:cNvPr id="11" name="TextBox 10"/>
-            <p:cNvSpPr txBox="1"/>
-            <p:nvPr/>
-          </p:nvSpPr>
-          <p:spPr>
-            <a:xfrm>
-              <a:off x="5029200" y="2819399"/>
-              <a:ext cx="3886199" cy="895784"/>
-            </a:xfrm>
-            <a:prstGeom prst="rect">
-              <a:avLst/>
-            </a:prstGeom>
-            <a:noFill/>
-          </p:spPr>
-          <p:txBody>
-            <a:bodyPr wrap="square" rtlCol="0">
-              <a:spAutoFit/>
-            </a:bodyPr>
-            <a:lstStyle/>
-            <a:p>
-              <a:r>
-                <a:rPr lang="en-US" sz="3200" dirty="0" smtClean="0">
-                  <a:solidFill>
-                    <a:srgbClr val="FF00FF"/>
-                  </a:solidFill>
-                </a:rPr>
-                <a:t>We know the </a:t>
-              </a:r>
-              <a:r>
-                <a:rPr lang="en-US" sz="3200" dirty="0" smtClean="0">
-                  <a:solidFill>
-                    <a:srgbClr val="0000FF"/>
-                  </a:solidFill>
-                </a:rPr>
-                <a:t>n</a:t>
-              </a:r>
-              <a:r>
-                <a:rPr lang="en-US" sz="3200" baseline="30000" dirty="0" smtClean="0">
-                  <a:solidFill>
-                    <a:srgbClr val="FF00FF"/>
-                  </a:solidFill>
-                </a:rPr>
-                <a:t>th</a:t>
-              </a:r>
-              <a:r>
-                <a:rPr lang="en-US" sz="3200" dirty="0" smtClean="0">
-                  <a:solidFill>
-                    <a:srgbClr val="FF00FF"/>
-                  </a:solidFill>
-                </a:rPr>
-                <a:t> </a:t>
-              </a:r>
-              <a:r>
-                <a:rPr lang="en-US" sz="3200" dirty="0" err="1" smtClean="0">
-                  <a:solidFill>
-                    <a:srgbClr val="FF00FF"/>
-                  </a:solidFill>
-                </a:rPr>
-                <a:t>coeff</a:t>
-              </a:r>
-              <a:r>
-                <a:rPr lang="en-US" sz="3200" dirty="0" smtClean="0">
-                  <a:solidFill>
-                    <a:srgbClr val="FF00FF"/>
-                  </a:solidFill>
-                </a:rPr>
-                <a:t> of this!</a:t>
-              </a:r>
-              <a:endParaRPr lang="en-US" sz="3200" dirty="0">
-                <a:solidFill>
-                  <a:srgbClr val="FF00FF"/>
-                </a:solidFill>
-              </a:endParaRPr>
-            </a:p>
-          </p:txBody>
-        </p:sp>
-        <p:cxnSp>
-          <p:nvCxnSpPr>
-            <p:cNvPr id="15" name="Straight Arrow Connector 14"/>
-            <p:cNvCxnSpPr>
-              <a:stCxn id="11" idx="1"/>
-            </p:cNvCxnSpPr>
-            <p:nvPr/>
-          </p:nvCxnSpPr>
-          <p:spPr bwMode="auto">
-            <a:xfrm rot="10800000" flipV="1">
-              <a:off x="3812309" y="3267289"/>
-              <a:ext cx="1216891" cy="249131"/>
-            </a:xfrm>
-            <a:prstGeom prst="straightConnector1">
-              <a:avLst/>
-            </a:prstGeom>
-            <a:solidFill>
-              <a:schemeClr val="accent1">
-                <a:alpha val="0"/>
-              </a:schemeClr>
-            </a:solidFill>
-            <a:ln w="28575" cap="flat" cmpd="sng" algn="ctr">
-              <a:solidFill>
-                <a:srgbClr val="FF00FF"/>
-              </a:solidFill>
-              <a:prstDash val="sysDot"/>
-              <a:round/>
-              <a:headEnd type="none" w="med" len="med"/>
-              <a:tailEnd type="arrow"/>
-            </a:ln>
-            <a:effectLst/>
-          </p:spPr>
-        </p:cxnSp>
-      </p:grpSp>
-      <p:sp>
-        <p:nvSpPr>
-          <p:cNvPr id="13" name="Slide Number Placeholder 2"/>
-          <p:cNvSpPr>
-            <a:spLocks noGrp="1"/>
-          </p:cNvSpPr>
-          <p:nvPr>
-            <p:ph type="sldNum" sz="quarter" idx="10"/>
-          </p:nvPr>
-        </p:nvSpPr>
-        <p:spPr>
-          <a:xfrm>
-            <a:off x="6400800" y="6613525"/>
-            <a:ext cx="2667000" cy="244475"/>
-          </a:xfrm>
-        </p:spPr>
-        <p:txBody>
-          <a:bodyPr/>
-          <a:lstStyle/>
-          <a:p>
-            <a:pPr>
-              <a:defRPr/>
-            </a:pPr>
-            <a:r>
-              <a:rPr lang="en-US" dirty="0" err="1" smtClean="0"/>
-              <a:t>lec</a:t>
-            </a:r>
-            <a:r>
-              <a:rPr lang="en-US" dirty="0" smtClean="0"/>
-              <a:t> 11M.</a:t>
-            </a:r>
-            <a:fld id="{A585D087-0720-40C8-BCB9-442D95888E3B}" type="slidenum">
-              <a:rPr lang="en-US" smtClean="0"/>
-              <a:pPr>
-                <a:defRPr/>
-              </a:pPr>
-              <a:t>9</a:t>
-            </a:fld>
-            <a:endParaRPr lang="en-US" dirty="0"/>
-          </a:p>
-        </p:txBody>
-      </p:sp>
-      <p:graphicFrame>
-        <p:nvGraphicFramePr>
-          <p:cNvPr id="14" name="Object 13"/>
-          <p:cNvGraphicFramePr>
-            <a:graphicFrameLocks noChangeAspect="1"/>
-          </p:cNvGraphicFramePr>
-          <p:nvPr/>
-        </p:nvGraphicFramePr>
-        <p:xfrm>
-          <a:off x="5668963" y="3810000"/>
-          <a:ext cx="3170237" cy="1752600"/>
-        </p:xfrm>
-        <a:graphic>
-          <a:graphicData uri="http://schemas.openxmlformats.org/presentationml/2006/ole">
-            <mc:AlternateContent xmlns:mc="http://schemas.openxmlformats.org/markup-compatibility/2006">
-              <mc:Choice xmlns:v="urn:schemas-microsoft-com:vml" Requires="v">
-                <p:oleObj spid="_x0000_s258084" name="Equation" r:id="rId5" imgW="965200" imgH="533400" progId="Equation.DSMT4">
-                  <p:embed/>
-                </p:oleObj>
-              </mc:Choice>
-              <mc:Fallback>
-                <p:oleObj name="Equation" r:id="rId5" imgW="965200" imgH="533400" progId="Equation.DSMT4">
-                  <p:embed/>
-                  <p:pic>
-                    <p:nvPicPr>
-                      <p:cNvPr id="0" name="Picture 5"/>
-                      <p:cNvPicPr>
-                        <a:picLocks noChangeAspect="1" noChangeArrowheads="1"/>
-                      </p:cNvPicPr>
-                      <p:nvPr/>
-                    </p:nvPicPr>
-                    <p:blipFill>
-                      <a:blip r:embed="rId6">
-                        <a:extLst>
-                          <a:ext uri="{28A0092B-C50C-407E-A947-70E740481C1C}">
-                            <a14:useLocalDpi xmlns:a14="http://schemas.microsoft.com/office/drawing/2010/main" val="0"/>
-                          </a:ext>
-                        </a:extLst>
-                      </a:blip>
-                      <a:srcRect/>
-                      <a:stretch>
-                        <a:fillRect/>
-                      </a:stretch>
-                    </p:blipFill>
-                    <p:spPr bwMode="auto">
-                      <a:xfrm>
-                        <a:off x="5668963" y="3810000"/>
-                        <a:ext cx="3170237" cy="1752600"/>
-                      </a:xfrm>
-                      <a:prstGeom prst="rect">
-                        <a:avLst/>
-                      </a:prstGeom>
-                      <a:noFill/>
-                      <a:extLst>
-                        <a:ext uri="{909E8E84-426E-40dd-AFC4-6F175D3DCCD1}">
-                          <a14:hiddenFill xmlns:a14="http://schemas.microsoft.com/office/drawing/2010/main">
-                            <a:solidFill>
-                              <a:srgbClr val="FFFFFF"/>
-                            </a:solidFill>
-                          </a14:hiddenFill>
-                        </a:ext>
-                      </a:extLst>
-                    </p:spPr>
-                  </p:pic>
-                </p:oleObj>
-              </mc:Fallback>
-            </mc:AlternateContent>
-          </a:graphicData>
-        </a:graphic>
-      </p:graphicFrame>
-    </p:spTree>
-  </p:cSld>
-  <p:clrMapOvr>
-    <a:masterClrMapping/>
-  </p:clrMapOvr>
-  <p:transition xmlns:p14="http://schemas.microsoft.com/office/powerpoint/2010/main" spd="slow">
-    <p:fade/>
-  </p:transition>
-  <p:timing>
-    <p:tnLst>
-      <p:par>
-        <p:cTn xmlns:p14="http://schemas.microsoft.com/office/powerpoint/2010/main" id="1" dur="indefinite" restart="never" nodeType="tmRoot">
-          <p:childTnLst>
-            <p:seq concurrent="1" nextAc="seek">
-              <p:cTn id="2" dur="indefinite" nodeType="mainSeq">
-                <p:childTnLst>
-                  <p:par>
-                    <p:cTn id="3" fill="hold">
-                      <p:stCondLst>
-                        <p:cond delay="indefinite"/>
-                      </p:stCondLst>
-                      <p:childTnLst>
-                        <p:par>
-                          <p:cTn id="4" fill="hold">
-                            <p:stCondLst>
-                              <p:cond delay="0"/>
-                            </p:stCondLst>
-                            <p:childTnLst>
-                              <p:par>
-                                <p:cTn id="5" presetID="22" presetClass="entr" presetSubtype="8" fill="hold" nodeType="clickEffect">
-                                  <p:stCondLst>
-                                    <p:cond delay="0"/>
-                                  </p:stCondLst>
-                                  <p:childTnLst>
-                                    <p:set>
-                                      <p:cBhvr>
-                                        <p:cTn id="6" dur="1" fill="hold">
-                                          <p:stCondLst>
-                                            <p:cond delay="0"/>
-                                          </p:stCondLst>
-                                        </p:cTn>
-                                        <p:tgtEl>
-                                          <p:spTgt spid="8"/>
-                                        </p:tgtEl>
-                                        <p:attrNameLst>
-                                          <p:attrName>style.visibility</p:attrName>
-                                        </p:attrNameLst>
-                                      </p:cBhvr>
-                                      <p:to>
-                                        <p:strVal val="visible"/>
-                                      </p:to>
-                                    </p:set>
-                                    <p:animEffect transition="in" filter="wipe(left)">
-                                      <p:cBhvr>
-                                        <p:cTn id="7" dur="500"/>
-                                        <p:tgtEl>
-                                          <p:spTgt spid="8"/>
-                                        </p:tgtEl>
-                                      </p:cBhvr>
-                                    </p:animEffect>
-                                  </p:childTnLst>
-                                </p:cTn>
-                              </p:par>
-                            </p:childTnLst>
-                          </p:cTn>
-                        </p:par>
-                        <p:par>
-                          <p:cTn id="8" fill="hold">
-                            <p:stCondLst>
-                              <p:cond delay="500"/>
-                            </p:stCondLst>
-                            <p:childTnLst>
-                              <p:par>
-                                <p:cTn id="9" presetID="22" presetClass="entr" presetSubtype="8" fill="hold" grpId="0" nodeType="afterEffect">
-                                  <p:stCondLst>
-                                    <p:cond delay="0"/>
-                                  </p:stCondLst>
-                                  <p:childTnLst>
-                                    <p:set>
-                                      <p:cBhvr>
-                                        <p:cTn id="10" dur="1" fill="hold">
-                                          <p:stCondLst>
-                                            <p:cond delay="0"/>
-                                          </p:stCondLst>
-                                        </p:cTn>
-                                        <p:tgtEl>
-                                          <p:spTgt spid="10"/>
-                                        </p:tgtEl>
-                                        <p:attrNameLst>
-                                          <p:attrName>style.visibility</p:attrName>
-                                        </p:attrNameLst>
-                                      </p:cBhvr>
-                                      <p:to>
-                                        <p:strVal val="visible"/>
-                                      </p:to>
-                                    </p:set>
-                                    <p:animEffect transition="in" filter="wipe(left)">
-                                      <p:cBhvr>
-                                        <p:cTn id="11" dur="500"/>
-                                        <p:tgtEl>
-                                          <p:spTgt spid="10"/>
-                                        </p:tgtEl>
-                                      </p:cBhvr>
-                                    </p:animEffect>
-                                  </p:childTnLst>
-                                </p:cTn>
-                              </p:par>
-                            </p:childTnLst>
-                          </p:cTn>
-                        </p:par>
-                      </p:childTnLst>
-                    </p:cTn>
-                  </p:par>
-                  <p:par>
-                    <p:cTn id="12" fill="hold">
-                      <p:stCondLst>
-                        <p:cond delay="indefinite"/>
-                      </p:stCondLst>
-                      <p:childTnLst>
-                        <p:par>
-                          <p:cTn id="13" fill="hold">
-                            <p:stCondLst>
-                              <p:cond delay="0"/>
-                            </p:stCondLst>
-                            <p:childTnLst>
-                              <p:par>
-                                <p:cTn id="14" presetID="9" presetClass="entr" presetSubtype="0" fill="hold" nodeType="clickEffect">
-                                  <p:stCondLst>
-                                    <p:cond delay="0"/>
-                                  </p:stCondLst>
-                                  <p:childTnLst>
-                                    <p:set>
-                                      <p:cBhvr>
-                                        <p:cTn id="15" dur="1" fill="hold">
-                                          <p:stCondLst>
-                                            <p:cond delay="0"/>
-                                          </p:stCondLst>
-                                        </p:cTn>
-                                        <p:tgtEl>
-                                          <p:spTgt spid="4"/>
-                                        </p:tgtEl>
-                                        <p:attrNameLst>
-                                          <p:attrName>style.visibility</p:attrName>
-                                        </p:attrNameLst>
-                                      </p:cBhvr>
-                                      <p:to>
-                                        <p:strVal val="visible"/>
-                                      </p:to>
-                                    </p:set>
-                                    <p:animEffect transition="in" filter="dissolve">
-                                      <p:cBhvr>
-                                        <p:cTn id="16" dur="500"/>
-                                        <p:tgtEl>
-                                          <p:spTgt spid="4"/>
-                                        </p:tgtEl>
-                                      </p:cBhvr>
-                                    </p:animEffect>
-                                  </p:childTnLst>
-                                </p:cTn>
-                              </p:par>
-                            </p:childTnLst>
-                          </p:cTn>
-                        </p:par>
-                      </p:childTnLst>
-                    </p:cTn>
-                  </p:par>
-                  <p:par>
-                    <p:cTn id="17" fill="hold">
-                      <p:stCondLst>
-                        <p:cond delay="indefinite"/>
-                      </p:stCondLst>
-                      <p:childTnLst>
-                        <p:par>
-                          <p:cTn id="18" fill="hold">
-                            <p:stCondLst>
-                              <p:cond delay="0"/>
-                            </p:stCondLst>
-                            <p:childTnLst>
-                              <p:par>
-                                <p:cTn id="19" presetID="2" presetClass="entr" presetSubtype="2" accel="50000" decel="50000" fill="hold" nodeType="clickEffect">
-                                  <p:stCondLst>
-                                    <p:cond delay="0"/>
-                                  </p:stCondLst>
-                                  <p:childTnLst>
-                                    <p:set>
-                                      <p:cBhvr>
-                                        <p:cTn id="20" dur="1" fill="hold">
-                                          <p:stCondLst>
-                                            <p:cond delay="0"/>
-                                          </p:stCondLst>
-                                        </p:cTn>
-                                        <p:tgtEl>
-                                          <p:spTgt spid="14"/>
-                                        </p:tgtEl>
-                                        <p:attrNameLst>
-                                          <p:attrName>style.visibility</p:attrName>
-                                        </p:attrNameLst>
-                                      </p:cBhvr>
-                                      <p:to>
-                                        <p:strVal val="visible"/>
-                                      </p:to>
-                                    </p:set>
-                                    <p:anim calcmode="lin" valueType="num">
-                                      <p:cBhvr additive="base">
-                                        <p:cTn id="21" dur="1000" fill="hold"/>
-                                        <p:tgtEl>
-                                          <p:spTgt spid="14"/>
-                                        </p:tgtEl>
-                                        <p:attrNameLst>
-                                          <p:attrName>ppt_x</p:attrName>
-                                        </p:attrNameLst>
-                                      </p:cBhvr>
-                                      <p:tavLst>
-                                        <p:tav tm="0">
-                                          <p:val>
-                                            <p:strVal val="1+#ppt_w/2"/>
-                                          </p:val>
-                                        </p:tav>
-                                        <p:tav tm="100000">
-                                          <p:val>
-                                            <p:strVal val="#ppt_x"/>
-                                          </p:val>
-                                        </p:tav>
-                                      </p:tavLst>
-                                    </p:anim>
-                                    <p:anim calcmode="lin" valueType="num">
-                                      <p:cBhvr additive="base">
-                                        <p:cTn id="22" dur="1000" fill="hold"/>
-                                        <p:tgtEl>
-                                          <p:spTgt spid="14"/>
-                                        </p:tgtEl>
-                                        <p:attrNameLst>
-                                          <p:attrName>ppt_y</p:attrName>
-                                        </p:attrNameLst>
-                                      </p:cBhvr>
-                                      <p:tavLst>
-                                        <p:tav tm="0">
-                                          <p:val>
-                                            <p:strVal val="#ppt_y"/>
-                                          </p:val>
-                                        </p:tav>
-                                        <p:tav tm="100000">
-                                          <p:val>
-                                            <p:strVal val="#ppt_y"/>
-                                          </p:val>
-                                        </p:tav>
-                                      </p:tavLst>
-                                    </p:anim>
-                                  </p:childTnLst>
-                                </p:cTn>
-                              </p:par>
-                            </p:childTnLst>
-                          </p:cTn>
-                        </p:par>
-                      </p:childTnLst>
-                    </p:cTn>
-                  </p:par>
-                </p:childTnLst>
-              </p:cTn>
-              <p:prevCondLst>
-                <p:cond evt="onPrev" delay="0">
-                  <p:tgtEl>
-                    <p:sldTgt/>
-                  </p:tgtEl>
-                </p:cond>
-              </p:prevCondLst>
-              <p:nextCondLst>
-                <p:cond evt="onNext" delay="0">
-                  <p:tgtEl>
-                    <p:sldTgt/>
-                  </p:tgtEl>
-                </p:cond>
-              </p:nextCondLst>
-            </p:seq>
-          </p:childTnLst>
-        </p:cTn>
-      </p:par>
-    </p:tnLst>
-    <p:bldLst>
-      <p:bldP spid="10" grpId="0"/>
     </p:bldLst>
   </p:timing>
 </p:sld>

--- a/spring13/slides13/partial-fractions.pptx
+++ b/spring13/slides13/partial-fractions.pptx
@@ -5,10 +5,10 @@
     <p:sldMasterId id="2147483650" r:id="rId1"/>
   </p:sldMasterIdLst>
   <p:notesMasterIdLst>
-    <p:notesMasterId r:id="rId14"/>
+    <p:notesMasterId r:id="rId15"/>
   </p:notesMasterIdLst>
   <p:handoutMasterIdLst>
-    <p:handoutMasterId r:id="rId15"/>
+    <p:handoutMasterId r:id="rId16"/>
   </p:handoutMasterIdLst>
   <p:sldIdLst>
     <p:sldId id="474" r:id="rId2"/>
@@ -17,17 +17,18 @@
     <p:sldId id="564" r:id="rId5"/>
     <p:sldId id="565" r:id="rId6"/>
     <p:sldId id="576" r:id="rId7"/>
-    <p:sldId id="566" r:id="rId8"/>
-    <p:sldId id="567" r:id="rId9"/>
-    <p:sldId id="562" r:id="rId10"/>
-    <p:sldId id="563" r:id="rId11"/>
-    <p:sldId id="573" r:id="rId12"/>
-    <p:sldId id="574" r:id="rId13"/>
+    <p:sldId id="577" r:id="rId8"/>
+    <p:sldId id="566" r:id="rId9"/>
+    <p:sldId id="567" r:id="rId10"/>
+    <p:sldId id="562" r:id="rId11"/>
+    <p:sldId id="563" r:id="rId12"/>
+    <p:sldId id="573" r:id="rId13"/>
+    <p:sldId id="574" r:id="rId14"/>
   </p:sldIdLst>
   <p:sldSz cx="9144000" cy="6858000" type="screen4x3"/>
   <p:notesSz cx="9601200" cy="7315200"/>
   <p:custDataLst>
-    <p:tags r:id="rId17"/>
+    <p:tags r:id="rId18"/>
   </p:custDataLst>
   <p:defaultTextStyle>
     <a:defPPr>
@@ -1103,7 +1104,7 @@
               <a:pPr>
                 <a:defRPr/>
               </a:pPr>
-              <a:t>11</a:t>
+              <a:t>12</a:t>
             </a:fld>
             <a:endParaRPr lang="en-US"/>
           </a:p>
@@ -1190,7 +1191,7 @@
               <a:pPr>
                 <a:defRPr/>
               </a:pPr>
-              <a:t>12</a:t>
+              <a:t>13</a:t>
             </a:fld>
             <a:endParaRPr lang="en-US"/>
           </a:p>
@@ -1366,6 +1367,9 @@
   <p:clrMapOvr>
     <a:masterClrMapping/>
   </p:clrMapOvr>
+  <p:transition xmlns:p14="http://schemas.microsoft.com/office/powerpoint/2010/main" spd="slow" advClick="0">
+    <p:fade/>
+  </p:transition>
   <p:timing>
     <p:tnLst>
       <p:par>
@@ -1516,6 +1520,9 @@
   <p:clrMapOvr>
     <a:masterClrMapping/>
   </p:clrMapOvr>
+  <p:transition xmlns:p14="http://schemas.microsoft.com/office/powerpoint/2010/main" spd="slow" advClick="0">
+    <p:fade/>
+  </p:transition>
   <p:timing>
     <p:tnLst>
       <p:par>
@@ -1614,6 +1621,9 @@
   <p:clrMapOvr>
     <a:masterClrMapping/>
   </p:clrMapOvr>
+  <p:transition xmlns:p14="http://schemas.microsoft.com/office/powerpoint/2010/main" spd="slow" advClick="0">
+    <p:fade/>
+  </p:transition>
   <p:timing>
     <p:tnLst>
       <p:par>
@@ -1689,6 +1699,9 @@
   <p:clrMapOvr>
     <a:masterClrMapping/>
   </p:clrMapOvr>
+  <p:transition xmlns:p14="http://schemas.microsoft.com/office/powerpoint/2010/main" spd="slow" advClick="0">
+    <p:fade/>
+  </p:transition>
   <p:timing>
     <p:tnLst>
       <p:par>
@@ -1923,6 +1936,9 @@
   <p:clrMapOvr>
     <a:masterClrMapping/>
   </p:clrMapOvr>
+  <p:transition xmlns:p14="http://schemas.microsoft.com/office/powerpoint/2010/main" spd="slow" advClick="0">
+    <p:fade/>
+  </p:transition>
   <p:timing>
     <p:tnLst>
       <p:par>
@@ -2266,6 +2282,9 @@
     <p:sldLayoutId id="2147483657" r:id="rId4"/>
     <p:sldLayoutId id="2147483659" r:id="rId5"/>
   </p:sldLayoutIdLst>
+  <p:transition xmlns:p14="http://schemas.microsoft.com/office/powerpoint/2010/main" spd="slow" advClick="0">
+    <p:fade/>
+  </p:transition>
   <p:timing>
     <p:tnLst>
       <p:par>
@@ -2825,6 +2844,14 @@
   <p:clrMapOvr>
     <a:masterClrMapping/>
   </p:clrMapOvr>
+  <mc:AlternateContent xmlns:mc="http://schemas.openxmlformats.org/markup-compatibility/2006">
+    <mc:Choice xmlns:p14="http://schemas.microsoft.com/office/powerpoint/2010/main" Requires="p14">
+      <p:transition p14:dur="0" advClick="0"/>
+    </mc:Choice>
+    <mc:Fallback>
+      <p:transition xmlns:p14="http://schemas.microsoft.com/office/powerpoint/2010/main" advClick="0"/>
+    </mc:Fallback>
+  </mc:AlternateContent>
   <p:timing>
     <p:tnLst>
       <p:par>
@@ -2868,8 +2895,273 @@
           <a:lstStyle/>
           <a:p>
             <a:r>
+              <a:rPr lang="en-US" sz="4400" dirty="0" smtClean="0"/>
+              <a:t>The coefficient </a:t>
+            </a:r>
+            <a:r>
+              <a:rPr lang="en-US" sz="4400" b="0" dirty="0" err="1" smtClean="0">
+                <a:solidFill>
+                  <a:srgbClr val="0000FF"/>
+                </a:solidFill>
+              </a:rPr>
+              <a:t>h</a:t>
+            </a:r>
+            <a:r>
+              <a:rPr lang="en-US" sz="4400" b="0" baseline="-25000" dirty="0" err="1" smtClean="0">
+                <a:solidFill>
+                  <a:srgbClr val="0000FF"/>
+                </a:solidFill>
+              </a:rPr>
+              <a:t>n</a:t>
+            </a:r>
+            <a:endParaRPr lang="en-US" sz="4400" b="0" dirty="0">
+              <a:solidFill>
+                <a:srgbClr val="0000FF"/>
+              </a:solidFill>
+            </a:endParaRPr>
+          </a:p>
+        </p:txBody>
+      </p:sp>
+      <p:sp>
+        <p:nvSpPr>
+          <p:cNvPr id="9" name="Slide Number Placeholder 2"/>
+          <p:cNvSpPr>
+            <a:spLocks noGrp="1"/>
+          </p:cNvSpPr>
+          <p:nvPr>
+            <p:ph type="sldNum" sz="quarter" idx="10"/>
+          </p:nvPr>
+        </p:nvSpPr>
+        <p:spPr>
+          <a:xfrm>
+            <a:off x="6400800" y="6613525"/>
+            <a:ext cx="2667000" cy="244475"/>
+          </a:xfrm>
+        </p:spPr>
+        <p:txBody>
+          <a:bodyPr/>
+          <a:lstStyle/>
+          <a:p>
+            <a:pPr>
+              <a:defRPr/>
+            </a:pPr>
+            <a:r>
+              <a:rPr lang="en-US" dirty="0" err="1" smtClean="0"/>
+              <a:t>lec</a:t>
+            </a:r>
+            <a:r>
               <a:rPr lang="en-US" dirty="0" smtClean="0"/>
-              <a:t>In General…</a:t>
+              <a:t> 11M.</a:t>
+            </a:r>
+            <a:fld id="{A585D087-0720-40C8-BCB9-442D95888E3B}" type="slidenum">
+              <a:rPr lang="en-US" smtClean="0"/>
+              <a:pPr>
+                <a:defRPr/>
+              </a:pPr>
+              <a:t>10</a:t>
+            </a:fld>
+            <a:endParaRPr lang="en-US" dirty="0"/>
+          </a:p>
+        </p:txBody>
+      </p:sp>
+      <p:graphicFrame>
+        <p:nvGraphicFramePr>
+          <p:cNvPr id="7" name="Object 6"/>
+          <p:cNvGraphicFramePr>
+            <a:graphicFrameLocks noChangeAspect="1"/>
+          </p:cNvGraphicFramePr>
+          <p:nvPr>
+            <p:extLst>
+              <p:ext uri="{D42A27DB-BD31-4B8C-83A1-F6EECF244321}">
+                <p14:modId xmlns:p14="http://schemas.microsoft.com/office/powerpoint/2010/main" val="2899803742"/>
+              </p:ext>
+            </p:extLst>
+          </p:nvPr>
+        </p:nvGraphicFramePr>
+        <p:xfrm>
+          <a:off x="2212181" y="3657600"/>
+          <a:ext cx="4719637" cy="1871662"/>
+        </p:xfrm>
+        <a:graphic>
+          <a:graphicData uri="http://schemas.openxmlformats.org/presentationml/2006/ole">
+            <mc:AlternateContent xmlns:mc="http://schemas.openxmlformats.org/markup-compatibility/2006">
+              <mc:Choice xmlns:v="urn:schemas-microsoft-com:vml" Requires="v">
+                <p:oleObj spid="_x0000_s257096" name="Equation" r:id="rId3" imgW="736600" imgH="292100" progId="Equation.DSMT4">
+                  <p:embed/>
+                </p:oleObj>
+              </mc:Choice>
+              <mc:Fallback>
+                <p:oleObj name="Equation" r:id="rId3" imgW="736600" imgH="292100" progId="Equation.DSMT4">
+                  <p:embed/>
+                  <p:pic>
+                    <p:nvPicPr>
+                      <p:cNvPr id="0" name="Picture 6"/>
+                      <p:cNvPicPr>
+                        <a:picLocks noChangeAspect="1" noChangeArrowheads="1"/>
+                      </p:cNvPicPr>
+                      <p:nvPr/>
+                    </p:nvPicPr>
+                    <p:blipFill>
+                      <a:blip r:embed="rId4"/>
+                      <a:srcRect/>
+                      <a:stretch>
+                        <a:fillRect/>
+                      </a:stretch>
+                    </p:blipFill>
+                    <p:spPr bwMode="auto">
+                      <a:xfrm>
+                        <a:off x="2212181" y="3657600"/>
+                        <a:ext cx="4719637" cy="1871662"/>
+                      </a:xfrm>
+                      <a:prstGeom prst="rect">
+                        <a:avLst/>
+                      </a:prstGeom>
+                      <a:noFill/>
+                      <a:extLst>
+                        <a:ext uri="{909E8E84-426E-40dd-AFC4-6F175D3DCCD1}">
+                          <a14:hiddenFill xmlns:a14="http://schemas.microsoft.com/office/drawing/2010/main">
+                            <a:solidFill>
+                              <a:srgbClr val="FFFFFF"/>
+                            </a:solidFill>
+                          </a14:hiddenFill>
+                        </a:ext>
+                      </a:extLst>
+                    </p:spPr>
+                  </p:pic>
+                </p:oleObj>
+              </mc:Fallback>
+            </mc:AlternateContent>
+          </a:graphicData>
+        </a:graphic>
+      </p:graphicFrame>
+      <p:graphicFrame>
+        <p:nvGraphicFramePr>
+          <p:cNvPr id="8" name="Object 14"/>
+          <p:cNvGraphicFramePr>
+            <a:graphicFrameLocks noChangeAspect="1"/>
+          </p:cNvGraphicFramePr>
+          <p:nvPr>
+            <p:extLst>
+              <p:ext uri="{D42A27DB-BD31-4B8C-83A1-F6EECF244321}">
+                <p14:modId xmlns:p14="http://schemas.microsoft.com/office/powerpoint/2010/main" val="2844617051"/>
+              </p:ext>
+            </p:extLst>
+          </p:nvPr>
+        </p:nvGraphicFramePr>
+        <p:xfrm>
+          <a:off x="1295400" y="1371600"/>
+          <a:ext cx="5892800" cy="1859137"/>
+        </p:xfrm>
+        <a:graphic>
+          <a:graphicData uri="http://schemas.openxmlformats.org/presentationml/2006/ole">
+            <mc:AlternateContent xmlns:mc="http://schemas.openxmlformats.org/markup-compatibility/2006">
+              <mc:Choice xmlns:v="urn:schemas-microsoft-com:vml" Requires="v">
+                <p:oleObj spid="_x0000_s257097" name="Equation" r:id="rId5" imgW="4508500" imgH="1422400" progId="Equation.DSMT4">
+                  <p:embed/>
+                </p:oleObj>
+              </mc:Choice>
+              <mc:Fallback>
+                <p:oleObj name="Equation" r:id="rId5" imgW="4508500" imgH="1422400" progId="Equation.DSMT4">
+                  <p:embed/>
+                  <p:pic>
+                    <p:nvPicPr>
+                      <p:cNvPr id="0" name=""/>
+                      <p:cNvPicPr>
+                        <a:picLocks noChangeAspect="1" noChangeArrowheads="1"/>
+                      </p:cNvPicPr>
+                      <p:nvPr/>
+                    </p:nvPicPr>
+                    <p:blipFill>
+                      <a:blip r:embed="rId6"/>
+                      <a:srcRect/>
+                      <a:stretch>
+                        <a:fillRect/>
+                      </a:stretch>
+                    </p:blipFill>
+                    <p:spPr bwMode="auto">
+                      <a:xfrm>
+                        <a:off x="1295400" y="1371600"/>
+                        <a:ext cx="5892800" cy="1859137"/>
+                      </a:xfrm>
+                      <a:prstGeom prst="rect">
+                        <a:avLst/>
+                      </a:prstGeom>
+                      <a:noFill/>
+                      <a:extLst/>
+                    </p:spPr>
+                  </p:pic>
+                </p:oleObj>
+              </mc:Fallback>
+            </mc:AlternateContent>
+          </a:graphicData>
+        </a:graphic>
+      </p:graphicFrame>
+    </p:spTree>
+  </p:cSld>
+  <p:clrMapOvr>
+    <a:masterClrMapping/>
+  </p:clrMapOvr>
+  <mc:AlternateContent xmlns:mc="http://schemas.openxmlformats.org/markup-compatibility/2006">
+    <mc:Choice xmlns:p14="http://schemas.microsoft.com/office/powerpoint/2010/main" Requires="p14">
+      <p:transition spd="slow" p14:dur="800" advClick="0">
+        <p:fade thruBlk="1"/>
+      </p:transition>
+    </mc:Choice>
+    <mc:Fallback>
+      <p:transition xmlns:p14="http://schemas.microsoft.com/office/powerpoint/2010/main" spd="slow" advClick="0">
+        <p:fade thruBlk="1"/>
+      </p:transition>
+    </mc:Fallback>
+  </mc:AlternateContent>
+  <p:timing>
+    <p:tnLst>
+      <p:par>
+        <p:cTn xmlns:p14="http://schemas.microsoft.com/office/powerpoint/2010/main" id="1" dur="indefinite" restart="never" nodeType="tmRoot"/>
+      </p:par>
+    </p:tnLst>
+  </p:timing>
+</p:sld>
+</file>
+
+<file path=ppt/slides/slide11.xml><?xml version="1.0" encoding="utf-8"?>
+<p:sld xmlns:a="http://schemas.openxmlformats.org/drawingml/2006/main" xmlns:r="http://schemas.openxmlformats.org/officeDocument/2006/relationships" xmlns:p="http://schemas.openxmlformats.org/presentationml/2006/main">
+  <p:cSld>
+    <p:spTree>
+      <p:nvGrpSpPr>
+        <p:cNvPr id="1" name=""/>
+        <p:cNvGrpSpPr/>
+        <p:nvPr/>
+      </p:nvGrpSpPr>
+      <p:grpSpPr>
+        <a:xfrm>
+          <a:off x="0" y="0"/>
+          <a:ext cx="0" cy="0"/>
+          <a:chOff x="0" y="0"/>
+          <a:chExt cx="0" cy="0"/>
+        </a:xfrm>
+      </p:grpSpPr>
+      <p:sp>
+        <p:nvSpPr>
+          <p:cNvPr id="2" name="Title 1"/>
+          <p:cNvSpPr>
+            <a:spLocks noGrp="1"/>
+          </p:cNvSpPr>
+          <p:nvPr>
+            <p:ph type="title"/>
+          </p:nvPr>
+        </p:nvSpPr>
+        <p:spPr/>
+        <p:txBody>
+          <a:bodyPr/>
+          <a:lstStyle/>
+          <a:p>
+            <a:r>
+              <a:rPr lang="en-US" dirty="0" smtClean="0"/>
+              <a:t>P</a:t>
+            </a:r>
+            <a:r>
+              <a:rPr lang="en-US" dirty="0" smtClean="0"/>
+              <a:t>artial fractions</a:t>
             </a:r>
             <a:endParaRPr lang="en-US" dirty="0"/>
           </a:p>
@@ -2883,8 +3175,8 @@
         </p:nvSpPr>
         <p:spPr>
           <a:xfrm>
-            <a:off x="381000" y="1487269"/>
-            <a:ext cx="8381999" cy="1200329"/>
+            <a:off x="304800" y="1487269"/>
+            <a:ext cx="8610600" cy="1200329"/>
           </a:xfrm>
           <a:prstGeom prst="rect">
             <a:avLst/>
@@ -2899,7 +3191,11 @@
           <a:p>
             <a:r>
               <a:rPr lang="en-US" sz="3600" dirty="0" smtClean="0"/>
-              <a:t>The partial fraction expansion of </a:t>
+              <a:t>Partial </a:t>
+            </a:r>
+            <a:r>
+              <a:rPr lang="en-US" sz="3600" dirty="0" smtClean="0"/>
+              <a:t>fraction expansion of </a:t>
             </a:r>
             <a:r>
               <a:rPr lang="en-US" sz="3600" dirty="0" smtClean="0">
@@ -2907,23 +3203,15 @@
                   <a:srgbClr val="0000FF"/>
                 </a:solidFill>
               </a:rPr>
-              <a:t>P</a:t>
+              <a:t>P(x)/Q(x) </a:t>
             </a:r>
             <a:r>
               <a:rPr lang="en-US" sz="3600" dirty="0" smtClean="0"/>
-              <a:t>(x)/</a:t>
-            </a:r>
-            <a:r>
-              <a:rPr lang="en-US" sz="3600" dirty="0" smtClean="0">
-                <a:solidFill>
-                  <a:srgbClr val="0000FF"/>
-                </a:solidFill>
-              </a:rPr>
-              <a:t>Q</a:t>
+              <a:t>generally contains </a:t>
             </a:r>
             <a:r>
               <a:rPr lang="en-US" sz="3600" dirty="0" smtClean="0"/>
-              <a:t>(x) contains terms of the form</a:t>
+              <a:t>terms of the form</a:t>
             </a:r>
             <a:endParaRPr lang="en-US" sz="3600" dirty="0"/>
           </a:p>
@@ -2935,22 +3223,28 @@
           <p:cNvGraphicFramePr>
             <a:graphicFrameLocks noChangeAspect="1"/>
           </p:cNvGraphicFramePr>
-          <p:nvPr/>
+          <p:nvPr>
+            <p:extLst>
+              <p:ext uri="{D42A27DB-BD31-4B8C-83A1-F6EECF244321}">
+                <p14:modId xmlns:p14="http://schemas.microsoft.com/office/powerpoint/2010/main" val="1993985837"/>
+              </p:ext>
+            </p:extLst>
+          </p:nvPr>
         </p:nvGraphicFramePr>
         <p:xfrm>
-          <a:off x="781050" y="3003550"/>
-          <a:ext cx="4241800" cy="1917700"/>
+          <a:off x="812800" y="3041650"/>
+          <a:ext cx="4178300" cy="1841500"/>
         </p:xfrm>
         <a:graphic>
           <a:graphicData uri="http://schemas.openxmlformats.org/presentationml/2006/ole">
             <mc:AlternateContent xmlns:mc="http://schemas.openxmlformats.org/markup-compatibility/2006">
               <mc:Choice xmlns:v="urn:schemas-microsoft-com:vml" Requires="v">
-                <p:oleObj spid="_x0000_s258088" name="Equation" r:id="rId3" imgW="4241800" imgH="1917700" progId="Equation.DSMT4">
+                <p:oleObj spid="_x0000_s258102" name="Equation" r:id="rId3" imgW="4178300" imgH="1841500" progId="Equation.DSMT4">
                   <p:embed/>
                 </p:oleObj>
               </mc:Choice>
               <mc:Fallback>
-                <p:oleObj name="Equation" r:id="rId3" imgW="4241800" imgH="1917700" progId="Equation.DSMT4">
+                <p:oleObj name="Equation" r:id="rId3" imgW="4178300" imgH="1841500" progId="Equation.DSMT4">
                   <p:embed/>
                   <p:pic>
                     <p:nvPicPr>
@@ -2961,13 +3255,7 @@
                       <p:nvPr/>
                     </p:nvPicPr>
                     <p:blipFill>
-                      <a:blip r:embed="rId4">
-                        <a:extLst>
-                          <a:ext uri="{28A0092B-C50C-407E-A947-70E740481C1C}">
-                            <a14:useLocalDpi xmlns:a14="http://schemas.microsoft.com/office/drawing/2010/main" val="0"/>
-                          </a:ext>
-                        </a:extLst>
-                      </a:blip>
+                      <a:blip r:embed="rId4"/>
                       <a:srcRect/>
                       <a:stretch>
                         <a:fillRect/>
@@ -2975,8 +3263,8 @@
                     </p:blipFill>
                     <p:spPr bwMode="auto">
                       <a:xfrm>
-                        <a:off x="781050" y="3003550"/>
-                        <a:ext cx="4241800" cy="1917700"/>
+                        <a:off x="812800" y="3041650"/>
+                        <a:ext cx="4178300" cy="1841500"/>
                       </a:xfrm>
                       <a:prstGeom prst="rect">
                         <a:avLst/>
@@ -3232,7 +3520,7 @@
               <a:pPr>
                 <a:defRPr/>
               </a:pPr>
-              <a:t>10</a:t>
+              <a:t>11</a:t>
             </a:fld>
             <a:endParaRPr lang="en-US" dirty="0"/>
           </a:p>
@@ -3244,7 +3532,13 @@
           <p:cNvGraphicFramePr>
             <a:graphicFrameLocks noChangeAspect="1"/>
           </p:cNvGraphicFramePr>
-          <p:nvPr/>
+          <p:nvPr>
+            <p:extLst>
+              <p:ext uri="{D42A27DB-BD31-4B8C-83A1-F6EECF244321}">
+                <p14:modId xmlns:p14="http://schemas.microsoft.com/office/powerpoint/2010/main" val="3082843881"/>
+              </p:ext>
+            </p:extLst>
+          </p:nvPr>
         </p:nvGraphicFramePr>
         <p:xfrm>
           <a:off x="5668963" y="3810000"/>
@@ -3254,7 +3548,7 @@
           <a:graphicData uri="http://schemas.openxmlformats.org/presentationml/2006/ole">
             <mc:AlternateContent xmlns:mc="http://schemas.openxmlformats.org/markup-compatibility/2006">
               <mc:Choice xmlns:v="urn:schemas-microsoft-com:vml" Requires="v">
-                <p:oleObj spid="_x0000_s258089" name="Equation" r:id="rId5" imgW="965200" imgH="533400" progId="Equation.DSMT4">
+                <p:oleObj spid="_x0000_s258103" name="Equation" r:id="rId5" imgW="965200" imgH="533400" progId="Equation.DSMT4">
                   <p:embed/>
                 </p:oleObj>
               </mc:Choice>
@@ -3270,13 +3564,7 @@
                       <p:nvPr/>
                     </p:nvPicPr>
                     <p:blipFill>
-                      <a:blip r:embed="rId6">
-                        <a:extLst>
-                          <a:ext uri="{28A0092B-C50C-407E-A947-70E740481C1C}">
-                            <a14:useLocalDpi xmlns:a14="http://schemas.microsoft.com/office/drawing/2010/main" val="0"/>
-                          </a:ext>
-                        </a:extLst>
-                      </a:blip>
+                      <a:blip r:embed="rId6"/>
                       <a:srcRect/>
                       <a:stretch>
                         <a:fillRect/>
@@ -3313,8 +3601,8 @@
   <p:clrMapOvr>
     <a:masterClrMapping/>
   </p:clrMapOvr>
-  <p:transition xmlns:p14="http://schemas.microsoft.com/office/powerpoint/2010/main" spd="slow">
-    <p:fade/>
+  <p:transition xmlns:p14="http://schemas.microsoft.com/office/powerpoint/2010/main" spd="slow" advClick="0">
+    <p:fade thruBlk="1"/>
   </p:transition>
   <p:timing>
     <p:tnLst>
@@ -3593,7 +3881,7 @@
 </p:sld>
 </file>
 
-<file path=ppt/slides/slide11.xml><?xml version="1.0" encoding="utf-8"?>
+<file path=ppt/slides/slide12.xml><?xml version="1.0" encoding="utf-8"?>
 <p:sld xmlns:a="http://schemas.openxmlformats.org/drawingml/2006/main" xmlns:r="http://schemas.openxmlformats.org/officeDocument/2006/relationships" xmlns:p="http://schemas.openxmlformats.org/presentationml/2006/main">
   <p:cSld>
     <p:spTree>
@@ -3707,22 +3995,28 @@
           <p:cNvGraphicFramePr>
             <a:graphicFrameLocks noChangeAspect="1"/>
           </p:cNvGraphicFramePr>
-          <p:nvPr/>
+          <p:nvPr>
+            <p:extLst>
+              <p:ext uri="{D42A27DB-BD31-4B8C-83A1-F6EECF244321}">
+                <p14:modId xmlns:p14="http://schemas.microsoft.com/office/powerpoint/2010/main" val="1442085504"/>
+              </p:ext>
+            </p:extLst>
+          </p:nvPr>
         </p:nvGraphicFramePr>
         <p:xfrm>
-          <a:off x="3473450" y="2514600"/>
-          <a:ext cx="2463800" cy="1727200"/>
+          <a:off x="3479800" y="2533650"/>
+          <a:ext cx="2451100" cy="1689100"/>
         </p:xfrm>
         <a:graphic>
           <a:graphicData uri="http://schemas.openxmlformats.org/presentationml/2006/ole">
             <mc:AlternateContent xmlns:mc="http://schemas.openxmlformats.org/markup-compatibility/2006">
               <mc:Choice xmlns:v="urn:schemas-microsoft-com:vml" Requires="v">
-                <p:oleObj spid="_x0000_s380966" name="Equation" r:id="rId4" imgW="2463800" imgH="1727200" progId="Equation.DSMT4">
+                <p:oleObj spid="_x0000_s380974" name="Equation" r:id="rId4" imgW="2451100" imgH="1689100" progId="Equation.DSMT4">
                   <p:embed/>
                 </p:oleObj>
               </mc:Choice>
               <mc:Fallback>
-                <p:oleObj name="Equation" r:id="rId4" imgW="2463800" imgH="1727200" progId="Equation.DSMT4">
+                <p:oleObj name="Equation" r:id="rId4" imgW="2451100" imgH="1689100" progId="Equation.DSMT4">
                   <p:embed/>
                   <p:pic>
                     <p:nvPicPr>
@@ -3733,13 +4027,7 @@
                       <p:nvPr/>
                     </p:nvPicPr>
                     <p:blipFill>
-                      <a:blip r:embed="rId5">
-                        <a:extLst>
-                          <a:ext uri="{28A0092B-C50C-407E-A947-70E740481C1C}">
-                            <a14:useLocalDpi xmlns:a14="http://schemas.microsoft.com/office/drawing/2010/main" val="0"/>
-                          </a:ext>
-                        </a:extLst>
-                      </a:blip>
+                      <a:blip r:embed="rId5"/>
                       <a:srcRect/>
                       <a:stretch>
                         <a:fillRect/>
@@ -3747,8 +4035,8 @@
                     </p:blipFill>
                     <p:spPr bwMode="auto">
                       <a:xfrm>
-                        <a:off x="3473450" y="2514600"/>
-                        <a:ext cx="2463800" cy="1727200"/>
+                        <a:off x="3479800" y="2533650"/>
+                        <a:ext cx="2451100" cy="1689100"/>
                       </a:xfrm>
                       <a:prstGeom prst="rect">
                         <a:avLst/>
@@ -3819,22 +4107,28 @@
           <p:cNvGraphicFramePr>
             <a:graphicFrameLocks noChangeAspect="1"/>
           </p:cNvGraphicFramePr>
-          <p:nvPr/>
+          <p:nvPr>
+            <p:extLst>
+              <p:ext uri="{D42A27DB-BD31-4B8C-83A1-F6EECF244321}">
+                <p14:modId xmlns:p14="http://schemas.microsoft.com/office/powerpoint/2010/main" val="3421511986"/>
+              </p:ext>
+            </p:extLst>
+          </p:nvPr>
         </p:nvGraphicFramePr>
         <p:xfrm>
-          <a:off x="609600" y="4876800"/>
-          <a:ext cx="7924800" cy="1663700"/>
+          <a:off x="679450" y="4902200"/>
+          <a:ext cx="7785100" cy="1612900"/>
         </p:xfrm>
         <a:graphic>
           <a:graphicData uri="http://schemas.openxmlformats.org/presentationml/2006/ole">
             <mc:AlternateContent xmlns:mc="http://schemas.openxmlformats.org/markup-compatibility/2006">
               <mc:Choice xmlns:v="urn:schemas-microsoft-com:vml" Requires="v">
-                <p:oleObj spid="_x0000_s380967" name="Equation" r:id="rId6" imgW="7924800" imgH="1663700" progId="Equation.DSMT4">
+                <p:oleObj spid="_x0000_s380975" name="Equation" r:id="rId6" imgW="7785100" imgH="1612900" progId="Equation.DSMT4">
                   <p:embed/>
                 </p:oleObj>
               </mc:Choice>
               <mc:Fallback>
-                <p:oleObj name="Equation" r:id="rId6" imgW="7924800" imgH="1663700" progId="Equation.DSMT4">
+                <p:oleObj name="Equation" r:id="rId6" imgW="7785100" imgH="1612900" progId="Equation.DSMT4">
                   <p:embed/>
                   <p:pic>
                     <p:nvPicPr>
@@ -3845,13 +4139,7 @@
                       <p:nvPr/>
                     </p:nvPicPr>
                     <p:blipFill>
-                      <a:blip r:embed="rId7">
-                        <a:extLst>
-                          <a:ext uri="{28A0092B-C50C-407E-A947-70E740481C1C}">
-                            <a14:useLocalDpi xmlns:a14="http://schemas.microsoft.com/office/drawing/2010/main" val="0"/>
-                          </a:ext>
-                        </a:extLst>
-                      </a:blip>
+                      <a:blip r:embed="rId7"/>
                       <a:srcRect/>
                       <a:stretch>
                         <a:fillRect/>
@@ -3859,8 +4147,8 @@
                     </p:blipFill>
                     <p:spPr bwMode="auto">
                       <a:xfrm>
-                        <a:off x="609600" y="4876800"/>
-                        <a:ext cx="7924800" cy="1663700"/>
+                        <a:off x="679450" y="4902200"/>
+                        <a:ext cx="7785100" cy="1612900"/>
                       </a:xfrm>
                       <a:prstGeom prst="rect">
                         <a:avLst/>
@@ -3919,7 +4207,7 @@
               <a:pPr>
                 <a:defRPr/>
               </a:pPr>
-              <a:t>11</a:t>
+              <a:t>12</a:t>
             </a:fld>
             <a:endParaRPr lang="en-US" dirty="0"/>
           </a:p>
@@ -3930,8 +4218,8 @@
   <p:clrMapOvr>
     <a:masterClrMapping/>
   </p:clrMapOvr>
-  <p:transition xmlns:p14="http://schemas.microsoft.com/office/powerpoint/2010/main" spd="slow">
-    <p:fade thruBlk="1"/>
+  <p:transition xmlns:p14="http://schemas.microsoft.com/office/powerpoint/2010/main" spd="slow" advClick="0">
+    <p:fade/>
   </p:transition>
   <p:timing>
     <p:tnLst>
@@ -3954,7 +4242,7 @@
                             </p:stCondLst>
                             <p:childTnLst>
                               <p:par>
-                                <p:cTn id="5" presetID="9" presetClass="entr" presetSubtype="0" fill="hold" grpId="0" nodeType="clickEffect">
+                                <p:cTn id="5" presetID="10" presetClass="entr" presetSubtype="0" fill="hold" nodeType="clickEffect">
                                   <p:stCondLst>
                                     <p:cond delay="0"/>
                                   </p:stCondLst>
@@ -3967,7 +4255,7 @@
                                           </p:stCondLst>
                                         </p:cTn>
                                         <p:tgtEl>
-                                          <p:spTgt spid="7"/>
+                                          <p:spTgt spid="5"/>
                                         </p:tgtEl>
                                         <p:attrNameLst>
                                           <p:attrName>style.visibility</p:attrName>
@@ -3977,11 +4265,11 @@
                                         <p:strVal val="visible"/>
                                       </p:to>
                                     </p:set>
-                                    <p:animEffect transition="in" filter="dissolve">
+                                    <p:animEffect transition="in" filter="fade">
                                       <p:cBhvr>
                                         <p:cTn id="7" dur="500"/>
                                         <p:tgtEl>
-                                          <p:spTgt spid="7"/>
+                                          <p:spTgt spid="5"/>
                                         </p:tgtEl>
                                       </p:cBhvr>
                                     </p:animEffect>
@@ -4007,7 +4295,7 @@
                             </p:stCondLst>
                             <p:childTnLst>
                               <p:par>
-                                <p:cTn id="10" presetID="22" presetClass="entr" presetSubtype="8" fill="hold" nodeType="clickEffect">
+                                <p:cTn id="10" presetID="10" presetClass="entr" presetSubtype="0" fill="hold" grpId="0" nodeType="clickEffect">
                                   <p:stCondLst>
                                     <p:cond delay="0"/>
                                   </p:stCondLst>
@@ -4015,6 +4303,59 @@
                                     <p:set>
                                       <p:cBhvr>
                                         <p:cTn id="11" dur="1" fill="hold">
+                                          <p:stCondLst>
+                                            <p:cond delay="0"/>
+                                          </p:stCondLst>
+                                        </p:cTn>
+                                        <p:tgtEl>
+                                          <p:spTgt spid="7"/>
+                                        </p:tgtEl>
+                                        <p:attrNameLst>
+                                          <p:attrName>style.visibility</p:attrName>
+                                        </p:attrNameLst>
+                                      </p:cBhvr>
+                                      <p:to>
+                                        <p:strVal val="visible"/>
+                                      </p:to>
+                                    </p:set>
+                                    <p:animEffect transition="in" filter="fade">
+                                      <p:cBhvr>
+                                        <p:cTn id="12" dur="500"/>
+                                        <p:tgtEl>
+                                          <p:spTgt spid="7"/>
+                                        </p:tgtEl>
+                                      </p:cBhvr>
+                                    </p:animEffect>
+                                  </p:childTnLst>
+                                </p:cTn>
+                              </p:par>
+                            </p:childTnLst>
+                          </p:cTn>
+                        </p:par>
+                      </p:childTnLst>
+                    </p:cTn>
+                  </p:par>
+                  <p:par>
+                    <p:cTn id="13" fill="hold">
+                      <p:stCondLst>
+                        <p:cond delay="indefinite"/>
+                      </p:stCondLst>
+                      <p:childTnLst>
+                        <p:par>
+                          <p:cTn id="14" fill="hold">
+                            <p:stCondLst>
+                              <p:cond delay="0"/>
+                            </p:stCondLst>
+                            <p:childTnLst>
+                              <p:par>
+                                <p:cTn id="15" presetID="22" presetClass="entr" presetSubtype="8" fill="hold" nodeType="clickEffect">
+                                  <p:stCondLst>
+                                    <p:cond delay="0"/>
+                                  </p:stCondLst>
+                                  <p:childTnLst>
+                                    <p:set>
+                                      <p:cBhvr>
+                                        <p:cTn id="16" dur="1" fill="hold">
                                           <p:stCondLst>
                                             <p:cond delay="0"/>
                                           </p:stCondLst>
@@ -4032,7 +4373,7 @@
                                     </p:set>
                                     <p:animEffect transition="in" filter="wipe(left)">
                                       <p:cBhvr>
-                                        <p:cTn id="12" dur="1000"/>
+                                        <p:cTn id="17" dur="1000"/>
                                         <p:tgtEl>
                                           <p:spTgt spid="117763"/>
                                         </p:tgtEl>
@@ -4075,7 +4416,7 @@
 </p:sld>
 </file>
 
-<file path=ppt/slides/slide12.xml><?xml version="1.0" encoding="utf-8"?>
+<file path=ppt/slides/slide13.xml><?xml version="1.0" encoding="utf-8"?>
 <p:sld xmlns:a="http://schemas.openxmlformats.org/drawingml/2006/main" xmlns:r="http://schemas.openxmlformats.org/officeDocument/2006/relationships" xmlns:p="http://schemas.openxmlformats.org/presentationml/2006/main">
   <p:cSld>
     <p:spTree>
@@ -4159,7 +4500,39 @@
                   <a:srgbClr val="000000"/>
                 </a:solidFill>
               </a:rPr>
-              <a:t>to find Q(x) and R(x) such that</a:t>
+              <a:t>to find </a:t>
+            </a:r>
+            <a:r>
+              <a:rPr lang="en-US" sz="3600" dirty="0" smtClean="0">
+                <a:solidFill>
+                  <a:srgbClr val="0000FF"/>
+                </a:solidFill>
+              </a:rPr>
+              <a:t>Q(x)</a:t>
+            </a:r>
+            <a:r>
+              <a:rPr lang="en-US" sz="3600" dirty="0" smtClean="0">
+                <a:solidFill>
+                  <a:srgbClr val="000000"/>
+                </a:solidFill>
+              </a:rPr>
+              <a:t> and </a:t>
+            </a:r>
+            <a:r>
+              <a:rPr lang="en-US" sz="3600" dirty="0" smtClean="0">
+                <a:solidFill>
+                  <a:srgbClr val="0000FF"/>
+                </a:solidFill>
+              </a:rPr>
+              <a:t>R(x) </a:t>
+            </a:r>
+            <a:r>
+              <a:rPr lang="en-US" sz="3600" dirty="0" smtClean="0">
+                <a:solidFill>
+                  <a:srgbClr val="000000"/>
+                </a:solidFill>
+              </a:rPr>
+              <a:t>such that</a:t>
             </a:r>
           </a:p>
         </p:txBody>
@@ -4170,22 +4543,28 @@
           <p:cNvGraphicFramePr>
             <a:graphicFrameLocks noChangeAspect="1"/>
           </p:cNvGraphicFramePr>
-          <p:nvPr/>
+          <p:nvPr>
+            <p:extLst>
+              <p:ext uri="{D42A27DB-BD31-4B8C-83A1-F6EECF244321}">
+                <p14:modId xmlns:p14="http://schemas.microsoft.com/office/powerpoint/2010/main" val="3612152947"/>
+              </p:ext>
+            </p:extLst>
+          </p:nvPr>
         </p:nvGraphicFramePr>
         <p:xfrm>
-          <a:off x="381000" y="1638300"/>
-          <a:ext cx="6273800" cy="571500"/>
+          <a:off x="361950" y="1638300"/>
+          <a:ext cx="6311900" cy="571500"/>
         </p:xfrm>
         <a:graphic>
           <a:graphicData uri="http://schemas.openxmlformats.org/presentationml/2006/ole">
             <mc:AlternateContent xmlns:mc="http://schemas.openxmlformats.org/markup-compatibility/2006">
               <mc:Choice xmlns:v="urn:schemas-microsoft-com:vml" Requires="v">
-                <p:oleObj spid="_x0000_s383014" name="Equation" r:id="rId4" imgW="6273720" imgH="571320" progId="Equation.DSMT4">
+                <p:oleObj spid="_x0000_s383022" name="Equation" r:id="rId4" imgW="6311900" imgH="571500" progId="Equation.DSMT4">
                   <p:embed/>
                 </p:oleObj>
               </mc:Choice>
               <mc:Fallback>
-                <p:oleObj name="Equation" r:id="rId4" imgW="6273720" imgH="571320" progId="Equation.DSMT4">
+                <p:oleObj name="Equation" r:id="rId4" imgW="6311900" imgH="571500" progId="Equation.DSMT4">
                   <p:embed/>
                   <p:pic>
                     <p:nvPicPr>
@@ -4196,13 +4575,7 @@
                       <p:nvPr/>
                     </p:nvPicPr>
                     <p:blipFill>
-                      <a:blip r:embed="rId5">
-                        <a:extLst>
-                          <a:ext uri="{28A0092B-C50C-407E-A947-70E740481C1C}">
-                            <a14:useLocalDpi xmlns:a14="http://schemas.microsoft.com/office/drawing/2010/main" val="0"/>
-                          </a:ext>
-                        </a:extLst>
-                      </a:blip>
+                      <a:blip r:embed="rId5"/>
                       <a:srcRect/>
                       <a:stretch>
                         <a:fillRect/>
@@ -4210,8 +4583,8 @@
                     </p:blipFill>
                     <p:spPr bwMode="auto">
                       <a:xfrm>
-                        <a:off x="381000" y="1638300"/>
-                        <a:ext cx="6273800" cy="571500"/>
+                        <a:off x="361950" y="1638300"/>
+                        <a:ext cx="6311900" cy="571500"/>
                       </a:xfrm>
                       <a:prstGeom prst="rect">
                         <a:avLst/>
@@ -4265,11 +4638,11 @@
                   <a:srgbClr val="0000FF"/>
                 </a:solidFill>
               </a:rPr>
-              <a:t>deg</a:t>
+              <a:t>deg(N)</a:t>
             </a:r>
             <a:r>
               <a:rPr lang="en-US" sz="4000" dirty="0" smtClean="0"/>
-              <a:t>(N) </a:t>
+              <a:t> </a:t>
             </a:r>
             <a:r>
               <a:rPr lang="en-US" sz="4000" b="1" dirty="0" smtClean="0">
@@ -4291,11 +4664,11 @@
                   <a:srgbClr val="0000FF"/>
                 </a:solidFill>
               </a:rPr>
-              <a:t>deg</a:t>
+              <a:t>deg(D)</a:t>
             </a:r>
             <a:r>
               <a:rPr lang="en-US" sz="4000" dirty="0" smtClean="0"/>
-              <a:t>(D)… </a:t>
+              <a:t>… </a:t>
             </a:r>
             <a:endParaRPr lang="en-US" sz="4000" dirty="0"/>
           </a:p>
@@ -4307,22 +4680,28 @@
           <p:cNvGraphicFramePr>
             <a:graphicFrameLocks noChangeAspect="1"/>
           </p:cNvGraphicFramePr>
-          <p:nvPr/>
+          <p:nvPr>
+            <p:extLst>
+              <p:ext uri="{D42A27DB-BD31-4B8C-83A1-F6EECF244321}">
+                <p14:modId xmlns:p14="http://schemas.microsoft.com/office/powerpoint/2010/main" val="2278674886"/>
+              </p:ext>
+            </p:extLst>
+          </p:nvPr>
         </p:nvGraphicFramePr>
         <p:xfrm>
-          <a:off x="406400" y="4724400"/>
-          <a:ext cx="5537200" cy="571500"/>
+          <a:off x="361950" y="4724400"/>
+          <a:ext cx="5626100" cy="571500"/>
         </p:xfrm>
         <a:graphic>
           <a:graphicData uri="http://schemas.openxmlformats.org/presentationml/2006/ole">
             <mc:AlternateContent xmlns:mc="http://schemas.openxmlformats.org/markup-compatibility/2006">
               <mc:Choice xmlns:v="urn:schemas-microsoft-com:vml" Requires="v">
-                <p:oleObj spid="_x0000_s383015" name="Equation" r:id="rId6" imgW="5537160" imgH="571320" progId="Equation.DSMT4">
+                <p:oleObj spid="_x0000_s383023" name="Equation" r:id="rId6" imgW="5626100" imgH="571500" progId="Equation.DSMT4">
                   <p:embed/>
                 </p:oleObj>
               </mc:Choice>
               <mc:Fallback>
-                <p:oleObj name="Equation" r:id="rId6" imgW="5537160" imgH="571320" progId="Equation.DSMT4">
+                <p:oleObj name="Equation" r:id="rId6" imgW="5626100" imgH="571500" progId="Equation.DSMT4">
                   <p:embed/>
                   <p:pic>
                     <p:nvPicPr>
@@ -4333,13 +4712,7 @@
                       <p:nvPr/>
                     </p:nvPicPr>
                     <p:blipFill>
-                      <a:blip r:embed="rId7">
-                        <a:extLst>
-                          <a:ext uri="{28A0092B-C50C-407E-A947-70E740481C1C}">
-                            <a14:useLocalDpi xmlns:a14="http://schemas.microsoft.com/office/drawing/2010/main" val="0"/>
-                          </a:ext>
-                        </a:extLst>
-                      </a:blip>
+                      <a:blip r:embed="rId7"/>
                       <a:srcRect/>
                       <a:stretch>
                         <a:fillRect/>
@@ -4347,8 +4720,8 @@
                     </p:blipFill>
                     <p:spPr bwMode="auto">
                       <a:xfrm>
-                        <a:off x="406400" y="4724400"/>
-                        <a:ext cx="5537200" cy="571500"/>
+                        <a:off x="361950" y="4724400"/>
+                        <a:ext cx="5626100" cy="571500"/>
                       </a:xfrm>
                       <a:prstGeom prst="rect">
                         <a:avLst/>
@@ -4406,11 +4779,7 @@
                   <a:srgbClr val="0000FF"/>
                 </a:solidFill>
               </a:rPr>
-              <a:t>deg</a:t>
-            </a:r>
-            <a:r>
-              <a:rPr lang="en-US" sz="4000" dirty="0" smtClean="0"/>
-              <a:t>(R) </a:t>
+              <a:t>deg(R) </a:t>
             </a:r>
             <a:r>
               <a:rPr lang="en-US" sz="4000" b="1" dirty="0" smtClean="0">
@@ -4432,11 +4801,15 @@
                   <a:srgbClr val="0000FF"/>
                 </a:solidFill>
               </a:rPr>
-              <a:t>deg</a:t>
-            </a:r>
-            <a:r>
-              <a:rPr lang="en-US" sz="4000" dirty="0" smtClean="0"/>
-              <a:t>(D).</a:t>
+              <a:t>deg(D</a:t>
+            </a:r>
+            <a:r>
+              <a:rPr lang="en-US" sz="4000" dirty="0" smtClean="0">
+                <a:solidFill>
+                  <a:srgbClr val="0000FF"/>
+                </a:solidFill>
+              </a:rPr>
+              <a:t>)</a:t>
             </a:r>
             <a:endParaRPr lang="en-US" sz="4000" dirty="0"/>
           </a:p>
@@ -4478,7 +4851,7 @@
               <a:pPr>
                 <a:defRPr/>
               </a:pPr>
-              <a:t>12</a:t>
+              <a:t>13</a:t>
             </a:fld>
             <a:endParaRPr lang="en-US" dirty="0"/>
           </a:p>
@@ -4489,9 +4862,18 @@
   <p:clrMapOvr>
     <a:masterClrMapping/>
   </p:clrMapOvr>
-  <p:transition xmlns:p14="http://schemas.microsoft.com/office/powerpoint/2010/main">
-    <p:fade/>
-  </p:transition>
+  <mc:AlternateContent xmlns:mc="http://schemas.openxmlformats.org/markup-compatibility/2006">
+    <mc:Choice xmlns:p14="http://schemas.microsoft.com/office/powerpoint/2010/main" Requires="p14">
+      <p:transition spd="slow" p14:dur="800" advClick="0">
+        <p:fade/>
+      </p:transition>
+    </mc:Choice>
+    <mc:Fallback>
+      <p:transition xmlns:p14="http://schemas.microsoft.com/office/powerpoint/2010/main" spd="slow" advClick="0">
+        <p:fade/>
+      </p:transition>
+    </mc:Fallback>
+  </mc:AlternateContent>
   <p:timing>
     <p:tnLst>
       <p:par>
@@ -4998,7 +5380,7 @@
           <a:graphicData uri="http://schemas.openxmlformats.org/presentationml/2006/ole">
             <mc:AlternateContent xmlns:mc="http://schemas.openxmlformats.org/markup-compatibility/2006">
               <mc:Choice xmlns:v="urn:schemas-microsoft-com:vml" Requires="v">
-                <p:oleObj spid="_x0000_s386050" name="Equation" r:id="rId3" imgW="1016000" imgH="330200" progId="Equation.DSMT4">
+                <p:oleObj spid="_x0000_s386054" name="Equation" r:id="rId3" imgW="1016000" imgH="330200" progId="Equation.DSMT4">
                   <p:embed/>
                 </p:oleObj>
               </mc:Choice>
@@ -5038,18 +5420,9 @@
   <p:clrMapOvr>
     <a:masterClrMapping/>
   </p:clrMapOvr>
-  <mc:AlternateContent xmlns:mc="http://schemas.openxmlformats.org/markup-compatibility/2006" xmlns:p14="http://schemas.microsoft.com/office/powerpoint/2010/main">
-    <mc:Choice Requires="p14">
-      <p:transition spd="slow" p14:dur="1200">
-        <p:fade thruBlk="1"/>
-      </p:transition>
-    </mc:Choice>
-    <mc:Fallback xmlns="">
-      <p:transition xmlns:p14="http://schemas.microsoft.com/office/powerpoint/2010/main" spd="slow">
-        <p:fade thruBlk="1"/>
-      </p:transition>
-    </mc:Fallback>
-  </mc:AlternateContent>
+  <p:transition xmlns:p14="http://schemas.microsoft.com/office/powerpoint/2010/main" spd="slow" advClick="0">
+    <p:fade thruBlk="1"/>
+  </p:transition>
   <p:timing>
     <p:tnLst>
       <p:par>
@@ -5497,7 +5870,11 @@
           <a:p>
             <a:r>
               <a:rPr lang="en-US" sz="5400" dirty="0" smtClean="0"/>
-              <a:t>can find formula for </a:t>
+              <a:t>find </a:t>
+            </a:r>
+            <a:r>
+              <a:rPr lang="en-US" sz="5400" dirty="0" smtClean="0"/>
+              <a:t>formula for </a:t>
             </a:r>
             <a:r>
               <a:rPr lang="en-US" sz="5400" dirty="0" err="1" smtClean="0"/>
@@ -5533,7 +5910,7 @@
           <a:graphicData uri="http://schemas.openxmlformats.org/presentationml/2006/ole">
             <mc:AlternateContent xmlns:mc="http://schemas.openxmlformats.org/markup-compatibility/2006">
               <mc:Choice xmlns:v="urn:schemas-microsoft-com:vml" Requires="v">
-                <p:oleObj spid="_x0000_s385051" name="Equation" r:id="rId4" imgW="723900" imgH="495300" progId="Equation.DSMT4">
+                <p:oleObj spid="_x0000_s385056" name="Equation" r:id="rId4" imgW="723900" imgH="495300" progId="Equation.DSMT4">
                   <p:embed/>
                 </p:oleObj>
               </mc:Choice>
@@ -5666,7 +6043,7 @@
   <p:clrMapOvr>
     <a:masterClrMapping/>
   </p:clrMapOvr>
-  <p:transition xmlns:p14="http://schemas.microsoft.com/office/powerpoint/2010/main">
+  <p:transition xmlns:p14="http://schemas.microsoft.com/office/powerpoint/2010/main" spd="slow" advClick="0">
     <p:fade/>
   </p:transition>
   <p:timing>
@@ -5681,6 +6058,9 @@
                     <p:cTn id="3" fill="hold">
                       <p:stCondLst>
                         <p:cond delay="indefinite"/>
+                        <p:cond evt="onBegin" delay="0">
+                          <p:tn val="2"/>
+                        </p:cond>
                       </p:stCondLst>
                       <p:childTnLst>
                         <p:par>
@@ -5690,7 +6070,7 @@
                             </p:stCondLst>
                             <p:childTnLst>
                               <p:par>
-                                <p:cTn id="5" presetID="9" presetClass="entr" presetSubtype="0" fill="hold" grpId="0" nodeType="clickEffect">
+                                <p:cTn id="5" presetID="9" presetClass="entr" presetSubtype="0" fill="hold" nodeType="afterEffect">
                                   <p:stCondLst>
                                     <p:cond delay="0"/>
                                   </p:stCondLst>
@@ -5698,58 +6078,6 @@
                                     <p:set>
                                       <p:cBhvr>
                                         <p:cTn id="6" dur="1" fill="hold">
-                                          <p:stCondLst>
-                                            <p:cond delay="0"/>
-                                          </p:stCondLst>
-                                        </p:cTn>
-                                        <p:tgtEl>
-                                          <p:spTgt spid="8">
-                                            <p:txEl>
-                                              <p:pRg st="1" end="1"/>
-                                            </p:txEl>
-                                          </p:spTgt>
-                                        </p:tgtEl>
-                                        <p:attrNameLst>
-                                          <p:attrName>style.visibility</p:attrName>
-                                        </p:attrNameLst>
-                                      </p:cBhvr>
-                                      <p:to>
-                                        <p:strVal val="visible"/>
-                                      </p:to>
-                                    </p:set>
-                                    <p:animEffect transition="in" filter="dissolve">
-                                      <p:cBhvr>
-                                        <p:cTn id="7" dur="500"/>
-                                        <p:tgtEl>
-                                          <p:spTgt spid="8">
-                                            <p:txEl>
-                                              <p:pRg st="1" end="1"/>
-                                            </p:txEl>
-                                          </p:spTgt>
-                                        </p:tgtEl>
-                                      </p:cBhvr>
-                                    </p:animEffect>
-                                  </p:childTnLst>
-                                </p:cTn>
-                              </p:par>
-                            </p:childTnLst>
-                          </p:cTn>
-                        </p:par>
-                        <p:par>
-                          <p:cTn id="8" fill="hold">
-                            <p:stCondLst>
-                              <p:cond delay="500"/>
-                            </p:stCondLst>
-                            <p:childTnLst>
-                              <p:par>
-                                <p:cTn id="9" presetID="9" presetClass="entr" presetSubtype="0" fill="hold" nodeType="afterEffect">
-                                  <p:stCondLst>
-                                    <p:cond delay="0"/>
-                                  </p:stCondLst>
-                                  <p:childTnLst>
-                                    <p:set>
-                                      <p:cBhvr>
-                                        <p:cTn id="10" dur="1" fill="hold">
                                           <p:stCondLst>
                                             <p:cond delay="0"/>
                                           </p:stCondLst>
@@ -5767,7 +6095,7 @@
                                     </p:set>
                                     <p:animEffect transition="in" filter="dissolve">
                                       <p:cBhvr>
-                                        <p:cTn id="11" dur="1000"/>
+                                        <p:cTn id="7" dur="1000"/>
                                         <p:tgtEl>
                                           <p:spTgt spid="9"/>
                                         </p:tgtEl>
@@ -5783,26 +6111,26 @@
                     </p:cTn>
                   </p:par>
                   <p:par>
-                    <p:cTn id="12" fill="hold">
+                    <p:cTn id="8" fill="hold">
                       <p:stCondLst>
                         <p:cond delay="indefinite"/>
                       </p:stCondLst>
                       <p:childTnLst>
                         <p:par>
-                          <p:cTn id="13" fill="hold">
+                          <p:cTn id="9" fill="hold">
                             <p:stCondLst>
                               <p:cond delay="0"/>
                             </p:stCondLst>
                             <p:childTnLst>
                               <p:par>
-                                <p:cTn id="14" presetID="10" presetClass="entr" presetSubtype="0" fill="hold" grpId="0" nodeType="clickEffect">
+                                <p:cTn id="10" presetID="10" presetClass="entr" presetSubtype="0" fill="hold" grpId="0" nodeType="clickEffect">
                                   <p:stCondLst>
                                     <p:cond delay="0"/>
                                   </p:stCondLst>
                                   <p:childTnLst>
                                     <p:set>
                                       <p:cBhvr>
-                                        <p:cTn id="15" dur="1" fill="hold">
+                                        <p:cTn id="11" dur="1" fill="hold">
                                           <p:stCondLst>
                                             <p:cond delay="0"/>
                                           </p:stCondLst>
@@ -5820,7 +6148,7 @@
                                     </p:set>
                                     <p:animEffect transition="in" filter="fade">
                                       <p:cBhvr>
-                                        <p:cTn id="16" dur="500"/>
+                                        <p:cTn id="12" dur="500"/>
                                         <p:tgtEl>
                                           <p:spTgt spid="6"/>
                                         </p:tgtEl>
@@ -5857,7 +6185,6 @@
       </p:par>
     </p:tnLst>
     <p:bldLst>
-      <p:bldP spid="8" grpId="0" uiExpand="1" build="p"/>
       <p:bldP spid="6" grpId="0"/>
     </p:bldLst>
   </p:timing>
@@ -5926,7 +6253,7 @@
           <a:graphicData uri="http://schemas.openxmlformats.org/presentationml/2006/ole">
             <mc:AlternateContent xmlns:mc="http://schemas.openxmlformats.org/markup-compatibility/2006">
               <mc:Choice xmlns:v="urn:schemas-microsoft-com:vml" Requires="v">
-                <p:oleObj spid="_x0000_s259133" name="Equation" r:id="rId3" imgW="4508500" imgH="1422400" progId="Equation.DSMT4">
+                <p:oleObj spid="_x0000_s259154" name="Equation" r:id="rId3" imgW="4508500" imgH="1422400" progId="Equation.DSMT4">
                   <p:embed/>
                 </p:oleObj>
               </mc:Choice>
@@ -5996,7 +6323,7 @@
           <a:graphicData uri="http://schemas.openxmlformats.org/presentationml/2006/ole">
             <mc:AlternateContent xmlns:mc="http://schemas.openxmlformats.org/markup-compatibility/2006">
               <mc:Choice xmlns:v="urn:schemas-microsoft-com:vml" Requires="v">
-                <p:oleObj spid="_x0000_s259134" name="Equation" r:id="rId5" imgW="4737100" imgH="1498600" progId="Equation.DSMT4">
+                <p:oleObj spid="_x0000_s259155" name="Equation" r:id="rId5" imgW="4737100" imgH="1498600" progId="Equation.DSMT4">
                   <p:embed/>
                 </p:oleObj>
               </mc:Choice>
@@ -6066,7 +6393,7 @@
           <a:graphicData uri="http://schemas.openxmlformats.org/presentationml/2006/ole">
             <mc:AlternateContent xmlns:mc="http://schemas.openxmlformats.org/markup-compatibility/2006">
               <mc:Choice xmlns:v="urn:schemas-microsoft-com:vml" Requires="v">
-                <p:oleObj spid="_x0000_s259135" name="Equation" r:id="rId7" imgW="4533900" imgH="1511300" progId="Equation.DSMT4">
+                <p:oleObj spid="_x0000_s259156" name="Equation" r:id="rId7" imgW="4533900" imgH="1511300" progId="Equation.DSMT4">
                   <p:embed/>
                 </p:oleObj>
               </mc:Choice>
@@ -6409,18 +6736,9 @@
   <p:clrMapOvr>
     <a:masterClrMapping/>
   </p:clrMapOvr>
-  <mc:AlternateContent xmlns:mc="http://schemas.openxmlformats.org/markup-compatibility/2006" xmlns:p14="http://schemas.microsoft.com/office/powerpoint/2010/main">
-    <mc:Choice Requires="p14">
-      <p:transition spd="slow" p14:dur="800">
-        <p:fade/>
-      </p:transition>
-    </mc:Choice>
-    <mc:Fallback xmlns="">
-      <p:transition xmlns:p14="http://schemas.microsoft.com/office/powerpoint/2010/main" spd="slow">
-        <p:fade/>
-      </p:transition>
-    </mc:Fallback>
-  </mc:AlternateContent>
+  <p:transition xmlns:p14="http://schemas.microsoft.com/office/powerpoint/2010/main" spd="slow" advClick="0">
+    <p:fade thruBlk="1"/>
+  </p:transition>
   <p:timing>
     <p:tnLst>
       <p:par>
@@ -6442,7 +6760,7 @@
                             </p:stCondLst>
                             <p:childTnLst>
                               <p:par>
-                                <p:cTn id="5" presetID="9" presetClass="entr" presetSubtype="0" fill="hold" nodeType="clickEffect">
+                                <p:cTn id="5" presetID="10" presetClass="entr" presetSubtype="0" fill="hold" nodeType="clickEffect">
                                   <p:stCondLst>
                                     <p:cond delay="0"/>
                                   </p:stCondLst>
@@ -6465,7 +6783,7 @@
                                         <p:strVal val="visible"/>
                                       </p:to>
                                     </p:set>
-                                    <p:animEffect transition="in" filter="dissolve">
+                                    <p:animEffect transition="in" filter="fade">
                                       <p:cBhvr>
                                         <p:cTn id="7" dur="500"/>
                                         <p:tgtEl>
@@ -6539,7 +6857,7 @@
                             </p:stCondLst>
                             <p:childTnLst>
                               <p:par>
-                                <p:cTn id="14" presetID="1" presetClass="entr" presetSubtype="0" fill="hold" nodeType="afterEffect">
+                                <p:cTn id="14" presetID="22" presetClass="entr" presetSubtype="2" fill="hold" nodeType="afterEffect">
                                   <p:stCondLst>
                                     <p:cond delay="300"/>
                                   </p:stCondLst>
@@ -6562,6 +6880,14 @@
                                         <p:strVal val="visible"/>
                                       </p:to>
                                     </p:set>
+                                    <p:animEffect transition="in" filter="wipe(right)">
+                                      <p:cBhvr>
+                                        <p:cTn id="16" dur="1000"/>
+                                        <p:tgtEl>
+                                          <p:spTgt spid="101380"/>
+                                        </p:tgtEl>
+                                      </p:cBhvr>
+                                    </p:animEffect>
                                   </p:childTnLst>
                                 </p:cTn>
                               </p:par>
@@ -6572,26 +6898,26 @@
                     </p:cTn>
                   </p:par>
                   <p:par>
-                    <p:cTn id="16" fill="hold">
+                    <p:cTn id="17" fill="hold">
                       <p:stCondLst>
                         <p:cond delay="indefinite"/>
                       </p:stCondLst>
                       <p:childTnLst>
                         <p:par>
-                          <p:cTn id="17" fill="hold">
+                          <p:cTn id="18" fill="hold">
                             <p:stCondLst>
                               <p:cond delay="0"/>
                             </p:stCondLst>
                             <p:childTnLst>
                               <p:par>
-                                <p:cTn id="18" presetID="22" presetClass="entr" presetSubtype="1" fill="hold" nodeType="clickEffect">
+                                <p:cTn id="19" presetID="22" presetClass="entr" presetSubtype="1" fill="hold" nodeType="clickEffect">
                                   <p:stCondLst>
                                     <p:cond delay="0"/>
                                   </p:stCondLst>
                                   <p:childTnLst>
                                     <p:set>
                                       <p:cBhvr>
-                                        <p:cTn id="19" dur="1" fill="hold">
+                                        <p:cTn id="20" dur="1" fill="hold">
                                           <p:stCondLst>
                                             <p:cond delay="0"/>
                                           </p:stCondLst>
@@ -6609,7 +6935,7 @@
                                     </p:set>
                                     <p:animEffect transition="in" filter="wipe(up)">
                                       <p:cBhvr>
-                                        <p:cTn id="20" dur="500"/>
+                                        <p:cTn id="21" dur="500"/>
                                         <p:tgtEl>
                                           <p:spTgt spid="4"/>
                                         </p:tgtEl>
@@ -6622,20 +6948,20 @@
                           </p:cTn>
                         </p:par>
                         <p:par>
-                          <p:cTn id="21" fill="hold">
+                          <p:cTn id="22" fill="hold">
                             <p:stCondLst>
                               <p:cond delay="500"/>
                             </p:stCondLst>
                             <p:childTnLst>
                               <p:par>
-                                <p:cTn id="22" presetID="1" presetClass="entr" presetSubtype="0" fill="hold" nodeType="afterEffect">
+                                <p:cTn id="23" presetID="22" presetClass="entr" presetSubtype="2" fill="hold" nodeType="afterEffect">
                                   <p:stCondLst>
                                     <p:cond delay="300"/>
                                   </p:stCondLst>
                                   <p:childTnLst>
                                     <p:set>
                                       <p:cBhvr>
-                                        <p:cTn id="23" dur="1" fill="hold">
+                                        <p:cTn id="24" dur="1" fill="hold">
                                           <p:stCondLst>
                                             <p:cond delay="0"/>
                                           </p:stCondLst>
@@ -6651,6 +6977,14 @@
                                         <p:strVal val="visible"/>
                                       </p:to>
                                     </p:set>
+                                    <p:animEffect transition="in" filter="wipe(right)">
+                                      <p:cBhvr>
+                                        <p:cTn id="25" dur="1000"/>
+                                        <p:tgtEl>
+                                          <p:spTgt spid="101381"/>
+                                        </p:tgtEl>
+                                      </p:cBhvr>
+                                    </p:animEffect>
                                   </p:childTnLst>
                                 </p:cTn>
                               </p:par>
@@ -6718,26 +7052,22 @@
           <a:lstStyle/>
           <a:p>
             <a:r>
-              <a:rPr lang="en-US" smtClean="0"/>
-              <a:t>Partial Fractions </a:t>
-            </a:r>
-            <a:r>
               <a:rPr lang="en-US" dirty="0" smtClean="0"/>
-              <a:t>for </a:t>
-            </a:r>
-            <a:r>
-              <a:rPr lang="en-US" dirty="0" smtClean="0">
+              <a:t>Partial Fractions for </a:t>
+            </a:r>
+            <a:r>
+              <a:rPr lang="en-US" b="0" dirty="0" smtClean="0">
                 <a:solidFill>
                   <a:srgbClr val="0000FF"/>
                 </a:solidFill>
               </a:rPr>
-              <a:t>H</a:t>
-            </a:r>
-            <a:r>
-              <a:rPr lang="en-US" dirty="0" smtClean="0"/>
-              <a:t>(x)</a:t>
-            </a:r>
-            <a:endParaRPr lang="en-US" dirty="0"/>
+              <a:t>H(x)</a:t>
+            </a:r>
+            <a:endParaRPr lang="en-US" b="0" dirty="0">
+              <a:solidFill>
+                <a:srgbClr val="0000FF"/>
+              </a:solidFill>
+            </a:endParaRPr>
           </a:p>
         </p:txBody>
       </p:sp>
@@ -6763,7 +7093,7 @@
           <a:graphicData uri="http://schemas.openxmlformats.org/presentationml/2006/ole">
             <mc:AlternateContent xmlns:mc="http://schemas.openxmlformats.org/markup-compatibility/2006">
               <mc:Choice xmlns:v="urn:schemas-microsoft-com:vml" Requires="v">
-                <p:oleObj spid="_x0000_s260141" name="Equation" r:id="rId3" imgW="4533900" imgH="1511300" progId="Equation.DSMT4">
+                <p:oleObj spid="_x0000_s260183" name="Equation" r:id="rId3" imgW="4533900" imgH="1511300" progId="Equation.DSMT4">
                   <p:embed/>
                 </p:oleObj>
               </mc:Choice>
@@ -6875,7 +7205,7 @@
           <a:graphicData uri="http://schemas.openxmlformats.org/presentationml/2006/ole">
             <mc:AlternateContent xmlns:mc="http://schemas.openxmlformats.org/markup-compatibility/2006">
               <mc:Choice xmlns:v="urn:schemas-microsoft-com:vml" Requires="v">
-                <p:oleObj spid="_x0000_s260142" name="Equation" r:id="rId5" imgW="2603500" imgH="965200" progId="Equation.DSMT4">
+                <p:oleObj spid="_x0000_s260184" name="Equation" r:id="rId5" imgW="2603500" imgH="965200" progId="Equation.DSMT4">
                   <p:embed/>
                 </p:oleObj>
               </mc:Choice>
@@ -6945,7 +7275,7 @@
           <a:graphicData uri="http://schemas.openxmlformats.org/presentationml/2006/ole">
             <mc:AlternateContent xmlns:mc="http://schemas.openxmlformats.org/markup-compatibility/2006">
               <mc:Choice xmlns:v="urn:schemas-microsoft-com:vml" Requires="v">
-                <p:oleObj spid="_x0000_s260143" name="Equation" r:id="rId7" imgW="7277100" imgH="1625600" progId="Equation.DSMT4">
+                <p:oleObj spid="_x0000_s260185" name="Equation" r:id="rId7" imgW="7277100" imgH="1625600" progId="Equation.DSMT4">
                   <p:embed/>
                 </p:oleObj>
               </mc:Choice>
@@ -7002,7 +7332,7 @@
           <a:graphicData uri="http://schemas.openxmlformats.org/presentationml/2006/ole">
             <mc:AlternateContent xmlns:mc="http://schemas.openxmlformats.org/markup-compatibility/2006">
               <mc:Choice xmlns:v="urn:schemas-microsoft-com:vml" Requires="v">
-                <p:oleObj spid="_x0000_s260144" name="Equation" r:id="rId9" imgW="139700" imgH="215900" progId="Equation.DSMT4">
+                <p:oleObj spid="_x0000_s260186" name="Equation" r:id="rId9" imgW="139700" imgH="215900" progId="Equation.DSMT4">
                   <p:embed/>
                 </p:oleObj>
               </mc:Choice>
@@ -7037,18 +7367,509 @@
           </a:graphicData>
         </a:graphic>
       </p:graphicFrame>
+      <p:graphicFrame>
+        <p:nvGraphicFramePr>
+          <p:cNvPr id="6" name="Object 5"/>
+          <p:cNvGraphicFramePr>
+            <a:graphicFrameLocks noChangeAspect="1"/>
+          </p:cNvGraphicFramePr>
+          <p:nvPr>
+            <p:extLst>
+              <p:ext uri="{D42A27DB-BD31-4B8C-83A1-F6EECF244321}">
+                <p14:modId xmlns:p14="http://schemas.microsoft.com/office/powerpoint/2010/main" val="3225275079"/>
+              </p:ext>
+            </p:extLst>
+          </p:nvPr>
+        </p:nvGraphicFramePr>
+        <p:xfrm>
+          <a:off x="5676900" y="4610100"/>
+          <a:ext cx="139700" cy="215900"/>
+        </p:xfrm>
+        <a:graphic>
+          <a:graphicData uri="http://schemas.openxmlformats.org/presentationml/2006/ole">
+            <mc:AlternateContent xmlns:mc="http://schemas.openxmlformats.org/markup-compatibility/2006">
+              <mc:Choice xmlns:v="urn:schemas-microsoft-com:vml" Requires="v">
+                <p:oleObj spid="_x0000_s260187" name="Equation" r:id="rId11" imgW="139700" imgH="215900" progId="Equation.DSMT4">
+                  <p:embed/>
+                </p:oleObj>
+              </mc:Choice>
+              <mc:Fallback>
+                <p:oleObj name="Equation" r:id="rId11" imgW="139700" imgH="215900" progId="Equation.DSMT4">
+                  <p:embed/>
+                  <p:pic>
+                    <p:nvPicPr>
+                      <p:cNvPr id="0" name=""/>
+                      <p:cNvPicPr/>
+                      <p:nvPr/>
+                    </p:nvPicPr>
+                    <p:blipFill>
+                      <a:blip r:embed="rId10"/>
+                      <a:stretch>
+                        <a:fillRect/>
+                      </a:stretch>
+                    </p:blipFill>
+                    <p:spPr>
+                      <a:xfrm>
+                        <a:off x="5676900" y="4610100"/>
+                        <a:ext cx="139700" cy="215900"/>
+                      </a:xfrm>
+                      <a:prstGeom prst="rect">
+                        <a:avLst/>
+                      </a:prstGeom>
+                    </p:spPr>
+                  </p:pic>
+                </p:oleObj>
+              </mc:Fallback>
+            </mc:AlternateContent>
+          </a:graphicData>
+        </a:graphic>
+      </p:graphicFrame>
+      <p:graphicFrame>
+        <p:nvGraphicFramePr>
+          <p:cNvPr id="7" name="Object 6"/>
+          <p:cNvGraphicFramePr>
+            <a:graphicFrameLocks noChangeAspect="1"/>
+          </p:cNvGraphicFramePr>
+          <p:nvPr>
+            <p:extLst>
+              <p:ext uri="{D42A27DB-BD31-4B8C-83A1-F6EECF244321}">
+                <p14:modId xmlns:p14="http://schemas.microsoft.com/office/powerpoint/2010/main" val="2924195262"/>
+              </p:ext>
+            </p:extLst>
+          </p:nvPr>
+        </p:nvGraphicFramePr>
+        <p:xfrm>
+          <a:off x="2057400" y="3962400"/>
+          <a:ext cx="2484721" cy="1905000"/>
+        </p:xfrm>
+        <a:graphic>
+          <a:graphicData uri="http://schemas.openxmlformats.org/presentationml/2006/ole">
+            <mc:AlternateContent xmlns:mc="http://schemas.openxmlformats.org/markup-compatibility/2006">
+              <mc:Choice xmlns:v="urn:schemas-microsoft-com:vml" Requires="v">
+                <p:oleObj spid="_x0000_s260188" name="Equation" r:id="rId12" imgW="762000" imgH="584200" progId="Equation.DSMT4">
+                  <p:embed/>
+                </p:oleObj>
+              </mc:Choice>
+              <mc:Fallback>
+                <p:oleObj name="Equation" r:id="rId12" imgW="762000" imgH="584200" progId="Equation.DSMT4">
+                  <p:embed/>
+                  <p:pic>
+                    <p:nvPicPr>
+                      <p:cNvPr id="0" name=""/>
+                      <p:cNvPicPr/>
+                      <p:nvPr/>
+                    </p:nvPicPr>
+                    <p:blipFill>
+                      <a:blip r:embed="rId13"/>
+                      <a:stretch>
+                        <a:fillRect/>
+                      </a:stretch>
+                    </p:blipFill>
+                    <p:spPr>
+                      <a:xfrm>
+                        <a:off x="2057400" y="3962400"/>
+                        <a:ext cx="2484721" cy="1905000"/>
+                      </a:xfrm>
+                      <a:prstGeom prst="rect">
+                        <a:avLst/>
+                      </a:prstGeom>
+                    </p:spPr>
+                  </p:pic>
+                </p:oleObj>
+              </mc:Fallback>
+            </mc:AlternateContent>
+          </a:graphicData>
+        </a:graphic>
+      </p:graphicFrame>
+      <p:graphicFrame>
+        <p:nvGraphicFramePr>
+          <p:cNvPr id="16" name="Object 15"/>
+          <p:cNvGraphicFramePr>
+            <a:graphicFrameLocks noChangeAspect="1"/>
+          </p:cNvGraphicFramePr>
+          <p:nvPr>
+            <p:extLst>
+              <p:ext uri="{D42A27DB-BD31-4B8C-83A1-F6EECF244321}">
+                <p14:modId xmlns:p14="http://schemas.microsoft.com/office/powerpoint/2010/main" val="2092823402"/>
+              </p:ext>
+            </p:extLst>
+          </p:nvPr>
+        </p:nvGraphicFramePr>
+        <p:xfrm>
+          <a:off x="5973762" y="4038600"/>
+          <a:ext cx="2484438" cy="1698625"/>
+        </p:xfrm>
+        <a:graphic>
+          <a:graphicData uri="http://schemas.openxmlformats.org/presentationml/2006/ole">
+            <mc:AlternateContent xmlns:mc="http://schemas.openxmlformats.org/markup-compatibility/2006">
+              <mc:Choice xmlns:v="urn:schemas-microsoft-com:vml" Requires="v">
+                <p:oleObj spid="_x0000_s260189" name="Equation" r:id="rId14" imgW="762000" imgH="520700" progId="Equation.DSMT4">
+                  <p:embed/>
+                </p:oleObj>
+              </mc:Choice>
+              <mc:Fallback>
+                <p:oleObj name="Equation" r:id="rId14" imgW="762000" imgH="520700" progId="Equation.DSMT4">
+                  <p:embed/>
+                  <p:pic>
+                    <p:nvPicPr>
+                      <p:cNvPr id="0" name=""/>
+                      <p:cNvPicPr/>
+                      <p:nvPr/>
+                    </p:nvPicPr>
+                    <p:blipFill>
+                      <a:blip r:embed="rId15"/>
+                      <a:stretch>
+                        <a:fillRect/>
+                      </a:stretch>
+                    </p:blipFill>
+                    <p:spPr>
+                      <a:xfrm>
+                        <a:off x="5973762" y="4038600"/>
+                        <a:ext cx="2484438" cy="1698625"/>
+                      </a:xfrm>
+                      <a:prstGeom prst="rect">
+                        <a:avLst/>
+                      </a:prstGeom>
+                    </p:spPr>
+                  </p:pic>
+                </p:oleObj>
+              </mc:Fallback>
+            </mc:AlternateContent>
+          </a:graphicData>
+        </a:graphic>
+      </p:graphicFrame>
     </p:spTree>
   </p:cSld>
   <p:clrMapOvr>
     <a:masterClrMapping/>
   </p:clrMapOvr>
-  <p:transition xmlns:p14="http://schemas.microsoft.com/office/powerpoint/2010/main">
-    <p:fade/>
-  </p:transition>
+  <mc:AlternateContent xmlns:mc="http://schemas.openxmlformats.org/markup-compatibility/2006">
+    <mc:Choice xmlns:p14="http://schemas.microsoft.com/office/powerpoint/2010/main" Requires="p14">
+      <p:transition spd="med" p14:dur="600" advClick="0">
+        <p:fade/>
+      </p:transition>
+    </mc:Choice>
+    <mc:Fallback>
+      <p:transition xmlns:p14="http://schemas.microsoft.com/office/powerpoint/2010/main" spd="med" advClick="0">
+        <p:fade/>
+      </p:transition>
+    </mc:Fallback>
+  </mc:AlternateContent>
   <p:timing>
     <p:tnLst>
       <p:par>
-        <p:cTn xmlns:p14="http://schemas.microsoft.com/office/powerpoint/2010/main" id="1" dur="indefinite" restart="never" nodeType="tmRoot"/>
+        <p:cTn xmlns:p14="http://schemas.microsoft.com/office/powerpoint/2010/main" id="1" dur="indefinite" restart="never" nodeType="tmRoot">
+          <p:childTnLst>
+            <p:seq concurrent="1" nextAc="seek">
+              <p:cTn id="2" dur="indefinite" nodeType="mainSeq">
+                <p:childTnLst>
+                  <p:par>
+                    <p:cTn id="3" fill="hold">
+                      <p:stCondLst>
+                        <p:cond delay="indefinite"/>
+                      </p:stCondLst>
+                      <p:childTnLst>
+                        <p:par>
+                          <p:cTn id="4" fill="hold">
+                            <p:stCondLst>
+                              <p:cond delay="0"/>
+                            </p:stCondLst>
+                            <p:childTnLst>
+                              <p:par>
+                                <p:cTn id="5" presetID="10" presetClass="entr" presetSubtype="0" fill="hold" nodeType="clickEffect">
+                                  <p:stCondLst>
+                                    <p:cond delay="0"/>
+                                  </p:stCondLst>
+                                  <p:childTnLst>
+                                    <p:set>
+                                      <p:cBhvr>
+                                        <p:cTn id="6" dur="1" fill="hold">
+                                          <p:stCondLst>
+                                            <p:cond delay="0"/>
+                                          </p:stCondLst>
+                                        </p:cTn>
+                                        <p:tgtEl>
+                                          <p:spTgt spid="12"/>
+                                        </p:tgtEl>
+                                        <p:attrNameLst>
+                                          <p:attrName>style.visibility</p:attrName>
+                                        </p:attrNameLst>
+                                      </p:cBhvr>
+                                      <p:to>
+                                        <p:strVal val="visible"/>
+                                      </p:to>
+                                    </p:set>
+                                    <p:animEffect transition="in" filter="fade">
+                                      <p:cBhvr>
+                                        <p:cTn id="7" dur="500"/>
+                                        <p:tgtEl>
+                                          <p:spTgt spid="12"/>
+                                        </p:tgtEl>
+                                      </p:cBhvr>
+                                    </p:animEffect>
+                                  </p:childTnLst>
+                                </p:cTn>
+                              </p:par>
+                            </p:childTnLst>
+                          </p:cTn>
+                        </p:par>
+                      </p:childTnLst>
+                    </p:cTn>
+                  </p:par>
+                  <p:par>
+                    <p:cTn id="8" fill="hold">
+                      <p:stCondLst>
+                        <p:cond delay="indefinite"/>
+                      </p:stCondLst>
+                      <p:childTnLst>
+                        <p:par>
+                          <p:cTn id="9" fill="hold">
+                            <p:stCondLst>
+                              <p:cond delay="0"/>
+                            </p:stCondLst>
+                            <p:childTnLst>
+                              <p:par>
+                                <p:cTn id="10" presetID="22" presetClass="entr" presetSubtype="8" fill="hold" nodeType="clickEffect">
+                                  <p:stCondLst>
+                                    <p:cond delay="0"/>
+                                  </p:stCondLst>
+                                  <p:childTnLst>
+                                    <p:set>
+                                      <p:cBhvr>
+                                        <p:cTn id="11" dur="1" fill="hold">
+                                          <p:stCondLst>
+                                            <p:cond delay="0"/>
+                                          </p:stCondLst>
+                                        </p:cTn>
+                                        <p:tgtEl>
+                                          <p:spTgt spid="3"/>
+                                        </p:tgtEl>
+                                        <p:attrNameLst>
+                                          <p:attrName>style.visibility</p:attrName>
+                                        </p:attrNameLst>
+                                      </p:cBhvr>
+                                      <p:to>
+                                        <p:strVal val="visible"/>
+                                      </p:to>
+                                    </p:set>
+                                    <p:animEffect transition="in" filter="wipe(left)">
+                                      <p:cBhvr>
+                                        <p:cTn id="12" dur="2000"/>
+                                        <p:tgtEl>
+                                          <p:spTgt spid="3"/>
+                                        </p:tgtEl>
+                                      </p:cBhvr>
+                                    </p:animEffect>
+                                  </p:childTnLst>
+                                </p:cTn>
+                              </p:par>
+                            </p:childTnLst>
+                          </p:cTn>
+                        </p:par>
+                      </p:childTnLst>
+                    </p:cTn>
+                  </p:par>
+                  <p:par>
+                    <p:cTn id="13" fill="hold">
+                      <p:stCondLst>
+                        <p:cond delay="indefinite"/>
+                      </p:stCondLst>
+                      <p:childTnLst>
+                        <p:par>
+                          <p:cTn id="14" fill="hold">
+                            <p:stCondLst>
+                              <p:cond delay="0"/>
+                            </p:stCondLst>
+                            <p:childTnLst>
+                              <p:par>
+                                <p:cTn id="15" presetID="2" presetClass="entr" presetSubtype="4" fill="hold" nodeType="clickEffect">
+                                  <p:stCondLst>
+                                    <p:cond delay="0"/>
+                                  </p:stCondLst>
+                                  <p:childTnLst>
+                                    <p:set>
+                                      <p:cBhvr>
+                                        <p:cTn id="16" dur="1" fill="hold">
+                                          <p:stCondLst>
+                                            <p:cond delay="0"/>
+                                          </p:stCondLst>
+                                        </p:cTn>
+                                        <p:tgtEl>
+                                          <p:spTgt spid="7"/>
+                                        </p:tgtEl>
+                                        <p:attrNameLst>
+                                          <p:attrName>style.visibility</p:attrName>
+                                        </p:attrNameLst>
+                                      </p:cBhvr>
+                                      <p:to>
+                                        <p:strVal val="visible"/>
+                                      </p:to>
+                                    </p:set>
+                                    <p:anim calcmode="lin" valueType="num">
+                                      <p:cBhvr additive="base">
+                                        <p:cTn id="17" dur="500" fill="hold"/>
+                                        <p:tgtEl>
+                                          <p:spTgt spid="7"/>
+                                        </p:tgtEl>
+                                        <p:attrNameLst>
+                                          <p:attrName>ppt_x</p:attrName>
+                                        </p:attrNameLst>
+                                      </p:cBhvr>
+                                      <p:tavLst>
+                                        <p:tav tm="0">
+                                          <p:val>
+                                            <p:strVal val="#ppt_x"/>
+                                          </p:val>
+                                        </p:tav>
+                                        <p:tav tm="100000">
+                                          <p:val>
+                                            <p:strVal val="#ppt_x"/>
+                                          </p:val>
+                                        </p:tav>
+                                      </p:tavLst>
+                                    </p:anim>
+                                    <p:anim calcmode="lin" valueType="num">
+                                      <p:cBhvr additive="base">
+                                        <p:cTn id="18" dur="500" fill="hold"/>
+                                        <p:tgtEl>
+                                          <p:spTgt spid="7"/>
+                                        </p:tgtEl>
+                                        <p:attrNameLst>
+                                          <p:attrName>ppt_y</p:attrName>
+                                        </p:attrNameLst>
+                                      </p:cBhvr>
+                                      <p:tavLst>
+                                        <p:tav tm="0">
+                                          <p:val>
+                                            <p:strVal val="1+#ppt_h/2"/>
+                                          </p:val>
+                                        </p:tav>
+                                        <p:tav tm="100000">
+                                          <p:val>
+                                            <p:strVal val="#ppt_y"/>
+                                          </p:val>
+                                        </p:tav>
+                                      </p:tavLst>
+                                    </p:anim>
+                                  </p:childTnLst>
+                                </p:cTn>
+                              </p:par>
+                            </p:childTnLst>
+                          </p:cTn>
+                        </p:par>
+                      </p:childTnLst>
+                    </p:cTn>
+                  </p:par>
+                  <p:par>
+                    <p:cTn id="19" fill="hold">
+                      <p:stCondLst>
+                        <p:cond delay="indefinite"/>
+                      </p:stCondLst>
+                      <p:childTnLst>
+                        <p:par>
+                          <p:cTn id="20" fill="hold">
+                            <p:stCondLst>
+                              <p:cond delay="0"/>
+                            </p:stCondLst>
+                            <p:childTnLst>
+                              <p:par>
+                                <p:cTn id="21" presetID="2" presetClass="entr" presetSubtype="4" fill="hold" nodeType="clickEffect">
+                                  <p:stCondLst>
+                                    <p:cond delay="0"/>
+                                  </p:stCondLst>
+                                  <p:childTnLst>
+                                    <p:set>
+                                      <p:cBhvr>
+                                        <p:cTn id="22" dur="1" fill="hold">
+                                          <p:stCondLst>
+                                            <p:cond delay="0"/>
+                                          </p:stCondLst>
+                                        </p:cTn>
+                                        <p:tgtEl>
+                                          <p:spTgt spid="16"/>
+                                        </p:tgtEl>
+                                        <p:attrNameLst>
+                                          <p:attrName>style.visibility</p:attrName>
+                                        </p:attrNameLst>
+                                      </p:cBhvr>
+                                      <p:to>
+                                        <p:strVal val="visible"/>
+                                      </p:to>
+                                    </p:set>
+                                    <p:anim calcmode="lin" valueType="num">
+                                      <p:cBhvr additive="base">
+                                        <p:cTn id="23" dur="500" fill="hold"/>
+                                        <p:tgtEl>
+                                          <p:spTgt spid="16"/>
+                                        </p:tgtEl>
+                                        <p:attrNameLst>
+                                          <p:attrName>ppt_x</p:attrName>
+                                        </p:attrNameLst>
+                                      </p:cBhvr>
+                                      <p:tavLst>
+                                        <p:tav tm="0">
+                                          <p:val>
+                                            <p:strVal val="#ppt_x"/>
+                                          </p:val>
+                                        </p:tav>
+                                        <p:tav tm="100000">
+                                          <p:val>
+                                            <p:strVal val="#ppt_x"/>
+                                          </p:val>
+                                        </p:tav>
+                                      </p:tavLst>
+                                    </p:anim>
+                                    <p:anim calcmode="lin" valueType="num">
+                                      <p:cBhvr additive="base">
+                                        <p:cTn id="24" dur="500" fill="hold"/>
+                                        <p:tgtEl>
+                                          <p:spTgt spid="16"/>
+                                        </p:tgtEl>
+                                        <p:attrNameLst>
+                                          <p:attrName>ppt_y</p:attrName>
+                                        </p:attrNameLst>
+                                      </p:cBhvr>
+                                      <p:tavLst>
+                                        <p:tav tm="0">
+                                          <p:val>
+                                            <p:strVal val="1+#ppt_h/2"/>
+                                          </p:val>
+                                        </p:tav>
+                                        <p:tav tm="100000">
+                                          <p:val>
+                                            <p:strVal val="#ppt_y"/>
+                                          </p:val>
+                                        </p:tav>
+                                      </p:tavLst>
+                                    </p:anim>
+                                  </p:childTnLst>
+                                </p:cTn>
+                              </p:par>
+                            </p:childTnLst>
+                          </p:cTn>
+                        </p:par>
+                      </p:childTnLst>
+                    </p:cTn>
+                  </p:par>
+                </p:childTnLst>
+              </p:cTn>
+              <p:prevCondLst>
+                <p:cond evt="onPrev" delay="0">
+                  <p:tgtEl>
+                    <p:sldTgt/>
+                  </p:tgtEl>
+                </p:cond>
+              </p:prevCondLst>
+              <p:nextCondLst>
+                <p:cond evt="onNext" delay="0">
+                  <p:tgtEl>
+                    <p:sldTgt/>
+                  </p:tgtEl>
+                </p:cond>
+              </p:nextCondLst>
+            </p:seq>
+          </p:childTnLst>
+        </p:cTn>
       </p:par>
     </p:tnLst>
   </p:timing>
@@ -7056,6 +7877,363 @@
 </file>
 
 <file path=ppt/slides/slide6.xml><?xml version="1.0" encoding="utf-8"?>
+<p:sld xmlns:a="http://schemas.openxmlformats.org/drawingml/2006/main" xmlns:r="http://schemas.openxmlformats.org/officeDocument/2006/relationships" xmlns:p="http://schemas.openxmlformats.org/presentationml/2006/main">
+  <p:cSld>
+    <p:spTree>
+      <p:nvGrpSpPr>
+        <p:cNvPr id="1" name=""/>
+        <p:cNvGrpSpPr/>
+        <p:nvPr/>
+      </p:nvGrpSpPr>
+      <p:grpSpPr>
+        <a:xfrm>
+          <a:off x="0" y="0"/>
+          <a:ext cx="0" cy="0"/>
+          <a:chOff x="0" y="0"/>
+          <a:chExt cx="0" cy="0"/>
+        </a:xfrm>
+      </p:grpSpPr>
+      <p:graphicFrame>
+        <p:nvGraphicFramePr>
+          <p:cNvPr id="104453" name="Object 14"/>
+          <p:cNvGraphicFramePr>
+            <a:graphicFrameLocks noChangeAspect="1"/>
+          </p:cNvGraphicFramePr>
+          <p:nvPr>
+            <p:extLst>
+              <p:ext uri="{D42A27DB-BD31-4B8C-83A1-F6EECF244321}">
+                <p14:modId xmlns:p14="http://schemas.microsoft.com/office/powerpoint/2010/main" val="3838726334"/>
+              </p:ext>
+            </p:extLst>
+          </p:nvPr>
+        </p:nvGraphicFramePr>
+        <p:xfrm>
+          <a:off x="1066800" y="1524000"/>
+          <a:ext cx="6983104" cy="1524000"/>
+        </p:xfrm>
+        <a:graphic>
+          <a:graphicData uri="http://schemas.openxmlformats.org/presentationml/2006/ole">
+            <mc:AlternateContent xmlns:mc="http://schemas.openxmlformats.org/markup-compatibility/2006">
+              <mc:Choice xmlns:v="urn:schemas-microsoft-com:vml" Requires="v">
+                <p:oleObj spid="_x0000_s1036" name="Equation" r:id="rId3" imgW="3898900" imgH="850900" progId="Equation.DSMT4">
+                  <p:embed/>
+                </p:oleObj>
+              </mc:Choice>
+              <mc:Fallback>
+                <p:oleObj name="Equation" r:id="rId3" imgW="3898900" imgH="850900" progId="Equation.DSMT4">
+                  <p:embed/>
+                  <p:pic>
+                    <p:nvPicPr>
+                      <p:cNvPr id="0" name=""/>
+                      <p:cNvPicPr>
+                        <a:picLocks noChangeAspect="1" noChangeArrowheads="1"/>
+                      </p:cNvPicPr>
+                      <p:nvPr/>
+                    </p:nvPicPr>
+                    <p:blipFill>
+                      <a:blip r:embed="rId4"/>
+                      <a:srcRect/>
+                      <a:stretch>
+                        <a:fillRect/>
+                      </a:stretch>
+                    </p:blipFill>
+                    <p:spPr bwMode="auto">
+                      <a:xfrm>
+                        <a:off x="1066800" y="1524000"/>
+                        <a:ext cx="6983104" cy="1524000"/>
+                      </a:xfrm>
+                      <a:prstGeom prst="rect">
+                        <a:avLst/>
+                      </a:prstGeom>
+                      <a:noFill/>
+                      <a:extLst/>
+                    </p:spPr>
+                  </p:pic>
+                </p:oleObj>
+              </mc:Fallback>
+            </mc:AlternateContent>
+          </a:graphicData>
+        </a:graphic>
+      </p:graphicFrame>
+      <p:sp>
+        <p:nvSpPr>
+          <p:cNvPr id="21" name="TextBox 20"/>
+          <p:cNvSpPr txBox="1"/>
+          <p:nvPr/>
+        </p:nvSpPr>
+        <p:spPr>
+          <a:xfrm>
+            <a:off x="763749" y="3581400"/>
+            <a:ext cx="7616501" cy="923330"/>
+          </a:xfrm>
+          <a:prstGeom prst="rect">
+            <a:avLst/>
+          </a:prstGeom>
+          <a:noFill/>
+        </p:spPr>
+        <p:txBody>
+          <a:bodyPr wrap="none" rtlCol="0">
+            <a:spAutoFit/>
+          </a:bodyPr>
+          <a:lstStyle/>
+          <a:p>
+            <a:r>
+              <a:rPr lang="en-US" sz="5400" dirty="0" smtClean="0">
+                <a:solidFill>
+                  <a:srgbClr val="FF00FF"/>
+                </a:solidFill>
+              </a:rPr>
+              <a:t>TO DO:</a:t>
+            </a:r>
+            <a:r>
+              <a:rPr lang="en-US" sz="5400" dirty="0" smtClean="0">
+                <a:solidFill>
+                  <a:srgbClr val="000000"/>
+                </a:solidFill>
+              </a:rPr>
+              <a:t> find </a:t>
+            </a:r>
+            <a:r>
+              <a:rPr lang="en-US" sz="5400" dirty="0" smtClean="0">
+                <a:solidFill>
+                  <a:srgbClr val="0000FF"/>
+                </a:solidFill>
+              </a:rPr>
+              <a:t>A</a:t>
+            </a:r>
+            <a:r>
+              <a:rPr lang="en-US" sz="5400" baseline="-25000" dirty="0" smtClean="0">
+                <a:solidFill>
+                  <a:srgbClr val="0000FF"/>
+                </a:solidFill>
+              </a:rPr>
+              <a:t>1</a:t>
+            </a:r>
+            <a:r>
+              <a:rPr lang="en-US" sz="5400" dirty="0" smtClean="0">
+                <a:solidFill>
+                  <a:srgbClr val="000000"/>
+                </a:solidFill>
+              </a:rPr>
+              <a:t> and </a:t>
+            </a:r>
+            <a:r>
+              <a:rPr lang="en-US" sz="5400" dirty="0" smtClean="0">
+                <a:solidFill>
+                  <a:srgbClr val="0000FF"/>
+                </a:solidFill>
+              </a:rPr>
+              <a:t>A</a:t>
+            </a:r>
+            <a:r>
+              <a:rPr lang="en-US" sz="5400" baseline="-25000" dirty="0" smtClean="0">
+                <a:solidFill>
+                  <a:srgbClr val="0000FF"/>
+                </a:solidFill>
+              </a:rPr>
+              <a:t>2</a:t>
+            </a:r>
+            <a:r>
+              <a:rPr lang="en-US" sz="5400" dirty="0" smtClean="0">
+                <a:solidFill>
+                  <a:srgbClr val="000000"/>
+                </a:solidFill>
+              </a:rPr>
+              <a:t>.</a:t>
+            </a:r>
+            <a:endParaRPr lang="en-US" sz="5400" dirty="0">
+              <a:solidFill>
+                <a:srgbClr val="000000"/>
+              </a:solidFill>
+            </a:endParaRPr>
+          </a:p>
+        </p:txBody>
+      </p:sp>
+      <p:sp>
+        <p:nvSpPr>
+          <p:cNvPr id="10" name="Slide Number Placeholder 2"/>
+          <p:cNvSpPr>
+            <a:spLocks noGrp="1"/>
+          </p:cNvSpPr>
+          <p:nvPr>
+            <p:ph type="sldNum" sz="quarter" idx="10"/>
+          </p:nvPr>
+        </p:nvSpPr>
+        <p:spPr>
+          <a:xfrm>
+            <a:off x="6400800" y="6613525"/>
+            <a:ext cx="2667000" cy="244475"/>
+          </a:xfrm>
+        </p:spPr>
+        <p:txBody>
+          <a:bodyPr/>
+          <a:lstStyle/>
+          <a:p>
+            <a:pPr>
+              <a:defRPr/>
+            </a:pPr>
+            <a:r>
+              <a:rPr lang="en-US" dirty="0" err="1" smtClean="0"/>
+              <a:t>lec</a:t>
+            </a:r>
+            <a:r>
+              <a:rPr lang="en-US" dirty="0" smtClean="0"/>
+              <a:t> 11M.</a:t>
+            </a:r>
+            <a:fld id="{A585D087-0720-40C8-BCB9-442D95888E3B}" type="slidenum">
+              <a:rPr lang="en-US" smtClean="0"/>
+              <a:pPr>
+                <a:defRPr/>
+              </a:pPr>
+              <a:t>6</a:t>
+            </a:fld>
+            <a:endParaRPr lang="en-US" dirty="0"/>
+          </a:p>
+        </p:txBody>
+      </p:sp>
+      <p:sp>
+        <p:nvSpPr>
+          <p:cNvPr id="11" name="Title 1"/>
+          <p:cNvSpPr>
+            <a:spLocks noGrp="1"/>
+          </p:cNvSpPr>
+          <p:nvPr>
+            <p:ph type="title"/>
+          </p:nvPr>
+        </p:nvSpPr>
+        <p:spPr>
+          <a:xfrm>
+            <a:off x="1447800" y="304800"/>
+            <a:ext cx="7543800" cy="1143000"/>
+          </a:xfrm>
+        </p:spPr>
+        <p:txBody>
+          <a:bodyPr/>
+          <a:lstStyle/>
+          <a:p>
+            <a:r>
+              <a:rPr lang="en-US" dirty="0" smtClean="0"/>
+              <a:t>Partial Fractions for </a:t>
+            </a:r>
+            <a:r>
+              <a:rPr lang="en-US" b="0" dirty="0" smtClean="0">
+                <a:solidFill>
+                  <a:srgbClr val="0000FF"/>
+                </a:solidFill>
+              </a:rPr>
+              <a:t>H(x)</a:t>
+            </a:r>
+            <a:endParaRPr lang="en-US" b="0" dirty="0">
+              <a:solidFill>
+                <a:srgbClr val="0000FF"/>
+              </a:solidFill>
+            </a:endParaRPr>
+          </a:p>
+        </p:txBody>
+      </p:sp>
+    </p:spTree>
+    <p:extLst>
+      <p:ext uri="{BB962C8B-B14F-4D97-AF65-F5344CB8AC3E}">
+        <p14:creationId xmlns:p14="http://schemas.microsoft.com/office/powerpoint/2010/main" val="224281302"/>
+      </p:ext>
+    </p:extLst>
+  </p:cSld>
+  <p:clrMapOvr>
+    <a:masterClrMapping/>
+  </p:clrMapOvr>
+  <p:transition xmlns:p14="http://schemas.microsoft.com/office/powerpoint/2010/main" spd="slow" advClick="0">
+    <p:fade/>
+  </p:transition>
+  <p:timing>
+    <p:tnLst>
+      <p:par>
+        <p:cTn xmlns:p14="http://schemas.microsoft.com/office/powerpoint/2010/main" id="1" dur="indefinite" restart="never" nodeType="tmRoot">
+          <p:childTnLst>
+            <p:seq concurrent="1" nextAc="seek">
+              <p:cTn id="2" dur="indefinite" nodeType="mainSeq">
+                <p:childTnLst>
+                  <p:par>
+                    <p:cTn id="3" fill="hold">
+                      <p:stCondLst>
+                        <p:cond delay="indefinite"/>
+                      </p:stCondLst>
+                      <p:childTnLst>
+                        <p:par>
+                          <p:cTn id="4" fill="hold">
+                            <p:stCondLst>
+                              <p:cond delay="0"/>
+                            </p:stCondLst>
+                            <p:childTnLst>
+                              <p:par>
+                                <p:cTn id="5" presetID="22" presetClass="entr" presetSubtype="1" fill="hold" grpId="0" nodeType="clickEffect">
+                                  <p:stCondLst>
+                                    <p:cond delay="0"/>
+                                  </p:stCondLst>
+                                  <p:childTnLst>
+                                    <p:set>
+                                      <p:cBhvr>
+                                        <p:cTn id="6" dur="1" fill="hold">
+                                          <p:stCondLst>
+                                            <p:cond delay="0"/>
+                                          </p:stCondLst>
+                                        </p:cTn>
+                                        <p:tgtEl>
+                                          <p:spTgt spid="21"/>
+                                        </p:tgtEl>
+                                        <p:attrNameLst>
+                                          <p:attrName>style.visibility</p:attrName>
+                                        </p:attrNameLst>
+                                      </p:cBhvr>
+                                      <p:to>
+                                        <p:strVal val="visible"/>
+                                      </p:to>
+                                    </p:set>
+                                    <p:animEffect transition="in" filter="wipe(up)">
+                                      <p:cBhvr>
+                                        <p:cTn id="7" dur="1000"/>
+                                        <p:tgtEl>
+                                          <p:spTgt spid="21"/>
+                                        </p:tgtEl>
+                                      </p:cBhvr>
+                                    </p:animEffect>
+                                  </p:childTnLst>
+                                </p:cTn>
+                              </p:par>
+                            </p:childTnLst>
+                          </p:cTn>
+                        </p:par>
+                      </p:childTnLst>
+                    </p:cTn>
+                  </p:par>
+                </p:childTnLst>
+              </p:cTn>
+              <p:prevCondLst>
+                <p:cond evt="onPrev" delay="0">
+                  <p:tgtEl>
+                    <p:sldTgt/>
+                  </p:tgtEl>
+                </p:cond>
+              </p:prevCondLst>
+              <p:nextCondLst>
+                <p:cond evt="onNext" delay="0">
+                  <p:tgtEl>
+                    <p:sldTgt/>
+                  </p:tgtEl>
+                </p:cond>
+              </p:nextCondLst>
+            </p:seq>
+          </p:childTnLst>
+        </p:cTn>
+      </p:par>
+    </p:tnLst>
+    <p:bldLst>
+      <p:bldP spid="21" grpId="0"/>
+    </p:bldLst>
+  </p:timing>
+</p:sld>
+</file>
+
+<file path=ppt/slides/slide7.xml><?xml version="1.0" encoding="utf-8"?>
 <p:sld xmlns:a="http://schemas.openxmlformats.org/drawingml/2006/main" xmlns:r="http://schemas.openxmlformats.org/officeDocument/2006/relationships" xmlns:p="http://schemas.openxmlformats.org/presentationml/2006/main" show="0">
   <p:cSld>
     <p:spTree>
@@ -7120,7 +8298,7 @@
           <p:nvPr>
             <p:extLst>
               <p:ext uri="{D42A27DB-BD31-4B8C-83A1-F6EECF244321}">
-                <p14:modId xmlns:p14="http://schemas.microsoft.com/office/powerpoint/2010/main" val="4189658692"/>
+                <p14:modId xmlns:p14="http://schemas.microsoft.com/office/powerpoint/2010/main" val="3347764851"/>
               </p:ext>
             </p:extLst>
           </p:nvPr>
@@ -7133,7 +8311,7 @@
           <a:graphicData uri="http://schemas.openxmlformats.org/presentationml/2006/ole">
             <mc:AlternateContent xmlns:mc="http://schemas.openxmlformats.org/markup-compatibility/2006">
               <mc:Choice xmlns:v="urn:schemas-microsoft-com:vml" Requires="v">
-                <p:oleObj spid="_x0000_s1027" name="Equation" r:id="rId3" imgW="6705600" imgH="1625600" progId="Equation.DSMT4">
+                <p:oleObj spid="_x0000_s387077" name="Equation" r:id="rId3" imgW="6705600" imgH="1625600" progId="Equation.DSMT4">
                   <p:embed/>
                 </p:oleObj>
               </mc:Choice>
@@ -7190,20 +8368,20 @@
           <p:nvPr>
             <p:extLst>
               <p:ext uri="{D42A27DB-BD31-4B8C-83A1-F6EECF244321}">
-                <p14:modId xmlns:p14="http://schemas.microsoft.com/office/powerpoint/2010/main" val="3722383686"/>
+                <p14:modId xmlns:p14="http://schemas.microsoft.com/office/powerpoint/2010/main" val="1542341156"/>
               </p:ext>
             </p:extLst>
           </p:nvPr>
         </p:nvGraphicFramePr>
         <p:xfrm>
-          <a:off x="2057400" y="3778250"/>
+          <a:off x="2057400" y="3733800"/>
           <a:ext cx="4684499" cy="1022350"/>
         </p:xfrm>
         <a:graphic>
           <a:graphicData uri="http://schemas.openxmlformats.org/presentationml/2006/ole">
             <mc:AlternateContent xmlns:mc="http://schemas.openxmlformats.org/markup-compatibility/2006">
               <mc:Choice xmlns:v="urn:schemas-microsoft-com:vml" Requires="v">
-                <p:oleObj spid="_x0000_s1028" name="Equation" r:id="rId5" imgW="3898900" imgH="850900" progId="Equation.DSMT4">
+                <p:oleObj spid="_x0000_s387078" name="Equation" r:id="rId5" imgW="3898900" imgH="850900" progId="Equation.DSMT4">
                   <p:embed/>
                 </p:oleObj>
               </mc:Choice>
@@ -7227,7 +8405,7 @@
                     </p:blipFill>
                     <p:spPr bwMode="auto">
                       <a:xfrm>
-                        <a:off x="2057400" y="3778250"/>
+                        <a:off x="2057400" y="3733800"/>
                         <a:ext cx="4684499" cy="1022350"/>
                       </a:xfrm>
                       <a:prstGeom prst="rect">
@@ -7450,7 +8628,7 @@
               <a:pPr>
                 <a:defRPr/>
               </a:pPr>
-              <a:t>6</a:t>
+              <a:t>7</a:t>
             </a:fld>
             <a:endParaRPr lang="en-US" dirty="0"/>
           </a:p>
@@ -7459,14 +8637,14 @@
     </p:spTree>
     <p:extLst>
       <p:ext uri="{BB962C8B-B14F-4D97-AF65-F5344CB8AC3E}">
-        <p14:creationId xmlns:p14="http://schemas.microsoft.com/office/powerpoint/2010/main" val="224281302"/>
+        <p14:creationId xmlns:p14="http://schemas.microsoft.com/office/powerpoint/2010/main" val="1957007361"/>
       </p:ext>
     </p:extLst>
   </p:cSld>
   <p:clrMapOvr>
     <a:masterClrMapping/>
   </p:clrMapOvr>
-  <p:transition xmlns:p14="http://schemas.microsoft.com/office/powerpoint/2010/main">
+  <p:transition xmlns:p14="http://schemas.microsoft.com/office/powerpoint/2010/main" spd="slow" advClick="0">
     <p:fade/>
   </p:transition>
   <p:timing>
@@ -7655,7 +8833,7 @@
 </p:sld>
 </file>
 
-<file path=ppt/slides/slide7.xml><?xml version="1.0" encoding="utf-8"?>
+<file path=ppt/slides/slide8.xml><?xml version="1.0" encoding="utf-8"?>
 <p:sld xmlns:a="http://schemas.openxmlformats.org/drawingml/2006/main" xmlns:r="http://schemas.openxmlformats.org/officeDocument/2006/relationships" xmlns:p="http://schemas.openxmlformats.org/presentationml/2006/main">
   <p:cSld>
     <p:spTree>
@@ -7688,11 +8866,11 @@
           <a:lstStyle/>
           <a:p>
             <a:r>
-              <a:rPr lang="en-US" dirty="0" smtClean="0"/>
+              <a:rPr lang="en-US" sz="4000" dirty="0" smtClean="0"/>
               <a:t>Solve for </a:t>
             </a:r>
             <a:r>
-              <a:rPr lang="en-US" dirty="0" smtClean="0">
+              <a:rPr lang="en-US" sz="4000" dirty="0" smtClean="0">
                 <a:solidFill>
                   <a:srgbClr val="0000FF"/>
                 </a:solidFill>
@@ -7700,7 +8878,7 @@
               <a:t>A</a:t>
             </a:r>
             <a:r>
-              <a:rPr lang="en-US" baseline="-25000" dirty="0" smtClean="0">
+              <a:rPr lang="en-US" sz="4000" baseline="-25000" dirty="0" smtClean="0">
                 <a:solidFill>
                   <a:srgbClr val="0000FF"/>
                 </a:solidFill>
@@ -7708,11 +8886,11 @@
               <a:t>1</a:t>
             </a:r>
             <a:r>
-              <a:rPr lang="en-US" dirty="0" smtClean="0"/>
+              <a:rPr lang="en-US" sz="4000" dirty="0" smtClean="0"/>
               <a:t> and </a:t>
             </a:r>
             <a:r>
-              <a:rPr lang="en-US" dirty="0" smtClean="0">
+              <a:rPr lang="en-US" sz="4000" dirty="0" smtClean="0">
                 <a:solidFill>
                   <a:srgbClr val="0000FF"/>
                 </a:solidFill>
@@ -7720,14 +8898,14 @@
               <a:t>A</a:t>
             </a:r>
             <a:r>
-              <a:rPr lang="en-US" baseline="-25000" dirty="0" smtClean="0">
+              <a:rPr lang="en-US" sz="4000" baseline="-25000" dirty="0" smtClean="0">
                 <a:solidFill>
                   <a:srgbClr val="0000FF"/>
                 </a:solidFill>
               </a:rPr>
               <a:t>2</a:t>
             </a:r>
-            <a:endParaRPr lang="en-US" baseline="-25000" dirty="0">
+            <a:endParaRPr lang="en-US" sz="4000" baseline="-25000" dirty="0">
               <a:solidFill>
                 <a:srgbClr val="0000FF"/>
               </a:solidFill>
@@ -7741,22 +8919,28 @@
           <p:cNvGraphicFramePr>
             <a:graphicFrameLocks noChangeAspect="1"/>
           </p:cNvGraphicFramePr>
-          <p:nvPr/>
+          <p:nvPr>
+            <p:extLst>
+              <p:ext uri="{D42A27DB-BD31-4B8C-83A1-F6EECF244321}">
+                <p14:modId xmlns:p14="http://schemas.microsoft.com/office/powerpoint/2010/main" val="1790644116"/>
+              </p:ext>
+            </p:extLst>
+          </p:nvPr>
         </p:nvGraphicFramePr>
         <p:xfrm>
-          <a:off x="869950" y="1651000"/>
-          <a:ext cx="7327900" cy="1308100"/>
+          <a:off x="920750" y="1441450"/>
+          <a:ext cx="7226300" cy="1727200"/>
         </p:xfrm>
         <a:graphic>
           <a:graphicData uri="http://schemas.openxmlformats.org/presentationml/2006/ole">
             <mc:AlternateContent xmlns:mc="http://schemas.openxmlformats.org/markup-compatibility/2006">
               <mc:Choice xmlns:v="urn:schemas-microsoft-com:vml" Requires="v">
-                <p:oleObj spid="_x0000_s261158" name="Equation" r:id="rId3" imgW="7327800" imgH="1307880" progId="Equation.DSMT4">
+                <p:oleObj spid="_x0000_s261172" name="Equation" r:id="rId3" imgW="7226300" imgH="1727200" progId="Equation.DSMT4">
                   <p:embed/>
                 </p:oleObj>
               </mc:Choice>
               <mc:Fallback>
-                <p:oleObj name="Equation" r:id="rId3" imgW="7327800" imgH="1307880" progId="Equation.DSMT4">
+                <p:oleObj name="Equation" r:id="rId3" imgW="7226300" imgH="1727200" progId="Equation.DSMT4">
                   <p:embed/>
                   <p:pic>
                     <p:nvPicPr>
@@ -7767,13 +8951,7 @@
                       <p:nvPr/>
                     </p:nvPicPr>
                     <p:blipFill>
-                      <a:blip r:embed="rId4">
-                        <a:extLst>
-                          <a:ext uri="{28A0092B-C50C-407E-A947-70E740481C1C}">
-                            <a14:useLocalDpi xmlns:a14="http://schemas.microsoft.com/office/drawing/2010/main" val="0"/>
-                          </a:ext>
-                        </a:extLst>
-                      </a:blip>
+                      <a:blip r:embed="rId4"/>
                       <a:srcRect/>
                       <a:stretch>
                         <a:fillRect/>
@@ -7781,8 +8959,8 @@
                     </p:blipFill>
                     <p:spPr bwMode="auto">
                       <a:xfrm>
-                        <a:off x="869950" y="1651000"/>
-                        <a:ext cx="7327900" cy="1308100"/>
+                        <a:off x="920750" y="1441450"/>
+                        <a:ext cx="7226300" cy="1727200"/>
                       </a:xfrm>
                       <a:prstGeom prst="rect">
                         <a:avLst/>
@@ -7849,7 +9027,15 @@
                   <a:srgbClr val="FF00FF"/>
                 </a:solidFill>
               </a:rPr>
-              <a:t> of LHS. </a:t>
+              <a:t> of </a:t>
+            </a:r>
+            <a:r>
+              <a:rPr lang="en-US" sz="3600" dirty="0" smtClean="0">
+                <a:solidFill>
+                  <a:srgbClr val="FF00FF"/>
+                </a:solidFill>
+              </a:rPr>
+              <a:t>LHS </a:t>
             </a:r>
             <a:endParaRPr lang="en-US" sz="3600" dirty="0">
               <a:solidFill>
@@ -7865,22 +9051,28 @@
           <p:cNvGraphicFramePr>
             <a:graphicFrameLocks noChangeAspect="1"/>
           </p:cNvGraphicFramePr>
-          <p:nvPr/>
+          <p:nvPr>
+            <p:extLst>
+              <p:ext uri="{D42A27DB-BD31-4B8C-83A1-F6EECF244321}">
+                <p14:modId xmlns:p14="http://schemas.microsoft.com/office/powerpoint/2010/main" val="3109054760"/>
+              </p:ext>
+            </p:extLst>
+          </p:nvPr>
         </p:nvGraphicFramePr>
         <p:xfrm>
-          <a:off x="1555750" y="4775200"/>
-          <a:ext cx="6057900" cy="660400"/>
+          <a:off x="568325" y="4381500"/>
+          <a:ext cx="8004175" cy="1244600"/>
         </p:xfrm>
         <a:graphic>
           <a:graphicData uri="http://schemas.openxmlformats.org/presentationml/2006/ole">
             <mc:AlternateContent xmlns:mc="http://schemas.openxmlformats.org/markup-compatibility/2006">
               <mc:Choice xmlns:v="urn:schemas-microsoft-com:vml" Requires="v">
-                <p:oleObj spid="_x0000_s261159" name="Equation" r:id="rId5" imgW="6057720" imgH="660240" progId="Equation.DSMT4">
+                <p:oleObj spid="_x0000_s261173" name="Equation" r:id="rId5" imgW="6121400" imgH="952500" progId="Equation.DSMT4">
                   <p:embed/>
                 </p:oleObj>
               </mc:Choice>
               <mc:Fallback>
-                <p:oleObj name="Equation" r:id="rId5" imgW="6057720" imgH="660240" progId="Equation.DSMT4">
+                <p:oleObj name="Equation" r:id="rId5" imgW="6121400" imgH="952500" progId="Equation.DSMT4">
                   <p:embed/>
                   <p:pic>
                     <p:nvPicPr>
@@ -7891,13 +9083,7 @@
                       <p:nvPr/>
                     </p:nvPicPr>
                     <p:blipFill>
-                      <a:blip r:embed="rId6">
-                        <a:extLst>
-                          <a:ext uri="{28A0092B-C50C-407E-A947-70E740481C1C}">
-                            <a14:useLocalDpi xmlns:a14="http://schemas.microsoft.com/office/drawing/2010/main" val="0"/>
-                          </a:ext>
-                        </a:extLst>
-                      </a:blip>
+                      <a:blip r:embed="rId6"/>
                       <a:srcRect/>
                       <a:stretch>
                         <a:fillRect/>
@@ -7905,22 +9091,14 @@
                     </p:blipFill>
                     <p:spPr bwMode="auto">
                       <a:xfrm>
-                        <a:off x="1555750" y="4775200"/>
-                        <a:ext cx="6057900" cy="660400"/>
+                        <a:off x="568325" y="4381500"/>
+                        <a:ext cx="8004175" cy="1244600"/>
                       </a:xfrm>
                       <a:prstGeom prst="rect">
                         <a:avLst/>
                       </a:prstGeom>
                       <a:noFill/>
-                      <a:extLst>
-                        <a:ext uri="{909E8E84-426E-40dd-AFC4-6F175D3DCCD1}">
-                          <a14:hiddenFill xmlns:a14="http://schemas.microsoft.com/office/drawing/2010/main">
-                            <a:solidFill>
-                              <a:schemeClr val="accent1"/>
-                            </a:solidFill>
-                          </a14:hiddenFill>
-                        </a:ext>
-                      </a:extLst>
+                      <a:extLst/>
                     </p:spPr>
                   </p:pic>
                 </p:oleObj>
@@ -7965,7 +9143,7 @@
               <a:pPr>
                 <a:defRPr/>
               </a:pPr>
-              <a:t>7</a:t>
+              <a:t>8</a:t>
             </a:fld>
             <a:endParaRPr lang="en-US" dirty="0"/>
           </a:p>
@@ -7976,8 +9154,8 @@
   <p:clrMapOvr>
     <a:masterClrMapping/>
   </p:clrMapOvr>
-  <p:transition xmlns:p14="http://schemas.microsoft.com/office/powerpoint/2010/main">
-    <p:fade thruBlk="1"/>
+  <p:transition xmlns:p14="http://schemas.microsoft.com/office/powerpoint/2010/main" spd="slow" advClick="0">
+    <p:fade/>
   </p:transition>
   <p:timing>
     <p:tnLst>
@@ -8000,7 +9178,7 @@
                             </p:stCondLst>
                             <p:childTnLst>
                               <p:par>
-                                <p:cTn id="5" presetID="22" presetClass="entr" presetSubtype="8" fill="hold" grpId="0" nodeType="clickEffect">
+                                <p:cTn id="5" presetID="10" presetClass="entr" presetSubtype="0" fill="hold" grpId="0" nodeType="clickEffect">
                                   <p:stCondLst>
                                     <p:cond delay="0"/>
                                   </p:stCondLst>
@@ -8023,7 +9201,7 @@
                                         <p:strVal val="visible"/>
                                       </p:to>
                                     </p:set>
-                                    <p:animEffect transition="in" filter="wipe(left)">
+                                    <p:animEffect transition="in" filter="fade">
                                       <p:cBhvr>
                                         <p:cTn id="7" dur="500"/>
                                         <p:tgtEl>
@@ -8037,21 +9215,30 @@
                             </p:childTnLst>
                           </p:cTn>
                         </p:par>
+                      </p:childTnLst>
+                    </p:cTn>
+                  </p:par>
+                  <p:par>
+                    <p:cTn id="8" fill="hold">
+                      <p:stCondLst>
+                        <p:cond delay="indefinite"/>
+                      </p:stCondLst>
+                      <p:childTnLst>
                         <p:par>
-                          <p:cTn id="8" fill="hold">
+                          <p:cTn id="9" fill="hold">
                             <p:stCondLst>
-                              <p:cond delay="500"/>
+                              <p:cond delay="0"/>
                             </p:stCondLst>
                             <p:childTnLst>
                               <p:par>
-                                <p:cTn id="9" presetID="9" presetClass="entr" presetSubtype="0" fill="hold" nodeType="afterEffect">
+                                <p:cTn id="10" presetID="22" presetClass="entr" presetSubtype="8" fill="hold" nodeType="clickEffect">
                                   <p:stCondLst>
-                                    <p:cond delay="500"/>
+                                    <p:cond delay="0"/>
                                   </p:stCondLst>
                                   <p:childTnLst>
                                     <p:set>
                                       <p:cBhvr>
-                                        <p:cTn id="10" dur="1" fill="hold">
+                                        <p:cTn id="11" dur="1" fill="hold">
                                           <p:stCondLst>
                                             <p:cond delay="0"/>
                                           </p:stCondLst>
@@ -8067,9 +9254,9 @@
                                         <p:strVal val="visible"/>
                                       </p:to>
                                     </p:set>
-                                    <p:animEffect transition="in" filter="dissolve">
+                                    <p:animEffect transition="in" filter="wipe(left)">
                                       <p:cBhvr>
-                                        <p:cTn id="11" dur="500"/>
+                                        <p:cTn id="12" dur="1000"/>
                                         <p:tgtEl>
                                           <p:spTgt spid="102404"/>
                                         </p:tgtEl>
@@ -8112,7 +9299,7 @@
 </p:sld>
 </file>
 
-<file path=ppt/slides/slide8.xml><?xml version="1.0" encoding="utf-8"?>
+<file path=ppt/slides/slide9.xml><?xml version="1.0" encoding="utf-8"?>
 <p:sld xmlns:a="http://schemas.openxmlformats.org/drawingml/2006/main" xmlns:r="http://schemas.openxmlformats.org/officeDocument/2006/relationships" xmlns:p="http://schemas.openxmlformats.org/presentationml/2006/main">
   <p:cSld>
     <p:spTree>
@@ -8192,76 +9379,6 @@
           </a:p>
         </p:txBody>
       </p:sp>
-      <p:graphicFrame>
-        <p:nvGraphicFramePr>
-          <p:cNvPr id="102404" name="Object 14"/>
-          <p:cNvGraphicFramePr>
-            <a:graphicFrameLocks noChangeAspect="1"/>
-          </p:cNvGraphicFramePr>
-          <p:nvPr/>
-        </p:nvGraphicFramePr>
-        <p:xfrm>
-          <a:off x="1555750" y="1473200"/>
-          <a:ext cx="6057900" cy="660400"/>
-        </p:xfrm>
-        <a:graphic>
-          <a:graphicData uri="http://schemas.openxmlformats.org/presentationml/2006/ole">
-            <mc:AlternateContent xmlns:mc="http://schemas.openxmlformats.org/markup-compatibility/2006">
-              <mc:Choice xmlns:v="urn:schemas-microsoft-com:vml" Requires="v">
-                <p:oleObj spid="_x0000_s262252" name="Equation" r:id="rId3" imgW="6057720" imgH="660240" progId="Equation.DSMT4">
-                  <p:embed/>
-                </p:oleObj>
-              </mc:Choice>
-              <mc:Fallback>
-                <p:oleObj name="Equation" r:id="rId3" imgW="6057720" imgH="660240" progId="Equation.DSMT4">
-                  <p:embed/>
-                  <p:pic>
-                    <p:nvPicPr>
-                      <p:cNvPr id="0" name="Object 14"/>
-                      <p:cNvPicPr>
-                        <a:picLocks noChangeAspect="1" noChangeArrowheads="1"/>
-                      </p:cNvPicPr>
-                      <p:nvPr/>
-                    </p:nvPicPr>
-                    <p:blipFill>
-                      <a:blip r:embed="rId4">
-                        <a:extLst>
-                          <a:ext uri="{28A0092B-C50C-407E-A947-70E740481C1C}">
-                            <a14:useLocalDpi xmlns:a14="http://schemas.microsoft.com/office/drawing/2010/main" val="0"/>
-                          </a:ext>
-                        </a:extLst>
-                      </a:blip>
-                      <a:srcRect/>
-                      <a:stretch>
-                        <a:fillRect/>
-                      </a:stretch>
-                    </p:blipFill>
-                    <p:spPr bwMode="auto">
-                      <a:xfrm>
-                        <a:off x="1555750" y="1473200"/>
-                        <a:ext cx="6057900" cy="660400"/>
-                      </a:xfrm>
-                      <a:prstGeom prst="rect">
-                        <a:avLst/>
-                      </a:prstGeom>
-                      <a:noFill/>
-                      <a:extLst>
-                        <a:ext uri="{909E8E84-426E-40dd-AFC4-6F175D3DCCD1}">
-                          <a14:hiddenFill xmlns:a14="http://schemas.microsoft.com/office/drawing/2010/main">
-                            <a:solidFill>
-                              <a:schemeClr val="accent1"/>
-                            </a:solidFill>
-                          </a14:hiddenFill>
-                        </a:ext>
-                      </a:extLst>
-                    </p:spPr>
-                  </p:pic>
-                </p:oleObj>
-              </mc:Fallback>
-            </mc:AlternateContent>
-          </a:graphicData>
-        </a:graphic>
-      </p:graphicFrame>
       <p:sp>
         <p:nvSpPr>
           <p:cNvPr id="7" name="TextBox 6"/>
@@ -8270,8 +9387,8 @@
         </p:nvSpPr>
         <p:spPr>
           <a:xfrm>
-            <a:off x="609600" y="2209800"/>
-            <a:ext cx="5835252" cy="646331"/>
+            <a:off x="1129439" y="2209800"/>
+            <a:ext cx="6947761" cy="769441"/>
           </a:xfrm>
           <a:prstGeom prst="rect">
             <a:avLst/>
@@ -8285,16 +9402,24 @@
           <a:lstStyle/>
           <a:p>
             <a:r>
-              <a:rPr lang="en-US" sz="3600" dirty="0" smtClean="0">
+              <a:rPr lang="en-US" dirty="0" smtClean="0">
                 <a:solidFill>
                   <a:srgbClr val="FF00FF"/>
                 </a:solidFill>
               </a:rPr>
-              <a:t>Substitute in values for x.</a:t>
-            </a:r>
-            <a:endParaRPr lang="en-US" sz="3600" dirty="0">
+              <a:t>Substitute in values for </a:t>
+            </a:r>
+            <a:r>
+              <a:rPr lang="en-US" dirty="0" smtClean="0">
+                <a:solidFill>
+                  <a:srgbClr val="0000FF"/>
+                </a:solidFill>
+              </a:rPr>
+              <a:t>x</a:t>
+            </a:r>
+            <a:endParaRPr lang="en-US" dirty="0">
               <a:solidFill>
-                <a:srgbClr val="FF00FF"/>
+                <a:srgbClr val="0000FF"/>
               </a:solidFill>
             </a:endParaRPr>
           </a:p>
@@ -8306,22 +9431,28 @@
           <p:cNvGraphicFramePr>
             <a:graphicFrameLocks noChangeAspect="1"/>
           </p:cNvGraphicFramePr>
-          <p:nvPr/>
+          <p:nvPr>
+            <p:extLst>
+              <p:ext uri="{D42A27DB-BD31-4B8C-83A1-F6EECF244321}">
+                <p14:modId xmlns:p14="http://schemas.microsoft.com/office/powerpoint/2010/main" val="23054479"/>
+              </p:ext>
+            </p:extLst>
+          </p:nvPr>
         </p:nvGraphicFramePr>
         <p:xfrm>
-          <a:off x="762000" y="3124200"/>
-          <a:ext cx="1397000" cy="482600"/>
+          <a:off x="749300" y="3124200"/>
+          <a:ext cx="1422400" cy="482600"/>
         </p:xfrm>
         <a:graphic>
           <a:graphicData uri="http://schemas.openxmlformats.org/presentationml/2006/ole">
             <mc:AlternateContent xmlns:mc="http://schemas.openxmlformats.org/markup-compatibility/2006">
               <mc:Choice xmlns:v="urn:schemas-microsoft-com:vml" Requires="v">
-                <p:oleObj spid="_x0000_s262253" name="Equation" r:id="rId5" imgW="1396800" imgH="482400" progId="Equation.DSMT4">
+                <p:oleObj spid="_x0000_s262322" name="Equation" r:id="rId3" imgW="1422400" imgH="482600" progId="Equation.DSMT4">
                   <p:embed/>
                 </p:oleObj>
               </mc:Choice>
               <mc:Fallback>
-                <p:oleObj name="Equation" r:id="rId5" imgW="1396800" imgH="482400" progId="Equation.DSMT4">
+                <p:oleObj name="Equation" r:id="rId3" imgW="1422400" imgH="482600" progId="Equation.DSMT4">
                   <p:embed/>
                   <p:pic>
                     <p:nvPicPr>
@@ -8332,13 +9463,7 @@
                       <p:nvPr/>
                     </p:nvPicPr>
                     <p:blipFill>
-                      <a:blip r:embed="rId6">
-                        <a:extLst>
-                          <a:ext uri="{28A0092B-C50C-407E-A947-70E740481C1C}">
-                            <a14:useLocalDpi xmlns:a14="http://schemas.microsoft.com/office/drawing/2010/main" val="0"/>
-                          </a:ext>
-                        </a:extLst>
-                      </a:blip>
+                      <a:blip r:embed="rId4"/>
                       <a:srcRect/>
                       <a:stretch>
                         <a:fillRect/>
@@ -8346,8 +9471,8 @@
                     </p:blipFill>
                     <p:spPr bwMode="auto">
                       <a:xfrm>
-                        <a:off x="762000" y="3124200"/>
-                        <a:ext cx="1397000" cy="482600"/>
+                        <a:off x="749300" y="3124200"/>
+                        <a:ext cx="1422400" cy="482600"/>
                       </a:xfrm>
                       <a:prstGeom prst="rect">
                         <a:avLst/>
@@ -8386,12 +9511,12 @@
           <a:graphicData uri="http://schemas.openxmlformats.org/presentationml/2006/ole">
             <mc:AlternateContent xmlns:mc="http://schemas.openxmlformats.org/markup-compatibility/2006">
               <mc:Choice xmlns:v="urn:schemas-microsoft-com:vml" Requires="v">
-                <p:oleObj spid="_x0000_s262254" name="Equation" r:id="rId7" imgW="2946240" imgH="660240" progId="Equation.DSMT4">
+                <p:oleObj spid="_x0000_s262323" name="Equation" r:id="rId5" imgW="2946240" imgH="660240" progId="Equation.DSMT4">
                   <p:embed/>
                 </p:oleObj>
               </mc:Choice>
               <mc:Fallback>
-                <p:oleObj name="Equation" r:id="rId7" imgW="2946240" imgH="660240" progId="Equation.DSMT4">
+                <p:oleObj name="Equation" r:id="rId5" imgW="2946240" imgH="660240" progId="Equation.DSMT4">
                   <p:embed/>
                   <p:pic>
                     <p:nvPicPr>
@@ -8402,7 +9527,7 @@
                       <p:nvPr/>
                     </p:nvPicPr>
                     <p:blipFill>
-                      <a:blip r:embed="rId8">
+                      <a:blip r:embed="rId6">
                         <a:extLst>
                           <a:ext uri="{28A0092B-C50C-407E-A947-70E740481C1C}">
                             <a14:useLocalDpi xmlns:a14="http://schemas.microsoft.com/office/drawing/2010/main" val="0"/>
@@ -8446,22 +9571,28 @@
           <p:cNvGraphicFramePr>
             <a:graphicFrameLocks noChangeAspect="1"/>
           </p:cNvGraphicFramePr>
-          <p:nvPr/>
+          <p:nvPr>
+            <p:extLst>
+              <p:ext uri="{D42A27DB-BD31-4B8C-83A1-F6EECF244321}">
+                <p14:modId xmlns:p14="http://schemas.microsoft.com/office/powerpoint/2010/main" val="3718703787"/>
+              </p:ext>
+            </p:extLst>
+          </p:nvPr>
         </p:nvGraphicFramePr>
         <p:xfrm>
-          <a:off x="6280150" y="3670300"/>
-          <a:ext cx="1981200" cy="863600"/>
+          <a:off x="6402211" y="3683000"/>
+          <a:ext cx="1903589" cy="965200"/>
         </p:xfrm>
         <a:graphic>
           <a:graphicData uri="http://schemas.openxmlformats.org/presentationml/2006/ole">
             <mc:AlternateContent xmlns:mc="http://schemas.openxmlformats.org/markup-compatibility/2006">
               <mc:Choice xmlns:v="urn:schemas-microsoft-com:vml" Requires="v">
-                <p:oleObj spid="_x0000_s262255" name="Equation" r:id="rId9" imgW="1981080" imgH="863280" progId="Equation.DSMT4">
+                <p:oleObj spid="_x0000_s262324" name="Equation" r:id="rId7" imgW="1803400" imgH="914400" progId="Equation.DSMT4">
                   <p:embed/>
                 </p:oleObj>
               </mc:Choice>
               <mc:Fallback>
-                <p:oleObj name="Equation" r:id="rId9" imgW="1981080" imgH="863280" progId="Equation.DSMT4">
+                <p:oleObj name="Equation" r:id="rId7" imgW="1803400" imgH="914400" progId="Equation.DSMT4">
                   <p:embed/>
                   <p:pic>
                     <p:nvPicPr>
@@ -8472,13 +9603,7 @@
                       <p:nvPr/>
                     </p:nvPicPr>
                     <p:blipFill>
-                      <a:blip r:embed="rId10">
-                        <a:extLst>
-                          <a:ext uri="{28A0092B-C50C-407E-A947-70E740481C1C}">
-                            <a14:useLocalDpi xmlns:a14="http://schemas.microsoft.com/office/drawing/2010/main" val="0"/>
-                          </a:ext>
-                        </a:extLst>
-                      </a:blip>
+                      <a:blip r:embed="rId8"/>
                       <a:srcRect/>
                       <a:stretch>
                         <a:fillRect/>
@@ -8486,22 +9611,14 @@
                     </p:blipFill>
                     <p:spPr bwMode="auto">
                       <a:xfrm>
-                        <a:off x="6280150" y="3670300"/>
-                        <a:ext cx="1981200" cy="863600"/>
+                        <a:off x="6402211" y="3683000"/>
+                        <a:ext cx="1903589" cy="965200"/>
                       </a:xfrm>
                       <a:prstGeom prst="rect">
                         <a:avLst/>
                       </a:prstGeom>
                       <a:noFill/>
-                      <a:extLst>
-                        <a:ext uri="{909E8E84-426E-40dd-AFC4-6F175D3DCCD1}">
-                          <a14:hiddenFill xmlns:a14="http://schemas.microsoft.com/office/drawing/2010/main">
-                            <a:solidFill>
-                              <a:schemeClr val="accent1"/>
-                            </a:solidFill>
-                          </a14:hiddenFill>
-                        </a:ext>
-                      </a:extLst>
+                      <a:extLst/>
                     </p:spPr>
                   </p:pic>
                 </p:oleObj>
@@ -8516,22 +9633,28 @@
           <p:cNvGraphicFramePr>
             <a:graphicFrameLocks noChangeAspect="1"/>
           </p:cNvGraphicFramePr>
-          <p:nvPr/>
+          <p:nvPr>
+            <p:extLst>
+              <p:ext uri="{D42A27DB-BD31-4B8C-83A1-F6EECF244321}">
+                <p14:modId xmlns:p14="http://schemas.microsoft.com/office/powerpoint/2010/main" val="3621924341"/>
+              </p:ext>
+            </p:extLst>
+          </p:nvPr>
         </p:nvGraphicFramePr>
         <p:xfrm>
-          <a:off x="762000" y="4908550"/>
-          <a:ext cx="2133600" cy="546100"/>
+          <a:off x="730250" y="4921250"/>
+          <a:ext cx="2197100" cy="520700"/>
         </p:xfrm>
         <a:graphic>
           <a:graphicData uri="http://schemas.openxmlformats.org/presentationml/2006/ole">
             <mc:AlternateContent xmlns:mc="http://schemas.openxmlformats.org/markup-compatibility/2006">
               <mc:Choice xmlns:v="urn:schemas-microsoft-com:vml" Requires="v">
-                <p:oleObj spid="_x0000_s262256" name="Equation" r:id="rId11" imgW="2133360" imgH="545760" progId="Equation.DSMT4">
+                <p:oleObj spid="_x0000_s262325" name="Equation" r:id="rId9" imgW="2197100" imgH="520700" progId="Equation.DSMT4">
                   <p:embed/>
                 </p:oleObj>
               </mc:Choice>
               <mc:Fallback>
-                <p:oleObj name="Equation" r:id="rId11" imgW="2133360" imgH="545760" progId="Equation.DSMT4">
+                <p:oleObj name="Equation" r:id="rId9" imgW="2197100" imgH="520700" progId="Equation.DSMT4">
                   <p:embed/>
                   <p:pic>
                     <p:nvPicPr>
@@ -8542,13 +9665,7 @@
                       <p:nvPr/>
                     </p:nvPicPr>
                     <p:blipFill>
-                      <a:blip r:embed="rId12">
-                        <a:extLst>
-                          <a:ext uri="{28A0092B-C50C-407E-A947-70E740481C1C}">
-                            <a14:useLocalDpi xmlns:a14="http://schemas.microsoft.com/office/drawing/2010/main" val="0"/>
-                          </a:ext>
-                        </a:extLst>
-                      </a:blip>
+                      <a:blip r:embed="rId10"/>
                       <a:srcRect/>
                       <a:stretch>
                         <a:fillRect/>
@@ -8556,8 +9673,8 @@
                     </p:blipFill>
                     <p:spPr bwMode="auto">
                       <a:xfrm>
-                        <a:off x="762000" y="4908550"/>
-                        <a:ext cx="2133600" cy="546100"/>
+                        <a:off x="730250" y="4921250"/>
+                        <a:ext cx="2197100" cy="520700"/>
                       </a:xfrm>
                       <a:prstGeom prst="rect">
                         <a:avLst/>
@@ -8596,12 +9713,12 @@
           <a:graphicData uri="http://schemas.openxmlformats.org/presentationml/2006/ole">
             <mc:AlternateContent xmlns:mc="http://schemas.openxmlformats.org/markup-compatibility/2006">
               <mc:Choice xmlns:v="urn:schemas-microsoft-com:vml" Requires="v">
-                <p:oleObj spid="_x0000_s262257" name="Equation" r:id="rId13" imgW="4267080" imgH="685800" progId="Equation.DSMT4">
+                <p:oleObj spid="_x0000_s262326" name="Equation" r:id="rId11" imgW="4267080" imgH="685800" progId="Equation.DSMT4">
                   <p:embed/>
                 </p:oleObj>
               </mc:Choice>
               <mc:Fallback>
-                <p:oleObj name="Equation" r:id="rId13" imgW="4267080" imgH="685800" progId="Equation.DSMT4">
+                <p:oleObj name="Equation" r:id="rId11" imgW="4267080" imgH="685800" progId="Equation.DSMT4">
                   <p:embed/>
                   <p:pic>
                     <p:nvPicPr>
@@ -8612,7 +9729,7 @@
                       <p:nvPr/>
                     </p:nvPicPr>
                     <p:blipFill>
-                      <a:blip r:embed="rId14">
+                      <a:blip r:embed="rId12">
                         <a:extLst>
                           <a:ext uri="{28A0092B-C50C-407E-A947-70E740481C1C}">
                             <a14:useLocalDpi xmlns:a14="http://schemas.microsoft.com/office/drawing/2010/main" val="0"/>
@@ -8656,22 +9773,28 @@
           <p:cNvGraphicFramePr>
             <a:graphicFrameLocks noChangeAspect="1"/>
           </p:cNvGraphicFramePr>
-          <p:nvPr/>
+          <p:nvPr>
+            <p:extLst>
+              <p:ext uri="{D42A27DB-BD31-4B8C-83A1-F6EECF244321}">
+                <p14:modId xmlns:p14="http://schemas.microsoft.com/office/powerpoint/2010/main" val="721782036"/>
+              </p:ext>
+            </p:extLst>
+          </p:nvPr>
         </p:nvGraphicFramePr>
         <p:xfrm>
-          <a:off x="6280150" y="5486400"/>
-          <a:ext cx="1574800" cy="863600"/>
+          <a:off x="6482644" y="5334000"/>
+          <a:ext cx="1594556" cy="1016000"/>
         </p:xfrm>
         <a:graphic>
           <a:graphicData uri="http://schemas.openxmlformats.org/presentationml/2006/ole">
             <mc:AlternateContent xmlns:mc="http://schemas.openxmlformats.org/markup-compatibility/2006">
               <mc:Choice xmlns:v="urn:schemas-microsoft-com:vml" Requires="v">
-                <p:oleObj spid="_x0000_s262258" name="Equation" r:id="rId15" imgW="1574640" imgH="863280" progId="Equation.DSMT4">
+                <p:oleObj spid="_x0000_s262327" name="Equation" r:id="rId13" imgW="1435100" imgH="914400" progId="Equation.DSMT4">
                   <p:embed/>
                 </p:oleObj>
               </mc:Choice>
               <mc:Fallback>
-                <p:oleObj name="Equation" r:id="rId15" imgW="1574640" imgH="863280" progId="Equation.DSMT4">
+                <p:oleObj name="Equation" r:id="rId13" imgW="1435100" imgH="914400" progId="Equation.DSMT4">
                   <p:embed/>
                   <p:pic>
                     <p:nvPicPr>
@@ -8682,13 +9805,7 @@
                       <p:nvPr/>
                     </p:nvPicPr>
                     <p:blipFill>
-                      <a:blip r:embed="rId16">
-                        <a:extLst>
-                          <a:ext uri="{28A0092B-C50C-407E-A947-70E740481C1C}">
-                            <a14:useLocalDpi xmlns:a14="http://schemas.microsoft.com/office/drawing/2010/main" val="0"/>
-                          </a:ext>
-                        </a:extLst>
-                      </a:blip>
+                      <a:blip r:embed="rId14"/>
                       <a:srcRect/>
                       <a:stretch>
                         <a:fillRect/>
@@ -8696,22 +9813,14 @@
                     </p:blipFill>
                     <p:spPr bwMode="auto">
                       <a:xfrm>
-                        <a:off x="6280150" y="5486400"/>
-                        <a:ext cx="1574800" cy="863600"/>
+                        <a:off x="6482644" y="5334000"/>
+                        <a:ext cx="1594556" cy="1016000"/>
                       </a:xfrm>
                       <a:prstGeom prst="rect">
                         <a:avLst/>
                       </a:prstGeom>
                       <a:noFill/>
-                      <a:extLst>
-                        <a:ext uri="{909E8E84-426E-40dd-AFC4-6F175D3DCCD1}">
-                          <a14:hiddenFill xmlns:a14="http://schemas.microsoft.com/office/drawing/2010/main">
-                            <a:solidFill>
-                              <a:schemeClr val="accent1"/>
-                            </a:solidFill>
-                          </a14:hiddenFill>
-                        </a:ext>
-                      </a:extLst>
+                      <a:extLst/>
                     </p:spPr>
                   </p:pic>
                 </p:oleObj>
@@ -8756,9 +9865,205 @@
               <a:pPr>
                 <a:defRPr/>
               </a:pPr>
-              <a:t>8</a:t>
+              <a:t>9</a:t>
             </a:fld>
             <a:endParaRPr lang="en-US" dirty="0"/>
+          </a:p>
+        </p:txBody>
+      </p:sp>
+      <p:graphicFrame>
+        <p:nvGraphicFramePr>
+          <p:cNvPr id="13" name="Object 14"/>
+          <p:cNvGraphicFramePr>
+            <a:graphicFrameLocks noChangeAspect="1"/>
+          </p:cNvGraphicFramePr>
+          <p:nvPr>
+            <p:extLst>
+              <p:ext uri="{D42A27DB-BD31-4B8C-83A1-F6EECF244321}">
+                <p14:modId xmlns:p14="http://schemas.microsoft.com/office/powerpoint/2010/main" val="1492383661"/>
+              </p:ext>
+            </p:extLst>
+          </p:nvPr>
+        </p:nvGraphicFramePr>
+        <p:xfrm>
+          <a:off x="874712" y="1143000"/>
+          <a:ext cx="7431088" cy="1155488"/>
+        </p:xfrm>
+        <a:graphic>
+          <a:graphicData uri="http://schemas.openxmlformats.org/presentationml/2006/ole">
+            <mc:AlternateContent xmlns:mc="http://schemas.openxmlformats.org/markup-compatibility/2006">
+              <mc:Choice xmlns:v="urn:schemas-microsoft-com:vml" Requires="v">
+                <p:oleObj spid="_x0000_s262328" name="Equation" r:id="rId15" imgW="6121400" imgH="952500" progId="Equation.DSMT4">
+                  <p:embed/>
+                </p:oleObj>
+              </mc:Choice>
+              <mc:Fallback>
+                <p:oleObj name="Equation" r:id="rId15" imgW="6121400" imgH="952500" progId="Equation.DSMT4">
+                  <p:embed/>
+                  <p:pic>
+                    <p:nvPicPr>
+                      <p:cNvPr id="0" name=""/>
+                      <p:cNvPicPr>
+                        <a:picLocks noChangeAspect="1" noChangeArrowheads="1"/>
+                      </p:cNvPicPr>
+                      <p:nvPr/>
+                    </p:nvPicPr>
+                    <p:blipFill>
+                      <a:blip r:embed="rId16"/>
+                      <a:srcRect/>
+                      <a:stretch>
+                        <a:fillRect/>
+                      </a:stretch>
+                    </p:blipFill>
+                    <p:spPr bwMode="auto">
+                      <a:xfrm>
+                        <a:off x="874712" y="1143000"/>
+                        <a:ext cx="7431088" cy="1155488"/>
+                      </a:xfrm>
+                      <a:prstGeom prst="rect">
+                        <a:avLst/>
+                      </a:prstGeom>
+                      <a:noFill/>
+                      <a:extLst/>
+                    </p:spPr>
+                  </p:pic>
+                </p:oleObj>
+              </mc:Fallback>
+            </mc:AlternateContent>
+          </a:graphicData>
+        </a:graphic>
+      </p:graphicFrame>
+      <p:sp>
+        <p:nvSpPr>
+          <p:cNvPr id="3" name="Rectangle 2"/>
+          <p:cNvSpPr/>
+          <p:nvPr/>
+        </p:nvSpPr>
+        <p:spPr bwMode="auto">
+          <a:xfrm>
+            <a:off x="6096000" y="3657600"/>
+            <a:ext cx="2590800" cy="1143000"/>
+          </a:xfrm>
+          <a:prstGeom prst="rect">
+            <a:avLst/>
+          </a:prstGeom>
+          <a:solidFill>
+            <a:schemeClr val="accent1">
+              <a:alpha val="0"/>
+            </a:schemeClr>
+          </a:solidFill>
+          <a:ln w="38100" cap="flat" cmpd="sng" algn="ctr">
+            <a:solidFill>
+              <a:srgbClr val="FF00FF"/>
+            </a:solidFill>
+            <a:prstDash val="sysDash"/>
+            <a:round/>
+            <a:headEnd type="none" w="med" len="med"/>
+            <a:tailEnd type="none" w="med" len="med"/>
+          </a:ln>
+          <a:effectLst/>
+        </p:spPr>
+        <p:txBody>
+          <a:bodyPr vert="horz" wrap="square" lIns="91440" tIns="45720" rIns="91440" bIns="45720" numCol="1" rtlCol="0" anchor="t" anchorCtr="0" compatLnSpc="1">
+            <a:prstTxWarp prst="textNoShape">
+              <a:avLst/>
+            </a:prstTxWarp>
+          </a:bodyPr>
+          <a:lstStyle/>
+          <a:p>
+            <a:pPr marL="0" marR="0" indent="0" algn="l" defTabSz="914400" rtl="0" eaLnBrk="1" fontAlgn="base" latinLnBrk="0" hangingPunct="1">
+              <a:lnSpc>
+                <a:spcPct val="100000"/>
+              </a:lnSpc>
+              <a:spcBef>
+                <a:spcPct val="0"/>
+              </a:spcBef>
+              <a:spcAft>
+                <a:spcPct val="0"/>
+              </a:spcAft>
+              <a:buClrTx/>
+              <a:buSzTx/>
+              <a:buFontTx/>
+              <a:buNone/>
+              <a:tabLst/>
+            </a:pPr>
+            <a:endParaRPr kumimoji="0" lang="en-US" sz="4400" b="0" i="0" u="none" strike="noStrike" cap="none" normalizeH="0" baseline="0" smtClean="0">
+              <a:ln>
+                <a:noFill/>
+              </a:ln>
+              <a:solidFill>
+                <a:schemeClr val="tx1"/>
+              </a:solidFill>
+              <a:effectLst/>
+              <a:latin typeface="Comic Sans MS" pitchFamily="66" charset="0"/>
+            </a:endParaRPr>
+          </a:p>
+        </p:txBody>
+      </p:sp>
+      <p:sp>
+        <p:nvSpPr>
+          <p:cNvPr id="14" name="Rectangle 13"/>
+          <p:cNvSpPr/>
+          <p:nvPr/>
+        </p:nvSpPr>
+        <p:spPr bwMode="auto">
+          <a:xfrm>
+            <a:off x="5943600" y="5257800"/>
+            <a:ext cx="2590800" cy="1143000"/>
+          </a:xfrm>
+          <a:prstGeom prst="rect">
+            <a:avLst/>
+          </a:prstGeom>
+          <a:solidFill>
+            <a:schemeClr val="accent1">
+              <a:alpha val="0"/>
+            </a:schemeClr>
+          </a:solidFill>
+          <a:ln w="38100" cap="flat" cmpd="sng" algn="ctr">
+            <a:solidFill>
+              <a:srgbClr val="FF00FF"/>
+            </a:solidFill>
+            <a:prstDash val="sysDash"/>
+            <a:round/>
+            <a:headEnd type="none" w="med" len="med"/>
+            <a:tailEnd type="none" w="med" len="med"/>
+          </a:ln>
+          <a:effectLst/>
+        </p:spPr>
+        <p:txBody>
+          <a:bodyPr vert="horz" wrap="square" lIns="91440" tIns="45720" rIns="91440" bIns="45720" numCol="1" rtlCol="0" anchor="t" anchorCtr="0" compatLnSpc="1">
+            <a:prstTxWarp prst="textNoShape">
+              <a:avLst/>
+            </a:prstTxWarp>
+          </a:bodyPr>
+          <a:lstStyle/>
+          <a:p>
+            <a:pPr marL="0" marR="0" indent="0" algn="l" defTabSz="914400" rtl="0" eaLnBrk="1" fontAlgn="base" latinLnBrk="0" hangingPunct="1">
+              <a:lnSpc>
+                <a:spcPct val="100000"/>
+              </a:lnSpc>
+              <a:spcBef>
+                <a:spcPct val="0"/>
+              </a:spcBef>
+              <a:spcAft>
+                <a:spcPct val="0"/>
+              </a:spcAft>
+              <a:buClrTx/>
+              <a:buSzTx/>
+              <a:buFontTx/>
+              <a:buNone/>
+              <a:tabLst/>
+            </a:pPr>
+            <a:endParaRPr kumimoji="0" lang="en-US" sz="4400" b="0" i="0" u="none" strike="noStrike" cap="none" normalizeH="0" baseline="0" smtClean="0">
+              <a:ln>
+                <a:noFill/>
+              </a:ln>
+              <a:solidFill>
+                <a:schemeClr val="tx1"/>
+              </a:solidFill>
+              <a:effectLst/>
+              <a:latin typeface="Comic Sans MS" pitchFamily="66" charset="0"/>
+            </a:endParaRPr>
           </a:p>
         </p:txBody>
       </p:sp>
@@ -8767,7 +10072,7 @@
   <p:clrMapOvr>
     <a:masterClrMapping/>
   </p:clrMapOvr>
-  <p:transition xmlns:p14="http://schemas.microsoft.com/office/powerpoint/2010/main">
+  <p:transition xmlns:p14="http://schemas.microsoft.com/office/powerpoint/2010/main" advClick="0">
     <p:fade/>
   </p:transition>
   <p:timing>
@@ -8791,7 +10096,7 @@
                             </p:stCondLst>
                             <p:childTnLst>
                               <p:par>
-                                <p:cTn id="5" presetID="1" presetClass="entr" presetSubtype="0" fill="hold" nodeType="clickEffect">
+                                <p:cTn id="5" presetID="10" presetClass="entr" presetSubtype="0" fill="hold" grpId="0" nodeType="clickEffect">
                                   <p:stCondLst>
                                     <p:cond delay="0"/>
                                   </p:stCondLst>
@@ -8799,6 +10104,59 @@
                                     <p:set>
                                       <p:cBhvr>
                                         <p:cTn id="6" dur="1" fill="hold">
+                                          <p:stCondLst>
+                                            <p:cond delay="0"/>
+                                          </p:stCondLst>
+                                        </p:cTn>
+                                        <p:tgtEl>
+                                          <p:spTgt spid="7"/>
+                                        </p:tgtEl>
+                                        <p:attrNameLst>
+                                          <p:attrName>style.visibility</p:attrName>
+                                        </p:attrNameLst>
+                                      </p:cBhvr>
+                                      <p:to>
+                                        <p:strVal val="visible"/>
+                                      </p:to>
+                                    </p:set>
+                                    <p:animEffect transition="in" filter="fade">
+                                      <p:cBhvr>
+                                        <p:cTn id="7" dur="500"/>
+                                        <p:tgtEl>
+                                          <p:spTgt spid="7"/>
+                                        </p:tgtEl>
+                                      </p:cBhvr>
+                                    </p:animEffect>
+                                  </p:childTnLst>
+                                </p:cTn>
+                              </p:par>
+                            </p:childTnLst>
+                          </p:cTn>
+                        </p:par>
+                      </p:childTnLst>
+                    </p:cTn>
+                  </p:par>
+                  <p:par>
+                    <p:cTn id="8" fill="hold">
+                      <p:stCondLst>
+                        <p:cond delay="indefinite"/>
+                      </p:stCondLst>
+                      <p:childTnLst>
+                        <p:par>
+                          <p:cTn id="9" fill="hold">
+                            <p:stCondLst>
+                              <p:cond delay="0"/>
+                            </p:stCondLst>
+                            <p:childTnLst>
+                              <p:par>
+                                <p:cTn id="10" presetID="10" presetClass="entr" presetSubtype="0" fill="hold" nodeType="clickEffect">
+                                  <p:stCondLst>
+                                    <p:cond delay="0"/>
+                                  </p:stCondLst>
+                                  <p:childTnLst>
+                                    <p:set>
+                                      <p:cBhvr>
+                                        <p:cTn id="11" dur="1" fill="hold">
                                           <p:stCondLst>
                                             <p:cond delay="0"/>
                                           </p:stCondLst>
@@ -8814,6 +10172,14 @@
                                         <p:strVal val="visible"/>
                                       </p:to>
                                     </p:set>
+                                    <p:animEffect transition="in" filter="fade">
+                                      <p:cBhvr>
+                                        <p:cTn id="12" dur="500"/>
+                                        <p:tgtEl>
+                                          <p:spTgt spid="103428"/>
+                                        </p:tgtEl>
+                                      </p:cBhvr>
+                                    </p:animEffect>
                                   </p:childTnLst>
                                 </p:cTn>
                               </p:par>
@@ -8824,26 +10190,26 @@
                     </p:cTn>
                   </p:par>
                   <p:par>
-                    <p:cTn id="7" fill="hold">
+                    <p:cTn id="13" fill="hold">
                       <p:stCondLst>
                         <p:cond delay="indefinite"/>
                       </p:stCondLst>
                       <p:childTnLst>
                         <p:par>
-                          <p:cTn id="8" fill="hold">
+                          <p:cTn id="14" fill="hold">
                             <p:stCondLst>
                               <p:cond delay="0"/>
                             </p:stCondLst>
                             <p:childTnLst>
                               <p:par>
-                                <p:cTn id="9" presetID="22" presetClass="entr" presetSubtype="8" fill="hold" nodeType="clickEffect">
+                                <p:cTn id="15" presetID="22" presetClass="entr" presetSubtype="8" fill="hold" nodeType="clickEffect">
                                   <p:stCondLst>
                                     <p:cond delay="0"/>
                                   </p:stCondLst>
                                   <p:childTnLst>
                                     <p:set>
                                       <p:cBhvr>
-                                        <p:cTn id="10" dur="1" fill="hold">
+                                        <p:cTn id="16" dur="1" fill="hold">
                                           <p:stCondLst>
                                             <p:cond delay="0"/>
                                           </p:stCondLst>
@@ -8861,7 +10227,7 @@
                                     </p:set>
                                     <p:animEffect transition="in" filter="wipe(left)">
                                       <p:cBhvr>
-                                        <p:cTn id="11" dur="500"/>
+                                        <p:cTn id="17" dur="1000"/>
                                         <p:tgtEl>
                                           <p:spTgt spid="103429"/>
                                         </p:tgtEl>
@@ -8877,26 +10243,26 @@
                     </p:cTn>
                   </p:par>
                   <p:par>
-                    <p:cTn id="12" fill="hold">
+                    <p:cTn id="18" fill="hold">
                       <p:stCondLst>
                         <p:cond delay="indefinite"/>
                       </p:stCondLst>
                       <p:childTnLst>
                         <p:par>
-                          <p:cTn id="13" fill="hold">
+                          <p:cTn id="19" fill="hold">
                             <p:stCondLst>
                               <p:cond delay="0"/>
                             </p:stCondLst>
                             <p:childTnLst>
                               <p:par>
-                                <p:cTn id="14" presetID="9" presetClass="entr" presetSubtype="0" fill="hold" nodeType="clickEffect">
+                                <p:cTn id="20" presetID="10" presetClass="entr" presetSubtype="0" fill="hold" nodeType="clickEffect">
                                   <p:stCondLst>
                                     <p:cond delay="0"/>
                                   </p:stCondLst>
                                   <p:childTnLst>
                                     <p:set>
                                       <p:cBhvr>
-                                        <p:cTn id="15" dur="1" fill="hold">
+                                        <p:cTn id="21" dur="1" fill="hold">
                                           <p:stCondLst>
                                             <p:cond delay="0"/>
                                           </p:stCondLst>
@@ -8912,11 +10278,55 @@
                                         <p:strVal val="visible"/>
                                       </p:to>
                                     </p:set>
-                                    <p:animEffect transition="in" filter="dissolve">
+                                    <p:animEffect transition="in" filter="fade">
                                       <p:cBhvr>
-                                        <p:cTn id="16" dur="500"/>
+                                        <p:cTn id="22" dur="500"/>
                                         <p:tgtEl>
                                           <p:spTgt spid="103430"/>
+                                        </p:tgtEl>
+                                      </p:cBhvr>
+                                    </p:animEffect>
+                                  </p:childTnLst>
+                                </p:cTn>
+                              </p:par>
+                            </p:childTnLst>
+                          </p:cTn>
+                        </p:par>
+                        <p:par>
+                          <p:cTn id="23" fill="hold">
+                            <p:stCondLst>
+                              <p:cond delay="500"/>
+                            </p:stCondLst>
+                            <p:childTnLst>
+                              <p:par>
+                                <p:cTn id="24" presetID="10" presetClass="entr" presetSubtype="0" fill="hold" grpId="0" nodeType="afterEffect">
+                                  <p:stCondLst>
+                                    <p:cond delay="0"/>
+                                  </p:stCondLst>
+                                  <p:childTnLst>
+                                    <p:set>
+                                      <p:cBhvr>
+                                        <p:cTn id="25" dur="1" fill="hold">
+                                          <p:stCondLst>
+                                            <p:cond delay="0"/>
+                                          </p:stCondLst>
+                                        </p:cTn>
+                                        <p:tgtEl>
+                                          <p:spTgt spid="3"/>
+                                        </p:tgtEl>
+                                        <p:attrNameLst>
+                                          <p:attrName>style.visibility</p:attrName>
+                                        </p:attrNameLst>
+                                      </p:cBhvr>
+                                      <p:to>
+                                        <p:strVal val="visible"/>
+                                      </p:to>
+                                    </p:set>
+                                    <p:animEffect transition="in" filter="fade">
+                                      <p:cBhvr>
+                                        <p:cTn id="26" dur="500"/>
+                                        <p:tgtEl>
+                                          <p:spTgt spid="3"/>
                                         </p:tgtEl>
                                       </p:cBhvr>
                                     </p:animEffect>
@@ -8930,26 +10340,26 @@
                     </p:cTn>
                   </p:par>
                   <p:par>
-                    <p:cTn id="17" fill="hold">
+                    <p:cTn id="27" fill="hold">
                       <p:stCondLst>
                         <p:cond delay="indefinite"/>
                       </p:stCondLst>
                       <p:childTnLst>
                         <p:par>
-                          <p:cTn id="18" fill="hold">
+                          <p:cTn id="28" fill="hold">
                             <p:stCondLst>
                               <p:cond delay="0"/>
                             </p:stCondLst>
                             <p:childTnLst>
                               <p:par>
-                                <p:cTn id="19" presetID="1" presetClass="entr" presetSubtype="0" fill="hold" nodeType="clickEffect">
+                                <p:cTn id="29" presetID="10" presetClass="entr" presetSubtype="0" fill="hold" nodeType="clickEffect">
                                   <p:stCondLst>
                                     <p:cond delay="0"/>
                                   </p:stCondLst>
                                   <p:childTnLst>
                                     <p:set>
                                       <p:cBhvr>
-                                        <p:cTn id="20" dur="1" fill="hold">
+                                        <p:cTn id="30" dur="1" fill="hold">
                                           <p:stCondLst>
                                             <p:cond delay="0"/>
                                           </p:stCondLst>
@@ -8965,6 +10375,14 @@
                                         <p:strVal val="visible"/>
                                       </p:to>
                                     </p:set>
+                                    <p:animEffect transition="in" filter="fade">
+                                      <p:cBhvr>
+                                        <p:cTn id="31" dur="500"/>
+                                        <p:tgtEl>
+                                          <p:spTgt spid="103431"/>
+                                        </p:tgtEl>
+                                      </p:cBhvr>
+                                    </p:animEffect>
                                   </p:childTnLst>
                                 </p:cTn>
                               </p:par>
@@ -8975,26 +10393,26 @@
                     </p:cTn>
                   </p:par>
                   <p:par>
-                    <p:cTn id="21" fill="hold">
+                    <p:cTn id="32" fill="hold">
                       <p:stCondLst>
                         <p:cond delay="indefinite"/>
                       </p:stCondLst>
                       <p:childTnLst>
                         <p:par>
-                          <p:cTn id="22" fill="hold">
+                          <p:cTn id="33" fill="hold">
                             <p:stCondLst>
                               <p:cond delay="0"/>
                             </p:stCondLst>
                             <p:childTnLst>
                               <p:par>
-                                <p:cTn id="23" presetID="22" presetClass="entr" presetSubtype="8" fill="hold" nodeType="clickEffect">
+                                <p:cTn id="34" presetID="22" presetClass="entr" presetSubtype="8" fill="hold" nodeType="clickEffect">
                                   <p:stCondLst>
                                     <p:cond delay="0"/>
                                   </p:stCondLst>
                                   <p:childTnLst>
                                     <p:set>
                                       <p:cBhvr>
-                                        <p:cTn id="24" dur="1" fill="hold">
+                                        <p:cTn id="35" dur="1" fill="hold">
                                           <p:stCondLst>
                                             <p:cond delay="0"/>
                                           </p:stCondLst>
@@ -9012,7 +10430,7 @@
                                     </p:set>
                                     <p:animEffect transition="in" filter="wipe(left)">
                                       <p:cBhvr>
-                                        <p:cTn id="25" dur="500"/>
+                                        <p:cTn id="36" dur="1000"/>
                                         <p:tgtEl>
                                           <p:spTgt spid="103432"/>
                                         </p:tgtEl>
@@ -9028,26 +10446,26 @@
                     </p:cTn>
                   </p:par>
                   <p:par>
-                    <p:cTn id="26" fill="hold">
+                    <p:cTn id="37" fill="hold">
                       <p:stCondLst>
                         <p:cond delay="indefinite"/>
                       </p:stCondLst>
                       <p:childTnLst>
                         <p:par>
-                          <p:cTn id="27" fill="hold">
+                          <p:cTn id="38" fill="hold">
                             <p:stCondLst>
                               <p:cond delay="0"/>
                             </p:stCondLst>
                             <p:childTnLst>
                               <p:par>
-                                <p:cTn id="28" presetID="9" presetClass="entr" presetSubtype="0" fill="hold" nodeType="clickEffect">
+                                <p:cTn id="39" presetID="10" presetClass="entr" presetSubtype="0" fill="hold" nodeType="clickEffect">
                                   <p:stCondLst>
                                     <p:cond delay="0"/>
                                   </p:stCondLst>
                                   <p:childTnLst>
                                     <p:set>
                                       <p:cBhvr>
-                                        <p:cTn id="29" dur="1" fill="hold">
+                                        <p:cTn id="40" dur="1" fill="hold">
                                           <p:stCondLst>
                                             <p:cond delay="0"/>
                                           </p:stCondLst>
@@ -9063,9 +10481,9 @@
                                         <p:strVal val="visible"/>
                                       </p:to>
                                     </p:set>
-                                    <p:animEffect transition="in" filter="dissolve">
+                                    <p:animEffect transition="in" filter="fade">
                                       <p:cBhvr>
-                                        <p:cTn id="30" dur="500"/>
+                                        <p:cTn id="41" dur="500"/>
                                         <p:tgtEl>
                                           <p:spTgt spid="103433"/>
                                         </p:tgtEl>
@@ -9077,489 +10495,27 @@
                             </p:childTnLst>
                           </p:cTn>
                         </p:par>
-                      </p:childTnLst>
-                    </p:cTn>
-                  </p:par>
-                </p:childTnLst>
-              </p:cTn>
-              <p:prevCondLst>
-                <p:cond evt="onPrev" delay="0">
-                  <p:tgtEl>
-                    <p:sldTgt/>
-                  </p:tgtEl>
-                </p:cond>
-              </p:prevCondLst>
-              <p:nextCondLst>
-                <p:cond evt="onNext" delay="0">
-                  <p:tgtEl>
-                    <p:sldTgt/>
-                  </p:tgtEl>
-                </p:cond>
-              </p:nextCondLst>
-            </p:seq>
-          </p:childTnLst>
-        </p:cTn>
-      </p:par>
-    </p:tnLst>
-  </p:timing>
-</p:sld>
-</file>
-
-<file path=ppt/slides/slide9.xml><?xml version="1.0" encoding="utf-8"?>
-<p:sld xmlns:a="http://schemas.openxmlformats.org/drawingml/2006/main" xmlns:r="http://schemas.openxmlformats.org/officeDocument/2006/relationships" xmlns:p="http://schemas.openxmlformats.org/presentationml/2006/main">
-  <p:cSld>
-    <p:spTree>
-      <p:nvGrpSpPr>
-        <p:cNvPr id="1" name=""/>
-        <p:cNvGrpSpPr/>
-        <p:nvPr/>
-      </p:nvGrpSpPr>
-      <p:grpSpPr>
-        <a:xfrm>
-          <a:off x="0" y="0"/>
-          <a:ext cx="0" cy="0"/>
-          <a:chOff x="0" y="0"/>
-          <a:chExt cx="0" cy="0"/>
-        </a:xfrm>
-      </p:grpSpPr>
-      <p:sp>
-        <p:nvSpPr>
-          <p:cNvPr id="2" name="Title 1"/>
-          <p:cNvSpPr>
-            <a:spLocks noGrp="1"/>
-          </p:cNvSpPr>
-          <p:nvPr>
-            <p:ph type="title"/>
-          </p:nvPr>
-        </p:nvSpPr>
-        <p:spPr/>
-        <p:txBody>
-          <a:bodyPr/>
-          <a:lstStyle/>
-          <a:p>
-            <a:r>
-              <a:rPr lang="en-US" sz="4000" dirty="0" smtClean="0"/>
-              <a:t>Finding the coefficients</a:t>
-            </a:r>
-            <a:endParaRPr lang="en-US" sz="4000" dirty="0"/>
-          </a:p>
-        </p:txBody>
-      </p:sp>
-      <p:graphicFrame>
-        <p:nvGraphicFramePr>
-          <p:cNvPr id="98318" name="Object 14"/>
-          <p:cNvGraphicFramePr>
-            <a:graphicFrameLocks noChangeAspect="1"/>
-          </p:cNvGraphicFramePr>
-          <p:nvPr/>
-        </p:nvGraphicFramePr>
-        <p:xfrm>
-          <a:off x="1141413" y="1274763"/>
-          <a:ext cx="6892925" cy="1947862"/>
-        </p:xfrm>
-        <a:graphic>
-          <a:graphicData uri="http://schemas.openxmlformats.org/presentationml/2006/ole">
-            <mc:AlternateContent xmlns:mc="http://schemas.openxmlformats.org/markup-compatibility/2006">
-              <mc:Choice xmlns:v="urn:schemas-microsoft-com:vml" Requires="v">
-                <p:oleObj spid="_x0000_s257078" name="Equation" r:id="rId3" imgW="4495680" imgH="1269720" progId="Equation.DSMT4">
-                  <p:embed/>
-                </p:oleObj>
-              </mc:Choice>
-              <mc:Fallback>
-                <p:oleObj name="Equation" r:id="rId3" imgW="4495680" imgH="1269720" progId="Equation.DSMT4">
-                  <p:embed/>
-                  <p:pic>
-                    <p:nvPicPr>
-                      <p:cNvPr id="0" name="Object 14"/>
-                      <p:cNvPicPr>
-                        <a:picLocks noChangeAspect="1" noChangeArrowheads="1"/>
-                      </p:cNvPicPr>
-                      <p:nvPr/>
-                    </p:nvPicPr>
-                    <p:blipFill>
-                      <a:blip r:embed="rId4">
-                        <a:extLst>
-                          <a:ext uri="{28A0092B-C50C-407E-A947-70E740481C1C}">
-                            <a14:useLocalDpi xmlns:a14="http://schemas.microsoft.com/office/drawing/2010/main" val="0"/>
-                          </a:ext>
-                        </a:extLst>
-                      </a:blip>
-                      <a:srcRect/>
-                      <a:stretch>
-                        <a:fillRect/>
-                      </a:stretch>
-                    </p:blipFill>
-                    <p:spPr bwMode="auto">
-                      <a:xfrm>
-                        <a:off x="1141413" y="1274763"/>
-                        <a:ext cx="6892925" cy="1947862"/>
-                      </a:xfrm>
-                      <a:prstGeom prst="rect">
-                        <a:avLst/>
-                      </a:prstGeom>
-                      <a:noFill/>
-                      <a:extLst>
-                        <a:ext uri="{909E8E84-426E-40dd-AFC4-6F175D3DCCD1}">
-                          <a14:hiddenFill xmlns:a14="http://schemas.microsoft.com/office/drawing/2010/main">
-                            <a:solidFill>
-                              <a:schemeClr val="accent1"/>
-                            </a:solidFill>
-                          </a14:hiddenFill>
-                        </a:ext>
-                      </a:extLst>
-                    </p:spPr>
-                  </p:pic>
-                </p:oleObj>
-              </mc:Fallback>
-            </mc:AlternateContent>
-          </a:graphicData>
-        </a:graphic>
-      </p:graphicFrame>
-      <p:sp>
-        <p:nvSpPr>
-          <p:cNvPr id="13" name="TextBox 12"/>
-          <p:cNvSpPr txBox="1"/>
-          <p:nvPr/>
-        </p:nvSpPr>
-        <p:spPr>
-          <a:xfrm>
-            <a:off x="228600" y="3664802"/>
-            <a:ext cx="8686800" cy="830997"/>
-          </a:xfrm>
-          <a:prstGeom prst="rect">
-            <a:avLst/>
-          </a:prstGeom>
-          <a:noFill/>
-        </p:spPr>
-        <p:txBody>
-          <a:bodyPr wrap="square" rtlCol="0">
-            <a:spAutoFit/>
-          </a:bodyPr>
-          <a:lstStyle/>
-          <a:p>
-            <a:r>
-              <a:rPr lang="en-US" sz="4800" dirty="0" smtClean="0"/>
-              <a:t>the partial fraction expansion</a:t>
-            </a:r>
-            <a:endParaRPr lang="en-US" sz="4800" dirty="0"/>
-          </a:p>
-        </p:txBody>
-      </p:sp>
-      <p:sp>
-        <p:nvSpPr>
-          <p:cNvPr id="9" name="Slide Number Placeholder 2"/>
-          <p:cNvSpPr>
-            <a:spLocks noGrp="1"/>
-          </p:cNvSpPr>
-          <p:nvPr>
-            <p:ph type="sldNum" sz="quarter" idx="10"/>
-          </p:nvPr>
-        </p:nvSpPr>
-        <p:spPr>
-          <a:xfrm>
-            <a:off x="6400800" y="6613525"/>
-            <a:ext cx="2667000" cy="244475"/>
-          </a:xfrm>
-        </p:spPr>
-        <p:txBody>
-          <a:bodyPr/>
-          <a:lstStyle/>
-          <a:p>
-            <a:pPr>
-              <a:defRPr/>
-            </a:pPr>
-            <a:r>
-              <a:rPr lang="en-US" dirty="0" err="1" smtClean="0"/>
-              <a:t>lec</a:t>
-            </a:r>
-            <a:r>
-              <a:rPr lang="en-US" dirty="0" smtClean="0"/>
-              <a:t> 11M.</a:t>
-            </a:r>
-            <a:fld id="{A585D087-0720-40C8-BCB9-442D95888E3B}" type="slidenum">
-              <a:rPr lang="en-US" smtClean="0"/>
-              <a:pPr>
-                <a:defRPr/>
-              </a:pPr>
-              <a:t>9</a:t>
-            </a:fld>
-            <a:endParaRPr lang="en-US" dirty="0"/>
-          </a:p>
-        </p:txBody>
-      </p:sp>
-      <p:graphicFrame>
-        <p:nvGraphicFramePr>
-          <p:cNvPr id="98312" name="Object 8"/>
-          <p:cNvGraphicFramePr>
-            <a:graphicFrameLocks noChangeAspect="1"/>
-          </p:cNvGraphicFramePr>
-          <p:nvPr/>
-        </p:nvGraphicFramePr>
-        <p:xfrm>
-          <a:off x="2971800" y="1219200"/>
-          <a:ext cx="5354638" cy="2014538"/>
-        </p:xfrm>
-        <a:graphic>
-          <a:graphicData uri="http://schemas.openxmlformats.org/presentationml/2006/ole">
-            <mc:AlternateContent xmlns:mc="http://schemas.openxmlformats.org/markup-compatibility/2006">
-              <mc:Choice xmlns:v="urn:schemas-microsoft-com:vml" Requires="v">
-                <p:oleObj spid="_x0000_s257079" name="Equation" r:id="rId5" imgW="3848100" imgH="1447800" progId="Equation.DSMT4">
-                  <p:embed/>
-                </p:oleObj>
-              </mc:Choice>
-              <mc:Fallback>
-                <p:oleObj name="Equation" r:id="rId5" imgW="3848100" imgH="1447800" progId="Equation.DSMT4">
-                  <p:embed/>
-                  <p:pic>
-                    <p:nvPicPr>
-                      <p:cNvPr id="0" name="Object 8"/>
-                      <p:cNvPicPr>
-                        <a:picLocks noChangeAspect="1" noChangeArrowheads="1"/>
-                      </p:cNvPicPr>
-                      <p:nvPr/>
-                    </p:nvPicPr>
-                    <p:blipFill>
-                      <a:blip r:embed="rId6">
-                        <a:extLst>
-                          <a:ext uri="{28A0092B-C50C-407E-A947-70E740481C1C}">
-                            <a14:useLocalDpi xmlns:a14="http://schemas.microsoft.com/office/drawing/2010/main" val="0"/>
-                          </a:ext>
-                        </a:extLst>
-                      </a:blip>
-                      <a:srcRect/>
-                      <a:stretch>
-                        <a:fillRect/>
-                      </a:stretch>
-                    </p:blipFill>
-                    <p:spPr bwMode="auto">
-                      <a:xfrm>
-                        <a:off x="2971800" y="1219200"/>
-                        <a:ext cx="5354638" cy="2014538"/>
-                      </a:xfrm>
-                      <a:prstGeom prst="rect">
-                        <a:avLst/>
-                      </a:prstGeom>
-                      <a:solidFill>
-                        <a:schemeClr val="accent1"/>
-                      </a:solidFill>
-                    </p:spPr>
-                  </p:pic>
-                </p:oleObj>
-              </mc:Fallback>
-            </mc:AlternateContent>
-          </a:graphicData>
-        </a:graphic>
-      </p:graphicFrame>
-      <p:graphicFrame>
-        <p:nvGraphicFramePr>
-          <p:cNvPr id="7" name="Object 6"/>
-          <p:cNvGraphicFramePr>
-            <a:graphicFrameLocks noChangeAspect="1"/>
-          </p:cNvGraphicFramePr>
-          <p:nvPr/>
-        </p:nvGraphicFramePr>
-        <p:xfrm>
-          <a:off x="2133600" y="4267200"/>
-          <a:ext cx="4800600" cy="1952787"/>
-        </p:xfrm>
-        <a:graphic>
-          <a:graphicData uri="http://schemas.openxmlformats.org/presentationml/2006/ole">
-            <mc:AlternateContent xmlns:mc="http://schemas.openxmlformats.org/markup-compatibility/2006">
-              <mc:Choice xmlns:v="urn:schemas-microsoft-com:vml" Requires="v">
-                <p:oleObj spid="_x0000_s257080" name="Equation" r:id="rId7" imgW="749300" imgH="304800" progId="Equation.DSMT4">
-                  <p:embed/>
-                </p:oleObj>
-              </mc:Choice>
-              <mc:Fallback>
-                <p:oleObj name="Equation" r:id="rId7" imgW="749300" imgH="304800" progId="Equation.DSMT4">
-                  <p:embed/>
-                  <p:pic>
-                    <p:nvPicPr>
-                      <p:cNvPr id="0" name="Picture 6"/>
-                      <p:cNvPicPr>
-                        <a:picLocks noChangeAspect="1" noChangeArrowheads="1"/>
-                      </p:cNvPicPr>
-                      <p:nvPr/>
-                    </p:nvPicPr>
-                    <p:blipFill>
-                      <a:blip r:embed="rId8">
-                        <a:extLst>
-                          <a:ext uri="{28A0092B-C50C-407E-A947-70E740481C1C}">
-                            <a14:useLocalDpi xmlns:a14="http://schemas.microsoft.com/office/drawing/2010/main" val="0"/>
-                          </a:ext>
-                        </a:extLst>
-                      </a:blip>
-                      <a:srcRect/>
-                      <a:stretch>
-                        <a:fillRect/>
-                      </a:stretch>
-                    </p:blipFill>
-                    <p:spPr bwMode="auto">
-                      <a:xfrm>
-                        <a:off x="2133600" y="4267200"/>
-                        <a:ext cx="4800600" cy="1952787"/>
-                      </a:xfrm>
-                      <a:prstGeom prst="rect">
-                        <a:avLst/>
-                      </a:prstGeom>
-                      <a:noFill/>
-                      <a:extLst>
-                        <a:ext uri="{909E8E84-426E-40dd-AFC4-6F175D3DCCD1}">
-                          <a14:hiddenFill xmlns:a14="http://schemas.microsoft.com/office/drawing/2010/main">
-                            <a:solidFill>
-                              <a:srgbClr val="FFFFFF"/>
-                            </a:solidFill>
-                          </a14:hiddenFill>
-                        </a:ext>
-                      </a:extLst>
-                    </p:spPr>
-                  </p:pic>
-                </p:oleObj>
-              </mc:Fallback>
-            </mc:AlternateContent>
-          </a:graphicData>
-        </a:graphic>
-      </p:graphicFrame>
-    </p:spTree>
-  </p:cSld>
-  <p:clrMapOvr>
-    <a:masterClrMapping/>
-  </p:clrMapOvr>
-  <p:transition xmlns:p14="http://schemas.microsoft.com/office/powerpoint/2010/main" spd="slow">
-    <p:fade thruBlk="1"/>
-  </p:transition>
-  <p:timing>
-    <p:tnLst>
-      <p:par>
-        <p:cTn xmlns:p14="http://schemas.microsoft.com/office/powerpoint/2010/main" id="1" dur="indefinite" restart="never" nodeType="tmRoot">
-          <p:childTnLst>
-            <p:seq concurrent="1" nextAc="seek">
-              <p:cTn id="2" dur="indefinite" nodeType="mainSeq">
-                <p:childTnLst>
-                  <p:par>
-                    <p:cTn id="3" fill="hold">
-                      <p:stCondLst>
-                        <p:cond delay="indefinite"/>
-                      </p:stCondLst>
-                      <p:childTnLst>
                         <p:par>
-                          <p:cTn id="4" fill="hold">
+                          <p:cTn id="42" fill="hold">
                             <p:stCondLst>
-                              <p:cond delay="0"/>
+                              <p:cond delay="500"/>
                             </p:stCondLst>
                             <p:childTnLst>
                               <p:par>
-                                <p:cTn id="5" presetID="9" presetClass="entr" presetSubtype="0" fill="hold" nodeType="clickEffect">
+                                <p:cTn id="43" presetID="10" presetClass="entr" presetSubtype="0" fill="hold" grpId="0" nodeType="afterEffect">
                                   <p:stCondLst>
                                     <p:cond delay="0"/>
                                   </p:stCondLst>
                                   <p:childTnLst>
                                     <p:set>
                                       <p:cBhvr>
-                                        <p:cTn id="6" dur="1" fill="hold">
+                                        <p:cTn id="44" dur="1" fill="hold">
                                           <p:stCondLst>
                                             <p:cond delay="0"/>
                                           </p:stCondLst>
                                         </p:cTn>
                                         <p:tgtEl>
-                                          <p:spTgt spid="98312"/>
-                                        </p:tgtEl>
-                                        <p:attrNameLst>
-                                          <p:attrName>style.visibility</p:attrName>
-                                        </p:attrNameLst>
-                                      </p:cBhvr>
-                                      <p:to>
-                                        <p:strVal val="visible"/>
-                                      </p:to>
-                                    </p:set>
-                                    <p:animEffect transition="in" filter="dissolve">
-                                      <p:cBhvr>
-                                        <p:cTn id="7" dur="1000"/>
-                                        <p:tgtEl>
-                                          <p:spTgt spid="98312"/>
-                                        </p:tgtEl>
-                                      </p:cBhvr>
-                                    </p:animEffect>
-                                  </p:childTnLst>
-                                </p:cTn>
-                              </p:par>
-                            </p:childTnLst>
-                          </p:cTn>
-                        </p:par>
-                        <p:par>
-                          <p:cTn id="8" fill="hold">
-                            <p:stCondLst>
-                              <p:cond delay="1000"/>
-                            </p:stCondLst>
-                            <p:childTnLst>
-                              <p:par>
-                                <p:cTn id="9" presetID="9" presetClass="entr" presetSubtype="0" fill="hold" grpId="0" nodeType="afterEffect">
-                                  <p:stCondLst>
-                                    <p:cond delay="0"/>
-                                  </p:stCondLst>
-                                  <p:childTnLst>
-                                    <p:set>
-                                      <p:cBhvr>
-                                        <p:cTn id="10" dur="1" fill="hold">
-                                          <p:stCondLst>
-                                            <p:cond delay="0"/>
-                                          </p:stCondLst>
-                                        </p:cTn>
-                                        <p:tgtEl>
-                                          <p:spTgt spid="13"/>
-                                        </p:tgtEl>
-                                        <p:attrNameLst>
-                                          <p:attrName>style.visibility</p:attrName>
-                                        </p:attrNameLst>
-                                      </p:cBhvr>
-                                      <p:to>
-                                        <p:strVal val="visible"/>
-                                      </p:to>
-                                    </p:set>
-                                    <p:animEffect transition="in" filter="dissolve">
-                                      <p:cBhvr>
-                                        <p:cTn id="11" dur="1000"/>
-                                        <p:tgtEl>
-                                          <p:spTgt spid="13"/>
-                                        </p:tgtEl>
-                                      </p:cBhvr>
-                                    </p:animEffect>
-                                  </p:childTnLst>
-                                </p:cTn>
-                              </p:par>
-                            </p:childTnLst>
-                          </p:cTn>
-                        </p:par>
-                      </p:childTnLst>
-                    </p:cTn>
-                  </p:par>
-                  <p:par>
-                    <p:cTn id="12" fill="hold">
-                      <p:stCondLst>
-                        <p:cond delay="indefinite"/>
-                      </p:stCondLst>
-                      <p:childTnLst>
-                        <p:par>
-                          <p:cTn id="13" fill="hold">
-                            <p:stCondLst>
-                              <p:cond delay="0"/>
-                            </p:stCondLst>
-                            <p:childTnLst>
-                              <p:par>
-                                <p:cTn id="14" presetID="10" presetClass="entr" presetSubtype="0" fill="hold" nodeType="clickEffect">
-                                  <p:stCondLst>
-                                    <p:cond delay="0"/>
-                                  </p:stCondLst>
-                                  <p:childTnLst>
-                                    <p:set>
-                                      <p:cBhvr>
-                                        <p:cTn id="15" dur="1" fill="hold">
-                                          <p:stCondLst>
-                                            <p:cond delay="0"/>
-                                          </p:stCondLst>
-                                        </p:cTn>
-                                        <p:tgtEl>
-                                          <p:spTgt spid="7"/>
+                                          <p:spTgt spid="14"/>
                                         </p:tgtEl>
                                         <p:attrNameLst>
                                           <p:attrName>style.visibility</p:attrName>
@@ -9571,9 +10527,9 @@
                                     </p:set>
                                     <p:animEffect transition="in" filter="fade">
                                       <p:cBhvr>
-                                        <p:cTn id="16" dur="500"/>
+                                        <p:cTn id="45" dur="500"/>
                                         <p:tgtEl>
-                                          <p:spTgt spid="7"/>
+                                          <p:spTgt spid="14"/>
                                         </p:tgtEl>
                                       </p:cBhvr>
                                     </p:animEffect>
@@ -9608,7 +10564,9 @@
       </p:par>
     </p:tnLst>
     <p:bldLst>
-      <p:bldP spid="13" grpId="0"/>
+      <p:bldP spid="7" grpId="0"/>
+      <p:bldP spid="3" grpId="0" animBg="1"/>
+      <p:bldP spid="14" grpId="0" animBg="1"/>
     </p:bldLst>
   </p:timing>
 </p:sld>
@@ -9849,35 +10807,23 @@
   <a:objectDefaults>
     <a:spDef>
       <a:spPr bwMode="auto">
-        <a:xfrm>
-          <a:off x="0" y="0"/>
-          <a:ext cx="1" cy="1"/>
-        </a:xfrm>
-        <a:custGeom>
-          <a:avLst/>
-          <a:gdLst/>
-          <a:ahLst/>
-          <a:cxnLst/>
-          <a:rect l="0" t="0" r="0" b="0"/>
-          <a:pathLst/>
-        </a:custGeom>
         <a:solidFill>
           <a:schemeClr val="accent1">
             <a:alpha val="0"/>
           </a:schemeClr>
         </a:solidFill>
-        <a:ln w="28575" cap="flat" cmpd="sng" algn="ctr">
+        <a:ln w="38100" cap="flat" cmpd="sng" algn="ctr">
           <a:solidFill>
             <a:srgbClr val="FF00FF"/>
           </a:solidFill>
-          <a:prstDash val="sysDot"/>
+          <a:prstDash val="sysDash"/>
           <a:round/>
           <a:headEnd type="none" w="med" len="med"/>
           <a:tailEnd type="none" w="med" len="med"/>
         </a:ln>
         <a:effectLst/>
       </a:spPr>
-      <a:bodyPr vert="horz" wrap="square" lIns="91440" tIns="45720" rIns="91440" bIns="45720" numCol="1" anchor="t" anchorCtr="0" compatLnSpc="1">
+      <a:bodyPr vert="horz" wrap="square" lIns="91440" tIns="45720" rIns="91440" bIns="45720" numCol="1" rtlCol="0" anchor="t" anchorCtr="0" compatLnSpc="1">
         <a:prstTxWarp prst="textNoShape">
           <a:avLst/>
         </a:prstTxWarp>
@@ -9898,7 +10844,7 @@
           <a:buFontTx/>
           <a:buNone/>
           <a:tabLst/>
-          <a:defRPr kumimoji="0" lang="en-US" sz="4400" b="0" i="0" u="none" strike="noStrike" cap="none" normalizeH="0" baseline="0" smtClean="0">
+          <a:defRPr kumimoji="0" sz="4400" b="0" i="0" u="none" strike="noStrike" cap="none" normalizeH="0" baseline="0" smtClean="0">
             <a:ln>
               <a:noFill/>
             </a:ln>

--- a/spring13/slides13/partial-fractions.pptx
+++ b/spring13/slides13/partial-fractions.pptx
@@ -5,10 +5,10 @@
     <p:sldMasterId id="2147483650" r:id="rId1"/>
   </p:sldMasterIdLst>
   <p:notesMasterIdLst>
-    <p:notesMasterId r:id="rId15"/>
+    <p:notesMasterId r:id="rId16"/>
   </p:notesMasterIdLst>
   <p:handoutMasterIdLst>
-    <p:handoutMasterId r:id="rId16"/>
+    <p:handoutMasterId r:id="rId17"/>
   </p:handoutMasterIdLst>
   <p:sldIdLst>
     <p:sldId id="474" r:id="rId2"/>
@@ -21,14 +21,15 @@
     <p:sldId id="566" r:id="rId9"/>
     <p:sldId id="567" r:id="rId10"/>
     <p:sldId id="562" r:id="rId11"/>
-    <p:sldId id="563" r:id="rId12"/>
-    <p:sldId id="573" r:id="rId13"/>
-    <p:sldId id="574" r:id="rId14"/>
+    <p:sldId id="573" r:id="rId12"/>
+    <p:sldId id="563" r:id="rId13"/>
+    <p:sldId id="578" r:id="rId14"/>
+    <p:sldId id="574" r:id="rId15"/>
   </p:sldIdLst>
   <p:sldSz cx="9144000" cy="6858000" type="screen4x3"/>
   <p:notesSz cx="9601200" cy="7315200"/>
   <p:custDataLst>
-    <p:tags r:id="rId18"/>
+    <p:tags r:id="rId19"/>
   </p:custDataLst>
   <p:defaultTextStyle>
     <a:defPPr>
@@ -944,7 +945,361 @@
 </p:notes>
 </file>
 
+<file path=ppt/notesSlides/notesSlide10.xml><?xml version="1.0" encoding="utf-8"?>
+<p:notes xmlns:a="http://schemas.openxmlformats.org/drawingml/2006/main" xmlns:r="http://schemas.openxmlformats.org/officeDocument/2006/relationships" xmlns:p="http://schemas.openxmlformats.org/presentationml/2006/main">
+  <p:cSld>
+    <p:spTree>
+      <p:nvGrpSpPr>
+        <p:cNvPr id="1" name=""/>
+        <p:cNvGrpSpPr/>
+        <p:nvPr/>
+      </p:nvGrpSpPr>
+      <p:grpSpPr>
+        <a:xfrm>
+          <a:off x="0" y="0"/>
+          <a:ext cx="0" cy="0"/>
+          <a:chOff x="0" y="0"/>
+          <a:chExt cx="0" cy="0"/>
+        </a:xfrm>
+      </p:grpSpPr>
+      <p:sp>
+        <p:nvSpPr>
+          <p:cNvPr id="2" name="Slide Image Placeholder 1"/>
+          <p:cNvSpPr>
+            <a:spLocks noGrp="1" noRot="1" noChangeAspect="1"/>
+          </p:cNvSpPr>
+          <p:nvPr>
+            <p:ph type="sldImg"/>
+          </p:nvPr>
+        </p:nvSpPr>
+        <p:spPr/>
+      </p:sp>
+      <p:sp>
+        <p:nvSpPr>
+          <p:cNvPr id="3" name="Notes Placeholder 2"/>
+          <p:cNvSpPr>
+            <a:spLocks noGrp="1"/>
+          </p:cNvSpPr>
+          <p:nvPr>
+            <p:ph type="body" idx="1"/>
+          </p:nvPr>
+        </p:nvSpPr>
+        <p:spPr/>
+        <p:txBody>
+          <a:bodyPr>
+            <a:normAutofit/>
+          </a:bodyPr>
+          <a:lstStyle/>
+          <a:p>
+            <a:endParaRPr lang="en-US"/>
+          </a:p>
+        </p:txBody>
+      </p:sp>
+      <p:sp>
+        <p:nvSpPr>
+          <p:cNvPr id="4" name="Slide Number Placeholder 3"/>
+          <p:cNvSpPr>
+            <a:spLocks noGrp="1"/>
+          </p:cNvSpPr>
+          <p:nvPr>
+            <p:ph type="sldNum" sz="quarter" idx="10"/>
+          </p:nvPr>
+        </p:nvSpPr>
+        <p:spPr/>
+        <p:txBody>
+          <a:bodyPr/>
+          <a:lstStyle/>
+          <a:p>
+            <a:pPr>
+              <a:defRPr/>
+            </a:pPr>
+            <a:fld id="{E7625D05-B33F-4064-AC10-CB80748B6ABD}" type="slidenum">
+              <a:rPr lang="en-US" smtClean="0"/>
+              <a:pPr>
+                <a:defRPr/>
+              </a:pPr>
+              <a:t>11</a:t>
+            </a:fld>
+            <a:endParaRPr lang="en-US"/>
+          </a:p>
+        </p:txBody>
+      </p:sp>
+    </p:spTree>
+  </p:cSld>
+  <p:clrMapOvr>
+    <a:masterClrMapping/>
+  </p:clrMapOvr>
+</p:notes>
+</file>
+
+<file path=ppt/notesSlides/notesSlide11.xml><?xml version="1.0" encoding="utf-8"?>
+<p:notes xmlns:a="http://schemas.openxmlformats.org/drawingml/2006/main" xmlns:r="http://schemas.openxmlformats.org/officeDocument/2006/relationships" xmlns:p="http://schemas.openxmlformats.org/presentationml/2006/main">
+  <p:cSld>
+    <p:spTree>
+      <p:nvGrpSpPr>
+        <p:cNvPr id="1" name=""/>
+        <p:cNvGrpSpPr/>
+        <p:nvPr/>
+      </p:nvGrpSpPr>
+      <p:grpSpPr>
+        <a:xfrm>
+          <a:off x="0" y="0"/>
+          <a:ext cx="0" cy="0"/>
+          <a:chOff x="0" y="0"/>
+          <a:chExt cx="0" cy="0"/>
+        </a:xfrm>
+      </p:grpSpPr>
+      <p:sp>
+        <p:nvSpPr>
+          <p:cNvPr id="2" name="Slide Image Placeholder 1"/>
+          <p:cNvSpPr>
+            <a:spLocks noGrp="1" noRot="1" noChangeAspect="1"/>
+          </p:cNvSpPr>
+          <p:nvPr>
+            <p:ph type="sldImg"/>
+          </p:nvPr>
+        </p:nvSpPr>
+        <p:spPr/>
+      </p:sp>
+      <p:sp>
+        <p:nvSpPr>
+          <p:cNvPr id="3" name="Notes Placeholder 2"/>
+          <p:cNvSpPr>
+            <a:spLocks noGrp="1"/>
+          </p:cNvSpPr>
+          <p:nvPr>
+            <p:ph type="body" idx="1"/>
+          </p:nvPr>
+        </p:nvSpPr>
+        <p:spPr/>
+        <p:txBody>
+          <a:bodyPr/>
+          <a:lstStyle/>
+          <a:p>
+            <a:endParaRPr lang="en-US"/>
+          </a:p>
+        </p:txBody>
+      </p:sp>
+      <p:sp>
+        <p:nvSpPr>
+          <p:cNvPr id="4" name="Slide Number Placeholder 3"/>
+          <p:cNvSpPr>
+            <a:spLocks noGrp="1"/>
+          </p:cNvSpPr>
+          <p:nvPr>
+            <p:ph type="sldNum" sz="quarter" idx="10"/>
+          </p:nvPr>
+        </p:nvSpPr>
+        <p:spPr/>
+        <p:txBody>
+          <a:bodyPr/>
+          <a:lstStyle/>
+          <a:p>
+            <a:pPr>
+              <a:defRPr/>
+            </a:pPr>
+            <a:fld id="{E7625D05-B33F-4064-AC10-CB80748B6ABD}" type="slidenum">
+              <a:rPr lang="en-US" smtClean="0"/>
+              <a:pPr>
+                <a:defRPr/>
+              </a:pPr>
+              <a:t>12</a:t>
+            </a:fld>
+            <a:endParaRPr lang="en-US"/>
+          </a:p>
+        </p:txBody>
+      </p:sp>
+    </p:spTree>
+    <p:extLst>
+      <p:ext uri="{BB962C8B-B14F-4D97-AF65-F5344CB8AC3E}">
+        <p14:creationId xmlns:p14="http://schemas.microsoft.com/office/powerpoint/2010/main" val="2922719701"/>
+      </p:ext>
+    </p:extLst>
+  </p:cSld>
+  <p:clrMapOvr>
+    <a:masterClrMapping/>
+  </p:clrMapOvr>
+</p:notes>
+</file>
+
+<file path=ppt/notesSlides/notesSlide12.xml><?xml version="1.0" encoding="utf-8"?>
+<p:notes xmlns:a="http://schemas.openxmlformats.org/drawingml/2006/main" xmlns:r="http://schemas.openxmlformats.org/officeDocument/2006/relationships" xmlns:p="http://schemas.openxmlformats.org/presentationml/2006/main">
+  <p:cSld>
+    <p:spTree>
+      <p:nvGrpSpPr>
+        <p:cNvPr id="1" name=""/>
+        <p:cNvGrpSpPr/>
+        <p:nvPr/>
+      </p:nvGrpSpPr>
+      <p:grpSpPr>
+        <a:xfrm>
+          <a:off x="0" y="0"/>
+          <a:ext cx="0" cy="0"/>
+          <a:chOff x="0" y="0"/>
+          <a:chExt cx="0" cy="0"/>
+        </a:xfrm>
+      </p:grpSpPr>
+      <p:sp>
+        <p:nvSpPr>
+          <p:cNvPr id="2" name="Slide Image Placeholder 1"/>
+          <p:cNvSpPr>
+            <a:spLocks noGrp="1" noRot="1" noChangeAspect="1"/>
+          </p:cNvSpPr>
+          <p:nvPr>
+            <p:ph type="sldImg"/>
+          </p:nvPr>
+        </p:nvSpPr>
+        <p:spPr/>
+      </p:sp>
+      <p:sp>
+        <p:nvSpPr>
+          <p:cNvPr id="3" name="Notes Placeholder 2"/>
+          <p:cNvSpPr>
+            <a:spLocks noGrp="1"/>
+          </p:cNvSpPr>
+          <p:nvPr>
+            <p:ph type="body" idx="1"/>
+          </p:nvPr>
+        </p:nvSpPr>
+        <p:spPr/>
+        <p:txBody>
+          <a:bodyPr>
+            <a:normAutofit/>
+          </a:bodyPr>
+          <a:lstStyle/>
+          <a:p>
+            <a:endParaRPr lang="en-US"/>
+          </a:p>
+        </p:txBody>
+      </p:sp>
+      <p:sp>
+        <p:nvSpPr>
+          <p:cNvPr id="4" name="Slide Number Placeholder 3"/>
+          <p:cNvSpPr>
+            <a:spLocks noGrp="1"/>
+          </p:cNvSpPr>
+          <p:nvPr>
+            <p:ph type="sldNum" sz="quarter" idx="10"/>
+          </p:nvPr>
+        </p:nvSpPr>
+        <p:spPr/>
+        <p:txBody>
+          <a:bodyPr/>
+          <a:lstStyle/>
+          <a:p>
+            <a:pPr>
+              <a:defRPr/>
+            </a:pPr>
+            <a:fld id="{E7625D05-B33F-4064-AC10-CB80748B6ABD}" type="slidenum">
+              <a:rPr lang="en-US" smtClean="0"/>
+              <a:pPr>
+                <a:defRPr/>
+              </a:pPr>
+              <a:t>14</a:t>
+            </a:fld>
+            <a:endParaRPr lang="en-US"/>
+          </a:p>
+        </p:txBody>
+      </p:sp>
+    </p:spTree>
+  </p:cSld>
+  <p:clrMapOvr>
+    <a:masterClrMapping/>
+  </p:clrMapOvr>
+</p:notes>
+</file>
+
 <file path=ppt/notesSlides/notesSlide2.xml><?xml version="1.0" encoding="utf-8"?>
+<p:notes xmlns:a="http://schemas.openxmlformats.org/drawingml/2006/main" xmlns:r="http://schemas.openxmlformats.org/officeDocument/2006/relationships" xmlns:p="http://schemas.openxmlformats.org/presentationml/2006/main">
+  <p:cSld>
+    <p:spTree>
+      <p:nvGrpSpPr>
+        <p:cNvPr id="1" name=""/>
+        <p:cNvGrpSpPr/>
+        <p:nvPr/>
+      </p:nvGrpSpPr>
+      <p:grpSpPr>
+        <a:xfrm>
+          <a:off x="0" y="0"/>
+          <a:ext cx="0" cy="0"/>
+          <a:chOff x="0" y="0"/>
+          <a:chExt cx="0" cy="0"/>
+        </a:xfrm>
+      </p:grpSpPr>
+      <p:sp>
+        <p:nvSpPr>
+          <p:cNvPr id="2" name="Slide Image Placeholder 1"/>
+          <p:cNvSpPr>
+            <a:spLocks noGrp="1" noRot="1" noChangeAspect="1"/>
+          </p:cNvSpPr>
+          <p:nvPr>
+            <p:ph type="sldImg"/>
+          </p:nvPr>
+        </p:nvSpPr>
+        <p:spPr/>
+      </p:sp>
+      <p:sp>
+        <p:nvSpPr>
+          <p:cNvPr id="3" name="Notes Placeholder 2"/>
+          <p:cNvSpPr>
+            <a:spLocks noGrp="1"/>
+          </p:cNvSpPr>
+          <p:nvPr>
+            <p:ph type="body" idx="1"/>
+          </p:nvPr>
+        </p:nvSpPr>
+        <p:spPr/>
+        <p:txBody>
+          <a:bodyPr/>
+          <a:lstStyle/>
+          <a:p>
+            <a:endParaRPr lang="en-US"/>
+          </a:p>
+        </p:txBody>
+      </p:sp>
+      <p:sp>
+        <p:nvSpPr>
+          <p:cNvPr id="4" name="Slide Number Placeholder 3"/>
+          <p:cNvSpPr>
+            <a:spLocks noGrp="1"/>
+          </p:cNvSpPr>
+          <p:nvPr>
+            <p:ph type="sldNum" sz="quarter" idx="10"/>
+          </p:nvPr>
+        </p:nvSpPr>
+        <p:spPr/>
+        <p:txBody>
+          <a:bodyPr/>
+          <a:lstStyle/>
+          <a:p>
+            <a:pPr>
+              <a:defRPr/>
+            </a:pPr>
+            <a:fld id="{E7625D05-B33F-4064-AC10-CB80748B6ABD}" type="slidenum">
+              <a:rPr lang="en-US" smtClean="0"/>
+              <a:pPr>
+                <a:defRPr/>
+              </a:pPr>
+              <a:t>2</a:t>
+            </a:fld>
+            <a:endParaRPr lang="en-US"/>
+          </a:p>
+        </p:txBody>
+      </p:sp>
+    </p:spTree>
+    <p:extLst>
+      <p:ext uri="{BB962C8B-B14F-4D97-AF65-F5344CB8AC3E}">
+        <p14:creationId xmlns:p14="http://schemas.microsoft.com/office/powerpoint/2010/main" val="3964053076"/>
+      </p:ext>
+    </p:extLst>
+  </p:cSld>
+  <p:clrMapOvr>
+    <a:masterClrMapping/>
+  </p:clrMapOvr>
+</p:notes>
+</file>
+
+<file path=ppt/notesSlides/notesSlide3.xml><?xml version="1.0" encoding="utf-8"?>
 <p:notes xmlns:a="http://schemas.openxmlformats.org/drawingml/2006/main" xmlns:r="http://schemas.openxmlformats.org/officeDocument/2006/relationships" xmlns:p="http://schemas.openxmlformats.org/presentationml/2006/main">
   <p:cSld>
     <p:spTree>
@@ -1031,93 +1386,6 @@
 </p:notes>
 </file>
 
-<file path=ppt/notesSlides/notesSlide3.xml><?xml version="1.0" encoding="utf-8"?>
-<p:notes xmlns:a="http://schemas.openxmlformats.org/drawingml/2006/main" xmlns:r="http://schemas.openxmlformats.org/officeDocument/2006/relationships" xmlns:p="http://schemas.openxmlformats.org/presentationml/2006/main">
-  <p:cSld>
-    <p:spTree>
-      <p:nvGrpSpPr>
-        <p:cNvPr id="1" name=""/>
-        <p:cNvGrpSpPr/>
-        <p:nvPr/>
-      </p:nvGrpSpPr>
-      <p:grpSpPr>
-        <a:xfrm>
-          <a:off x="0" y="0"/>
-          <a:ext cx="0" cy="0"/>
-          <a:chOff x="0" y="0"/>
-          <a:chExt cx="0" cy="0"/>
-        </a:xfrm>
-      </p:grpSpPr>
-      <p:sp>
-        <p:nvSpPr>
-          <p:cNvPr id="2" name="Slide Image Placeholder 1"/>
-          <p:cNvSpPr>
-            <a:spLocks noGrp="1" noRot="1" noChangeAspect="1"/>
-          </p:cNvSpPr>
-          <p:nvPr>
-            <p:ph type="sldImg"/>
-          </p:nvPr>
-        </p:nvSpPr>
-        <p:spPr/>
-      </p:sp>
-      <p:sp>
-        <p:nvSpPr>
-          <p:cNvPr id="3" name="Notes Placeholder 2"/>
-          <p:cNvSpPr>
-            <a:spLocks noGrp="1"/>
-          </p:cNvSpPr>
-          <p:nvPr>
-            <p:ph type="body" idx="1"/>
-          </p:nvPr>
-        </p:nvSpPr>
-        <p:spPr/>
-        <p:txBody>
-          <a:bodyPr>
-            <a:normAutofit/>
-          </a:bodyPr>
-          <a:lstStyle/>
-          <a:p>
-            <a:endParaRPr lang="en-US"/>
-          </a:p>
-        </p:txBody>
-      </p:sp>
-      <p:sp>
-        <p:nvSpPr>
-          <p:cNvPr id="4" name="Slide Number Placeholder 3"/>
-          <p:cNvSpPr>
-            <a:spLocks noGrp="1"/>
-          </p:cNvSpPr>
-          <p:nvPr>
-            <p:ph type="sldNum" sz="quarter" idx="10"/>
-          </p:nvPr>
-        </p:nvSpPr>
-        <p:spPr/>
-        <p:txBody>
-          <a:bodyPr/>
-          <a:lstStyle/>
-          <a:p>
-            <a:pPr>
-              <a:defRPr/>
-            </a:pPr>
-            <a:fld id="{E7625D05-B33F-4064-AC10-CB80748B6ABD}" type="slidenum">
-              <a:rPr lang="en-US" smtClean="0"/>
-              <a:pPr>
-                <a:defRPr/>
-              </a:pPr>
-              <a:t>12</a:t>
-            </a:fld>
-            <a:endParaRPr lang="en-US"/>
-          </a:p>
-        </p:txBody>
-      </p:sp>
-    </p:spTree>
-  </p:cSld>
-  <p:clrMapOvr>
-    <a:masterClrMapping/>
-  </p:clrMapOvr>
-</p:notes>
-</file>
-
 <file path=ppt/notesSlides/notesSlide4.xml><?xml version="1.0" encoding="utf-8"?>
 <p:notes xmlns:a="http://schemas.openxmlformats.org/drawingml/2006/main" xmlns:r="http://schemas.openxmlformats.org/officeDocument/2006/relationships" xmlns:p="http://schemas.openxmlformats.org/presentationml/2006/main">
   <p:cSld>
@@ -1159,9 +1427,7 @@
         </p:nvSpPr>
         <p:spPr/>
         <p:txBody>
-          <a:bodyPr>
-            <a:normAutofit/>
-          </a:bodyPr>
+          <a:bodyPr/>
           <a:lstStyle/>
           <a:p>
             <a:endParaRPr lang="en-US"/>
@@ -1191,13 +1457,468 @@
               <a:pPr>
                 <a:defRPr/>
               </a:pPr>
-              <a:t>13</a:t>
+              <a:t>4</a:t>
             </a:fld>
             <a:endParaRPr lang="en-US"/>
           </a:p>
         </p:txBody>
       </p:sp>
     </p:spTree>
+    <p:extLst>
+      <p:ext uri="{BB962C8B-B14F-4D97-AF65-F5344CB8AC3E}">
+        <p14:creationId xmlns:p14="http://schemas.microsoft.com/office/powerpoint/2010/main" val="1296144198"/>
+      </p:ext>
+    </p:extLst>
+  </p:cSld>
+  <p:clrMapOvr>
+    <a:masterClrMapping/>
+  </p:clrMapOvr>
+</p:notes>
+</file>
+
+<file path=ppt/notesSlides/notesSlide5.xml><?xml version="1.0" encoding="utf-8"?>
+<p:notes xmlns:a="http://schemas.openxmlformats.org/drawingml/2006/main" xmlns:r="http://schemas.openxmlformats.org/officeDocument/2006/relationships" xmlns:p="http://schemas.openxmlformats.org/presentationml/2006/main">
+  <p:cSld>
+    <p:spTree>
+      <p:nvGrpSpPr>
+        <p:cNvPr id="1" name=""/>
+        <p:cNvGrpSpPr/>
+        <p:nvPr/>
+      </p:nvGrpSpPr>
+      <p:grpSpPr>
+        <a:xfrm>
+          <a:off x="0" y="0"/>
+          <a:ext cx="0" cy="0"/>
+          <a:chOff x="0" y="0"/>
+          <a:chExt cx="0" cy="0"/>
+        </a:xfrm>
+      </p:grpSpPr>
+      <p:sp>
+        <p:nvSpPr>
+          <p:cNvPr id="2" name="Slide Image Placeholder 1"/>
+          <p:cNvSpPr>
+            <a:spLocks noGrp="1" noRot="1" noChangeAspect="1"/>
+          </p:cNvSpPr>
+          <p:nvPr>
+            <p:ph type="sldImg"/>
+          </p:nvPr>
+        </p:nvSpPr>
+        <p:spPr/>
+      </p:sp>
+      <p:sp>
+        <p:nvSpPr>
+          <p:cNvPr id="3" name="Notes Placeholder 2"/>
+          <p:cNvSpPr>
+            <a:spLocks noGrp="1"/>
+          </p:cNvSpPr>
+          <p:nvPr>
+            <p:ph type="body" idx="1"/>
+          </p:nvPr>
+        </p:nvSpPr>
+        <p:spPr/>
+        <p:txBody>
+          <a:bodyPr/>
+          <a:lstStyle/>
+          <a:p>
+            <a:endParaRPr lang="en-US"/>
+          </a:p>
+        </p:txBody>
+      </p:sp>
+      <p:sp>
+        <p:nvSpPr>
+          <p:cNvPr id="4" name="Slide Number Placeholder 3"/>
+          <p:cNvSpPr>
+            <a:spLocks noGrp="1"/>
+          </p:cNvSpPr>
+          <p:nvPr>
+            <p:ph type="sldNum" sz="quarter" idx="10"/>
+          </p:nvPr>
+        </p:nvSpPr>
+        <p:spPr/>
+        <p:txBody>
+          <a:bodyPr/>
+          <a:lstStyle/>
+          <a:p>
+            <a:pPr>
+              <a:defRPr/>
+            </a:pPr>
+            <a:fld id="{E7625D05-B33F-4064-AC10-CB80748B6ABD}" type="slidenum">
+              <a:rPr lang="en-US" smtClean="0"/>
+              <a:pPr>
+                <a:defRPr/>
+              </a:pPr>
+              <a:t>5</a:t>
+            </a:fld>
+            <a:endParaRPr lang="en-US"/>
+          </a:p>
+        </p:txBody>
+      </p:sp>
+    </p:spTree>
+    <p:extLst>
+      <p:ext uri="{BB962C8B-B14F-4D97-AF65-F5344CB8AC3E}">
+        <p14:creationId xmlns:p14="http://schemas.microsoft.com/office/powerpoint/2010/main" val="4004839551"/>
+      </p:ext>
+    </p:extLst>
+  </p:cSld>
+  <p:clrMapOvr>
+    <a:masterClrMapping/>
+  </p:clrMapOvr>
+</p:notes>
+</file>
+
+<file path=ppt/notesSlides/notesSlide6.xml><?xml version="1.0" encoding="utf-8"?>
+<p:notes xmlns:a="http://schemas.openxmlformats.org/drawingml/2006/main" xmlns:r="http://schemas.openxmlformats.org/officeDocument/2006/relationships" xmlns:p="http://schemas.openxmlformats.org/presentationml/2006/main">
+  <p:cSld>
+    <p:spTree>
+      <p:nvGrpSpPr>
+        <p:cNvPr id="1" name=""/>
+        <p:cNvGrpSpPr/>
+        <p:nvPr/>
+      </p:nvGrpSpPr>
+      <p:grpSpPr>
+        <a:xfrm>
+          <a:off x="0" y="0"/>
+          <a:ext cx="0" cy="0"/>
+          <a:chOff x="0" y="0"/>
+          <a:chExt cx="0" cy="0"/>
+        </a:xfrm>
+      </p:grpSpPr>
+      <p:sp>
+        <p:nvSpPr>
+          <p:cNvPr id="2" name="Slide Image Placeholder 1"/>
+          <p:cNvSpPr>
+            <a:spLocks noGrp="1" noRot="1" noChangeAspect="1"/>
+          </p:cNvSpPr>
+          <p:nvPr>
+            <p:ph type="sldImg"/>
+          </p:nvPr>
+        </p:nvSpPr>
+        <p:spPr/>
+      </p:sp>
+      <p:sp>
+        <p:nvSpPr>
+          <p:cNvPr id="3" name="Notes Placeholder 2"/>
+          <p:cNvSpPr>
+            <a:spLocks noGrp="1"/>
+          </p:cNvSpPr>
+          <p:nvPr>
+            <p:ph type="body" idx="1"/>
+          </p:nvPr>
+        </p:nvSpPr>
+        <p:spPr/>
+        <p:txBody>
+          <a:bodyPr/>
+          <a:lstStyle/>
+          <a:p>
+            <a:endParaRPr lang="en-US"/>
+          </a:p>
+        </p:txBody>
+      </p:sp>
+      <p:sp>
+        <p:nvSpPr>
+          <p:cNvPr id="4" name="Slide Number Placeholder 3"/>
+          <p:cNvSpPr>
+            <a:spLocks noGrp="1"/>
+          </p:cNvSpPr>
+          <p:nvPr>
+            <p:ph type="sldNum" sz="quarter" idx="10"/>
+          </p:nvPr>
+        </p:nvSpPr>
+        <p:spPr/>
+        <p:txBody>
+          <a:bodyPr/>
+          <a:lstStyle/>
+          <a:p>
+            <a:pPr>
+              <a:defRPr/>
+            </a:pPr>
+            <a:fld id="{E7625D05-B33F-4064-AC10-CB80748B6ABD}" type="slidenum">
+              <a:rPr lang="en-US" smtClean="0"/>
+              <a:pPr>
+                <a:defRPr/>
+              </a:pPr>
+              <a:t>6</a:t>
+            </a:fld>
+            <a:endParaRPr lang="en-US"/>
+          </a:p>
+        </p:txBody>
+      </p:sp>
+    </p:spTree>
+    <p:extLst>
+      <p:ext uri="{BB962C8B-B14F-4D97-AF65-F5344CB8AC3E}">
+        <p14:creationId xmlns:p14="http://schemas.microsoft.com/office/powerpoint/2010/main" val="3122681029"/>
+      </p:ext>
+    </p:extLst>
+  </p:cSld>
+  <p:clrMapOvr>
+    <a:masterClrMapping/>
+  </p:clrMapOvr>
+</p:notes>
+</file>
+
+<file path=ppt/notesSlides/notesSlide7.xml><?xml version="1.0" encoding="utf-8"?>
+<p:notes xmlns:a="http://schemas.openxmlformats.org/drawingml/2006/main" xmlns:r="http://schemas.openxmlformats.org/officeDocument/2006/relationships" xmlns:p="http://schemas.openxmlformats.org/presentationml/2006/main">
+  <p:cSld>
+    <p:spTree>
+      <p:nvGrpSpPr>
+        <p:cNvPr id="1" name=""/>
+        <p:cNvGrpSpPr/>
+        <p:nvPr/>
+      </p:nvGrpSpPr>
+      <p:grpSpPr>
+        <a:xfrm>
+          <a:off x="0" y="0"/>
+          <a:ext cx="0" cy="0"/>
+          <a:chOff x="0" y="0"/>
+          <a:chExt cx="0" cy="0"/>
+        </a:xfrm>
+      </p:grpSpPr>
+      <p:sp>
+        <p:nvSpPr>
+          <p:cNvPr id="2" name="Slide Image Placeholder 1"/>
+          <p:cNvSpPr>
+            <a:spLocks noGrp="1" noRot="1" noChangeAspect="1"/>
+          </p:cNvSpPr>
+          <p:nvPr>
+            <p:ph type="sldImg"/>
+          </p:nvPr>
+        </p:nvSpPr>
+        <p:spPr/>
+      </p:sp>
+      <p:sp>
+        <p:nvSpPr>
+          <p:cNvPr id="3" name="Notes Placeholder 2"/>
+          <p:cNvSpPr>
+            <a:spLocks noGrp="1"/>
+          </p:cNvSpPr>
+          <p:nvPr>
+            <p:ph type="body" idx="1"/>
+          </p:nvPr>
+        </p:nvSpPr>
+        <p:spPr/>
+        <p:txBody>
+          <a:bodyPr/>
+          <a:lstStyle/>
+          <a:p>
+            <a:endParaRPr lang="en-US"/>
+          </a:p>
+        </p:txBody>
+      </p:sp>
+      <p:sp>
+        <p:nvSpPr>
+          <p:cNvPr id="4" name="Slide Number Placeholder 3"/>
+          <p:cNvSpPr>
+            <a:spLocks noGrp="1"/>
+          </p:cNvSpPr>
+          <p:nvPr>
+            <p:ph type="sldNum" sz="quarter" idx="10"/>
+          </p:nvPr>
+        </p:nvSpPr>
+        <p:spPr/>
+        <p:txBody>
+          <a:bodyPr/>
+          <a:lstStyle/>
+          <a:p>
+            <a:pPr>
+              <a:defRPr/>
+            </a:pPr>
+            <a:fld id="{E7625D05-B33F-4064-AC10-CB80748B6ABD}" type="slidenum">
+              <a:rPr lang="en-US" smtClean="0"/>
+              <a:pPr>
+                <a:defRPr/>
+              </a:pPr>
+              <a:t>8</a:t>
+            </a:fld>
+            <a:endParaRPr lang="en-US"/>
+          </a:p>
+        </p:txBody>
+      </p:sp>
+    </p:spTree>
+    <p:extLst>
+      <p:ext uri="{BB962C8B-B14F-4D97-AF65-F5344CB8AC3E}">
+        <p14:creationId xmlns:p14="http://schemas.microsoft.com/office/powerpoint/2010/main" val="2822295528"/>
+      </p:ext>
+    </p:extLst>
+  </p:cSld>
+  <p:clrMapOvr>
+    <a:masterClrMapping/>
+  </p:clrMapOvr>
+</p:notes>
+</file>
+
+<file path=ppt/notesSlides/notesSlide8.xml><?xml version="1.0" encoding="utf-8"?>
+<p:notes xmlns:a="http://schemas.openxmlformats.org/drawingml/2006/main" xmlns:r="http://schemas.openxmlformats.org/officeDocument/2006/relationships" xmlns:p="http://schemas.openxmlformats.org/presentationml/2006/main">
+  <p:cSld>
+    <p:spTree>
+      <p:nvGrpSpPr>
+        <p:cNvPr id="1" name=""/>
+        <p:cNvGrpSpPr/>
+        <p:nvPr/>
+      </p:nvGrpSpPr>
+      <p:grpSpPr>
+        <a:xfrm>
+          <a:off x="0" y="0"/>
+          <a:ext cx="0" cy="0"/>
+          <a:chOff x="0" y="0"/>
+          <a:chExt cx="0" cy="0"/>
+        </a:xfrm>
+      </p:grpSpPr>
+      <p:sp>
+        <p:nvSpPr>
+          <p:cNvPr id="2" name="Slide Image Placeholder 1"/>
+          <p:cNvSpPr>
+            <a:spLocks noGrp="1" noRot="1" noChangeAspect="1"/>
+          </p:cNvSpPr>
+          <p:nvPr>
+            <p:ph type="sldImg"/>
+          </p:nvPr>
+        </p:nvSpPr>
+        <p:spPr/>
+      </p:sp>
+      <p:sp>
+        <p:nvSpPr>
+          <p:cNvPr id="3" name="Notes Placeholder 2"/>
+          <p:cNvSpPr>
+            <a:spLocks noGrp="1"/>
+          </p:cNvSpPr>
+          <p:nvPr>
+            <p:ph type="body" idx="1"/>
+          </p:nvPr>
+        </p:nvSpPr>
+        <p:spPr/>
+        <p:txBody>
+          <a:bodyPr/>
+          <a:lstStyle/>
+          <a:p>
+            <a:endParaRPr lang="en-US"/>
+          </a:p>
+        </p:txBody>
+      </p:sp>
+      <p:sp>
+        <p:nvSpPr>
+          <p:cNvPr id="4" name="Slide Number Placeholder 3"/>
+          <p:cNvSpPr>
+            <a:spLocks noGrp="1"/>
+          </p:cNvSpPr>
+          <p:nvPr>
+            <p:ph type="sldNum" sz="quarter" idx="10"/>
+          </p:nvPr>
+        </p:nvSpPr>
+        <p:spPr/>
+        <p:txBody>
+          <a:bodyPr/>
+          <a:lstStyle/>
+          <a:p>
+            <a:pPr>
+              <a:defRPr/>
+            </a:pPr>
+            <a:fld id="{E7625D05-B33F-4064-AC10-CB80748B6ABD}" type="slidenum">
+              <a:rPr lang="en-US" smtClean="0"/>
+              <a:pPr>
+                <a:defRPr/>
+              </a:pPr>
+              <a:t>9</a:t>
+            </a:fld>
+            <a:endParaRPr lang="en-US"/>
+          </a:p>
+        </p:txBody>
+      </p:sp>
+    </p:spTree>
+    <p:extLst>
+      <p:ext uri="{BB962C8B-B14F-4D97-AF65-F5344CB8AC3E}">
+        <p14:creationId xmlns:p14="http://schemas.microsoft.com/office/powerpoint/2010/main" val="2325171482"/>
+      </p:ext>
+    </p:extLst>
+  </p:cSld>
+  <p:clrMapOvr>
+    <a:masterClrMapping/>
+  </p:clrMapOvr>
+</p:notes>
+</file>
+
+<file path=ppt/notesSlides/notesSlide9.xml><?xml version="1.0" encoding="utf-8"?>
+<p:notes xmlns:a="http://schemas.openxmlformats.org/drawingml/2006/main" xmlns:r="http://schemas.openxmlformats.org/officeDocument/2006/relationships" xmlns:p="http://schemas.openxmlformats.org/presentationml/2006/main">
+  <p:cSld>
+    <p:spTree>
+      <p:nvGrpSpPr>
+        <p:cNvPr id="1" name=""/>
+        <p:cNvGrpSpPr/>
+        <p:nvPr/>
+      </p:nvGrpSpPr>
+      <p:grpSpPr>
+        <a:xfrm>
+          <a:off x="0" y="0"/>
+          <a:ext cx="0" cy="0"/>
+          <a:chOff x="0" y="0"/>
+          <a:chExt cx="0" cy="0"/>
+        </a:xfrm>
+      </p:grpSpPr>
+      <p:sp>
+        <p:nvSpPr>
+          <p:cNvPr id="2" name="Slide Image Placeholder 1"/>
+          <p:cNvSpPr>
+            <a:spLocks noGrp="1" noRot="1" noChangeAspect="1"/>
+          </p:cNvSpPr>
+          <p:nvPr>
+            <p:ph type="sldImg"/>
+          </p:nvPr>
+        </p:nvSpPr>
+        <p:spPr/>
+      </p:sp>
+      <p:sp>
+        <p:nvSpPr>
+          <p:cNvPr id="3" name="Notes Placeholder 2"/>
+          <p:cNvSpPr>
+            <a:spLocks noGrp="1"/>
+          </p:cNvSpPr>
+          <p:nvPr>
+            <p:ph type="body" idx="1"/>
+          </p:nvPr>
+        </p:nvSpPr>
+        <p:spPr/>
+        <p:txBody>
+          <a:bodyPr/>
+          <a:lstStyle/>
+          <a:p>
+            <a:endParaRPr lang="en-US"/>
+          </a:p>
+        </p:txBody>
+      </p:sp>
+      <p:sp>
+        <p:nvSpPr>
+          <p:cNvPr id="4" name="Slide Number Placeholder 3"/>
+          <p:cNvSpPr>
+            <a:spLocks noGrp="1"/>
+          </p:cNvSpPr>
+          <p:nvPr>
+            <p:ph type="sldNum" sz="quarter" idx="10"/>
+          </p:nvPr>
+        </p:nvSpPr>
+        <p:spPr/>
+        <p:txBody>
+          <a:bodyPr/>
+          <a:lstStyle/>
+          <a:p>
+            <a:pPr>
+              <a:defRPr/>
+            </a:pPr>
+            <a:fld id="{E7625D05-B33F-4064-AC10-CB80748B6ABD}" type="slidenum">
+              <a:rPr lang="en-US" smtClean="0"/>
+              <a:pPr>
+                <a:defRPr/>
+              </a:pPr>
+              <a:t>10</a:t>
+            </a:fld>
+            <a:endParaRPr lang="en-US"/>
+          </a:p>
+        </p:txBody>
+      </p:sp>
+    </p:spTree>
+    <p:extLst>
+      <p:ext uri="{BB962C8B-B14F-4D97-AF65-F5344CB8AC3E}">
+        <p14:creationId xmlns:p14="http://schemas.microsoft.com/office/powerpoint/2010/main" val="3016152243"/>
+      </p:ext>
+    </p:extLst>
   </p:cSld>
   <p:clrMapOvr>
     <a:masterClrMapping/>
@@ -1340,16 +2061,12 @@
               <a:defRPr/>
             </a:pPr>
             <a:r>
-              <a:rPr lang="en-US" dirty="0" err="1"/>
-              <a:t>lec</a:t>
-            </a:r>
-            <a:r>
-              <a:rPr lang="en-US" dirty="0"/>
-              <a:t> </a:t>
+              <a:rPr lang="en-US" dirty="0" err="1" smtClean="0"/>
+              <a:t>partialfrac</a:t>
             </a:r>
             <a:r>
               <a:rPr lang="en-US" dirty="0" smtClean="0"/>
-              <a:t>11M.</a:t>
+              <a:t>.</a:t>
             </a:r>
             <a:fld id="{85CCA5FA-7AF2-4FFE-B037-37D536B56AFE}" type="slidenum">
               <a:rPr lang="en-US" smtClean="0"/>
@@ -1497,12 +2214,12 @@
               <a:defRPr/>
             </a:pPr>
             <a:r>
-              <a:rPr lang="en-US" dirty="0" err="1"/>
-              <a:t>lec</a:t>
+              <a:rPr lang="en-US" dirty="0" err="1" smtClean="0"/>
+              <a:t>partialfrac</a:t>
             </a:r>
             <a:r>
               <a:rPr lang="en-US" dirty="0" smtClean="0"/>
-              <a:t> 11M.</a:t>
+              <a:t>.</a:t>
             </a:r>
             <a:fld id="{167FB316-D213-489C-8FDE-91E3356C5A60}" type="slidenum">
               <a:rPr lang="en-US" smtClean="0"/>
@@ -1598,12 +2315,12 @@
               <a:defRPr/>
             </a:pPr>
             <a:r>
-              <a:rPr lang="en-US" dirty="0" err="1"/>
-              <a:t>lec</a:t>
+              <a:rPr lang="en-US" dirty="0" err="1" smtClean="0"/>
+              <a:t>partialfrac</a:t>
             </a:r>
             <a:r>
               <a:rPr lang="en-US" dirty="0" smtClean="0"/>
-              <a:t> 11M.</a:t>
+              <a:t>.</a:t>
             </a:r>
             <a:fld id="{A585D087-0720-40C8-BCB9-442D95888E3B}" type="slidenum">
               <a:rPr lang="en-US" smtClean="0"/>
@@ -1676,12 +2393,12 @@
               <a:defRPr/>
             </a:pPr>
             <a:r>
-              <a:rPr lang="en-US" dirty="0" err="1"/>
-              <a:t>lec</a:t>
+              <a:rPr lang="en-US" dirty="0" err="1" smtClean="0"/>
+              <a:t>partialfrac</a:t>
             </a:r>
             <a:r>
               <a:rPr lang="en-US" dirty="0" smtClean="0"/>
-              <a:t> 11M.</a:t>
+              <a:t>.</a:t>
             </a:r>
             <a:fld id="{3E6AFCB8-BCAF-493D-8357-CF426FD28108}" type="slidenum">
               <a:rPr lang="en-US" smtClean="0"/>
@@ -1913,12 +2630,12 @@
               <a:defRPr/>
             </a:pPr>
             <a:r>
-              <a:rPr lang="en-US" dirty="0" err="1"/>
-              <a:t>lec</a:t>
+              <a:rPr lang="en-US" dirty="0" err="1" smtClean="0"/>
+              <a:t>partialfrac</a:t>
             </a:r>
             <a:r>
               <a:rPr lang="en-US" dirty="0" smtClean="0"/>
-              <a:t> 11M.</a:t>
+              <a:t>.</a:t>
             </a:r>
             <a:fld id="{11D69C3C-9102-4DF1-90D9-901407515A97}" type="slidenum">
               <a:rPr lang="en-US" smtClean="0"/>
@@ -2131,11 +2848,11 @@
             </a:pPr>
             <a:r>
               <a:rPr lang="en-US" dirty="0" err="1" smtClean="0"/>
-              <a:t>lec</a:t>
+              <a:t>partialfrac</a:t>
             </a:r>
             <a:r>
               <a:rPr lang="en-US" dirty="0" smtClean="0"/>
-              <a:t> 11M.</a:t>
+              <a:t>.</a:t>
             </a:r>
             <a:fld id="{17233D2A-0857-4415-88C1-423492E69A26}" type="slidenum">
               <a:rPr lang="en-US" smtClean="0"/>
@@ -2191,7 +2908,7 @@
         <p:spPr>
           <a:xfrm>
             <a:off x="2895600" y="6553200"/>
-            <a:ext cx="3352800" cy="381000"/>
+            <a:ext cx="3352800" cy="304800"/>
           </a:xfrm>
           <a:prstGeom prst="rect">
             <a:avLst/>
@@ -2231,7 +2948,22 @@
                 <a:uFillTx/>
                 <a:latin typeface="Comic Sans MS" pitchFamily="66" charset="0"/>
               </a:rPr>
-              <a:t>Albert R Meyer,             April 23, 2011</a:t>
+              <a:t>Albert R Meyer,             April </a:t>
+            </a:r>
+            <a:r>
+              <a:rPr kumimoji="0" lang="en-US" sz="1200" b="0" i="0" u="none" strike="noStrike" kern="1200" cap="none" spc="0" normalizeH="0" baseline="0" noProof="0" dirty="0" smtClean="0">
+                <a:ln>
+                  <a:noFill/>
+                </a:ln>
+                <a:solidFill>
+                  <a:schemeClr val="tx1"/>
+                </a:solidFill>
+                <a:effectLst/>
+                <a:uLnTx/>
+                <a:uFillTx/>
+                <a:latin typeface="Comic Sans MS" pitchFamily="66" charset="0"/>
+              </a:rPr>
+              <a:t>26, 2013</a:t>
             </a:r>
             <a:endParaRPr kumimoji="0" lang="en-US" sz="1200" b="0" i="0" u="none" strike="noStrike" kern="1200" cap="none" spc="0" normalizeH="0" baseline="0" noProof="0" dirty="0">
               <a:ln>
@@ -2698,11 +3430,11 @@
           <a:p>
             <a:r>
               <a:rPr lang="en-US" dirty="0" err="1" smtClean="0"/>
-              <a:t>lec</a:t>
+              <a:t>partialfrac</a:t>
             </a:r>
             <a:r>
               <a:rPr lang="en-US" dirty="0" smtClean="0"/>
-              <a:t> 11M.</a:t>
+              <a:t>.</a:t>
             </a:r>
             <a:fld id="{B20F91F6-F4EE-490C-AA68-F15A44211122}" type="slidenum">
               <a:rPr lang="en-US" smtClean="0"/>
@@ -2844,11 +3576,11 @@
   <p:clrMapOvr>
     <a:masterClrMapping/>
   </p:clrMapOvr>
-  <mc:AlternateContent xmlns:mc="http://schemas.openxmlformats.org/markup-compatibility/2006">
-    <mc:Choice xmlns:p14="http://schemas.microsoft.com/office/powerpoint/2010/main" Requires="p14">
+  <mc:AlternateContent xmlns:mc="http://schemas.openxmlformats.org/markup-compatibility/2006" xmlns:p14="http://schemas.microsoft.com/office/powerpoint/2010/main">
+    <mc:Choice Requires="p14">
       <p:transition p14:dur="0" advClick="0"/>
     </mc:Choice>
-    <mc:Fallback>
+    <mc:Fallback xmlns="">
       <p:transition xmlns:p14="http://schemas.microsoft.com/office/powerpoint/2010/main" advClick="0"/>
     </mc:Fallback>
   </mc:AlternateContent>
@@ -2947,11 +3679,11 @@
             </a:pPr>
             <a:r>
               <a:rPr lang="en-US" dirty="0" err="1" smtClean="0"/>
-              <a:t>lec</a:t>
+              <a:t>partialfrac</a:t>
             </a:r>
             <a:r>
               <a:rPr lang="en-US" dirty="0" smtClean="0"/>
-              <a:t> 11M.</a:t>
+              <a:t>.</a:t>
             </a:r>
             <a:fld id="{A585D087-0720-40C8-BCB9-442D95888E3B}" type="slidenum">
               <a:rPr lang="en-US" smtClean="0"/>
@@ -2986,12 +3718,12 @@
           <a:graphicData uri="http://schemas.openxmlformats.org/presentationml/2006/ole">
             <mc:AlternateContent xmlns:mc="http://schemas.openxmlformats.org/markup-compatibility/2006">
               <mc:Choice xmlns:v="urn:schemas-microsoft-com:vml" Requires="v">
-                <p:oleObj spid="_x0000_s257096" name="Equation" r:id="rId3" imgW="736600" imgH="292100" progId="Equation.DSMT4">
+                <p:oleObj spid="_x0000_s257103" name="Equation" r:id="rId4" imgW="736600" imgH="292100" progId="Equation.DSMT4">
                   <p:embed/>
                 </p:oleObj>
               </mc:Choice>
               <mc:Fallback>
-                <p:oleObj name="Equation" r:id="rId3" imgW="736600" imgH="292100" progId="Equation.DSMT4">
+                <p:oleObj name="Equation" r:id="rId4" imgW="736600" imgH="292100" progId="Equation.DSMT4">
                   <p:embed/>
                   <p:pic>
                     <p:nvPicPr>
@@ -3002,7 +3734,7 @@
                       <p:nvPr/>
                     </p:nvPicPr>
                     <p:blipFill>
-                      <a:blip r:embed="rId4"/>
+                      <a:blip r:embed="rId5"/>
                       <a:srcRect/>
                       <a:stretch>
                         <a:fillRect/>
@@ -3056,12 +3788,12 @@
           <a:graphicData uri="http://schemas.openxmlformats.org/presentationml/2006/ole">
             <mc:AlternateContent xmlns:mc="http://schemas.openxmlformats.org/markup-compatibility/2006">
               <mc:Choice xmlns:v="urn:schemas-microsoft-com:vml" Requires="v">
-                <p:oleObj spid="_x0000_s257097" name="Equation" r:id="rId5" imgW="4508500" imgH="1422400" progId="Equation.DSMT4">
+                <p:oleObj spid="_x0000_s257104" name="Equation" r:id="rId6" imgW="4508500" imgH="1422400" progId="Equation.DSMT4">
                   <p:embed/>
                 </p:oleObj>
               </mc:Choice>
               <mc:Fallback>
-                <p:oleObj name="Equation" r:id="rId5" imgW="4508500" imgH="1422400" progId="Equation.DSMT4">
+                <p:oleObj name="Equation" r:id="rId6" imgW="4508500" imgH="1422400" progId="Equation.DSMT4">
                   <p:embed/>
                   <p:pic>
                     <p:nvPicPr>
@@ -3072,7 +3804,7 @@
                       <p:nvPr/>
                     </p:nvPicPr>
                     <p:blipFill>
-                      <a:blip r:embed="rId6"/>
+                      <a:blip r:embed="rId7"/>
                       <a:srcRect/>
                       <a:stretch>
                         <a:fillRect/>
@@ -3101,13 +3833,13 @@
   <p:clrMapOvr>
     <a:masterClrMapping/>
   </p:clrMapOvr>
-  <mc:AlternateContent xmlns:mc="http://schemas.openxmlformats.org/markup-compatibility/2006">
-    <mc:Choice xmlns:p14="http://schemas.microsoft.com/office/powerpoint/2010/main" Requires="p14">
+  <mc:AlternateContent xmlns:mc="http://schemas.openxmlformats.org/markup-compatibility/2006" xmlns:p14="http://schemas.microsoft.com/office/powerpoint/2010/main">
+    <mc:Choice Requires="p14">
       <p:transition spd="slow" p14:dur="800" advClick="0">
         <p:fade thruBlk="1"/>
       </p:transition>
     </mc:Choice>
-    <mc:Fallback>
+    <mc:Fallback xmlns="">
       <p:transition xmlns:p14="http://schemas.microsoft.com/office/powerpoint/2010/main" spd="slow" advClick="0">
         <p:fade thruBlk="1"/>
       </p:transition>
@@ -3157,764 +3889,6 @@
           <a:p>
             <a:r>
               <a:rPr lang="en-US" dirty="0" smtClean="0"/>
-              <a:t>P</a:t>
-            </a:r>
-            <a:r>
-              <a:rPr lang="en-US" dirty="0" smtClean="0"/>
-              <a:t>artial fractions</a:t>
-            </a:r>
-            <a:endParaRPr lang="en-US" dirty="0"/>
-          </a:p>
-        </p:txBody>
-      </p:sp>
-      <p:sp>
-        <p:nvSpPr>
-          <p:cNvPr id="12" name="TextBox 11"/>
-          <p:cNvSpPr txBox="1"/>
-          <p:nvPr/>
-        </p:nvSpPr>
-        <p:spPr>
-          <a:xfrm>
-            <a:off x="304800" y="1487269"/>
-            <a:ext cx="8610600" cy="1200329"/>
-          </a:xfrm>
-          <a:prstGeom prst="rect">
-            <a:avLst/>
-          </a:prstGeom>
-          <a:noFill/>
-        </p:spPr>
-        <p:txBody>
-          <a:bodyPr wrap="square" rtlCol="0">
-            <a:spAutoFit/>
-          </a:bodyPr>
-          <a:lstStyle/>
-          <a:p>
-            <a:r>
-              <a:rPr lang="en-US" sz="3600" dirty="0" smtClean="0"/>
-              <a:t>Partial </a:t>
-            </a:r>
-            <a:r>
-              <a:rPr lang="en-US" sz="3600" dirty="0" smtClean="0"/>
-              <a:t>fraction expansion of </a:t>
-            </a:r>
-            <a:r>
-              <a:rPr lang="en-US" sz="3600" dirty="0" smtClean="0">
-                <a:solidFill>
-                  <a:srgbClr val="0000FF"/>
-                </a:solidFill>
-              </a:rPr>
-              <a:t>P(x)/Q(x) </a:t>
-            </a:r>
-            <a:r>
-              <a:rPr lang="en-US" sz="3600" dirty="0" smtClean="0"/>
-              <a:t>generally contains </a:t>
-            </a:r>
-            <a:r>
-              <a:rPr lang="en-US" sz="3600" dirty="0" smtClean="0"/>
-              <a:t>terms of the form</a:t>
-            </a:r>
-            <a:endParaRPr lang="en-US" sz="3600" dirty="0"/>
-          </a:p>
-        </p:txBody>
-      </p:sp>
-      <p:graphicFrame>
-        <p:nvGraphicFramePr>
-          <p:cNvPr id="8" name="Object 7"/>
-          <p:cNvGraphicFramePr>
-            <a:graphicFrameLocks noChangeAspect="1"/>
-          </p:cNvGraphicFramePr>
-          <p:nvPr>
-            <p:extLst>
-              <p:ext uri="{D42A27DB-BD31-4B8C-83A1-F6EECF244321}">
-                <p14:modId xmlns:p14="http://schemas.microsoft.com/office/powerpoint/2010/main" val="1993985837"/>
-              </p:ext>
-            </p:extLst>
-          </p:nvPr>
-        </p:nvGraphicFramePr>
-        <p:xfrm>
-          <a:off x="812800" y="3041650"/>
-          <a:ext cx="4178300" cy="1841500"/>
-        </p:xfrm>
-        <a:graphic>
-          <a:graphicData uri="http://schemas.openxmlformats.org/presentationml/2006/ole">
-            <mc:AlternateContent xmlns:mc="http://schemas.openxmlformats.org/markup-compatibility/2006">
-              <mc:Choice xmlns:v="urn:schemas-microsoft-com:vml" Requires="v">
-                <p:oleObj spid="_x0000_s258102" name="Equation" r:id="rId3" imgW="4178300" imgH="1841500" progId="Equation.DSMT4">
-                  <p:embed/>
-                </p:oleObj>
-              </mc:Choice>
-              <mc:Fallback>
-                <p:oleObj name="Equation" r:id="rId3" imgW="4178300" imgH="1841500" progId="Equation.DSMT4">
-                  <p:embed/>
-                  <p:pic>
-                    <p:nvPicPr>
-                      <p:cNvPr id="0" name="Picture 2"/>
-                      <p:cNvPicPr>
-                        <a:picLocks noChangeAspect="1" noChangeArrowheads="1"/>
-                      </p:cNvPicPr>
-                      <p:nvPr/>
-                    </p:nvPicPr>
-                    <p:blipFill>
-                      <a:blip r:embed="rId4"/>
-                      <a:srcRect/>
-                      <a:stretch>
-                        <a:fillRect/>
-                      </a:stretch>
-                    </p:blipFill>
-                    <p:spPr bwMode="auto">
-                      <a:xfrm>
-                        <a:off x="812800" y="3041650"/>
-                        <a:ext cx="4178300" cy="1841500"/>
-                      </a:xfrm>
-                      <a:prstGeom prst="rect">
-                        <a:avLst/>
-                      </a:prstGeom>
-                      <a:noFill/>
-                      <a:extLst>
-                        <a:ext uri="{909E8E84-426E-40dd-AFC4-6F175D3DCCD1}">
-                          <a14:hiddenFill xmlns:a14="http://schemas.microsoft.com/office/drawing/2010/main">
-                            <a:solidFill>
-                              <a:srgbClr val="FFFFFF"/>
-                            </a:solidFill>
-                          </a14:hiddenFill>
-                        </a:ext>
-                      </a:extLst>
-                    </p:spPr>
-                  </p:pic>
-                </p:oleObj>
-              </mc:Fallback>
-            </mc:AlternateContent>
-          </a:graphicData>
-        </a:graphic>
-      </p:graphicFrame>
-      <p:sp>
-        <p:nvSpPr>
-          <p:cNvPr id="10" name="TextBox 9"/>
-          <p:cNvSpPr txBox="1"/>
-          <p:nvPr/>
-        </p:nvSpPr>
-        <p:spPr>
-          <a:xfrm>
-            <a:off x="381000" y="5257800"/>
-            <a:ext cx="6351318" cy="646331"/>
-          </a:xfrm>
-          <a:prstGeom prst="rect">
-            <a:avLst/>
-          </a:prstGeom>
-          <a:noFill/>
-        </p:spPr>
-        <p:txBody>
-          <a:bodyPr wrap="none" rtlCol="0">
-            <a:spAutoFit/>
-          </a:bodyPr>
-          <a:lstStyle/>
-          <a:p>
-            <a:r>
-              <a:rPr lang="en-US" sz="3600" dirty="0" smtClean="0"/>
-              <a:t>where 1/</a:t>
-            </a:r>
-            <a:r>
-              <a:rPr lang="en-US" sz="3600" b="1" dirty="0" smtClean="0">
-                <a:solidFill>
-                  <a:srgbClr val="008000"/>
-                </a:solidFill>
-                <a:latin typeface="Symbol" charset="2"/>
-                <a:cs typeface="Symbol" charset="2"/>
-                <a:sym typeface="Symbol"/>
-              </a:rPr>
-              <a:t>α</a:t>
-            </a:r>
-            <a:r>
-              <a:rPr lang="en-US" sz="3600" dirty="0" smtClean="0">
-                <a:solidFill>
-                  <a:srgbClr val="008000"/>
-                </a:solidFill>
-                <a:sym typeface="Symbol"/>
-              </a:rPr>
-              <a:t> </a:t>
-            </a:r>
-            <a:r>
-              <a:rPr lang="en-US" sz="3600" dirty="0" smtClean="0">
-                <a:sym typeface="Symbol"/>
-              </a:rPr>
-              <a:t>is a root of </a:t>
-            </a:r>
-            <a:r>
-              <a:rPr lang="en-US" sz="3600" dirty="0" smtClean="0">
-                <a:solidFill>
-                  <a:srgbClr val="0000FF"/>
-                </a:solidFill>
-                <a:sym typeface="Symbol"/>
-              </a:rPr>
-              <a:t>Q</a:t>
-            </a:r>
-            <a:r>
-              <a:rPr lang="en-US" sz="3600" dirty="0" smtClean="0">
-                <a:sym typeface="Symbol"/>
-              </a:rPr>
-              <a:t>(x).</a:t>
-            </a:r>
-            <a:endParaRPr lang="en-US" sz="3600" dirty="0"/>
-          </a:p>
-        </p:txBody>
-      </p:sp>
-      <p:grpSp>
-        <p:nvGrpSpPr>
-          <p:cNvPr id="4" name="Group 15"/>
-          <p:cNvGrpSpPr/>
-          <p:nvPr/>
-        </p:nvGrpSpPr>
-        <p:grpSpPr>
-          <a:xfrm>
-            <a:off x="3962400" y="2819400"/>
-            <a:ext cx="4952999" cy="1077218"/>
-            <a:chOff x="3812309" y="2819399"/>
-            <a:chExt cx="5103090" cy="895784"/>
-          </a:xfrm>
-        </p:grpSpPr>
-        <p:sp>
-          <p:nvSpPr>
-            <p:cNvPr id="11" name="TextBox 10"/>
-            <p:cNvSpPr txBox="1"/>
-            <p:nvPr/>
-          </p:nvSpPr>
-          <p:spPr>
-            <a:xfrm>
-              <a:off x="5029200" y="2819399"/>
-              <a:ext cx="3886199" cy="895784"/>
-            </a:xfrm>
-            <a:prstGeom prst="rect">
-              <a:avLst/>
-            </a:prstGeom>
-            <a:noFill/>
-          </p:spPr>
-          <p:txBody>
-            <a:bodyPr wrap="square" rtlCol="0">
-              <a:spAutoFit/>
-            </a:bodyPr>
-            <a:lstStyle/>
-            <a:p>
-              <a:r>
-                <a:rPr lang="en-US" sz="3200" dirty="0" smtClean="0">
-                  <a:solidFill>
-                    <a:srgbClr val="FF00FF"/>
-                  </a:solidFill>
-                </a:rPr>
-                <a:t>We know the </a:t>
-              </a:r>
-              <a:r>
-                <a:rPr lang="en-US" sz="3200" dirty="0" smtClean="0">
-                  <a:solidFill>
-                    <a:srgbClr val="0000FF"/>
-                  </a:solidFill>
-                </a:rPr>
-                <a:t>n</a:t>
-              </a:r>
-              <a:r>
-                <a:rPr lang="en-US" sz="3200" baseline="30000" dirty="0" smtClean="0">
-                  <a:solidFill>
-                    <a:srgbClr val="FF00FF"/>
-                  </a:solidFill>
-                </a:rPr>
-                <a:t>th</a:t>
-              </a:r>
-              <a:r>
-                <a:rPr lang="en-US" sz="3200" dirty="0" smtClean="0">
-                  <a:solidFill>
-                    <a:srgbClr val="FF00FF"/>
-                  </a:solidFill>
-                </a:rPr>
-                <a:t> </a:t>
-              </a:r>
-              <a:r>
-                <a:rPr lang="en-US" sz="3200" dirty="0" err="1" smtClean="0">
-                  <a:solidFill>
-                    <a:srgbClr val="FF00FF"/>
-                  </a:solidFill>
-                </a:rPr>
-                <a:t>coeff</a:t>
-              </a:r>
-              <a:r>
-                <a:rPr lang="en-US" sz="3200" dirty="0" smtClean="0">
-                  <a:solidFill>
-                    <a:srgbClr val="FF00FF"/>
-                  </a:solidFill>
-                </a:rPr>
-                <a:t> of this!</a:t>
-              </a:r>
-              <a:endParaRPr lang="en-US" sz="3200" dirty="0">
-                <a:solidFill>
-                  <a:srgbClr val="FF00FF"/>
-                </a:solidFill>
-              </a:endParaRPr>
-            </a:p>
-          </p:txBody>
-        </p:sp>
-        <p:cxnSp>
-          <p:nvCxnSpPr>
-            <p:cNvPr id="15" name="Straight Arrow Connector 14"/>
-            <p:cNvCxnSpPr>
-              <a:stCxn id="11" idx="1"/>
-            </p:cNvCxnSpPr>
-            <p:nvPr/>
-          </p:nvCxnSpPr>
-          <p:spPr bwMode="auto">
-            <a:xfrm rot="10800000" flipV="1">
-              <a:off x="3812309" y="3267289"/>
-              <a:ext cx="1216891" cy="249131"/>
-            </a:xfrm>
-            <a:prstGeom prst="straightConnector1">
-              <a:avLst/>
-            </a:prstGeom>
-            <a:solidFill>
-              <a:schemeClr val="accent1">
-                <a:alpha val="0"/>
-              </a:schemeClr>
-            </a:solidFill>
-            <a:ln w="28575" cap="flat" cmpd="sng" algn="ctr">
-              <a:solidFill>
-                <a:srgbClr val="FF00FF"/>
-              </a:solidFill>
-              <a:prstDash val="sysDot"/>
-              <a:round/>
-              <a:headEnd type="none" w="med" len="med"/>
-              <a:tailEnd type="arrow"/>
-            </a:ln>
-            <a:effectLst/>
-          </p:spPr>
-        </p:cxnSp>
-      </p:grpSp>
-      <p:sp>
-        <p:nvSpPr>
-          <p:cNvPr id="13" name="Slide Number Placeholder 2"/>
-          <p:cNvSpPr>
-            <a:spLocks noGrp="1"/>
-          </p:cNvSpPr>
-          <p:nvPr>
-            <p:ph type="sldNum" sz="quarter" idx="10"/>
-          </p:nvPr>
-        </p:nvSpPr>
-        <p:spPr>
-          <a:xfrm>
-            <a:off x="6400800" y="6613525"/>
-            <a:ext cx="2667000" cy="244475"/>
-          </a:xfrm>
-        </p:spPr>
-        <p:txBody>
-          <a:bodyPr/>
-          <a:lstStyle/>
-          <a:p>
-            <a:pPr>
-              <a:defRPr/>
-            </a:pPr>
-            <a:r>
-              <a:rPr lang="en-US" dirty="0" err="1" smtClean="0"/>
-              <a:t>lec</a:t>
-            </a:r>
-            <a:r>
-              <a:rPr lang="en-US" dirty="0" smtClean="0"/>
-              <a:t> 11M.</a:t>
-            </a:r>
-            <a:fld id="{A585D087-0720-40C8-BCB9-442D95888E3B}" type="slidenum">
-              <a:rPr lang="en-US" smtClean="0"/>
-              <a:pPr>
-                <a:defRPr/>
-              </a:pPr>
-              <a:t>11</a:t>
-            </a:fld>
-            <a:endParaRPr lang="en-US" dirty="0"/>
-          </a:p>
-        </p:txBody>
-      </p:sp>
-      <p:graphicFrame>
-        <p:nvGraphicFramePr>
-          <p:cNvPr id="14" name="Object 13"/>
-          <p:cNvGraphicFramePr>
-            <a:graphicFrameLocks noChangeAspect="1"/>
-          </p:cNvGraphicFramePr>
-          <p:nvPr>
-            <p:extLst>
-              <p:ext uri="{D42A27DB-BD31-4B8C-83A1-F6EECF244321}">
-                <p14:modId xmlns:p14="http://schemas.microsoft.com/office/powerpoint/2010/main" val="3082843881"/>
-              </p:ext>
-            </p:extLst>
-          </p:nvPr>
-        </p:nvGraphicFramePr>
-        <p:xfrm>
-          <a:off x="5668963" y="3810000"/>
-          <a:ext cx="3170237" cy="1752600"/>
-        </p:xfrm>
-        <a:graphic>
-          <a:graphicData uri="http://schemas.openxmlformats.org/presentationml/2006/ole">
-            <mc:AlternateContent xmlns:mc="http://schemas.openxmlformats.org/markup-compatibility/2006">
-              <mc:Choice xmlns:v="urn:schemas-microsoft-com:vml" Requires="v">
-                <p:oleObj spid="_x0000_s258103" name="Equation" r:id="rId5" imgW="965200" imgH="533400" progId="Equation.DSMT4">
-                  <p:embed/>
-                </p:oleObj>
-              </mc:Choice>
-              <mc:Fallback>
-                <p:oleObj name="Equation" r:id="rId5" imgW="965200" imgH="533400" progId="Equation.DSMT4">
-                  <p:embed/>
-                  <p:pic>
-                    <p:nvPicPr>
-                      <p:cNvPr id="0" name="Picture 5"/>
-                      <p:cNvPicPr>
-                        <a:picLocks noChangeAspect="1" noChangeArrowheads="1"/>
-                      </p:cNvPicPr>
-                      <p:nvPr/>
-                    </p:nvPicPr>
-                    <p:blipFill>
-                      <a:blip r:embed="rId6"/>
-                      <a:srcRect/>
-                      <a:stretch>
-                        <a:fillRect/>
-                      </a:stretch>
-                    </p:blipFill>
-                    <p:spPr bwMode="auto">
-                      <a:xfrm>
-                        <a:off x="5668963" y="3810000"/>
-                        <a:ext cx="3170237" cy="1752600"/>
-                      </a:xfrm>
-                      <a:prstGeom prst="rect">
-                        <a:avLst/>
-                      </a:prstGeom>
-                      <a:noFill/>
-                      <a:extLst>
-                        <a:ext uri="{909E8E84-426E-40dd-AFC4-6F175D3DCCD1}">
-                          <a14:hiddenFill xmlns:a14="http://schemas.microsoft.com/office/drawing/2010/main">
-                            <a:solidFill>
-                              <a:srgbClr val="FFFFFF"/>
-                            </a:solidFill>
-                          </a14:hiddenFill>
-                        </a:ext>
-                      </a:extLst>
-                    </p:spPr>
-                  </p:pic>
-                </p:oleObj>
-              </mc:Fallback>
-            </mc:AlternateContent>
-          </a:graphicData>
-        </a:graphic>
-      </p:graphicFrame>
-    </p:spTree>
-  </p:cSld>
-  <p:clrMapOvr>
-    <a:masterClrMapping/>
-  </p:clrMapOvr>
-  <p:transition xmlns:p14="http://schemas.microsoft.com/office/powerpoint/2010/main" spd="slow" advClick="0">
-    <p:fade thruBlk="1"/>
-  </p:transition>
-  <p:timing>
-    <p:tnLst>
-      <p:par>
-        <p:cTn xmlns:p14="http://schemas.microsoft.com/office/powerpoint/2010/main" id="1" dur="indefinite" restart="never" nodeType="tmRoot">
-          <p:childTnLst>
-            <p:seq concurrent="1" nextAc="seek">
-              <p:cTn id="2" dur="indefinite" nodeType="mainSeq">
-                <p:childTnLst>
-                  <p:par>
-                    <p:cTn id="3" fill="hold">
-                      <p:stCondLst>
-                        <p:cond delay="indefinite"/>
-                      </p:stCondLst>
-                      <p:childTnLst>
-                        <p:par>
-                          <p:cTn id="4" fill="hold">
-                            <p:stCondLst>
-                              <p:cond delay="0"/>
-                            </p:stCondLst>
-                            <p:childTnLst>
-                              <p:par>
-                                <p:cTn id="5" presetID="22" presetClass="entr" presetSubtype="8" fill="hold" nodeType="clickEffect">
-                                  <p:stCondLst>
-                                    <p:cond delay="0"/>
-                                  </p:stCondLst>
-                                  <p:childTnLst>
-                                    <p:set>
-                                      <p:cBhvr>
-                                        <p:cTn id="6" dur="1" fill="hold">
-                                          <p:stCondLst>
-                                            <p:cond delay="0"/>
-                                          </p:stCondLst>
-                                        </p:cTn>
-                                        <p:tgtEl>
-                                          <p:spTgt spid="8"/>
-                                        </p:tgtEl>
-                                        <p:attrNameLst>
-                                          <p:attrName>style.visibility</p:attrName>
-                                        </p:attrNameLst>
-                                      </p:cBhvr>
-                                      <p:to>
-                                        <p:strVal val="visible"/>
-                                      </p:to>
-                                    </p:set>
-                                    <p:animEffect transition="in" filter="wipe(left)">
-                                      <p:cBhvr>
-                                        <p:cTn id="7" dur="500"/>
-                                        <p:tgtEl>
-                                          <p:spTgt spid="8"/>
-                                        </p:tgtEl>
-                                      </p:cBhvr>
-                                    </p:animEffect>
-                                  </p:childTnLst>
-                                </p:cTn>
-                              </p:par>
-                            </p:childTnLst>
-                          </p:cTn>
-                        </p:par>
-                        <p:par>
-                          <p:cTn id="8" fill="hold">
-                            <p:stCondLst>
-                              <p:cond delay="500"/>
-                            </p:stCondLst>
-                            <p:childTnLst>
-                              <p:par>
-                                <p:cTn id="9" presetID="22" presetClass="entr" presetSubtype="8" fill="hold" grpId="0" nodeType="afterEffect">
-                                  <p:stCondLst>
-                                    <p:cond delay="0"/>
-                                  </p:stCondLst>
-                                  <p:childTnLst>
-                                    <p:set>
-                                      <p:cBhvr>
-                                        <p:cTn id="10" dur="1" fill="hold">
-                                          <p:stCondLst>
-                                            <p:cond delay="0"/>
-                                          </p:stCondLst>
-                                        </p:cTn>
-                                        <p:tgtEl>
-                                          <p:spTgt spid="10"/>
-                                        </p:tgtEl>
-                                        <p:attrNameLst>
-                                          <p:attrName>style.visibility</p:attrName>
-                                        </p:attrNameLst>
-                                      </p:cBhvr>
-                                      <p:to>
-                                        <p:strVal val="visible"/>
-                                      </p:to>
-                                    </p:set>
-                                    <p:animEffect transition="in" filter="wipe(left)">
-                                      <p:cBhvr>
-                                        <p:cTn id="11" dur="500"/>
-                                        <p:tgtEl>
-                                          <p:spTgt spid="10"/>
-                                        </p:tgtEl>
-                                      </p:cBhvr>
-                                    </p:animEffect>
-                                  </p:childTnLst>
-                                </p:cTn>
-                              </p:par>
-                            </p:childTnLst>
-                          </p:cTn>
-                        </p:par>
-                      </p:childTnLst>
-                    </p:cTn>
-                  </p:par>
-                  <p:par>
-                    <p:cTn id="12" fill="hold">
-                      <p:stCondLst>
-                        <p:cond delay="indefinite"/>
-                      </p:stCondLst>
-                      <p:childTnLst>
-                        <p:par>
-                          <p:cTn id="13" fill="hold">
-                            <p:stCondLst>
-                              <p:cond delay="0"/>
-                            </p:stCondLst>
-                            <p:childTnLst>
-                              <p:par>
-                                <p:cTn id="14" presetID="9" presetClass="entr" presetSubtype="0" fill="hold" nodeType="clickEffect">
-                                  <p:stCondLst>
-                                    <p:cond delay="0"/>
-                                  </p:stCondLst>
-                                  <p:childTnLst>
-                                    <p:set>
-                                      <p:cBhvr>
-                                        <p:cTn id="15" dur="1" fill="hold">
-                                          <p:stCondLst>
-                                            <p:cond delay="0"/>
-                                          </p:stCondLst>
-                                        </p:cTn>
-                                        <p:tgtEl>
-                                          <p:spTgt spid="4"/>
-                                        </p:tgtEl>
-                                        <p:attrNameLst>
-                                          <p:attrName>style.visibility</p:attrName>
-                                        </p:attrNameLst>
-                                      </p:cBhvr>
-                                      <p:to>
-                                        <p:strVal val="visible"/>
-                                      </p:to>
-                                    </p:set>
-                                    <p:animEffect transition="in" filter="dissolve">
-                                      <p:cBhvr>
-                                        <p:cTn id="16" dur="500"/>
-                                        <p:tgtEl>
-                                          <p:spTgt spid="4"/>
-                                        </p:tgtEl>
-                                      </p:cBhvr>
-                                    </p:animEffect>
-                                  </p:childTnLst>
-                                </p:cTn>
-                              </p:par>
-                            </p:childTnLst>
-                          </p:cTn>
-                        </p:par>
-                      </p:childTnLst>
-                    </p:cTn>
-                  </p:par>
-                  <p:par>
-                    <p:cTn id="17" fill="hold">
-                      <p:stCondLst>
-                        <p:cond delay="indefinite"/>
-                      </p:stCondLst>
-                      <p:childTnLst>
-                        <p:par>
-                          <p:cTn id="18" fill="hold">
-                            <p:stCondLst>
-                              <p:cond delay="0"/>
-                            </p:stCondLst>
-                            <p:childTnLst>
-                              <p:par>
-                                <p:cTn id="19" presetID="2" presetClass="entr" presetSubtype="2" accel="50000" decel="50000" fill="hold" nodeType="clickEffect">
-                                  <p:stCondLst>
-                                    <p:cond delay="0"/>
-                                  </p:stCondLst>
-                                  <p:childTnLst>
-                                    <p:set>
-                                      <p:cBhvr>
-                                        <p:cTn id="20" dur="1" fill="hold">
-                                          <p:stCondLst>
-                                            <p:cond delay="0"/>
-                                          </p:stCondLst>
-                                        </p:cTn>
-                                        <p:tgtEl>
-                                          <p:spTgt spid="14"/>
-                                        </p:tgtEl>
-                                        <p:attrNameLst>
-                                          <p:attrName>style.visibility</p:attrName>
-                                        </p:attrNameLst>
-                                      </p:cBhvr>
-                                      <p:to>
-                                        <p:strVal val="visible"/>
-                                      </p:to>
-                                    </p:set>
-                                    <p:anim calcmode="lin" valueType="num">
-                                      <p:cBhvr additive="base">
-                                        <p:cTn id="21" dur="1000" fill="hold"/>
-                                        <p:tgtEl>
-                                          <p:spTgt spid="14"/>
-                                        </p:tgtEl>
-                                        <p:attrNameLst>
-                                          <p:attrName>ppt_x</p:attrName>
-                                        </p:attrNameLst>
-                                      </p:cBhvr>
-                                      <p:tavLst>
-                                        <p:tav tm="0">
-                                          <p:val>
-                                            <p:strVal val="1+#ppt_w/2"/>
-                                          </p:val>
-                                        </p:tav>
-                                        <p:tav tm="100000">
-                                          <p:val>
-                                            <p:strVal val="#ppt_x"/>
-                                          </p:val>
-                                        </p:tav>
-                                      </p:tavLst>
-                                    </p:anim>
-                                    <p:anim calcmode="lin" valueType="num">
-                                      <p:cBhvr additive="base">
-                                        <p:cTn id="22" dur="1000" fill="hold"/>
-                                        <p:tgtEl>
-                                          <p:spTgt spid="14"/>
-                                        </p:tgtEl>
-                                        <p:attrNameLst>
-                                          <p:attrName>ppt_y</p:attrName>
-                                        </p:attrNameLst>
-                                      </p:cBhvr>
-                                      <p:tavLst>
-                                        <p:tav tm="0">
-                                          <p:val>
-                                            <p:strVal val="#ppt_y"/>
-                                          </p:val>
-                                        </p:tav>
-                                        <p:tav tm="100000">
-                                          <p:val>
-                                            <p:strVal val="#ppt_y"/>
-                                          </p:val>
-                                        </p:tav>
-                                      </p:tavLst>
-                                    </p:anim>
-                                  </p:childTnLst>
-                                </p:cTn>
-                              </p:par>
-                            </p:childTnLst>
-                          </p:cTn>
-                        </p:par>
-                      </p:childTnLst>
-                    </p:cTn>
-                  </p:par>
-                </p:childTnLst>
-              </p:cTn>
-              <p:prevCondLst>
-                <p:cond evt="onPrev" delay="0">
-                  <p:tgtEl>
-                    <p:sldTgt/>
-                  </p:tgtEl>
-                </p:cond>
-              </p:prevCondLst>
-              <p:nextCondLst>
-                <p:cond evt="onNext" delay="0">
-                  <p:tgtEl>
-                    <p:sldTgt/>
-                  </p:tgtEl>
-                </p:cond>
-              </p:nextCondLst>
-            </p:seq>
-          </p:childTnLst>
-        </p:cTn>
-      </p:par>
-    </p:tnLst>
-    <p:bldLst>
-      <p:bldP spid="10" grpId="0"/>
-    </p:bldLst>
-  </p:timing>
-</p:sld>
-</file>
-
-<file path=ppt/slides/slide12.xml><?xml version="1.0" encoding="utf-8"?>
-<p:sld xmlns:a="http://schemas.openxmlformats.org/drawingml/2006/main" xmlns:r="http://schemas.openxmlformats.org/officeDocument/2006/relationships" xmlns:p="http://schemas.openxmlformats.org/presentationml/2006/main">
-  <p:cSld>
-    <p:spTree>
-      <p:nvGrpSpPr>
-        <p:cNvPr id="1" name=""/>
-        <p:cNvGrpSpPr/>
-        <p:nvPr/>
-      </p:nvGrpSpPr>
-      <p:grpSpPr>
-        <a:xfrm>
-          <a:off x="0" y="0"/>
-          <a:ext cx="0" cy="0"/>
-          <a:chOff x="0" y="0"/>
-          <a:chExt cx="0" cy="0"/>
-        </a:xfrm>
-      </p:grpSpPr>
-      <p:sp>
-        <p:nvSpPr>
-          <p:cNvPr id="2" name="Title 1"/>
-          <p:cNvSpPr>
-            <a:spLocks noGrp="1"/>
-          </p:cNvSpPr>
-          <p:nvPr>
-            <p:ph type="title"/>
-          </p:nvPr>
-        </p:nvSpPr>
-        <p:spPr/>
-        <p:txBody>
-          <a:bodyPr/>
-          <a:lstStyle/>
-          <a:p>
-            <a:r>
-              <a:rPr lang="en-US" dirty="0" smtClean="0"/>
               <a:t>Partial Fractions Caveat #1</a:t>
             </a:r>
             <a:endParaRPr lang="en-US" dirty="0"/>
@@ -4011,7 +3985,7 @@
           <a:graphicData uri="http://schemas.openxmlformats.org/presentationml/2006/ole">
             <mc:AlternateContent xmlns:mc="http://schemas.openxmlformats.org/markup-compatibility/2006">
               <mc:Choice xmlns:v="urn:schemas-microsoft-com:vml" Requires="v">
-                <p:oleObj spid="_x0000_s380974" name="Equation" r:id="rId4" imgW="2451100" imgH="1689100" progId="Equation.DSMT4">
+                <p:oleObj spid="_x0000_s380981" name="Equation" r:id="rId4" imgW="2451100" imgH="1689100" progId="Equation.DSMT4">
                   <p:embed/>
                 </p:oleObj>
               </mc:Choice>
@@ -4123,7 +4097,7 @@
           <a:graphicData uri="http://schemas.openxmlformats.org/presentationml/2006/ole">
             <mc:AlternateContent xmlns:mc="http://schemas.openxmlformats.org/markup-compatibility/2006">
               <mc:Choice xmlns:v="urn:schemas-microsoft-com:vml" Requires="v">
-                <p:oleObj spid="_x0000_s380975" name="Equation" r:id="rId6" imgW="7785100" imgH="1612900" progId="Equation.DSMT4">
+                <p:oleObj spid="_x0000_s380982" name="Equation" r:id="rId6" imgW="7785100" imgH="1612900" progId="Equation.DSMT4">
                   <p:embed/>
                 </p:oleObj>
               </mc:Choice>
@@ -4196,18 +4170,18 @@
             </a:pPr>
             <a:r>
               <a:rPr lang="en-US" dirty="0" err="1" smtClean="0"/>
-              <a:t>lec</a:t>
+              <a:t>partialfrac</a:t>
             </a:r>
             <a:r>
               <a:rPr lang="en-US" dirty="0" smtClean="0"/>
-              <a:t> 11M.</a:t>
+              <a:t>.</a:t>
             </a:r>
             <a:fld id="{A585D087-0720-40C8-BCB9-442D95888E3B}" type="slidenum">
               <a:rPr lang="en-US" smtClean="0"/>
               <a:pPr>
                 <a:defRPr/>
               </a:pPr>
-              <a:t>12</a:t>
+              <a:t>11</a:t>
             </a:fld>
             <a:endParaRPr lang="en-US" dirty="0"/>
           </a:p>
@@ -4416,7 +4390,7 @@
 </p:sld>
 </file>
 
-<file path=ppt/slides/slide13.xml><?xml version="1.0" encoding="utf-8"?>
+<file path=ppt/slides/slide12.xml><?xml version="1.0" encoding="utf-8"?>
 <p:sld xmlns:a="http://schemas.openxmlformats.org/drawingml/2006/main" xmlns:r="http://schemas.openxmlformats.org/officeDocument/2006/relationships" xmlns:p="http://schemas.openxmlformats.org/presentationml/2006/main">
   <p:cSld>
     <p:spTree>
@@ -4450,6 +4424,1409 @@
           <a:p>
             <a:r>
               <a:rPr lang="en-US" dirty="0" smtClean="0"/>
+              <a:t>Partial fractions</a:t>
+            </a:r>
+            <a:endParaRPr lang="en-US" dirty="0"/>
+          </a:p>
+        </p:txBody>
+      </p:sp>
+      <p:sp>
+        <p:nvSpPr>
+          <p:cNvPr id="12" name="TextBox 11"/>
+          <p:cNvSpPr txBox="1"/>
+          <p:nvPr/>
+        </p:nvSpPr>
+        <p:spPr>
+          <a:xfrm>
+            <a:off x="304800" y="1487269"/>
+            <a:ext cx="8610600" cy="1200329"/>
+          </a:xfrm>
+          <a:prstGeom prst="rect">
+            <a:avLst/>
+          </a:prstGeom>
+          <a:noFill/>
+        </p:spPr>
+        <p:txBody>
+          <a:bodyPr wrap="square" rtlCol="0">
+            <a:spAutoFit/>
+          </a:bodyPr>
+          <a:lstStyle/>
+          <a:p>
+            <a:r>
+              <a:rPr lang="en-US" sz="3600" dirty="0" smtClean="0"/>
+              <a:t>Partial fraction expansion of </a:t>
+            </a:r>
+            <a:r>
+              <a:rPr lang="en-US" sz="3600" dirty="0" smtClean="0">
+                <a:solidFill>
+                  <a:srgbClr val="0000FF"/>
+                </a:solidFill>
+              </a:rPr>
+              <a:t>P(x)/Q(x) </a:t>
+            </a:r>
+            <a:r>
+              <a:rPr lang="en-US" sz="3600" dirty="0" smtClean="0"/>
+              <a:t>generally contains terms of the form</a:t>
+            </a:r>
+            <a:endParaRPr lang="en-US" sz="3600" dirty="0"/>
+          </a:p>
+        </p:txBody>
+      </p:sp>
+      <p:graphicFrame>
+        <p:nvGraphicFramePr>
+          <p:cNvPr id="8" name="Object 7"/>
+          <p:cNvGraphicFramePr>
+            <a:graphicFrameLocks noChangeAspect="1"/>
+          </p:cNvGraphicFramePr>
+          <p:nvPr>
+            <p:extLst>
+              <p:ext uri="{D42A27DB-BD31-4B8C-83A1-F6EECF244321}">
+                <p14:modId xmlns:p14="http://schemas.microsoft.com/office/powerpoint/2010/main" val="1993985837"/>
+              </p:ext>
+            </p:extLst>
+          </p:nvPr>
+        </p:nvGraphicFramePr>
+        <p:xfrm>
+          <a:off x="812800" y="3041650"/>
+          <a:ext cx="4178300" cy="1841500"/>
+        </p:xfrm>
+        <a:graphic>
+          <a:graphicData uri="http://schemas.openxmlformats.org/presentationml/2006/ole">
+            <mc:AlternateContent xmlns:mc="http://schemas.openxmlformats.org/markup-compatibility/2006">
+              <mc:Choice xmlns:v="urn:schemas-microsoft-com:vml" Requires="v">
+                <p:oleObj spid="_x0000_s258111" name="Equation" r:id="rId4" imgW="4178300" imgH="1841500" progId="Equation.DSMT4">
+                  <p:embed/>
+                </p:oleObj>
+              </mc:Choice>
+              <mc:Fallback>
+                <p:oleObj name="Equation" r:id="rId4" imgW="4178300" imgH="1841500" progId="Equation.DSMT4">
+                  <p:embed/>
+                  <p:pic>
+                    <p:nvPicPr>
+                      <p:cNvPr id="0" name="Picture 2"/>
+                      <p:cNvPicPr>
+                        <a:picLocks noChangeAspect="1" noChangeArrowheads="1"/>
+                      </p:cNvPicPr>
+                      <p:nvPr/>
+                    </p:nvPicPr>
+                    <p:blipFill>
+                      <a:blip r:embed="rId5"/>
+                      <a:srcRect/>
+                      <a:stretch>
+                        <a:fillRect/>
+                      </a:stretch>
+                    </p:blipFill>
+                    <p:spPr bwMode="auto">
+                      <a:xfrm>
+                        <a:off x="812800" y="3041650"/>
+                        <a:ext cx="4178300" cy="1841500"/>
+                      </a:xfrm>
+                      <a:prstGeom prst="rect">
+                        <a:avLst/>
+                      </a:prstGeom>
+                      <a:noFill/>
+                      <a:extLst>
+                        <a:ext uri="{909E8E84-426E-40dd-AFC4-6F175D3DCCD1}">
+                          <a14:hiddenFill xmlns:a14="http://schemas.microsoft.com/office/drawing/2010/main">
+                            <a:solidFill>
+                              <a:srgbClr val="FFFFFF"/>
+                            </a:solidFill>
+                          </a14:hiddenFill>
+                        </a:ext>
+                      </a:extLst>
+                    </p:spPr>
+                  </p:pic>
+                </p:oleObj>
+              </mc:Fallback>
+            </mc:AlternateContent>
+          </a:graphicData>
+        </a:graphic>
+      </p:graphicFrame>
+      <p:grpSp>
+        <p:nvGrpSpPr>
+          <p:cNvPr id="4" name="Group 15"/>
+          <p:cNvGrpSpPr/>
+          <p:nvPr/>
+        </p:nvGrpSpPr>
+        <p:grpSpPr>
+          <a:xfrm>
+            <a:off x="3962400" y="2819400"/>
+            <a:ext cx="4952999" cy="1077218"/>
+            <a:chOff x="3812309" y="2819399"/>
+            <a:chExt cx="5103090" cy="895784"/>
+          </a:xfrm>
+        </p:grpSpPr>
+        <p:sp>
+          <p:nvSpPr>
+            <p:cNvPr id="11" name="TextBox 10"/>
+            <p:cNvSpPr txBox="1"/>
+            <p:nvPr/>
+          </p:nvSpPr>
+          <p:spPr>
+            <a:xfrm>
+              <a:off x="5029200" y="2819399"/>
+              <a:ext cx="3886199" cy="895784"/>
+            </a:xfrm>
+            <a:prstGeom prst="rect">
+              <a:avLst/>
+            </a:prstGeom>
+            <a:noFill/>
+          </p:spPr>
+          <p:txBody>
+            <a:bodyPr wrap="square" rtlCol="0">
+              <a:spAutoFit/>
+            </a:bodyPr>
+            <a:lstStyle/>
+            <a:p>
+              <a:r>
+                <a:rPr lang="en-US" sz="3200" dirty="0" smtClean="0">
+                  <a:solidFill>
+                    <a:srgbClr val="FF00FF"/>
+                  </a:solidFill>
+                </a:rPr>
+                <a:t>We know the </a:t>
+              </a:r>
+              <a:r>
+                <a:rPr lang="en-US" sz="3200" dirty="0" smtClean="0">
+                  <a:solidFill>
+                    <a:srgbClr val="0000FF"/>
+                  </a:solidFill>
+                </a:rPr>
+                <a:t>n</a:t>
+              </a:r>
+              <a:r>
+                <a:rPr lang="en-US" sz="3200" baseline="30000" dirty="0" smtClean="0">
+                  <a:solidFill>
+                    <a:srgbClr val="FF00FF"/>
+                  </a:solidFill>
+                </a:rPr>
+                <a:t>th</a:t>
+              </a:r>
+              <a:r>
+                <a:rPr lang="en-US" sz="3200" dirty="0" smtClean="0">
+                  <a:solidFill>
+                    <a:srgbClr val="FF00FF"/>
+                  </a:solidFill>
+                </a:rPr>
+                <a:t> </a:t>
+              </a:r>
+              <a:r>
+                <a:rPr lang="en-US" sz="3200" dirty="0" err="1" smtClean="0">
+                  <a:solidFill>
+                    <a:srgbClr val="FF00FF"/>
+                  </a:solidFill>
+                </a:rPr>
+                <a:t>coeff</a:t>
+              </a:r>
+              <a:r>
+                <a:rPr lang="en-US" sz="3200" dirty="0" smtClean="0">
+                  <a:solidFill>
+                    <a:srgbClr val="FF00FF"/>
+                  </a:solidFill>
+                </a:rPr>
+                <a:t> of this!</a:t>
+              </a:r>
+              <a:endParaRPr lang="en-US" sz="3200" dirty="0">
+                <a:solidFill>
+                  <a:srgbClr val="FF00FF"/>
+                </a:solidFill>
+              </a:endParaRPr>
+            </a:p>
+          </p:txBody>
+        </p:sp>
+        <p:cxnSp>
+          <p:nvCxnSpPr>
+            <p:cNvPr id="15" name="Straight Arrow Connector 14"/>
+            <p:cNvCxnSpPr>
+              <a:stCxn id="11" idx="1"/>
+            </p:cNvCxnSpPr>
+            <p:nvPr/>
+          </p:nvCxnSpPr>
+          <p:spPr bwMode="auto">
+            <a:xfrm rot="10800000" flipV="1">
+              <a:off x="3812309" y="3267289"/>
+              <a:ext cx="1216891" cy="249131"/>
+            </a:xfrm>
+            <a:prstGeom prst="straightConnector1">
+              <a:avLst/>
+            </a:prstGeom>
+            <a:solidFill>
+              <a:schemeClr val="accent1">
+                <a:alpha val="0"/>
+              </a:schemeClr>
+            </a:solidFill>
+            <a:ln w="28575" cap="flat" cmpd="sng" algn="ctr">
+              <a:solidFill>
+                <a:srgbClr val="FF00FF"/>
+              </a:solidFill>
+              <a:prstDash val="sysDot"/>
+              <a:round/>
+              <a:headEnd type="none" w="med" len="med"/>
+              <a:tailEnd type="arrow"/>
+            </a:ln>
+            <a:effectLst/>
+          </p:spPr>
+        </p:cxnSp>
+      </p:grpSp>
+      <p:sp>
+        <p:nvSpPr>
+          <p:cNvPr id="13" name="Slide Number Placeholder 2"/>
+          <p:cNvSpPr>
+            <a:spLocks noGrp="1"/>
+          </p:cNvSpPr>
+          <p:nvPr>
+            <p:ph type="sldNum" sz="quarter" idx="10"/>
+          </p:nvPr>
+        </p:nvSpPr>
+        <p:spPr>
+          <a:xfrm>
+            <a:off x="6400800" y="6613525"/>
+            <a:ext cx="2667000" cy="244475"/>
+          </a:xfrm>
+        </p:spPr>
+        <p:txBody>
+          <a:bodyPr/>
+          <a:lstStyle/>
+          <a:p>
+            <a:pPr>
+              <a:defRPr/>
+            </a:pPr>
+            <a:r>
+              <a:rPr lang="en-US" dirty="0" err="1" smtClean="0"/>
+              <a:t>partialfrac</a:t>
+            </a:r>
+            <a:r>
+              <a:rPr lang="en-US" dirty="0" smtClean="0"/>
+              <a:t>.</a:t>
+            </a:r>
+            <a:fld id="{A585D087-0720-40C8-BCB9-442D95888E3B}" type="slidenum">
+              <a:rPr lang="en-US" smtClean="0"/>
+              <a:pPr>
+                <a:defRPr/>
+              </a:pPr>
+              <a:t>12</a:t>
+            </a:fld>
+            <a:endParaRPr lang="en-US" dirty="0"/>
+          </a:p>
+        </p:txBody>
+      </p:sp>
+      <p:graphicFrame>
+        <p:nvGraphicFramePr>
+          <p:cNvPr id="14" name="Object 13"/>
+          <p:cNvGraphicFramePr>
+            <a:graphicFrameLocks noChangeAspect="1"/>
+          </p:cNvGraphicFramePr>
+          <p:nvPr>
+            <p:extLst>
+              <p:ext uri="{D42A27DB-BD31-4B8C-83A1-F6EECF244321}">
+                <p14:modId xmlns:p14="http://schemas.microsoft.com/office/powerpoint/2010/main" val="1084025936"/>
+              </p:ext>
+            </p:extLst>
+          </p:nvPr>
+        </p:nvGraphicFramePr>
+        <p:xfrm>
+          <a:off x="5105400" y="4114800"/>
+          <a:ext cx="3170237" cy="1752600"/>
+        </p:xfrm>
+        <a:graphic>
+          <a:graphicData uri="http://schemas.openxmlformats.org/presentationml/2006/ole">
+            <mc:AlternateContent xmlns:mc="http://schemas.openxmlformats.org/markup-compatibility/2006">
+              <mc:Choice xmlns:v="urn:schemas-microsoft-com:vml" Requires="v">
+                <p:oleObj spid="_x0000_s258112" name="Equation" r:id="rId6" imgW="965200" imgH="533400" progId="Equation.DSMT4">
+                  <p:embed/>
+                </p:oleObj>
+              </mc:Choice>
+              <mc:Fallback>
+                <p:oleObj name="Equation" r:id="rId6" imgW="965200" imgH="533400" progId="Equation.DSMT4">
+                  <p:embed/>
+                  <p:pic>
+                    <p:nvPicPr>
+                      <p:cNvPr id="0" name="Picture 5"/>
+                      <p:cNvPicPr>
+                        <a:picLocks noChangeAspect="1" noChangeArrowheads="1"/>
+                      </p:cNvPicPr>
+                      <p:nvPr/>
+                    </p:nvPicPr>
+                    <p:blipFill>
+                      <a:blip r:embed="rId7"/>
+                      <a:srcRect/>
+                      <a:stretch>
+                        <a:fillRect/>
+                      </a:stretch>
+                    </p:blipFill>
+                    <p:spPr bwMode="auto">
+                      <a:xfrm>
+                        <a:off x="5105400" y="4114800"/>
+                        <a:ext cx="3170237" cy="1752600"/>
+                      </a:xfrm>
+                      <a:prstGeom prst="rect">
+                        <a:avLst/>
+                      </a:prstGeom>
+                      <a:noFill/>
+                      <a:extLst>
+                        <a:ext uri="{909E8E84-426E-40dd-AFC4-6F175D3DCCD1}">
+                          <a14:hiddenFill xmlns:a14="http://schemas.microsoft.com/office/drawing/2010/main">
+                            <a:solidFill>
+                              <a:srgbClr val="FFFFFF"/>
+                            </a:solidFill>
+                          </a14:hiddenFill>
+                        </a:ext>
+                      </a:extLst>
+                    </p:spPr>
+                  </p:pic>
+                </p:oleObj>
+              </mc:Fallback>
+            </mc:AlternateContent>
+          </a:graphicData>
+        </a:graphic>
+      </p:graphicFrame>
+    </p:spTree>
+  </p:cSld>
+  <p:clrMapOvr>
+    <a:masterClrMapping/>
+  </p:clrMapOvr>
+  <mc:AlternateContent xmlns:mc="http://schemas.openxmlformats.org/markup-compatibility/2006">
+    <mc:Choice xmlns:p14="http://schemas.microsoft.com/office/powerpoint/2010/main" Requires="p14">
+      <p:transition spd="med" p14:dur="600" advClick="0">
+        <p:fade/>
+      </p:transition>
+    </mc:Choice>
+    <mc:Fallback>
+      <p:transition xmlns:p14="http://schemas.microsoft.com/office/powerpoint/2010/main" spd="med" advClick="0">
+        <p:fade/>
+      </p:transition>
+    </mc:Fallback>
+  </mc:AlternateContent>
+  <p:timing>
+    <p:tnLst>
+      <p:par>
+        <p:cTn xmlns:p14="http://schemas.microsoft.com/office/powerpoint/2010/main" id="1" dur="indefinite" restart="never" nodeType="tmRoot">
+          <p:childTnLst>
+            <p:seq concurrent="1" nextAc="seek">
+              <p:cTn id="2" dur="indefinite" nodeType="mainSeq">
+                <p:childTnLst>
+                  <p:par>
+                    <p:cTn id="3" fill="hold">
+                      <p:stCondLst>
+                        <p:cond delay="indefinite"/>
+                        <p:cond evt="onBegin" delay="0">
+                          <p:tn val="2"/>
+                        </p:cond>
+                      </p:stCondLst>
+                      <p:childTnLst>
+                        <p:par>
+                          <p:cTn id="4" fill="hold">
+                            <p:stCondLst>
+                              <p:cond delay="0"/>
+                            </p:stCondLst>
+                            <p:childTnLst>
+                              <p:par>
+                                <p:cTn id="5" presetID="22" presetClass="entr" presetSubtype="8" fill="hold" nodeType="afterEffect">
+                                  <p:stCondLst>
+                                    <p:cond delay="0"/>
+                                  </p:stCondLst>
+                                  <p:childTnLst>
+                                    <p:set>
+                                      <p:cBhvr>
+                                        <p:cTn id="6" dur="1" fill="hold">
+                                          <p:stCondLst>
+                                            <p:cond delay="0"/>
+                                          </p:stCondLst>
+                                        </p:cTn>
+                                        <p:tgtEl>
+                                          <p:spTgt spid="8"/>
+                                        </p:tgtEl>
+                                        <p:attrNameLst>
+                                          <p:attrName>style.visibility</p:attrName>
+                                        </p:attrNameLst>
+                                      </p:cBhvr>
+                                      <p:to>
+                                        <p:strVal val="visible"/>
+                                      </p:to>
+                                    </p:set>
+                                    <p:animEffect transition="in" filter="wipe(left)">
+                                      <p:cBhvr>
+                                        <p:cTn id="7" dur="500"/>
+                                        <p:tgtEl>
+                                          <p:spTgt spid="8"/>
+                                        </p:tgtEl>
+                                      </p:cBhvr>
+                                    </p:animEffect>
+                                  </p:childTnLst>
+                                </p:cTn>
+                              </p:par>
+                            </p:childTnLst>
+                          </p:cTn>
+                        </p:par>
+                      </p:childTnLst>
+                    </p:cTn>
+                  </p:par>
+                  <p:par>
+                    <p:cTn id="8" fill="hold">
+                      <p:stCondLst>
+                        <p:cond delay="indefinite"/>
+                      </p:stCondLst>
+                      <p:childTnLst>
+                        <p:par>
+                          <p:cTn id="9" fill="hold">
+                            <p:stCondLst>
+                              <p:cond delay="0"/>
+                            </p:stCondLst>
+                            <p:childTnLst>
+                              <p:par>
+                                <p:cTn id="10" presetID="10" presetClass="entr" presetSubtype="0" fill="hold" nodeType="clickEffect">
+                                  <p:stCondLst>
+                                    <p:cond delay="0"/>
+                                  </p:stCondLst>
+                                  <p:childTnLst>
+                                    <p:set>
+                                      <p:cBhvr>
+                                        <p:cTn id="11" dur="1" fill="hold">
+                                          <p:stCondLst>
+                                            <p:cond delay="0"/>
+                                          </p:stCondLst>
+                                        </p:cTn>
+                                        <p:tgtEl>
+                                          <p:spTgt spid="4"/>
+                                        </p:tgtEl>
+                                        <p:attrNameLst>
+                                          <p:attrName>style.visibility</p:attrName>
+                                        </p:attrNameLst>
+                                      </p:cBhvr>
+                                      <p:to>
+                                        <p:strVal val="visible"/>
+                                      </p:to>
+                                    </p:set>
+                                    <p:animEffect transition="in" filter="fade">
+                                      <p:cBhvr>
+                                        <p:cTn id="12" dur="500"/>
+                                        <p:tgtEl>
+                                          <p:spTgt spid="4"/>
+                                        </p:tgtEl>
+                                      </p:cBhvr>
+                                    </p:animEffect>
+                                  </p:childTnLst>
+                                </p:cTn>
+                              </p:par>
+                            </p:childTnLst>
+                          </p:cTn>
+                        </p:par>
+                      </p:childTnLst>
+                    </p:cTn>
+                  </p:par>
+                  <p:par>
+                    <p:cTn id="13" fill="hold">
+                      <p:stCondLst>
+                        <p:cond delay="indefinite"/>
+                      </p:stCondLst>
+                      <p:childTnLst>
+                        <p:par>
+                          <p:cTn id="14" fill="hold">
+                            <p:stCondLst>
+                              <p:cond delay="0"/>
+                            </p:stCondLst>
+                            <p:childTnLst>
+                              <p:par>
+                                <p:cTn id="15" presetID="2" presetClass="entr" presetSubtype="2" accel="50000" decel="50000" fill="hold" nodeType="clickEffect">
+                                  <p:stCondLst>
+                                    <p:cond delay="0"/>
+                                  </p:stCondLst>
+                                  <p:childTnLst>
+                                    <p:set>
+                                      <p:cBhvr>
+                                        <p:cTn id="16" dur="1" fill="hold">
+                                          <p:stCondLst>
+                                            <p:cond delay="0"/>
+                                          </p:stCondLst>
+                                        </p:cTn>
+                                        <p:tgtEl>
+                                          <p:spTgt spid="14"/>
+                                        </p:tgtEl>
+                                        <p:attrNameLst>
+                                          <p:attrName>style.visibility</p:attrName>
+                                        </p:attrNameLst>
+                                      </p:cBhvr>
+                                      <p:to>
+                                        <p:strVal val="visible"/>
+                                      </p:to>
+                                    </p:set>
+                                    <p:anim calcmode="lin" valueType="num">
+                                      <p:cBhvr additive="base">
+                                        <p:cTn id="17" dur="1000" fill="hold"/>
+                                        <p:tgtEl>
+                                          <p:spTgt spid="14"/>
+                                        </p:tgtEl>
+                                        <p:attrNameLst>
+                                          <p:attrName>ppt_x</p:attrName>
+                                        </p:attrNameLst>
+                                      </p:cBhvr>
+                                      <p:tavLst>
+                                        <p:tav tm="0">
+                                          <p:val>
+                                            <p:strVal val="1+#ppt_w/2"/>
+                                          </p:val>
+                                        </p:tav>
+                                        <p:tav tm="100000">
+                                          <p:val>
+                                            <p:strVal val="#ppt_x"/>
+                                          </p:val>
+                                        </p:tav>
+                                      </p:tavLst>
+                                    </p:anim>
+                                    <p:anim calcmode="lin" valueType="num">
+                                      <p:cBhvr additive="base">
+                                        <p:cTn id="18" dur="1000" fill="hold"/>
+                                        <p:tgtEl>
+                                          <p:spTgt spid="14"/>
+                                        </p:tgtEl>
+                                        <p:attrNameLst>
+                                          <p:attrName>ppt_y</p:attrName>
+                                        </p:attrNameLst>
+                                      </p:cBhvr>
+                                      <p:tavLst>
+                                        <p:tav tm="0">
+                                          <p:val>
+                                            <p:strVal val="#ppt_y"/>
+                                          </p:val>
+                                        </p:tav>
+                                        <p:tav tm="100000">
+                                          <p:val>
+                                            <p:strVal val="#ppt_y"/>
+                                          </p:val>
+                                        </p:tav>
+                                      </p:tavLst>
+                                    </p:anim>
+                                  </p:childTnLst>
+                                </p:cTn>
+                              </p:par>
+                            </p:childTnLst>
+                          </p:cTn>
+                        </p:par>
+                      </p:childTnLst>
+                    </p:cTn>
+                  </p:par>
+                </p:childTnLst>
+              </p:cTn>
+              <p:prevCondLst>
+                <p:cond evt="onPrev" delay="0">
+                  <p:tgtEl>
+                    <p:sldTgt/>
+                  </p:tgtEl>
+                </p:cond>
+              </p:prevCondLst>
+              <p:nextCondLst>
+                <p:cond evt="onNext" delay="0">
+                  <p:tgtEl>
+                    <p:sldTgt/>
+                  </p:tgtEl>
+                </p:cond>
+              </p:nextCondLst>
+            </p:seq>
+          </p:childTnLst>
+        </p:cTn>
+      </p:par>
+    </p:tnLst>
+  </p:timing>
+</p:sld>
+</file>
+
+<file path=ppt/slides/slide13.xml><?xml version="1.0" encoding="utf-8"?>
+<p:sld xmlns:a="http://schemas.openxmlformats.org/drawingml/2006/main" xmlns:r="http://schemas.openxmlformats.org/officeDocument/2006/relationships" xmlns:p="http://schemas.openxmlformats.org/presentationml/2006/main" show="0">
+  <p:cSld>
+    <p:spTree>
+      <p:nvGrpSpPr>
+        <p:cNvPr id="1" name=""/>
+        <p:cNvGrpSpPr/>
+        <p:nvPr/>
+      </p:nvGrpSpPr>
+      <p:grpSpPr>
+        <a:xfrm>
+          <a:off x="0" y="0"/>
+          <a:ext cx="0" cy="0"/>
+          <a:chOff x="0" y="0"/>
+          <a:chExt cx="0" cy="0"/>
+        </a:xfrm>
+      </p:grpSpPr>
+      <p:sp>
+        <p:nvSpPr>
+          <p:cNvPr id="2" name="Title 1"/>
+          <p:cNvSpPr>
+            <a:spLocks noGrp="1"/>
+          </p:cNvSpPr>
+          <p:nvPr>
+            <p:ph type="title"/>
+          </p:nvPr>
+        </p:nvSpPr>
+        <p:spPr/>
+        <p:txBody>
+          <a:bodyPr/>
+          <a:lstStyle/>
+          <a:p>
+            <a:r>
+              <a:rPr lang="en-US" dirty="0" smtClean="0"/>
+              <a:t>Partial fractions</a:t>
+            </a:r>
+            <a:endParaRPr lang="en-US" dirty="0"/>
+          </a:p>
+        </p:txBody>
+      </p:sp>
+      <p:sp>
+        <p:nvSpPr>
+          <p:cNvPr id="12" name="TextBox 11"/>
+          <p:cNvSpPr txBox="1"/>
+          <p:nvPr/>
+        </p:nvSpPr>
+        <p:spPr>
+          <a:xfrm>
+            <a:off x="304800" y="1487269"/>
+            <a:ext cx="8610600" cy="1200329"/>
+          </a:xfrm>
+          <a:prstGeom prst="rect">
+            <a:avLst/>
+          </a:prstGeom>
+          <a:noFill/>
+        </p:spPr>
+        <p:txBody>
+          <a:bodyPr wrap="square" rtlCol="0">
+            <a:spAutoFit/>
+          </a:bodyPr>
+          <a:lstStyle/>
+          <a:p>
+            <a:r>
+              <a:rPr lang="en-US" sz="3600" dirty="0" smtClean="0"/>
+              <a:t>Partial fraction expansion of </a:t>
+            </a:r>
+            <a:r>
+              <a:rPr lang="en-US" sz="3600" dirty="0" smtClean="0">
+                <a:solidFill>
+                  <a:srgbClr val="0000FF"/>
+                </a:solidFill>
+              </a:rPr>
+              <a:t>P(x)/Q(x) </a:t>
+            </a:r>
+            <a:r>
+              <a:rPr lang="en-US" sz="3600" dirty="0" smtClean="0"/>
+              <a:t>generally contains terms of the form</a:t>
+            </a:r>
+            <a:endParaRPr lang="en-US" sz="3600" dirty="0"/>
+          </a:p>
+        </p:txBody>
+      </p:sp>
+      <p:graphicFrame>
+        <p:nvGraphicFramePr>
+          <p:cNvPr id="8" name="Object 7"/>
+          <p:cNvGraphicFramePr>
+            <a:graphicFrameLocks noChangeAspect="1"/>
+          </p:cNvGraphicFramePr>
+          <p:nvPr>
+            <p:extLst>
+              <p:ext uri="{D42A27DB-BD31-4B8C-83A1-F6EECF244321}">
+                <p14:modId xmlns:p14="http://schemas.microsoft.com/office/powerpoint/2010/main" val="2286721744"/>
+              </p:ext>
+            </p:extLst>
+          </p:nvPr>
+        </p:nvGraphicFramePr>
+        <p:xfrm>
+          <a:off x="812800" y="3041650"/>
+          <a:ext cx="4178300" cy="1841500"/>
+        </p:xfrm>
+        <a:graphic>
+          <a:graphicData uri="http://schemas.openxmlformats.org/presentationml/2006/ole">
+            <mc:AlternateContent xmlns:mc="http://schemas.openxmlformats.org/markup-compatibility/2006">
+              <mc:Choice xmlns:v="urn:schemas-microsoft-com:vml" Requires="v">
+                <p:oleObj spid="_x0000_s392197" name="Equation" r:id="rId3" imgW="4178300" imgH="1841500" progId="Equation.DSMT4">
+                  <p:embed/>
+                </p:oleObj>
+              </mc:Choice>
+              <mc:Fallback>
+                <p:oleObj name="Equation" r:id="rId3" imgW="4178300" imgH="1841500" progId="Equation.DSMT4">
+                  <p:embed/>
+                  <p:pic>
+                    <p:nvPicPr>
+                      <p:cNvPr id="0" name=""/>
+                      <p:cNvPicPr>
+                        <a:picLocks noChangeAspect="1" noChangeArrowheads="1"/>
+                      </p:cNvPicPr>
+                      <p:nvPr/>
+                    </p:nvPicPr>
+                    <p:blipFill>
+                      <a:blip r:embed="rId4"/>
+                      <a:srcRect/>
+                      <a:stretch>
+                        <a:fillRect/>
+                      </a:stretch>
+                    </p:blipFill>
+                    <p:spPr bwMode="auto">
+                      <a:xfrm>
+                        <a:off x="812800" y="3041650"/>
+                        <a:ext cx="4178300" cy="1841500"/>
+                      </a:xfrm>
+                      <a:prstGeom prst="rect">
+                        <a:avLst/>
+                      </a:prstGeom>
+                      <a:noFill/>
+                      <a:extLst>
+                        <a:ext uri="{909E8E84-426E-40dd-AFC4-6F175D3DCCD1}">
+                          <a14:hiddenFill xmlns:a14="http://schemas.microsoft.com/office/drawing/2010/main">
+                            <a:solidFill>
+                              <a:srgbClr val="FFFFFF"/>
+                            </a:solidFill>
+                          </a14:hiddenFill>
+                        </a:ext>
+                      </a:extLst>
+                    </p:spPr>
+                  </p:pic>
+                </p:oleObj>
+              </mc:Fallback>
+            </mc:AlternateContent>
+          </a:graphicData>
+        </a:graphic>
+      </p:graphicFrame>
+      <p:sp>
+        <p:nvSpPr>
+          <p:cNvPr id="10" name="TextBox 9"/>
+          <p:cNvSpPr txBox="1"/>
+          <p:nvPr/>
+        </p:nvSpPr>
+        <p:spPr>
+          <a:xfrm>
+            <a:off x="381000" y="5257800"/>
+            <a:ext cx="6351318" cy="646331"/>
+          </a:xfrm>
+          <a:prstGeom prst="rect">
+            <a:avLst/>
+          </a:prstGeom>
+          <a:noFill/>
+        </p:spPr>
+        <p:txBody>
+          <a:bodyPr wrap="none" rtlCol="0">
+            <a:spAutoFit/>
+          </a:bodyPr>
+          <a:lstStyle/>
+          <a:p>
+            <a:r>
+              <a:rPr lang="en-US" sz="3600" dirty="0" smtClean="0"/>
+              <a:t>where 1/</a:t>
+            </a:r>
+            <a:r>
+              <a:rPr lang="en-US" sz="3600" b="1" dirty="0" smtClean="0">
+                <a:solidFill>
+                  <a:srgbClr val="008000"/>
+                </a:solidFill>
+                <a:latin typeface="Symbol" charset="2"/>
+                <a:cs typeface="Symbol" charset="2"/>
+                <a:sym typeface="Symbol"/>
+              </a:rPr>
+              <a:t>α</a:t>
+            </a:r>
+            <a:r>
+              <a:rPr lang="en-US" sz="3600" dirty="0" smtClean="0">
+                <a:solidFill>
+                  <a:srgbClr val="008000"/>
+                </a:solidFill>
+                <a:sym typeface="Symbol"/>
+              </a:rPr>
+              <a:t> </a:t>
+            </a:r>
+            <a:r>
+              <a:rPr lang="en-US" sz="3600" dirty="0" smtClean="0">
+                <a:sym typeface="Symbol"/>
+              </a:rPr>
+              <a:t>is a root of </a:t>
+            </a:r>
+            <a:r>
+              <a:rPr lang="en-US" sz="3600" dirty="0" smtClean="0">
+                <a:solidFill>
+                  <a:srgbClr val="0000FF"/>
+                </a:solidFill>
+                <a:sym typeface="Symbol"/>
+              </a:rPr>
+              <a:t>Q</a:t>
+            </a:r>
+            <a:r>
+              <a:rPr lang="en-US" sz="3600" dirty="0" smtClean="0">
+                <a:sym typeface="Symbol"/>
+              </a:rPr>
+              <a:t>(x).</a:t>
+            </a:r>
+            <a:endParaRPr lang="en-US" sz="3600" dirty="0"/>
+          </a:p>
+        </p:txBody>
+      </p:sp>
+      <p:grpSp>
+        <p:nvGrpSpPr>
+          <p:cNvPr id="4" name="Group 15"/>
+          <p:cNvGrpSpPr/>
+          <p:nvPr/>
+        </p:nvGrpSpPr>
+        <p:grpSpPr>
+          <a:xfrm>
+            <a:off x="3962400" y="2819400"/>
+            <a:ext cx="4952999" cy="1077218"/>
+            <a:chOff x="3812309" y="2819399"/>
+            <a:chExt cx="5103090" cy="895784"/>
+          </a:xfrm>
+        </p:grpSpPr>
+        <p:sp>
+          <p:nvSpPr>
+            <p:cNvPr id="11" name="TextBox 10"/>
+            <p:cNvSpPr txBox="1"/>
+            <p:nvPr/>
+          </p:nvSpPr>
+          <p:spPr>
+            <a:xfrm>
+              <a:off x="5029200" y="2819399"/>
+              <a:ext cx="3886199" cy="895784"/>
+            </a:xfrm>
+            <a:prstGeom prst="rect">
+              <a:avLst/>
+            </a:prstGeom>
+            <a:noFill/>
+          </p:spPr>
+          <p:txBody>
+            <a:bodyPr wrap="square" rtlCol="0">
+              <a:spAutoFit/>
+            </a:bodyPr>
+            <a:lstStyle/>
+            <a:p>
+              <a:r>
+                <a:rPr lang="en-US" sz="3200" dirty="0" smtClean="0">
+                  <a:solidFill>
+                    <a:srgbClr val="FF00FF"/>
+                  </a:solidFill>
+                </a:rPr>
+                <a:t>We know the </a:t>
+              </a:r>
+              <a:r>
+                <a:rPr lang="en-US" sz="3200" dirty="0" smtClean="0">
+                  <a:solidFill>
+                    <a:srgbClr val="0000FF"/>
+                  </a:solidFill>
+                </a:rPr>
+                <a:t>n</a:t>
+              </a:r>
+              <a:r>
+                <a:rPr lang="en-US" sz="3200" baseline="30000" dirty="0" smtClean="0">
+                  <a:solidFill>
+                    <a:srgbClr val="FF00FF"/>
+                  </a:solidFill>
+                </a:rPr>
+                <a:t>th</a:t>
+              </a:r>
+              <a:r>
+                <a:rPr lang="en-US" sz="3200" dirty="0" smtClean="0">
+                  <a:solidFill>
+                    <a:srgbClr val="FF00FF"/>
+                  </a:solidFill>
+                </a:rPr>
+                <a:t> </a:t>
+              </a:r>
+              <a:r>
+                <a:rPr lang="en-US" sz="3200" dirty="0" err="1" smtClean="0">
+                  <a:solidFill>
+                    <a:srgbClr val="FF00FF"/>
+                  </a:solidFill>
+                </a:rPr>
+                <a:t>coeff</a:t>
+              </a:r>
+              <a:r>
+                <a:rPr lang="en-US" sz="3200" dirty="0" smtClean="0">
+                  <a:solidFill>
+                    <a:srgbClr val="FF00FF"/>
+                  </a:solidFill>
+                </a:rPr>
+                <a:t> of this!</a:t>
+              </a:r>
+              <a:endParaRPr lang="en-US" sz="3200" dirty="0">
+                <a:solidFill>
+                  <a:srgbClr val="FF00FF"/>
+                </a:solidFill>
+              </a:endParaRPr>
+            </a:p>
+          </p:txBody>
+        </p:sp>
+        <p:cxnSp>
+          <p:nvCxnSpPr>
+            <p:cNvPr id="15" name="Straight Arrow Connector 14"/>
+            <p:cNvCxnSpPr>
+              <a:stCxn id="11" idx="1"/>
+            </p:cNvCxnSpPr>
+            <p:nvPr/>
+          </p:nvCxnSpPr>
+          <p:spPr bwMode="auto">
+            <a:xfrm rot="10800000" flipV="1">
+              <a:off x="3812309" y="3267289"/>
+              <a:ext cx="1216891" cy="249131"/>
+            </a:xfrm>
+            <a:prstGeom prst="straightConnector1">
+              <a:avLst/>
+            </a:prstGeom>
+            <a:solidFill>
+              <a:schemeClr val="accent1">
+                <a:alpha val="0"/>
+              </a:schemeClr>
+            </a:solidFill>
+            <a:ln w="28575" cap="flat" cmpd="sng" algn="ctr">
+              <a:solidFill>
+                <a:srgbClr val="FF00FF"/>
+              </a:solidFill>
+              <a:prstDash val="sysDot"/>
+              <a:round/>
+              <a:headEnd type="none" w="med" len="med"/>
+              <a:tailEnd type="arrow"/>
+            </a:ln>
+            <a:effectLst/>
+          </p:spPr>
+        </p:cxnSp>
+      </p:grpSp>
+      <p:sp>
+        <p:nvSpPr>
+          <p:cNvPr id="13" name="Slide Number Placeholder 2"/>
+          <p:cNvSpPr>
+            <a:spLocks noGrp="1"/>
+          </p:cNvSpPr>
+          <p:nvPr>
+            <p:ph type="sldNum" sz="quarter" idx="10"/>
+          </p:nvPr>
+        </p:nvSpPr>
+        <p:spPr>
+          <a:xfrm>
+            <a:off x="6400800" y="6613525"/>
+            <a:ext cx="2667000" cy="244475"/>
+          </a:xfrm>
+        </p:spPr>
+        <p:txBody>
+          <a:bodyPr/>
+          <a:lstStyle/>
+          <a:p>
+            <a:pPr>
+              <a:defRPr/>
+            </a:pPr>
+            <a:r>
+              <a:rPr lang="en-US" dirty="0" err="1" smtClean="0"/>
+              <a:t>partialfrac</a:t>
+            </a:r>
+            <a:r>
+              <a:rPr lang="en-US" dirty="0" smtClean="0"/>
+              <a:t>.</a:t>
+            </a:r>
+            <a:fld id="{A585D087-0720-40C8-BCB9-442D95888E3B}" type="slidenum">
+              <a:rPr lang="en-US" smtClean="0"/>
+              <a:pPr>
+                <a:defRPr/>
+              </a:pPr>
+              <a:t>13</a:t>
+            </a:fld>
+            <a:endParaRPr lang="en-US" dirty="0"/>
+          </a:p>
+        </p:txBody>
+      </p:sp>
+      <p:graphicFrame>
+        <p:nvGraphicFramePr>
+          <p:cNvPr id="14" name="Object 13"/>
+          <p:cNvGraphicFramePr>
+            <a:graphicFrameLocks noChangeAspect="1"/>
+          </p:cNvGraphicFramePr>
+          <p:nvPr>
+            <p:extLst>
+              <p:ext uri="{D42A27DB-BD31-4B8C-83A1-F6EECF244321}">
+                <p14:modId xmlns:p14="http://schemas.microsoft.com/office/powerpoint/2010/main" val="3742293885"/>
+              </p:ext>
+            </p:extLst>
+          </p:nvPr>
+        </p:nvGraphicFramePr>
+        <p:xfrm>
+          <a:off x="5668963" y="3810000"/>
+          <a:ext cx="3170237" cy="1752600"/>
+        </p:xfrm>
+        <a:graphic>
+          <a:graphicData uri="http://schemas.openxmlformats.org/presentationml/2006/ole">
+            <mc:AlternateContent xmlns:mc="http://schemas.openxmlformats.org/markup-compatibility/2006">
+              <mc:Choice xmlns:v="urn:schemas-microsoft-com:vml" Requires="v">
+                <p:oleObj spid="_x0000_s392198" name="Equation" r:id="rId5" imgW="965200" imgH="533400" progId="Equation.DSMT4">
+                  <p:embed/>
+                </p:oleObj>
+              </mc:Choice>
+              <mc:Fallback>
+                <p:oleObj name="Equation" r:id="rId5" imgW="965200" imgH="533400" progId="Equation.DSMT4">
+                  <p:embed/>
+                  <p:pic>
+                    <p:nvPicPr>
+                      <p:cNvPr id="0" name=""/>
+                      <p:cNvPicPr>
+                        <a:picLocks noChangeAspect="1" noChangeArrowheads="1"/>
+                      </p:cNvPicPr>
+                      <p:nvPr/>
+                    </p:nvPicPr>
+                    <p:blipFill>
+                      <a:blip r:embed="rId6"/>
+                      <a:srcRect/>
+                      <a:stretch>
+                        <a:fillRect/>
+                      </a:stretch>
+                    </p:blipFill>
+                    <p:spPr bwMode="auto">
+                      <a:xfrm>
+                        <a:off x="5668963" y="3810000"/>
+                        <a:ext cx="3170237" cy="1752600"/>
+                      </a:xfrm>
+                      <a:prstGeom prst="rect">
+                        <a:avLst/>
+                      </a:prstGeom>
+                      <a:noFill/>
+                      <a:extLst>
+                        <a:ext uri="{909E8E84-426E-40dd-AFC4-6F175D3DCCD1}">
+                          <a14:hiddenFill xmlns:a14="http://schemas.microsoft.com/office/drawing/2010/main">
+                            <a:solidFill>
+                              <a:srgbClr val="FFFFFF"/>
+                            </a:solidFill>
+                          </a14:hiddenFill>
+                        </a:ext>
+                      </a:extLst>
+                    </p:spPr>
+                  </p:pic>
+                </p:oleObj>
+              </mc:Fallback>
+            </mc:AlternateContent>
+          </a:graphicData>
+        </a:graphic>
+      </p:graphicFrame>
+    </p:spTree>
+    <p:extLst>
+      <p:ext uri="{BB962C8B-B14F-4D97-AF65-F5344CB8AC3E}">
+        <p14:creationId xmlns:p14="http://schemas.microsoft.com/office/powerpoint/2010/main" val="3414708891"/>
+      </p:ext>
+    </p:extLst>
+  </p:cSld>
+  <p:clrMapOvr>
+    <a:masterClrMapping/>
+  </p:clrMapOvr>
+  <mc:AlternateContent xmlns:mc="http://schemas.openxmlformats.org/markup-compatibility/2006">
+    <mc:Choice xmlns:p14="http://schemas.microsoft.com/office/powerpoint/2010/main" Requires="p14">
+      <p:transition spd="slow" p14:dur="800" advClick="0">
+        <p:fade/>
+      </p:transition>
+    </mc:Choice>
+    <mc:Fallback>
+      <p:transition xmlns:p14="http://schemas.microsoft.com/office/powerpoint/2010/main" spd="slow" advClick="0">
+        <p:fade/>
+      </p:transition>
+    </mc:Fallback>
+  </mc:AlternateContent>
+  <p:timing>
+    <p:tnLst>
+      <p:par>
+        <p:cTn xmlns:p14="http://schemas.microsoft.com/office/powerpoint/2010/main" id="1" dur="indefinite" restart="never" nodeType="tmRoot">
+          <p:childTnLst>
+            <p:seq concurrent="1" nextAc="seek">
+              <p:cTn id="2" dur="indefinite" nodeType="mainSeq">
+                <p:childTnLst>
+                  <p:par>
+                    <p:cTn id="3" fill="hold">
+                      <p:stCondLst>
+                        <p:cond delay="indefinite"/>
+                        <p:cond evt="onBegin" delay="0">
+                          <p:tn val="2"/>
+                        </p:cond>
+                      </p:stCondLst>
+                      <p:childTnLst>
+                        <p:par>
+                          <p:cTn id="4" fill="hold">
+                            <p:stCondLst>
+                              <p:cond delay="0"/>
+                            </p:stCondLst>
+                            <p:childTnLst>
+                              <p:par>
+                                <p:cTn id="5" presetID="22" presetClass="entr" presetSubtype="8" fill="hold" nodeType="afterEffect">
+                                  <p:stCondLst>
+                                    <p:cond delay="0"/>
+                                  </p:stCondLst>
+                                  <p:childTnLst>
+                                    <p:set>
+                                      <p:cBhvr>
+                                        <p:cTn id="6" dur="1" fill="hold">
+                                          <p:stCondLst>
+                                            <p:cond delay="0"/>
+                                          </p:stCondLst>
+                                        </p:cTn>
+                                        <p:tgtEl>
+                                          <p:spTgt spid="8"/>
+                                        </p:tgtEl>
+                                        <p:attrNameLst>
+                                          <p:attrName>style.visibility</p:attrName>
+                                        </p:attrNameLst>
+                                      </p:cBhvr>
+                                      <p:to>
+                                        <p:strVal val="visible"/>
+                                      </p:to>
+                                    </p:set>
+                                    <p:animEffect transition="in" filter="wipe(left)">
+                                      <p:cBhvr>
+                                        <p:cTn id="7" dur="1000"/>
+                                        <p:tgtEl>
+                                          <p:spTgt spid="8"/>
+                                        </p:tgtEl>
+                                      </p:cBhvr>
+                                    </p:animEffect>
+                                  </p:childTnLst>
+                                </p:cTn>
+                              </p:par>
+                            </p:childTnLst>
+                          </p:cTn>
+                        </p:par>
+                        <p:par>
+                          <p:cTn id="8" fill="hold">
+                            <p:stCondLst>
+                              <p:cond delay="1000"/>
+                            </p:stCondLst>
+                            <p:childTnLst>
+                              <p:par>
+                                <p:cTn id="9" presetID="22" presetClass="entr" presetSubtype="8" fill="hold" grpId="0" nodeType="afterEffect">
+                                  <p:stCondLst>
+                                    <p:cond delay="0"/>
+                                  </p:stCondLst>
+                                  <p:childTnLst>
+                                    <p:set>
+                                      <p:cBhvr>
+                                        <p:cTn id="10" dur="1" fill="hold">
+                                          <p:stCondLst>
+                                            <p:cond delay="0"/>
+                                          </p:stCondLst>
+                                        </p:cTn>
+                                        <p:tgtEl>
+                                          <p:spTgt spid="10"/>
+                                        </p:tgtEl>
+                                        <p:attrNameLst>
+                                          <p:attrName>style.visibility</p:attrName>
+                                        </p:attrNameLst>
+                                      </p:cBhvr>
+                                      <p:to>
+                                        <p:strVal val="visible"/>
+                                      </p:to>
+                                    </p:set>
+                                    <p:animEffect transition="in" filter="wipe(left)">
+                                      <p:cBhvr>
+                                        <p:cTn id="11" dur="1000"/>
+                                        <p:tgtEl>
+                                          <p:spTgt spid="10"/>
+                                        </p:tgtEl>
+                                      </p:cBhvr>
+                                    </p:animEffect>
+                                  </p:childTnLst>
+                                </p:cTn>
+                              </p:par>
+                            </p:childTnLst>
+                          </p:cTn>
+                        </p:par>
+                      </p:childTnLst>
+                    </p:cTn>
+                  </p:par>
+                  <p:par>
+                    <p:cTn id="12" fill="hold">
+                      <p:stCondLst>
+                        <p:cond delay="indefinite"/>
+                      </p:stCondLst>
+                      <p:childTnLst>
+                        <p:par>
+                          <p:cTn id="13" fill="hold">
+                            <p:stCondLst>
+                              <p:cond delay="0"/>
+                            </p:stCondLst>
+                            <p:childTnLst>
+                              <p:par>
+                                <p:cTn id="14" presetID="10" presetClass="entr" presetSubtype="0" fill="hold" nodeType="clickEffect">
+                                  <p:stCondLst>
+                                    <p:cond delay="0"/>
+                                  </p:stCondLst>
+                                  <p:childTnLst>
+                                    <p:set>
+                                      <p:cBhvr>
+                                        <p:cTn id="15" dur="1" fill="hold">
+                                          <p:stCondLst>
+                                            <p:cond delay="0"/>
+                                          </p:stCondLst>
+                                        </p:cTn>
+                                        <p:tgtEl>
+                                          <p:spTgt spid="4"/>
+                                        </p:tgtEl>
+                                        <p:attrNameLst>
+                                          <p:attrName>style.visibility</p:attrName>
+                                        </p:attrNameLst>
+                                      </p:cBhvr>
+                                      <p:to>
+                                        <p:strVal val="visible"/>
+                                      </p:to>
+                                    </p:set>
+                                    <p:animEffect transition="in" filter="fade">
+                                      <p:cBhvr>
+                                        <p:cTn id="16" dur="500"/>
+                                        <p:tgtEl>
+                                          <p:spTgt spid="4"/>
+                                        </p:tgtEl>
+                                      </p:cBhvr>
+                                    </p:animEffect>
+                                  </p:childTnLst>
+                                </p:cTn>
+                              </p:par>
+                            </p:childTnLst>
+                          </p:cTn>
+                        </p:par>
+                      </p:childTnLst>
+                    </p:cTn>
+                  </p:par>
+                  <p:par>
+                    <p:cTn id="17" fill="hold">
+                      <p:stCondLst>
+                        <p:cond delay="indefinite"/>
+                      </p:stCondLst>
+                      <p:childTnLst>
+                        <p:par>
+                          <p:cTn id="18" fill="hold">
+                            <p:stCondLst>
+                              <p:cond delay="0"/>
+                            </p:stCondLst>
+                            <p:childTnLst>
+                              <p:par>
+                                <p:cTn id="19" presetID="2" presetClass="entr" presetSubtype="2" accel="50000" decel="50000" fill="hold" nodeType="clickEffect">
+                                  <p:stCondLst>
+                                    <p:cond delay="0"/>
+                                  </p:stCondLst>
+                                  <p:childTnLst>
+                                    <p:set>
+                                      <p:cBhvr>
+                                        <p:cTn id="20" dur="1" fill="hold">
+                                          <p:stCondLst>
+                                            <p:cond delay="0"/>
+                                          </p:stCondLst>
+                                        </p:cTn>
+                                        <p:tgtEl>
+                                          <p:spTgt spid="14"/>
+                                        </p:tgtEl>
+                                        <p:attrNameLst>
+                                          <p:attrName>style.visibility</p:attrName>
+                                        </p:attrNameLst>
+                                      </p:cBhvr>
+                                      <p:to>
+                                        <p:strVal val="visible"/>
+                                      </p:to>
+                                    </p:set>
+                                    <p:anim calcmode="lin" valueType="num">
+                                      <p:cBhvr additive="base">
+                                        <p:cTn id="21" dur="1000" fill="hold"/>
+                                        <p:tgtEl>
+                                          <p:spTgt spid="14"/>
+                                        </p:tgtEl>
+                                        <p:attrNameLst>
+                                          <p:attrName>ppt_x</p:attrName>
+                                        </p:attrNameLst>
+                                      </p:cBhvr>
+                                      <p:tavLst>
+                                        <p:tav tm="0">
+                                          <p:val>
+                                            <p:strVal val="1+#ppt_w/2"/>
+                                          </p:val>
+                                        </p:tav>
+                                        <p:tav tm="100000">
+                                          <p:val>
+                                            <p:strVal val="#ppt_x"/>
+                                          </p:val>
+                                        </p:tav>
+                                      </p:tavLst>
+                                    </p:anim>
+                                    <p:anim calcmode="lin" valueType="num">
+                                      <p:cBhvr additive="base">
+                                        <p:cTn id="22" dur="1000" fill="hold"/>
+                                        <p:tgtEl>
+                                          <p:spTgt spid="14"/>
+                                        </p:tgtEl>
+                                        <p:attrNameLst>
+                                          <p:attrName>ppt_y</p:attrName>
+                                        </p:attrNameLst>
+                                      </p:cBhvr>
+                                      <p:tavLst>
+                                        <p:tav tm="0">
+                                          <p:val>
+                                            <p:strVal val="#ppt_y"/>
+                                          </p:val>
+                                        </p:tav>
+                                        <p:tav tm="100000">
+                                          <p:val>
+                                            <p:strVal val="#ppt_y"/>
+                                          </p:val>
+                                        </p:tav>
+                                      </p:tavLst>
+                                    </p:anim>
+                                  </p:childTnLst>
+                                </p:cTn>
+                              </p:par>
+                            </p:childTnLst>
+                          </p:cTn>
+                        </p:par>
+                      </p:childTnLst>
+                    </p:cTn>
+                  </p:par>
+                </p:childTnLst>
+              </p:cTn>
+              <p:prevCondLst>
+                <p:cond evt="onPrev" delay="0">
+                  <p:tgtEl>
+                    <p:sldTgt/>
+                  </p:tgtEl>
+                </p:cond>
+              </p:prevCondLst>
+              <p:nextCondLst>
+                <p:cond evt="onNext" delay="0">
+                  <p:tgtEl>
+                    <p:sldTgt/>
+                  </p:tgtEl>
+                </p:cond>
+              </p:nextCondLst>
+            </p:seq>
+          </p:childTnLst>
+        </p:cTn>
+      </p:par>
+    </p:tnLst>
+    <p:bldLst>
+      <p:bldP spid="10" grpId="0"/>
+    </p:bldLst>
+  </p:timing>
+</p:sld>
+</file>
+
+<file path=ppt/slides/slide14.xml><?xml version="1.0" encoding="utf-8"?>
+<p:sld xmlns:a="http://schemas.openxmlformats.org/drawingml/2006/main" xmlns:r="http://schemas.openxmlformats.org/officeDocument/2006/relationships" xmlns:p="http://schemas.openxmlformats.org/presentationml/2006/main">
+  <p:cSld>
+    <p:spTree>
+      <p:nvGrpSpPr>
+        <p:cNvPr id="1" name=""/>
+        <p:cNvGrpSpPr/>
+        <p:nvPr/>
+      </p:nvGrpSpPr>
+      <p:grpSpPr>
+        <a:xfrm>
+          <a:off x="0" y="0"/>
+          <a:ext cx="0" cy="0"/>
+          <a:chOff x="0" y="0"/>
+          <a:chExt cx="0" cy="0"/>
+        </a:xfrm>
+      </p:grpSpPr>
+      <p:sp>
+        <p:nvSpPr>
+          <p:cNvPr id="2" name="Title 1"/>
+          <p:cNvSpPr>
+            <a:spLocks noGrp="1"/>
+          </p:cNvSpPr>
+          <p:nvPr>
+            <p:ph type="title"/>
+          </p:nvPr>
+        </p:nvSpPr>
+        <p:spPr/>
+        <p:txBody>
+          <a:bodyPr/>
+          <a:lstStyle/>
+          <a:p>
+            <a:r>
+              <a:rPr lang="en-US" dirty="0" smtClean="0"/>
               <a:t>Partial Fractions Caveat #2</a:t>
             </a:r>
             <a:endParaRPr lang="en-US" dirty="0"/>
@@ -4502,13 +5879,28 @@
               </a:rPr>
               <a:t>to find </a:t>
             </a:r>
+            <a:endParaRPr lang="en-US" sz="3600" dirty="0" smtClean="0">
+              <a:solidFill>
+                <a:srgbClr val="000000"/>
+              </a:solidFill>
+            </a:endParaRPr>
+          </a:p>
+          <a:p>
             <a:r>
               <a:rPr lang="en-US" sz="3600" dirty="0" smtClean="0">
                 <a:solidFill>
                   <a:srgbClr val="0000FF"/>
                 </a:solidFill>
               </a:rPr>
-              <a:t>Q(x)</a:t>
+              <a:t>Q</a:t>
+            </a:r>
+            <a:r>
+              <a:rPr lang="en-US" sz="3600" dirty="0" smtClean="0">
+                <a:solidFill>
+                  <a:srgbClr val="0000FF"/>
+                </a:solidFill>
+              </a:rPr>
+              <a:t>(x)</a:t>
             </a:r>
             <a:r>
               <a:rPr lang="en-US" sz="3600" dirty="0" smtClean="0">
@@ -4559,7 +5951,7 @@
           <a:graphicData uri="http://schemas.openxmlformats.org/presentationml/2006/ole">
             <mc:AlternateContent xmlns:mc="http://schemas.openxmlformats.org/markup-compatibility/2006">
               <mc:Choice xmlns:v="urn:schemas-microsoft-com:vml" Requires="v">
-                <p:oleObj spid="_x0000_s383022" name="Equation" r:id="rId4" imgW="6311900" imgH="571500" progId="Equation.DSMT4">
+                <p:oleObj spid="_x0000_s383029" name="Equation" r:id="rId4" imgW="6311900" imgH="571500" progId="Equation.DSMT4">
                   <p:embed/>
                 </p:oleObj>
               </mc:Choice>
@@ -4696,7 +6088,7 @@
           <a:graphicData uri="http://schemas.openxmlformats.org/presentationml/2006/ole">
             <mc:AlternateContent xmlns:mc="http://schemas.openxmlformats.org/markup-compatibility/2006">
               <mc:Choice xmlns:v="urn:schemas-microsoft-com:vml" Requires="v">
-                <p:oleObj spid="_x0000_s383023" name="Equation" r:id="rId6" imgW="5626100" imgH="571500" progId="Equation.DSMT4">
+                <p:oleObj spid="_x0000_s383030" name="Equation" r:id="rId6" imgW="5626100" imgH="571500" progId="Equation.DSMT4">
                   <p:embed/>
                 </p:oleObj>
               </mc:Choice>
@@ -4801,15 +6193,7 @@
                   <a:srgbClr val="0000FF"/>
                 </a:solidFill>
               </a:rPr>
-              <a:t>deg(D</a:t>
-            </a:r>
-            <a:r>
-              <a:rPr lang="en-US" sz="4000" dirty="0" smtClean="0">
-                <a:solidFill>
-                  <a:srgbClr val="0000FF"/>
-                </a:solidFill>
-              </a:rPr>
-              <a:t>)</a:t>
+              <a:t>deg(D)</a:t>
             </a:r>
             <a:endParaRPr lang="en-US" sz="4000" dirty="0"/>
           </a:p>
@@ -4840,18 +6224,18 @@
             </a:pPr>
             <a:r>
               <a:rPr lang="en-US" dirty="0" err="1" smtClean="0"/>
-              <a:t>lec</a:t>
+              <a:t>partialfrac</a:t>
             </a:r>
             <a:r>
               <a:rPr lang="en-US" dirty="0" smtClean="0"/>
-              <a:t> 11M.</a:t>
+              <a:t>.</a:t>
             </a:r>
             <a:fld id="{A585D087-0720-40C8-BCB9-442D95888E3B}" type="slidenum">
               <a:rPr lang="en-US" smtClean="0"/>
               <a:pPr>
                 <a:defRPr/>
               </a:pPr>
-              <a:t>13</a:t>
+              <a:t>14</a:t>
             </a:fld>
             <a:endParaRPr lang="en-US" dirty="0"/>
           </a:p>
@@ -4862,13 +6246,13 @@
   <p:clrMapOvr>
     <a:masterClrMapping/>
   </p:clrMapOvr>
-  <mc:AlternateContent xmlns:mc="http://schemas.openxmlformats.org/markup-compatibility/2006">
-    <mc:Choice xmlns:p14="http://schemas.microsoft.com/office/powerpoint/2010/main" Requires="p14">
+  <mc:AlternateContent xmlns:mc="http://schemas.openxmlformats.org/markup-compatibility/2006" xmlns:p14="http://schemas.microsoft.com/office/powerpoint/2010/main">
+    <mc:Choice Requires="p14">
       <p:transition spd="slow" p14:dur="800" advClick="0">
         <p:fade/>
       </p:transition>
     </mc:Choice>
-    <mc:Fallback>
+    <mc:Fallback xmlns="">
       <p:transition xmlns:p14="http://schemas.microsoft.com/office/powerpoint/2010/main" spd="slow" advClick="0">
         <p:fade/>
       </p:transition>
@@ -4895,7 +6279,7 @@
                             </p:stCondLst>
                             <p:childTnLst>
                               <p:par>
-                                <p:cTn id="5" presetID="1" presetClass="entr" presetSubtype="0" fill="hold" nodeType="clickEffect">
+                                <p:cTn id="5" presetID="10" presetClass="entr" presetSubtype="0" fill="hold" nodeType="clickEffect">
                                   <p:stCondLst>
                                     <p:cond delay="0"/>
                                   </p:stCondLst>
@@ -4918,6 +6302,14 @@
                                         <p:strVal val="visible"/>
                                       </p:to>
                                     </p:set>
+                                    <p:animEffect transition="in" filter="fade">
+                                      <p:cBhvr>
+                                        <p:cTn id="7" dur="500"/>
+                                        <p:tgtEl>
+                                          <p:spTgt spid="8"/>
+                                        </p:tgtEl>
+                                      </p:cBhvr>
+                                    </p:animEffect>
                                   </p:childTnLst>
                                 </p:cTn>
                               </p:par>
@@ -4928,26 +6320,26 @@
                     </p:cTn>
                   </p:par>
                   <p:par>
-                    <p:cTn id="7" fill="hold">
+                    <p:cTn id="8" fill="hold">
                       <p:stCondLst>
                         <p:cond delay="indefinite"/>
                       </p:stCondLst>
                       <p:childTnLst>
                         <p:par>
-                          <p:cTn id="8" fill="hold">
+                          <p:cTn id="9" fill="hold">
                             <p:stCondLst>
                               <p:cond delay="0"/>
                             </p:stCondLst>
                             <p:childTnLst>
                               <p:par>
-                                <p:cTn id="9" presetID="22" presetClass="entr" presetSubtype="1" fill="hold" grpId="0" nodeType="clickEffect">
+                                <p:cTn id="10" presetID="22" presetClass="entr" presetSubtype="1" fill="hold" grpId="0" nodeType="clickEffect">
                                   <p:stCondLst>
                                     <p:cond delay="0"/>
                                   </p:stCondLst>
                                   <p:childTnLst>
                                     <p:set>
                                       <p:cBhvr>
-                                        <p:cTn id="10" dur="1" fill="hold">
+                                        <p:cTn id="11" dur="1" fill="hold">
                                           <p:stCondLst>
                                             <p:cond delay="0"/>
                                           </p:stCondLst>
@@ -4965,7 +6357,7 @@
                                     </p:set>
                                     <p:animEffect transition="in" filter="wipe(up)">
                                       <p:cBhvr>
-                                        <p:cTn id="11" dur="500"/>
+                                        <p:cTn id="12" dur="500"/>
                                         <p:tgtEl>
                                           <p:spTgt spid="9"/>
                                         </p:tgtEl>
@@ -4981,32 +6373,36 @@
                     </p:cTn>
                   </p:par>
                   <p:par>
-                    <p:cTn id="12" fill="hold">
+                    <p:cTn id="13" fill="hold">
                       <p:stCondLst>
                         <p:cond delay="indefinite"/>
                       </p:stCondLst>
                       <p:childTnLst>
                         <p:par>
-                          <p:cTn id="13" fill="hold">
+                          <p:cTn id="14" fill="hold">
                             <p:stCondLst>
                               <p:cond delay="0"/>
                             </p:stCondLst>
                             <p:childTnLst>
                               <p:par>
-                                <p:cTn id="14" presetID="22" presetClass="entr" presetSubtype="1" fill="hold" grpId="0" nodeType="clickEffect">
+                                <p:cTn id="15" presetID="10" presetClass="entr" presetSubtype="0" fill="hold" grpId="0" nodeType="clickEffect">
                                   <p:stCondLst>
                                     <p:cond delay="0"/>
                                   </p:stCondLst>
                                   <p:childTnLst>
                                     <p:set>
                                       <p:cBhvr>
-                                        <p:cTn id="15" dur="1" fill="hold">
+                                        <p:cTn id="16" dur="1" fill="hold">
                                           <p:stCondLst>
                                             <p:cond delay="0"/>
                                           </p:stCondLst>
                                         </p:cTn>
                                         <p:tgtEl>
-                                          <p:spTgt spid="4"/>
+                                          <p:spTgt spid="4">
+                                            <p:txEl>
+                                              <p:pRg st="0" end="0"/>
+                                            </p:txEl>
+                                          </p:spTgt>
                                         </p:tgtEl>
                                         <p:attrNameLst>
                                           <p:attrName>style.visibility</p:attrName>
@@ -5016,11 +6412,67 @@
                                         <p:strVal val="visible"/>
                                       </p:to>
                                     </p:set>
-                                    <p:animEffect transition="in" filter="wipe(up)">
+                                    <p:animEffect transition="in" filter="fade">
                                       <p:cBhvr>
-                                        <p:cTn id="16" dur="500"/>
+                                        <p:cTn id="17" dur="500"/>
                                         <p:tgtEl>
-                                          <p:spTgt spid="4"/>
+                                          <p:spTgt spid="4">
+                                            <p:txEl>
+                                              <p:pRg st="0" end="0"/>
+                                            </p:txEl>
+                                          </p:spTgt>
+                                        </p:tgtEl>
+                                      </p:cBhvr>
+                                    </p:animEffect>
+                                  </p:childTnLst>
+                                </p:cTn>
+                              </p:par>
+                            </p:childTnLst>
+                          </p:cTn>
+                        </p:par>
+                        <p:par>
+                          <p:cTn id="18" fill="hold">
+                            <p:stCondLst>
+                              <p:cond delay="500"/>
+                            </p:stCondLst>
+                            <p:childTnLst>
+                              <p:par>
+                                <p:cTn id="19" presetID="10" presetClass="entr" presetSubtype="0" fill="hold" grpId="0" nodeType="afterEffect">
+                                  <p:stCondLst>
+                                    <p:cond delay="0"/>
+                                  </p:stCondLst>
+                                  <p:childTnLst>
+                                    <p:set>
+                                      <p:cBhvr>
+                                        <p:cTn id="20" dur="1" fill="hold">
+                                          <p:stCondLst>
+                                            <p:cond delay="0"/>
+                                          </p:stCondLst>
+                                        </p:cTn>
+                                        <p:tgtEl>
+                                          <p:spTgt spid="4">
+                                            <p:txEl>
+                                              <p:pRg st="1" end="1"/>
+                                            </p:txEl>
+                                          </p:spTgt>
+                                        </p:tgtEl>
+                                        <p:attrNameLst>
+                                          <p:attrName>style.visibility</p:attrName>
+                                        </p:attrNameLst>
+                                      </p:cBhvr>
+                                      <p:to>
+                                        <p:strVal val="visible"/>
+                                      </p:to>
+                                    </p:set>
+                                    <p:animEffect transition="in" filter="fade">
+                                      <p:cBhvr>
+                                        <p:cTn id="21" dur="500"/>
+                                        <p:tgtEl>
+                                          <p:spTgt spid="4">
+                                            <p:txEl>
+                                              <p:pRg st="1" end="1"/>
+                                            </p:txEl>
+                                          </p:spTgt>
                                         </p:tgtEl>
                                       </p:cBhvr>
                                     </p:animEffect>
@@ -5034,26 +6486,26 @@
                     </p:cTn>
                   </p:par>
                   <p:par>
-                    <p:cTn id="17" fill="hold">
+                    <p:cTn id="22" fill="hold">
                       <p:stCondLst>
                         <p:cond delay="indefinite"/>
                       </p:stCondLst>
                       <p:childTnLst>
                         <p:par>
-                          <p:cTn id="18" fill="hold">
+                          <p:cTn id="23" fill="hold">
                             <p:stCondLst>
                               <p:cond delay="0"/>
                             </p:stCondLst>
                             <p:childTnLst>
                               <p:par>
-                                <p:cTn id="19" presetID="9" presetClass="entr" presetSubtype="0" fill="hold" nodeType="clickEffect">
+                                <p:cTn id="24" presetID="9" presetClass="entr" presetSubtype="0" fill="hold" nodeType="clickEffect">
                                   <p:stCondLst>
                                     <p:cond delay="0"/>
                                   </p:stCondLst>
                                   <p:childTnLst>
                                     <p:set>
                                       <p:cBhvr>
-                                        <p:cTn id="20" dur="1" fill="hold">
+                                        <p:cTn id="25" dur="1" fill="hold">
                                           <p:stCondLst>
                                             <p:cond delay="0"/>
                                           </p:stCondLst>
@@ -5071,7 +6523,7 @@
                                     </p:set>
                                     <p:animEffect transition="in" filter="dissolve">
                                       <p:cBhvr>
-                                        <p:cTn id="21" dur="500"/>
+                                        <p:cTn id="26" dur="500"/>
                                         <p:tgtEl>
                                           <p:spTgt spid="118789"/>
                                         </p:tgtEl>
@@ -5084,20 +6536,20 @@
                           </p:cTn>
                         </p:par>
                         <p:par>
-                          <p:cTn id="22" fill="hold">
+                          <p:cTn id="27" fill="hold">
                             <p:stCondLst>
                               <p:cond delay="500"/>
                             </p:stCondLst>
                             <p:childTnLst>
                               <p:par>
-                                <p:cTn id="23" presetID="22" presetClass="entr" presetSubtype="1" fill="hold" grpId="0" nodeType="afterEffect">
+                                <p:cTn id="28" presetID="22" presetClass="entr" presetSubtype="1" fill="hold" grpId="0" nodeType="afterEffect">
                                   <p:stCondLst>
                                     <p:cond delay="0"/>
                                   </p:stCondLst>
                                   <p:childTnLst>
                                     <p:set>
                                       <p:cBhvr>
-                                        <p:cTn id="24" dur="1" fill="hold">
+                                        <p:cTn id="29" dur="1" fill="hold">
                                           <p:stCondLst>
                                             <p:cond delay="0"/>
                                           </p:stCondLst>
@@ -5115,7 +6567,7 @@
                                     </p:set>
                                     <p:animEffect transition="in" filter="wipe(up)">
                                       <p:cBhvr>
-                                        <p:cTn id="25" dur="500"/>
+                                        <p:cTn id="30" dur="1000"/>
                                         <p:tgtEl>
                                           <p:spTgt spid="11"/>
                                         </p:tgtEl>
@@ -5152,7 +6604,7 @@
       </p:par>
     </p:tnLst>
     <p:bldLst>
-      <p:bldP spid="4" grpId="0"/>
+      <p:bldP spid="4" grpId="0" build="p"/>
       <p:bldP spid="9" grpId="0"/>
       <p:bldP spid="11" grpId="0"/>
     </p:bldLst>
@@ -5220,11 +6672,11 @@
             </a:pPr>
             <a:r>
               <a:rPr lang="en-US" dirty="0" err="1" smtClean="0"/>
-              <a:t>lec</a:t>
+              <a:t>partialfrac</a:t>
             </a:r>
             <a:r>
               <a:rPr lang="en-US" dirty="0" smtClean="0"/>
-              <a:t> 11M.</a:t>
+              <a:t>.</a:t>
             </a:r>
             <a:fld id="{A585D087-0720-40C8-BCB9-442D95888E3B}" type="slidenum">
               <a:rPr lang="en-US" smtClean="0"/>
@@ -5261,11 +6713,7 @@
           <a:p>
             <a:r>
               <a:rPr lang="en-US" sz="4800" dirty="0" smtClean="0"/>
-              <a:t>If a generating </a:t>
-            </a:r>
-            <a:r>
-              <a:rPr lang="en-US" sz="4800" dirty="0" smtClean="0"/>
-              <a:t>function</a:t>
+              <a:t>If a generating function</a:t>
             </a:r>
           </a:p>
           <a:p>
@@ -5285,11 +6733,7 @@
           <a:p>
             <a:r>
               <a:rPr lang="en-US" sz="4800" dirty="0" smtClean="0"/>
-              <a:t>there </a:t>
-            </a:r>
-            <a:r>
-              <a:rPr lang="en-US" sz="4800" dirty="0" smtClean="0"/>
-              <a:t>is a simple way to find</a:t>
+              <a:t>there is a simple way to find</a:t>
             </a:r>
           </a:p>
           <a:p>
@@ -5307,11 +6751,7 @@
             </a:r>
             <a:r>
               <a:rPr lang="en-US" sz="4800" dirty="0" smtClean="0"/>
-              <a:t>th </a:t>
-            </a:r>
-            <a:r>
-              <a:rPr lang="en-US" sz="4800" dirty="0" smtClean="0"/>
-              <a:t>coefficient</a:t>
+              <a:t>th coefficient</a:t>
             </a:r>
             <a:endParaRPr lang="en-US" sz="4800" dirty="0">
               <a:solidFill>
@@ -5380,12 +6820,12 @@
           <a:graphicData uri="http://schemas.openxmlformats.org/presentationml/2006/ole">
             <mc:AlternateContent xmlns:mc="http://schemas.openxmlformats.org/markup-compatibility/2006">
               <mc:Choice xmlns:v="urn:schemas-microsoft-com:vml" Requires="v">
-                <p:oleObj spid="_x0000_s386054" name="Equation" r:id="rId3" imgW="1016000" imgH="330200" progId="Equation.DSMT4">
+                <p:oleObj spid="_x0000_s386058" name="Equation" r:id="rId4" imgW="1016000" imgH="330200" progId="Equation.DSMT4">
                   <p:embed/>
                 </p:oleObj>
               </mc:Choice>
               <mc:Fallback>
-                <p:oleObj name="Equation" r:id="rId3" imgW="1016000" imgH="330200" progId="Equation.DSMT4">
+                <p:oleObj name="Equation" r:id="rId4" imgW="1016000" imgH="330200" progId="Equation.DSMT4">
                   <p:embed/>
                   <p:pic>
                     <p:nvPicPr>
@@ -5394,7 +6834,7 @@
                       <p:nvPr/>
                     </p:nvPicPr>
                     <p:blipFill>
-                      <a:blip r:embed="rId4"/>
+                      <a:blip r:embed="rId5"/>
                       <a:stretch>
                         <a:fillRect/>
                       </a:stretch>
@@ -5870,11 +7310,7 @@
           <a:p>
             <a:r>
               <a:rPr lang="en-US" sz="5400" dirty="0" smtClean="0"/>
-              <a:t>find </a:t>
-            </a:r>
-            <a:r>
-              <a:rPr lang="en-US" sz="5400" dirty="0" smtClean="0"/>
-              <a:t>formula for </a:t>
+              <a:t>find formula for </a:t>
             </a:r>
             <a:r>
               <a:rPr lang="en-US" sz="5400" dirty="0" err="1" smtClean="0"/>
@@ -5910,7 +7346,7 @@
           <a:graphicData uri="http://schemas.openxmlformats.org/presentationml/2006/ole">
             <mc:AlternateContent xmlns:mc="http://schemas.openxmlformats.org/markup-compatibility/2006">
               <mc:Choice xmlns:v="urn:schemas-microsoft-com:vml" Requires="v">
-                <p:oleObj spid="_x0000_s385056" name="Equation" r:id="rId4" imgW="723900" imgH="495300" progId="Equation.DSMT4">
+                <p:oleObj spid="_x0000_s385060" name="Equation" r:id="rId4" imgW="723900" imgH="495300" progId="Equation.DSMT4">
                   <p:embed/>
                 </p:oleObj>
               </mc:Choice>
@@ -6021,11 +7457,11 @@
             </a:pPr>
             <a:r>
               <a:rPr lang="en-US" dirty="0" err="1" smtClean="0"/>
-              <a:t>lec</a:t>
+              <a:t>partialfrac</a:t>
             </a:r>
             <a:r>
               <a:rPr lang="en-US" dirty="0" smtClean="0"/>
-              <a:t> 11M.</a:t>
+              <a:t>.</a:t>
             </a:r>
             <a:fld id="{A585D087-0720-40C8-BCB9-442D95888E3B}" type="slidenum">
               <a:rPr lang="en-US" smtClean="0"/>
@@ -6253,12 +7689,12 @@
           <a:graphicData uri="http://schemas.openxmlformats.org/presentationml/2006/ole">
             <mc:AlternateContent xmlns:mc="http://schemas.openxmlformats.org/markup-compatibility/2006">
               <mc:Choice xmlns:v="urn:schemas-microsoft-com:vml" Requires="v">
-                <p:oleObj spid="_x0000_s259154" name="Equation" r:id="rId3" imgW="4508500" imgH="1422400" progId="Equation.DSMT4">
+                <p:oleObj spid="_x0000_s259164" name="Equation" r:id="rId4" imgW="4508500" imgH="1422400" progId="Equation.DSMT4">
                   <p:embed/>
                 </p:oleObj>
               </mc:Choice>
               <mc:Fallback>
-                <p:oleObj name="Equation" r:id="rId3" imgW="4508500" imgH="1422400" progId="Equation.DSMT4">
+                <p:oleObj name="Equation" r:id="rId4" imgW="4508500" imgH="1422400" progId="Equation.DSMT4">
                   <p:embed/>
                   <p:pic>
                     <p:nvPicPr>
@@ -6269,7 +7705,7 @@
                       <p:nvPr/>
                     </p:nvPicPr>
                     <p:blipFill>
-                      <a:blip r:embed="rId4"/>
+                      <a:blip r:embed="rId5"/>
                       <a:srcRect/>
                       <a:stretch>
                         <a:fillRect/>
@@ -6323,12 +7759,12 @@
           <a:graphicData uri="http://schemas.openxmlformats.org/presentationml/2006/ole">
             <mc:AlternateContent xmlns:mc="http://schemas.openxmlformats.org/markup-compatibility/2006">
               <mc:Choice xmlns:v="urn:schemas-microsoft-com:vml" Requires="v">
-                <p:oleObj spid="_x0000_s259155" name="Equation" r:id="rId5" imgW="4737100" imgH="1498600" progId="Equation.DSMT4">
+                <p:oleObj spid="_x0000_s259165" name="Equation" r:id="rId6" imgW="4737100" imgH="1498600" progId="Equation.DSMT4">
                   <p:embed/>
                 </p:oleObj>
               </mc:Choice>
               <mc:Fallback>
-                <p:oleObj name="Equation" r:id="rId5" imgW="4737100" imgH="1498600" progId="Equation.DSMT4">
+                <p:oleObj name="Equation" r:id="rId6" imgW="4737100" imgH="1498600" progId="Equation.DSMT4">
                   <p:embed/>
                   <p:pic>
                     <p:nvPicPr>
@@ -6339,7 +7775,7 @@
                       <p:nvPr/>
                     </p:nvPicPr>
                     <p:blipFill>
-                      <a:blip r:embed="rId6"/>
+                      <a:blip r:embed="rId7"/>
                       <a:srcRect/>
                       <a:stretch>
                         <a:fillRect/>
@@ -6393,12 +7829,12 @@
           <a:graphicData uri="http://schemas.openxmlformats.org/presentationml/2006/ole">
             <mc:AlternateContent xmlns:mc="http://schemas.openxmlformats.org/markup-compatibility/2006">
               <mc:Choice xmlns:v="urn:schemas-microsoft-com:vml" Requires="v">
-                <p:oleObj spid="_x0000_s259156" name="Equation" r:id="rId7" imgW="4533900" imgH="1511300" progId="Equation.DSMT4">
+                <p:oleObj spid="_x0000_s259166" name="Equation" r:id="rId8" imgW="4533900" imgH="1511300" progId="Equation.DSMT4">
                   <p:embed/>
                 </p:oleObj>
               </mc:Choice>
               <mc:Fallback>
-                <p:oleObj name="Equation" r:id="rId7" imgW="4533900" imgH="1511300" progId="Equation.DSMT4">
+                <p:oleObj name="Equation" r:id="rId8" imgW="4533900" imgH="1511300" progId="Equation.DSMT4">
                   <p:embed/>
                   <p:pic>
                     <p:nvPicPr>
@@ -6409,7 +7845,7 @@
                       <p:nvPr/>
                     </p:nvPicPr>
                     <p:blipFill>
-                      <a:blip r:embed="rId8"/>
+                      <a:blip r:embed="rId9"/>
                       <a:srcRect/>
                       <a:stretch>
                         <a:fillRect/>
@@ -6714,11 +8150,11 @@
             </a:pPr>
             <a:r>
               <a:rPr lang="en-US" dirty="0" err="1" smtClean="0"/>
-              <a:t>lec</a:t>
+              <a:t>partialfrac</a:t>
             </a:r>
             <a:r>
               <a:rPr lang="en-US" dirty="0" smtClean="0"/>
-              <a:t> 11M.</a:t>
+              <a:t>.</a:t>
             </a:r>
             <a:fld id="{A585D087-0720-40C8-BCB9-442D95888E3B}" type="slidenum">
               <a:rPr lang="en-US" smtClean="0"/>
@@ -7093,12 +8529,12 @@
           <a:graphicData uri="http://schemas.openxmlformats.org/presentationml/2006/ole">
             <mc:AlternateContent xmlns:mc="http://schemas.openxmlformats.org/markup-compatibility/2006">
               <mc:Choice xmlns:v="urn:schemas-microsoft-com:vml" Requires="v">
-                <p:oleObj spid="_x0000_s260183" name="Equation" r:id="rId3" imgW="4533900" imgH="1511300" progId="Equation.DSMT4">
+                <p:oleObj spid="_x0000_s260205" name="Equation" r:id="rId4" imgW="4533900" imgH="1511300" progId="Equation.DSMT4">
                   <p:embed/>
                 </p:oleObj>
               </mc:Choice>
               <mc:Fallback>
-                <p:oleObj name="Equation" r:id="rId3" imgW="4533900" imgH="1511300" progId="Equation.DSMT4">
+                <p:oleObj name="Equation" r:id="rId4" imgW="4533900" imgH="1511300" progId="Equation.DSMT4">
                   <p:embed/>
                   <p:pic>
                     <p:nvPicPr>
@@ -7109,7 +8545,7 @@
                       <p:nvPr/>
                     </p:nvPicPr>
                     <p:blipFill>
-                      <a:blip r:embed="rId4"/>
+                      <a:blip r:embed="rId5"/>
                       <a:srcRect/>
                       <a:stretch>
                         <a:fillRect/>
@@ -7166,11 +8602,11 @@
             </a:pPr>
             <a:r>
               <a:rPr lang="en-US" dirty="0" err="1" smtClean="0"/>
-              <a:t>lec</a:t>
+              <a:t>partialfrac</a:t>
             </a:r>
             <a:r>
               <a:rPr lang="en-US" dirty="0" smtClean="0"/>
-              <a:t> 11M.</a:t>
+              <a:t>.</a:t>
             </a:r>
             <a:fld id="{A585D087-0720-40C8-BCB9-442D95888E3B}" type="slidenum">
               <a:rPr lang="en-US" smtClean="0"/>
@@ -7205,12 +8641,12 @@
           <a:graphicData uri="http://schemas.openxmlformats.org/presentationml/2006/ole">
             <mc:AlternateContent xmlns:mc="http://schemas.openxmlformats.org/markup-compatibility/2006">
               <mc:Choice xmlns:v="urn:schemas-microsoft-com:vml" Requires="v">
-                <p:oleObj spid="_x0000_s260184" name="Equation" r:id="rId5" imgW="2603500" imgH="965200" progId="Equation.DSMT4">
+                <p:oleObj spid="_x0000_s260206" name="Equation" r:id="rId6" imgW="2603500" imgH="965200" progId="Equation.DSMT4">
                   <p:embed/>
                 </p:oleObj>
               </mc:Choice>
               <mc:Fallback>
-                <p:oleObj name="Equation" r:id="rId5" imgW="2603500" imgH="965200" progId="Equation.DSMT4">
+                <p:oleObj name="Equation" r:id="rId6" imgW="2603500" imgH="965200" progId="Equation.DSMT4">
                   <p:embed/>
                   <p:pic>
                     <p:nvPicPr>
@@ -7221,7 +8657,7 @@
                       <p:nvPr/>
                     </p:nvPicPr>
                     <p:blipFill>
-                      <a:blip r:embed="rId6"/>
+                      <a:blip r:embed="rId7"/>
                       <a:srcRect/>
                       <a:stretch>
                         <a:fillRect/>
@@ -7275,12 +8711,12 @@
           <a:graphicData uri="http://schemas.openxmlformats.org/presentationml/2006/ole">
             <mc:AlternateContent xmlns:mc="http://schemas.openxmlformats.org/markup-compatibility/2006">
               <mc:Choice xmlns:v="urn:schemas-microsoft-com:vml" Requires="v">
-                <p:oleObj spid="_x0000_s260185" name="Equation" r:id="rId7" imgW="7277100" imgH="1625600" progId="Equation.DSMT4">
+                <p:oleObj spid="_x0000_s260207" name="Equation" r:id="rId8" imgW="7277100" imgH="1625600" progId="Equation.DSMT4">
                   <p:embed/>
                 </p:oleObj>
               </mc:Choice>
               <mc:Fallback>
-                <p:oleObj name="Equation" r:id="rId7" imgW="7277100" imgH="1625600" progId="Equation.DSMT4">
+                <p:oleObj name="Equation" r:id="rId8" imgW="7277100" imgH="1625600" progId="Equation.DSMT4">
                   <p:embed/>
                   <p:pic>
                     <p:nvPicPr>
@@ -7289,7 +8725,7 @@
                       <p:nvPr/>
                     </p:nvPicPr>
                     <p:blipFill>
-                      <a:blip r:embed="rId8"/>
+                      <a:blip r:embed="rId9"/>
                       <a:stretch>
                         <a:fillRect/>
                       </a:stretch>
@@ -7332,12 +8768,12 @@
           <a:graphicData uri="http://schemas.openxmlformats.org/presentationml/2006/ole">
             <mc:AlternateContent xmlns:mc="http://schemas.openxmlformats.org/markup-compatibility/2006">
               <mc:Choice xmlns:v="urn:schemas-microsoft-com:vml" Requires="v">
-                <p:oleObj spid="_x0000_s260186" name="Equation" r:id="rId9" imgW="139700" imgH="215900" progId="Equation.DSMT4">
+                <p:oleObj spid="_x0000_s260208" name="Equation" r:id="rId10" imgW="139700" imgH="215900" progId="Equation.DSMT4">
                   <p:embed/>
                 </p:oleObj>
               </mc:Choice>
               <mc:Fallback>
-                <p:oleObj name="Equation" r:id="rId9" imgW="139700" imgH="215900" progId="Equation.DSMT4">
+                <p:oleObj name="Equation" r:id="rId10" imgW="139700" imgH="215900" progId="Equation.DSMT4">
                   <p:embed/>
                   <p:pic>
                     <p:nvPicPr>
@@ -7346,7 +8782,7 @@
                       <p:nvPr/>
                     </p:nvPicPr>
                     <p:blipFill>
-                      <a:blip r:embed="rId10"/>
+                      <a:blip r:embed="rId11"/>
                       <a:stretch>
                         <a:fillRect/>
                       </a:stretch>
@@ -7389,12 +8825,12 @@
           <a:graphicData uri="http://schemas.openxmlformats.org/presentationml/2006/ole">
             <mc:AlternateContent xmlns:mc="http://schemas.openxmlformats.org/markup-compatibility/2006">
               <mc:Choice xmlns:v="urn:schemas-microsoft-com:vml" Requires="v">
-                <p:oleObj spid="_x0000_s260187" name="Equation" r:id="rId11" imgW="139700" imgH="215900" progId="Equation.DSMT4">
+                <p:oleObj spid="_x0000_s260209" name="Equation" r:id="rId12" imgW="139700" imgH="215900" progId="Equation.DSMT4">
                   <p:embed/>
                 </p:oleObj>
               </mc:Choice>
               <mc:Fallback>
-                <p:oleObj name="Equation" r:id="rId11" imgW="139700" imgH="215900" progId="Equation.DSMT4">
+                <p:oleObj name="Equation" r:id="rId12" imgW="139700" imgH="215900" progId="Equation.DSMT4">
                   <p:embed/>
                   <p:pic>
                     <p:nvPicPr>
@@ -7403,7 +8839,7 @@
                       <p:nvPr/>
                     </p:nvPicPr>
                     <p:blipFill>
-                      <a:blip r:embed="rId10"/>
+                      <a:blip r:embed="rId11"/>
                       <a:stretch>
                         <a:fillRect/>
                       </a:stretch>
@@ -7446,12 +8882,12 @@
           <a:graphicData uri="http://schemas.openxmlformats.org/presentationml/2006/ole">
             <mc:AlternateContent xmlns:mc="http://schemas.openxmlformats.org/markup-compatibility/2006">
               <mc:Choice xmlns:v="urn:schemas-microsoft-com:vml" Requires="v">
-                <p:oleObj spid="_x0000_s260188" name="Equation" r:id="rId12" imgW="762000" imgH="584200" progId="Equation.DSMT4">
+                <p:oleObj spid="_x0000_s260210" name="Equation" r:id="rId13" imgW="762000" imgH="584200" progId="Equation.DSMT4">
                   <p:embed/>
                 </p:oleObj>
               </mc:Choice>
               <mc:Fallback>
-                <p:oleObj name="Equation" r:id="rId12" imgW="762000" imgH="584200" progId="Equation.DSMT4">
+                <p:oleObj name="Equation" r:id="rId13" imgW="762000" imgH="584200" progId="Equation.DSMT4">
                   <p:embed/>
                   <p:pic>
                     <p:nvPicPr>
@@ -7460,7 +8896,7 @@
                       <p:nvPr/>
                     </p:nvPicPr>
                     <p:blipFill>
-                      <a:blip r:embed="rId13"/>
+                      <a:blip r:embed="rId14"/>
                       <a:stretch>
                         <a:fillRect/>
                       </a:stretch>
@@ -7503,12 +8939,12 @@
           <a:graphicData uri="http://schemas.openxmlformats.org/presentationml/2006/ole">
             <mc:AlternateContent xmlns:mc="http://schemas.openxmlformats.org/markup-compatibility/2006">
               <mc:Choice xmlns:v="urn:schemas-microsoft-com:vml" Requires="v">
-                <p:oleObj spid="_x0000_s260189" name="Equation" r:id="rId14" imgW="762000" imgH="520700" progId="Equation.DSMT4">
+                <p:oleObj spid="_x0000_s260211" name="Equation" r:id="rId15" imgW="762000" imgH="520700" progId="Equation.DSMT4">
                   <p:embed/>
                 </p:oleObj>
               </mc:Choice>
               <mc:Fallback>
-                <p:oleObj name="Equation" r:id="rId14" imgW="762000" imgH="520700" progId="Equation.DSMT4">
+                <p:oleObj name="Equation" r:id="rId15" imgW="762000" imgH="520700" progId="Equation.DSMT4">
                   <p:embed/>
                   <p:pic>
                     <p:nvPicPr>
@@ -7517,7 +8953,7 @@
                       <p:nvPr/>
                     </p:nvPicPr>
                     <p:blipFill>
-                      <a:blip r:embed="rId15"/>
+                      <a:blip r:embed="rId16"/>
                       <a:stretch>
                         <a:fillRect/>
                       </a:stretch>
@@ -7543,13 +8979,13 @@
   <p:clrMapOvr>
     <a:masterClrMapping/>
   </p:clrMapOvr>
-  <mc:AlternateContent xmlns:mc="http://schemas.openxmlformats.org/markup-compatibility/2006">
-    <mc:Choice xmlns:p14="http://schemas.microsoft.com/office/powerpoint/2010/main" Requires="p14">
+  <mc:AlternateContent xmlns:mc="http://schemas.openxmlformats.org/markup-compatibility/2006" xmlns:p14="http://schemas.microsoft.com/office/powerpoint/2010/main">
+    <mc:Choice Requires="p14">
       <p:transition spd="med" p14:dur="600" advClick="0">
         <p:fade/>
       </p:transition>
     </mc:Choice>
-    <mc:Fallback>
+    <mc:Fallback xmlns="">
       <p:transition xmlns:p14="http://schemas.microsoft.com/office/powerpoint/2010/main" spd="med" advClick="0">
         <p:fade/>
       </p:transition>
@@ -7915,12 +9351,12 @@
           <a:graphicData uri="http://schemas.openxmlformats.org/presentationml/2006/ole">
             <mc:AlternateContent xmlns:mc="http://schemas.openxmlformats.org/markup-compatibility/2006">
               <mc:Choice xmlns:v="urn:schemas-microsoft-com:vml" Requires="v">
-                <p:oleObj spid="_x0000_s1036" name="Equation" r:id="rId3" imgW="3898900" imgH="850900" progId="Equation.DSMT4">
+                <p:oleObj spid="_x0000_s1040" name="Equation" r:id="rId4" imgW="3898900" imgH="850900" progId="Equation.DSMT4">
                   <p:embed/>
                 </p:oleObj>
               </mc:Choice>
               <mc:Fallback>
-                <p:oleObj name="Equation" r:id="rId3" imgW="3898900" imgH="850900" progId="Equation.DSMT4">
+                <p:oleObj name="Equation" r:id="rId4" imgW="3898900" imgH="850900" progId="Equation.DSMT4">
                   <p:embed/>
                   <p:pic>
                     <p:nvPicPr>
@@ -7931,7 +9367,7 @@
                       <p:nvPr/>
                     </p:nvPicPr>
                     <p:blipFill>
-                      <a:blip r:embed="rId4"/>
+                      <a:blip r:embed="rId5"/>
                       <a:srcRect/>
                       <a:stretch>
                         <a:fillRect/>
@@ -8074,11 +9510,11 @@
             </a:pPr>
             <a:r>
               <a:rPr lang="en-US" dirty="0" err="1" smtClean="0"/>
-              <a:t>lec</a:t>
+              <a:t>partialfrac</a:t>
             </a:r>
             <a:r>
               <a:rPr lang="en-US" dirty="0" smtClean="0"/>
-              <a:t> 11M.</a:t>
+              <a:t>.</a:t>
             </a:r>
             <a:fld id="{A585D087-0720-40C8-BCB9-442D95888E3B}" type="slidenum">
               <a:rPr lang="en-US" smtClean="0"/>
@@ -8298,25 +9734,25 @@
           <p:nvPr>
             <p:extLst>
               <p:ext uri="{D42A27DB-BD31-4B8C-83A1-F6EECF244321}">
-                <p14:modId xmlns:p14="http://schemas.microsoft.com/office/powerpoint/2010/main" val="3347764851"/>
+                <p14:modId xmlns:p14="http://schemas.microsoft.com/office/powerpoint/2010/main" val="3424978741"/>
               </p:ext>
             </p:extLst>
           </p:nvPr>
         </p:nvGraphicFramePr>
         <p:xfrm>
-          <a:off x="1104900" y="1358900"/>
-          <a:ext cx="6705600" cy="1625600"/>
+          <a:off x="1041400" y="1358900"/>
+          <a:ext cx="6832600" cy="1625600"/>
         </p:xfrm>
         <a:graphic>
           <a:graphicData uri="http://schemas.openxmlformats.org/presentationml/2006/ole">
             <mc:AlternateContent xmlns:mc="http://schemas.openxmlformats.org/markup-compatibility/2006">
               <mc:Choice xmlns:v="urn:schemas-microsoft-com:vml" Requires="v">
-                <p:oleObj spid="_x0000_s387077" name="Equation" r:id="rId3" imgW="6705600" imgH="1625600" progId="Equation.DSMT4">
+                <p:oleObj spid="_x0000_s387084" name="Equation" r:id="rId3" imgW="6832600" imgH="1625600" progId="Equation.DSMT4">
                   <p:embed/>
                 </p:oleObj>
               </mc:Choice>
               <mc:Fallback>
-                <p:oleObj name="Equation" r:id="rId3" imgW="6705600" imgH="1625600" progId="Equation.DSMT4">
+                <p:oleObj name="Equation" r:id="rId3" imgW="6832600" imgH="1625600" progId="Equation.DSMT4">
                   <p:embed/>
                   <p:pic>
                     <p:nvPicPr>
@@ -8335,8 +9771,8 @@
                     </p:blipFill>
                     <p:spPr bwMode="auto">
                       <a:xfrm>
-                        <a:off x="1104900" y="1358900"/>
-                        <a:ext cx="6705600" cy="1625600"/>
+                        <a:off x="1041400" y="1358900"/>
+                        <a:ext cx="6832600" cy="1625600"/>
                       </a:xfrm>
                       <a:prstGeom prst="rect">
                         <a:avLst/>
@@ -8381,7 +9817,7 @@
           <a:graphicData uri="http://schemas.openxmlformats.org/presentationml/2006/ole">
             <mc:AlternateContent xmlns:mc="http://schemas.openxmlformats.org/markup-compatibility/2006">
               <mc:Choice xmlns:v="urn:schemas-microsoft-com:vml" Requires="v">
-                <p:oleObj spid="_x0000_s387078" name="Equation" r:id="rId5" imgW="3898900" imgH="850900" progId="Equation.DSMT4">
+                <p:oleObj spid="_x0000_s387085" name="Equation" r:id="rId5" imgW="3898900" imgH="850900" progId="Equation.DSMT4">
                   <p:embed/>
                 </p:oleObj>
               </mc:Choice>
@@ -8617,11 +10053,11 @@
             </a:pPr>
             <a:r>
               <a:rPr lang="en-US" dirty="0" err="1" smtClean="0"/>
-              <a:t>lec</a:t>
+              <a:t>partialfrac</a:t>
             </a:r>
             <a:r>
               <a:rPr lang="en-US" dirty="0" smtClean="0"/>
-              <a:t> 11M.</a:t>
+              <a:t>.</a:t>
             </a:r>
             <a:fld id="{A585D087-0720-40C8-BCB9-442D95888E3B}" type="slidenum">
               <a:rPr lang="en-US" smtClean="0"/>
@@ -8935,12 +10371,12 @@
           <a:graphicData uri="http://schemas.openxmlformats.org/presentationml/2006/ole">
             <mc:AlternateContent xmlns:mc="http://schemas.openxmlformats.org/markup-compatibility/2006">
               <mc:Choice xmlns:v="urn:schemas-microsoft-com:vml" Requires="v">
-                <p:oleObj spid="_x0000_s261172" name="Equation" r:id="rId3" imgW="7226300" imgH="1727200" progId="Equation.DSMT4">
+                <p:oleObj spid="_x0000_s261179" name="Equation" r:id="rId4" imgW="7226300" imgH="1727200" progId="Equation.DSMT4">
                   <p:embed/>
                 </p:oleObj>
               </mc:Choice>
               <mc:Fallback>
-                <p:oleObj name="Equation" r:id="rId3" imgW="7226300" imgH="1727200" progId="Equation.DSMT4">
+                <p:oleObj name="Equation" r:id="rId4" imgW="7226300" imgH="1727200" progId="Equation.DSMT4">
                   <p:embed/>
                   <p:pic>
                     <p:nvPicPr>
@@ -8951,7 +10387,7 @@
                       <p:nvPr/>
                     </p:nvPicPr>
                     <p:blipFill>
-                      <a:blip r:embed="rId4"/>
+                      <a:blip r:embed="rId5"/>
                       <a:srcRect/>
                       <a:stretch>
                         <a:fillRect/>
@@ -9027,15 +10463,7 @@
                   <a:srgbClr val="FF00FF"/>
                 </a:solidFill>
               </a:rPr>
-              <a:t> of </a:t>
-            </a:r>
-            <a:r>
-              <a:rPr lang="en-US" sz="3600" dirty="0" smtClean="0">
-                <a:solidFill>
-                  <a:srgbClr val="FF00FF"/>
-                </a:solidFill>
-              </a:rPr>
-              <a:t>LHS </a:t>
+              <a:t> of LHS </a:t>
             </a:r>
             <a:endParaRPr lang="en-US" sz="3600" dirty="0">
               <a:solidFill>
@@ -9067,12 +10495,12 @@
           <a:graphicData uri="http://schemas.openxmlformats.org/presentationml/2006/ole">
             <mc:AlternateContent xmlns:mc="http://schemas.openxmlformats.org/markup-compatibility/2006">
               <mc:Choice xmlns:v="urn:schemas-microsoft-com:vml" Requires="v">
-                <p:oleObj spid="_x0000_s261173" name="Equation" r:id="rId5" imgW="6121400" imgH="952500" progId="Equation.DSMT4">
+                <p:oleObj spid="_x0000_s261180" name="Equation" r:id="rId6" imgW="6121400" imgH="952500" progId="Equation.DSMT4">
                   <p:embed/>
                 </p:oleObj>
               </mc:Choice>
               <mc:Fallback>
-                <p:oleObj name="Equation" r:id="rId5" imgW="6121400" imgH="952500" progId="Equation.DSMT4">
+                <p:oleObj name="Equation" r:id="rId6" imgW="6121400" imgH="952500" progId="Equation.DSMT4">
                   <p:embed/>
                   <p:pic>
                     <p:nvPicPr>
@@ -9083,7 +10511,7 @@
                       <p:nvPr/>
                     </p:nvPicPr>
                     <p:blipFill>
-                      <a:blip r:embed="rId6"/>
+                      <a:blip r:embed="rId7"/>
                       <a:srcRect/>
                       <a:stretch>
                         <a:fillRect/>
@@ -9132,11 +10560,11 @@
             </a:pPr>
             <a:r>
               <a:rPr lang="en-US" dirty="0" err="1" smtClean="0"/>
-              <a:t>lec</a:t>
+              <a:t>partialfrac</a:t>
             </a:r>
             <a:r>
               <a:rPr lang="en-US" dirty="0" smtClean="0"/>
-              <a:t> 11M.</a:t>
+              <a:t>.</a:t>
             </a:r>
             <a:fld id="{A585D087-0720-40C8-BCB9-442D95888E3B}" type="slidenum">
               <a:rPr lang="en-US" smtClean="0"/>
@@ -9447,12 +10875,12 @@
           <a:graphicData uri="http://schemas.openxmlformats.org/presentationml/2006/ole">
             <mc:AlternateContent xmlns:mc="http://schemas.openxmlformats.org/markup-compatibility/2006">
               <mc:Choice xmlns:v="urn:schemas-microsoft-com:vml" Requires="v">
-                <p:oleObj spid="_x0000_s262322" name="Equation" r:id="rId3" imgW="1422400" imgH="482600" progId="Equation.DSMT4">
+                <p:oleObj spid="_x0000_s262344" name="Equation" r:id="rId4" imgW="1422400" imgH="482600" progId="Equation.DSMT4">
                   <p:embed/>
                 </p:oleObj>
               </mc:Choice>
               <mc:Fallback>
-                <p:oleObj name="Equation" r:id="rId3" imgW="1422400" imgH="482600" progId="Equation.DSMT4">
+                <p:oleObj name="Equation" r:id="rId4" imgW="1422400" imgH="482600" progId="Equation.DSMT4">
                   <p:embed/>
                   <p:pic>
                     <p:nvPicPr>
@@ -9463,7 +10891,7 @@
                       <p:nvPr/>
                     </p:nvPicPr>
                     <p:blipFill>
-                      <a:blip r:embed="rId4"/>
+                      <a:blip r:embed="rId5"/>
                       <a:srcRect/>
                       <a:stretch>
                         <a:fillRect/>
@@ -9511,12 +10939,12 @@
           <a:graphicData uri="http://schemas.openxmlformats.org/presentationml/2006/ole">
             <mc:AlternateContent xmlns:mc="http://schemas.openxmlformats.org/markup-compatibility/2006">
               <mc:Choice xmlns:v="urn:schemas-microsoft-com:vml" Requires="v">
-                <p:oleObj spid="_x0000_s262323" name="Equation" r:id="rId5" imgW="2946240" imgH="660240" progId="Equation.DSMT4">
+                <p:oleObj spid="_x0000_s262345" name="Equation" r:id="rId6" imgW="2946240" imgH="660240" progId="Equation.DSMT4">
                   <p:embed/>
                 </p:oleObj>
               </mc:Choice>
               <mc:Fallback>
-                <p:oleObj name="Equation" r:id="rId5" imgW="2946240" imgH="660240" progId="Equation.DSMT4">
+                <p:oleObj name="Equation" r:id="rId6" imgW="2946240" imgH="660240" progId="Equation.DSMT4">
                   <p:embed/>
                   <p:pic>
                     <p:nvPicPr>
@@ -9527,7 +10955,7 @@
                       <p:nvPr/>
                     </p:nvPicPr>
                     <p:blipFill>
-                      <a:blip r:embed="rId6">
+                      <a:blip r:embed="rId7">
                         <a:extLst>
                           <a:ext uri="{28A0092B-C50C-407E-A947-70E740481C1C}">
                             <a14:useLocalDpi xmlns:a14="http://schemas.microsoft.com/office/drawing/2010/main" val="0"/>
@@ -9587,12 +11015,12 @@
           <a:graphicData uri="http://schemas.openxmlformats.org/presentationml/2006/ole">
             <mc:AlternateContent xmlns:mc="http://schemas.openxmlformats.org/markup-compatibility/2006">
               <mc:Choice xmlns:v="urn:schemas-microsoft-com:vml" Requires="v">
-                <p:oleObj spid="_x0000_s262324" name="Equation" r:id="rId7" imgW="1803400" imgH="914400" progId="Equation.DSMT4">
+                <p:oleObj spid="_x0000_s262346" name="Equation" r:id="rId8" imgW="1803400" imgH="914400" progId="Equation.DSMT4">
                   <p:embed/>
                 </p:oleObj>
               </mc:Choice>
               <mc:Fallback>
-                <p:oleObj name="Equation" r:id="rId7" imgW="1803400" imgH="914400" progId="Equation.DSMT4">
+                <p:oleObj name="Equation" r:id="rId8" imgW="1803400" imgH="914400" progId="Equation.DSMT4">
                   <p:embed/>
                   <p:pic>
                     <p:nvPicPr>
@@ -9603,7 +11031,7 @@
                       <p:nvPr/>
                     </p:nvPicPr>
                     <p:blipFill>
-                      <a:blip r:embed="rId8"/>
+                      <a:blip r:embed="rId9"/>
                       <a:srcRect/>
                       <a:stretch>
                         <a:fillRect/>
@@ -9649,12 +11077,12 @@
           <a:graphicData uri="http://schemas.openxmlformats.org/presentationml/2006/ole">
             <mc:AlternateContent xmlns:mc="http://schemas.openxmlformats.org/markup-compatibility/2006">
               <mc:Choice xmlns:v="urn:schemas-microsoft-com:vml" Requires="v">
-                <p:oleObj spid="_x0000_s262325" name="Equation" r:id="rId9" imgW="2197100" imgH="520700" progId="Equation.DSMT4">
+                <p:oleObj spid="_x0000_s262347" name="Equation" r:id="rId10" imgW="2197100" imgH="520700" progId="Equation.DSMT4">
                   <p:embed/>
                 </p:oleObj>
               </mc:Choice>
               <mc:Fallback>
-                <p:oleObj name="Equation" r:id="rId9" imgW="2197100" imgH="520700" progId="Equation.DSMT4">
+                <p:oleObj name="Equation" r:id="rId10" imgW="2197100" imgH="520700" progId="Equation.DSMT4">
                   <p:embed/>
                   <p:pic>
                     <p:nvPicPr>
@@ -9665,7 +11093,7 @@
                       <p:nvPr/>
                     </p:nvPicPr>
                     <p:blipFill>
-                      <a:blip r:embed="rId10"/>
+                      <a:blip r:embed="rId11"/>
                       <a:srcRect/>
                       <a:stretch>
                         <a:fillRect/>
@@ -9713,12 +11141,12 @@
           <a:graphicData uri="http://schemas.openxmlformats.org/presentationml/2006/ole">
             <mc:AlternateContent xmlns:mc="http://schemas.openxmlformats.org/markup-compatibility/2006">
               <mc:Choice xmlns:v="urn:schemas-microsoft-com:vml" Requires="v">
-                <p:oleObj spid="_x0000_s262326" name="Equation" r:id="rId11" imgW="4267080" imgH="685800" progId="Equation.DSMT4">
+                <p:oleObj spid="_x0000_s262348" name="Equation" r:id="rId12" imgW="4267080" imgH="685800" progId="Equation.DSMT4">
                   <p:embed/>
                 </p:oleObj>
               </mc:Choice>
               <mc:Fallback>
-                <p:oleObj name="Equation" r:id="rId11" imgW="4267080" imgH="685800" progId="Equation.DSMT4">
+                <p:oleObj name="Equation" r:id="rId12" imgW="4267080" imgH="685800" progId="Equation.DSMT4">
                   <p:embed/>
                   <p:pic>
                     <p:nvPicPr>
@@ -9729,7 +11157,7 @@
                       <p:nvPr/>
                     </p:nvPicPr>
                     <p:blipFill>
-                      <a:blip r:embed="rId12">
+                      <a:blip r:embed="rId13">
                         <a:extLst>
                           <a:ext uri="{28A0092B-C50C-407E-A947-70E740481C1C}">
                             <a14:useLocalDpi xmlns:a14="http://schemas.microsoft.com/office/drawing/2010/main" val="0"/>
@@ -9789,12 +11217,12 @@
           <a:graphicData uri="http://schemas.openxmlformats.org/presentationml/2006/ole">
             <mc:AlternateContent xmlns:mc="http://schemas.openxmlformats.org/markup-compatibility/2006">
               <mc:Choice xmlns:v="urn:schemas-microsoft-com:vml" Requires="v">
-                <p:oleObj spid="_x0000_s262327" name="Equation" r:id="rId13" imgW="1435100" imgH="914400" progId="Equation.DSMT4">
+                <p:oleObj spid="_x0000_s262349" name="Equation" r:id="rId14" imgW="1435100" imgH="914400" progId="Equation.DSMT4">
                   <p:embed/>
                 </p:oleObj>
               </mc:Choice>
               <mc:Fallback>
-                <p:oleObj name="Equation" r:id="rId13" imgW="1435100" imgH="914400" progId="Equation.DSMT4">
+                <p:oleObj name="Equation" r:id="rId14" imgW="1435100" imgH="914400" progId="Equation.DSMT4">
                   <p:embed/>
                   <p:pic>
                     <p:nvPicPr>
@@ -9805,7 +11233,7 @@
                       <p:nvPr/>
                     </p:nvPicPr>
                     <p:blipFill>
-                      <a:blip r:embed="rId14"/>
+                      <a:blip r:embed="rId15"/>
                       <a:srcRect/>
                       <a:stretch>
                         <a:fillRect/>
@@ -9854,11 +11282,11 @@
             </a:pPr>
             <a:r>
               <a:rPr lang="en-US" dirty="0" err="1" smtClean="0"/>
-              <a:t>lec</a:t>
+              <a:t>partialfrac</a:t>
             </a:r>
             <a:r>
               <a:rPr lang="en-US" dirty="0" smtClean="0"/>
-              <a:t> 11M.</a:t>
+              <a:t>.</a:t>
             </a:r>
             <a:fld id="{A585D087-0720-40C8-BCB9-442D95888E3B}" type="slidenum">
               <a:rPr lang="en-US" smtClean="0"/>
@@ -9893,12 +11321,12 @@
           <a:graphicData uri="http://schemas.openxmlformats.org/presentationml/2006/ole">
             <mc:AlternateContent xmlns:mc="http://schemas.openxmlformats.org/markup-compatibility/2006">
               <mc:Choice xmlns:v="urn:schemas-microsoft-com:vml" Requires="v">
-                <p:oleObj spid="_x0000_s262328" name="Equation" r:id="rId15" imgW="6121400" imgH="952500" progId="Equation.DSMT4">
+                <p:oleObj spid="_x0000_s262350" name="Equation" r:id="rId16" imgW="6121400" imgH="952500" progId="Equation.DSMT4">
                   <p:embed/>
                 </p:oleObj>
               </mc:Choice>
               <mc:Fallback>
-                <p:oleObj name="Equation" r:id="rId15" imgW="6121400" imgH="952500" progId="Equation.DSMT4">
+                <p:oleObj name="Equation" r:id="rId16" imgW="6121400" imgH="952500" progId="Equation.DSMT4">
                   <p:embed/>
                   <p:pic>
                     <p:nvPicPr>
@@ -9909,7 +11337,7 @@
                       <p:nvPr/>
                     </p:nvPicPr>
                     <p:blipFill>
-                      <a:blip r:embed="rId16"/>
+                      <a:blip r:embed="rId17"/>
                       <a:srcRect/>
                       <a:stretch>
                         <a:fillRect/>
